--- a/Review - 1.pptx
+++ b/Review - 1.pptx
@@ -5,27 +5,34 @@
     <p:sldMasterId id="2147483648" r:id="rId1"/>
   </p:sldMasterIdLst>
   <p:notesMasterIdLst>
-    <p:notesMasterId r:id="rId7"/>
+    <p:notesMasterId r:id="rId24"/>
   </p:notesMasterIdLst>
   <p:handoutMasterIdLst>
-    <p:handoutMasterId r:id="rId19"/>
+    <p:handoutMasterId r:id="rId25"/>
   </p:handoutMasterIdLst>
   <p:sldIdLst>
-    <p:sldId id="256" r:id="rId3"/>
-    <p:sldId id="257" r:id="rId4"/>
-    <p:sldId id="258" r:id="rId5"/>
-    <p:sldId id="259" r:id="rId6"/>
-    <p:sldId id="260" r:id="rId8"/>
-    <p:sldId id="261" r:id="rId9"/>
-    <p:sldId id="265" r:id="rId10"/>
-    <p:sldId id="266" r:id="rId11"/>
-    <p:sldId id="267" r:id="rId12"/>
-    <p:sldId id="268" r:id="rId13"/>
-    <p:sldId id="271" r:id="rId14"/>
-    <p:sldId id="272" r:id="rId15"/>
-    <p:sldId id="273" r:id="rId16"/>
-    <p:sldId id="274" r:id="rId17"/>
-    <p:sldId id="275" r:id="rId18"/>
+    <p:sldId id="276" r:id="rId2"/>
+    <p:sldId id="282" r:id="rId3"/>
+    <p:sldId id="277" r:id="rId4"/>
+    <p:sldId id="278" r:id="rId5"/>
+    <p:sldId id="256" r:id="rId6"/>
+    <p:sldId id="257" r:id="rId7"/>
+    <p:sldId id="258" r:id="rId8"/>
+    <p:sldId id="259" r:id="rId9"/>
+    <p:sldId id="260" r:id="rId10"/>
+    <p:sldId id="261" r:id="rId11"/>
+    <p:sldId id="265" r:id="rId12"/>
+    <p:sldId id="266" r:id="rId13"/>
+    <p:sldId id="267" r:id="rId14"/>
+    <p:sldId id="268" r:id="rId15"/>
+    <p:sldId id="271" r:id="rId16"/>
+    <p:sldId id="272" r:id="rId17"/>
+    <p:sldId id="273" r:id="rId18"/>
+    <p:sldId id="274" r:id="rId19"/>
+    <p:sldId id="275" r:id="rId20"/>
+    <p:sldId id="279" r:id="rId21"/>
+    <p:sldId id="280" r:id="rId22"/>
+    <p:sldId id="281" r:id="rId23"/>
   </p:sldIdLst>
   <p:sldSz cx="12192000" cy="6858000"/>
   <p:notesSz cx="6858000" cy="9144000"/>
@@ -209,6 +216,8 @@
           <a:p>
             <a:fld id="{AD523D91-7B86-4AE2-ACED-11F6209AA336}" type="datetimeFigureOut">
               <a:rPr lang="en-IN" smtClean="0"/>
+              <a:pPr/>
+              <a:t>01-11-2020</a:t>
             </a:fld>
             <a:endParaRPr lang="en-IN"/>
           </a:p>
@@ -274,6 +283,8 @@
           <a:p>
             <a:fld id="{BF54FC27-FC2A-4A8D-9943-002653B84E76}" type="slidenum">
               <a:rPr lang="en-IN" smtClean="0"/>
+              <a:pPr/>
+              <a:t>‹#›</a:t>
             </a:fld>
             <a:endParaRPr lang="en-IN"/>
           </a:p>
@@ -368,6 +379,8 @@
           <a:p>
             <a:fld id="{C4621B3E-31D6-42D2-A593-5F3207623B25}" type="datetimeFigureOut">
               <a:rPr lang="en-IN" smtClean="0"/>
+              <a:pPr/>
+              <a:t>01-11-2020</a:t>
             </a:fld>
             <a:endParaRPr lang="en-IN"/>
           </a:p>
@@ -434,7 +447,6 @@
               <a:rPr lang="en-US"/>
               <a:t>Click to edit Master text styles</a:t>
             </a:r>
-            <a:endParaRPr lang="en-US"/>
           </a:p>
           <a:p>
             <a:pPr lvl="1"/>
@@ -442,7 +454,6 @@
               <a:rPr lang="en-US"/>
               <a:t>Second level</a:t>
             </a:r>
-            <a:endParaRPr lang="en-US"/>
           </a:p>
           <a:p>
             <a:pPr lvl="2"/>
@@ -450,7 +461,6 @@
               <a:rPr lang="en-US"/>
               <a:t>Third level</a:t>
             </a:r>
-            <a:endParaRPr lang="en-US"/>
           </a:p>
           <a:p>
             <a:pPr lvl="3"/>
@@ -458,7 +468,6 @@
               <a:rPr lang="en-US"/>
               <a:t>Fourth level</a:t>
             </a:r>
-            <a:endParaRPr lang="en-US"/>
           </a:p>
           <a:p>
             <a:pPr lvl="4"/>
@@ -530,6 +539,8 @@
           <a:p>
             <a:fld id="{39124777-B8F0-4CC9-8106-D472180B798D}" type="slidenum">
               <a:rPr lang="en-IN" smtClean="0"/>
+              <a:pPr/>
+              <a:t>‹#›</a:t>
             </a:fld>
             <a:endParaRPr lang="en-IN"/>
           </a:p>
@@ -699,6 +710,8 @@
           <a:p>
             <a:fld id="{39124777-B8F0-4CC9-8106-D472180B798D}" type="slidenum">
               <a:rPr lang="en-IN" smtClean="0"/>
+              <a:pPr/>
+              <a:t>8</a:t>
             </a:fld>
             <a:endParaRPr lang="en-IN"/>
           </a:p>
@@ -721,11 +734,20 @@
         <p:cNvGrpSpPr/>
         <p:nvPr/>
       </p:nvGrpSpPr>
-      <p:grpSpPr/>
+      <p:grpSpPr>
+        <a:xfrm>
+          <a:off x="0" y="0"/>
+          <a:ext cx="0" cy="0"/>
+          <a:chOff x="0" y="0"/>
+          <a:chExt cx="0" cy="0"/>
+        </a:xfrm>
+      </p:grpSpPr>
       <p:sp>
         <p:nvSpPr>
           <p:cNvPr id="2" name="Slide Image Placeholder 1"/>
-          <p:cNvSpPr/>
+          <p:cNvSpPr>
+            <a:spLocks noGrp="1" noRot="1" noChangeAspect="1"/>
+          </p:cNvSpPr>
           <p:nvPr>
             <p:ph type="sldImg" idx="2"/>
           </p:nvPr>
@@ -735,7 +757,9 @@
       <p:sp>
         <p:nvSpPr>
           <p:cNvPr id="3" name="Text Placeholder 2"/>
-          <p:cNvSpPr/>
+          <p:cNvSpPr>
+            <a:spLocks noGrp="1"/>
+          </p:cNvSpPr>
           <p:nvPr>
             <p:ph type="body" idx="3"/>
           </p:nvPr>
@@ -743,6 +767,7 @@
         <p:spPr/>
         <p:txBody>
           <a:bodyPr/>
+          <a:lstStyle/>
           <a:p>
             <a:endParaRPr lang="en-US"/>
           </a:p>
@@ -761,9 +786,12 @@
         <p:spPr/>
         <p:txBody>
           <a:bodyPr/>
+          <a:lstStyle/>
           <a:p>
             <a:fld id="{39124777-B8F0-4CC9-8106-D472180B798D}" type="slidenum">
               <a:rPr lang="en-IN" smtClean="0"/>
+              <a:pPr/>
+              <a:t>13</a:t>
             </a:fld>
             <a:endParaRPr lang="en-IN"/>
           </a:p>
@@ -786,12 +814,19 @@
         <p:cNvGrpSpPr/>
         <p:nvPr/>
       </p:nvGrpSpPr>
-      <p:grpSpPr/>
+      <p:grpSpPr>
+        <a:xfrm>
+          <a:off x="0" y="0"/>
+          <a:ext cx="0" cy="0"/>
+          <a:chOff x="0" y="0"/>
+          <a:chExt cx="0" cy="0"/>
+        </a:xfrm>
+      </p:grpSpPr>
       <p:sp>
         <p:nvSpPr>
           <p:cNvPr id="11265" name="Slide Image Placeholder 1"/>
           <p:cNvSpPr>
-            <a:spLocks noGrp="1" noRot="1"/>
+            <a:spLocks noGrp="1" noRot="1" noChangeAspect="1"/>
           </p:cNvSpPr>
           <p:nvPr>
             <p:ph type="sldImg"/>
@@ -812,6 +847,7 @@
         <p:spPr/>
         <p:txBody>
           <a:bodyPr lIns="91440" tIns="45720" rIns="91440" bIns="45720" anchor="t"/>
+          <a:lstStyle/>
           <a:p>
             <a:pPr lvl="0"/>
             <a:endParaRPr lang="en-US" altLang="zh-CN"/>
@@ -843,13 +879,13 @@
         </p:spPr>
         <p:txBody>
           <a:bodyPr vert="horz" lIns="91440" tIns="45720" rIns="91440" bIns="45720" anchor="b"/>
+          <a:lstStyle/>
           <a:p>
             <a:pPr lvl="0"/>
             <a:r>
               <a:rPr lang="en-US" altLang="zh-CN" sz="1200"/>
               <a:t>Varun Bohara</a:t>
             </a:r>
-            <a:endParaRPr lang="en-US" altLang="zh-CN" sz="1200"/>
           </a:p>
         </p:txBody>
       </p:sp>
@@ -870,12 +906,19 @@
         <p:cNvGrpSpPr/>
         <p:nvPr/>
       </p:nvGrpSpPr>
-      <p:grpSpPr/>
+      <p:grpSpPr>
+        <a:xfrm>
+          <a:off x="0" y="0"/>
+          <a:ext cx="0" cy="0"/>
+          <a:chOff x="0" y="0"/>
+          <a:chExt cx="0" cy="0"/>
+        </a:xfrm>
+      </p:grpSpPr>
       <p:sp>
         <p:nvSpPr>
           <p:cNvPr id="13313" name="Slide Image Placeholder 1"/>
           <p:cNvSpPr>
-            <a:spLocks noGrp="1" noRot="1"/>
+            <a:spLocks noGrp="1" noRot="1" noChangeAspect="1"/>
           </p:cNvSpPr>
           <p:nvPr>
             <p:ph type="sldImg"/>
@@ -896,6 +939,7 @@
         <p:spPr/>
         <p:txBody>
           <a:bodyPr lIns="91440" tIns="45720" rIns="91440" bIns="45720" anchor="t"/>
+          <a:lstStyle/>
           <a:p>
             <a:pPr lvl="0"/>
             <a:endParaRPr lang="en-US" altLang="zh-CN"/>
@@ -927,13 +971,13 @@
         </p:spPr>
         <p:txBody>
           <a:bodyPr vert="horz" lIns="91440" tIns="45720" rIns="91440" bIns="45720" anchor="b"/>
+          <a:lstStyle/>
           <a:p>
             <a:pPr lvl="0"/>
             <a:r>
               <a:rPr lang="en-US" altLang="zh-CN" sz="1200"/>
               <a:t>Varun Bohara</a:t>
             </a:r>
-            <a:endParaRPr lang="en-US" altLang="zh-CN" sz="1200"/>
           </a:p>
         </p:txBody>
       </p:sp>
@@ -1076,6 +1120,8 @@
           <a:p>
             <a:fld id="{0A897EF2-AEAD-4CD5-9CC2-50E14DC81F92}" type="datetime1">
               <a:rPr lang="en-IN" smtClean="0"/>
+              <a:pPr/>
+              <a:t>01-11-2020</a:t>
             </a:fld>
             <a:endParaRPr lang="en-IN"/>
           </a:p>
@@ -1117,6 +1163,8 @@
           <a:p>
             <a:fld id="{7870A25B-082D-42BE-9910-664729240837}" type="slidenum">
               <a:rPr lang="en-IN" smtClean="0"/>
+              <a:pPr/>
+              <a:t>‹#›</a:t>
             </a:fld>
             <a:endParaRPr lang="en-IN"/>
           </a:p>
@@ -1190,7 +1238,6 @@
               <a:rPr lang="en-US"/>
               <a:t>Click to edit Master text styles</a:t>
             </a:r>
-            <a:endParaRPr lang="en-US"/>
           </a:p>
           <a:p>
             <a:pPr lvl="1"/>
@@ -1198,7 +1245,6 @@
               <a:rPr lang="en-US"/>
               <a:t>Second level</a:t>
             </a:r>
-            <a:endParaRPr lang="en-US"/>
           </a:p>
           <a:p>
             <a:pPr lvl="2"/>
@@ -1206,7 +1252,6 @@
               <a:rPr lang="en-US"/>
               <a:t>Third level</a:t>
             </a:r>
-            <a:endParaRPr lang="en-US"/>
           </a:p>
           <a:p>
             <a:pPr lvl="3"/>
@@ -1214,7 +1259,6 @@
               <a:rPr lang="en-US"/>
               <a:t>Fourth level</a:t>
             </a:r>
-            <a:endParaRPr lang="en-US"/>
           </a:p>
           <a:p>
             <a:pPr lvl="4"/>
@@ -1243,6 +1287,8 @@
           <a:p>
             <a:fld id="{E67C5BD0-D0F2-4037-9F5A-26C3CC7ABC2C}" type="datetime1">
               <a:rPr lang="en-IN" smtClean="0"/>
+              <a:pPr/>
+              <a:t>01-11-2020</a:t>
             </a:fld>
             <a:endParaRPr lang="en-IN"/>
           </a:p>
@@ -1284,6 +1330,8 @@
           <a:p>
             <a:fld id="{7870A25B-082D-42BE-9910-664729240837}" type="slidenum">
               <a:rPr lang="en-IN" smtClean="0"/>
+              <a:pPr/>
+              <a:t>‹#›</a:t>
             </a:fld>
             <a:endParaRPr lang="en-IN"/>
           </a:p>
@@ -1367,7 +1415,6 @@
               <a:rPr lang="en-US"/>
               <a:t>Click to edit Master text styles</a:t>
             </a:r>
-            <a:endParaRPr lang="en-US"/>
           </a:p>
           <a:p>
             <a:pPr lvl="1"/>
@@ -1375,7 +1422,6 @@
               <a:rPr lang="en-US"/>
               <a:t>Second level</a:t>
             </a:r>
-            <a:endParaRPr lang="en-US"/>
           </a:p>
           <a:p>
             <a:pPr lvl="2"/>
@@ -1383,7 +1429,6 @@
               <a:rPr lang="en-US"/>
               <a:t>Third level</a:t>
             </a:r>
-            <a:endParaRPr lang="en-US"/>
           </a:p>
           <a:p>
             <a:pPr lvl="3"/>
@@ -1391,7 +1436,6 @@
               <a:rPr lang="en-US"/>
               <a:t>Fourth level</a:t>
             </a:r>
-            <a:endParaRPr lang="en-US"/>
           </a:p>
           <a:p>
             <a:pPr lvl="4"/>
@@ -1420,6 +1464,8 @@
           <a:p>
             <a:fld id="{C784F30F-6C6F-4C3B-93D0-C07060B928DD}" type="datetime1">
               <a:rPr lang="en-IN" smtClean="0"/>
+              <a:pPr/>
+              <a:t>01-11-2020</a:t>
             </a:fld>
             <a:endParaRPr lang="en-IN"/>
           </a:p>
@@ -1461,6 +1507,8 @@
           <a:p>
             <a:fld id="{7870A25B-082D-42BE-9910-664729240837}" type="slidenum">
               <a:rPr lang="en-IN" smtClean="0"/>
+              <a:pPr/>
+              <a:t>‹#›</a:t>
             </a:fld>
             <a:endParaRPr lang="en-IN"/>
           </a:p>
@@ -1534,7 +1582,6 @@
               <a:rPr lang="en-US"/>
               <a:t>Click to edit Master text styles</a:t>
             </a:r>
-            <a:endParaRPr lang="en-US"/>
           </a:p>
           <a:p>
             <a:pPr lvl="1"/>
@@ -1542,7 +1589,6 @@
               <a:rPr lang="en-US"/>
               <a:t>Second level</a:t>
             </a:r>
-            <a:endParaRPr lang="en-US"/>
           </a:p>
           <a:p>
             <a:pPr lvl="2"/>
@@ -1550,7 +1596,6 @@
               <a:rPr lang="en-US"/>
               <a:t>Third level</a:t>
             </a:r>
-            <a:endParaRPr lang="en-US"/>
           </a:p>
           <a:p>
             <a:pPr lvl="3"/>
@@ -1558,7 +1603,6 @@
               <a:rPr lang="en-US"/>
               <a:t>Fourth level</a:t>
             </a:r>
-            <a:endParaRPr lang="en-US"/>
           </a:p>
           <a:p>
             <a:pPr lvl="4"/>
@@ -1587,6 +1631,8 @@
           <a:p>
             <a:fld id="{CD75FE80-55C0-450B-B2D3-D4978AAC8216}" type="datetime1">
               <a:rPr lang="en-IN" smtClean="0"/>
+              <a:pPr/>
+              <a:t>01-11-2020</a:t>
             </a:fld>
             <a:endParaRPr lang="en-IN"/>
           </a:p>
@@ -1628,6 +1674,8 @@
           <a:p>
             <a:fld id="{7870A25B-082D-42BE-9910-664729240837}" type="slidenum">
               <a:rPr lang="en-IN" smtClean="0"/>
+              <a:pPr/>
+              <a:t>‹#›</a:t>
             </a:fld>
             <a:endParaRPr lang="en-IN"/>
           </a:p>
@@ -1806,7 +1854,6 @@
               <a:rPr lang="en-US"/>
               <a:t>Click to edit Master text styles</a:t>
             </a:r>
-            <a:endParaRPr lang="en-US"/>
           </a:p>
         </p:txBody>
       </p:sp>
@@ -1827,6 +1874,8 @@
           <a:p>
             <a:fld id="{CBDF0052-A594-4C91-9EE2-32993C80D7B0}" type="datetime1">
               <a:rPr lang="en-IN" smtClean="0"/>
+              <a:pPr/>
+              <a:t>01-11-2020</a:t>
             </a:fld>
             <a:endParaRPr lang="en-IN"/>
           </a:p>
@@ -1868,6 +1917,8 @@
           <a:p>
             <a:fld id="{7870A25B-082D-42BE-9910-664729240837}" type="slidenum">
               <a:rPr lang="en-IN" smtClean="0"/>
+              <a:pPr/>
+              <a:t>‹#›</a:t>
             </a:fld>
             <a:endParaRPr lang="en-IN"/>
           </a:p>
@@ -1946,7 +1997,6 @@
               <a:rPr lang="en-US"/>
               <a:t>Click to edit Master text styles</a:t>
             </a:r>
-            <a:endParaRPr lang="en-US"/>
           </a:p>
           <a:p>
             <a:pPr lvl="1"/>
@@ -1954,7 +2004,6 @@
               <a:rPr lang="en-US"/>
               <a:t>Second level</a:t>
             </a:r>
-            <a:endParaRPr lang="en-US"/>
           </a:p>
           <a:p>
             <a:pPr lvl="2"/>
@@ -1962,7 +2011,6 @@
               <a:rPr lang="en-US"/>
               <a:t>Third level</a:t>
             </a:r>
-            <a:endParaRPr lang="en-US"/>
           </a:p>
           <a:p>
             <a:pPr lvl="3"/>
@@ -1970,7 +2018,6 @@
               <a:rPr lang="en-US"/>
               <a:t>Fourth level</a:t>
             </a:r>
-            <a:endParaRPr lang="en-US"/>
           </a:p>
           <a:p>
             <a:pPr lvl="4"/>
@@ -2007,7 +2054,6 @@
               <a:rPr lang="en-US"/>
               <a:t>Click to edit Master text styles</a:t>
             </a:r>
-            <a:endParaRPr lang="en-US"/>
           </a:p>
           <a:p>
             <a:pPr lvl="1"/>
@@ -2015,7 +2061,6 @@
               <a:rPr lang="en-US"/>
               <a:t>Second level</a:t>
             </a:r>
-            <a:endParaRPr lang="en-US"/>
           </a:p>
           <a:p>
             <a:pPr lvl="2"/>
@@ -2023,7 +2068,6 @@
               <a:rPr lang="en-US"/>
               <a:t>Third level</a:t>
             </a:r>
-            <a:endParaRPr lang="en-US"/>
           </a:p>
           <a:p>
             <a:pPr lvl="3"/>
@@ -2031,7 +2075,6 @@
               <a:rPr lang="en-US"/>
               <a:t>Fourth level</a:t>
             </a:r>
-            <a:endParaRPr lang="en-US"/>
           </a:p>
           <a:p>
             <a:pPr lvl="4"/>
@@ -2060,6 +2103,8 @@
           <a:p>
             <a:fld id="{CDE742E8-3F84-420C-8BDC-51327945DFF8}" type="datetime1">
               <a:rPr lang="en-IN" smtClean="0"/>
+              <a:pPr/>
+              <a:t>01-11-2020</a:t>
             </a:fld>
             <a:endParaRPr lang="en-IN"/>
           </a:p>
@@ -2101,6 +2146,8 @@
           <a:p>
             <a:fld id="{7870A25B-082D-42BE-9910-664729240837}" type="slidenum">
               <a:rPr lang="en-IN" smtClean="0"/>
+              <a:pPr/>
+              <a:t>‹#›</a:t>
             </a:fld>
             <a:endParaRPr lang="en-IN"/>
           </a:p>
@@ -2221,7 +2268,6 @@
               <a:rPr lang="en-US"/>
               <a:t>Click to edit Master text styles</a:t>
             </a:r>
-            <a:endParaRPr lang="en-US"/>
           </a:p>
         </p:txBody>
       </p:sp>
@@ -2250,7 +2296,6 @@
               <a:rPr lang="en-US"/>
               <a:t>Click to edit Master text styles</a:t>
             </a:r>
-            <a:endParaRPr lang="en-US"/>
           </a:p>
           <a:p>
             <a:pPr lvl="1"/>
@@ -2258,7 +2303,6 @@
               <a:rPr lang="en-US"/>
               <a:t>Second level</a:t>
             </a:r>
-            <a:endParaRPr lang="en-US"/>
           </a:p>
           <a:p>
             <a:pPr lvl="2"/>
@@ -2266,7 +2310,6 @@
               <a:rPr lang="en-US"/>
               <a:t>Third level</a:t>
             </a:r>
-            <a:endParaRPr lang="en-US"/>
           </a:p>
           <a:p>
             <a:pPr lvl="3"/>
@@ -2274,7 +2317,6 @@
               <a:rPr lang="en-US"/>
               <a:t>Fourth level</a:t>
             </a:r>
-            <a:endParaRPr lang="en-US"/>
           </a:p>
           <a:p>
             <a:pPr lvl="4"/>
@@ -2348,7 +2390,6 @@
               <a:rPr lang="en-US"/>
               <a:t>Click to edit Master text styles</a:t>
             </a:r>
-            <a:endParaRPr lang="en-US"/>
           </a:p>
         </p:txBody>
       </p:sp>
@@ -2377,7 +2418,6 @@
               <a:rPr lang="en-US"/>
               <a:t>Click to edit Master text styles</a:t>
             </a:r>
-            <a:endParaRPr lang="en-US"/>
           </a:p>
           <a:p>
             <a:pPr lvl="1"/>
@@ -2385,7 +2425,6 @@
               <a:rPr lang="en-US"/>
               <a:t>Second level</a:t>
             </a:r>
-            <a:endParaRPr lang="en-US"/>
           </a:p>
           <a:p>
             <a:pPr lvl="2"/>
@@ -2393,7 +2432,6 @@
               <a:rPr lang="en-US"/>
               <a:t>Third level</a:t>
             </a:r>
-            <a:endParaRPr lang="en-US"/>
           </a:p>
           <a:p>
             <a:pPr lvl="3"/>
@@ -2401,7 +2439,6 @@
               <a:rPr lang="en-US"/>
               <a:t>Fourth level</a:t>
             </a:r>
-            <a:endParaRPr lang="en-US"/>
           </a:p>
           <a:p>
             <a:pPr lvl="4"/>
@@ -2430,6 +2467,8 @@
           <a:p>
             <a:fld id="{941FEC9F-6C6E-499A-8A1D-DD5204AE659D}" type="datetime1">
               <a:rPr lang="en-IN" smtClean="0"/>
+              <a:pPr/>
+              <a:t>01-11-2020</a:t>
             </a:fld>
             <a:endParaRPr lang="en-IN"/>
           </a:p>
@@ -2471,6 +2510,8 @@
           <a:p>
             <a:fld id="{7870A25B-082D-42BE-9910-664729240837}" type="slidenum">
               <a:rPr lang="en-IN" smtClean="0"/>
+              <a:pPr/>
+              <a:t>‹#›</a:t>
             </a:fld>
             <a:endParaRPr lang="en-IN"/>
           </a:p>
@@ -2541,6 +2582,8 @@
           <a:p>
             <a:fld id="{D6B85FE0-7F70-4227-9383-D79D9CC9B8A6}" type="datetime1">
               <a:rPr lang="en-IN" smtClean="0"/>
+              <a:pPr/>
+              <a:t>01-11-2020</a:t>
             </a:fld>
             <a:endParaRPr lang="en-IN"/>
           </a:p>
@@ -2582,6 +2625,8 @@
           <a:p>
             <a:fld id="{7870A25B-082D-42BE-9910-664729240837}" type="slidenum">
               <a:rPr lang="en-IN" smtClean="0"/>
+              <a:pPr/>
+              <a:t>‹#›</a:t>
             </a:fld>
             <a:endParaRPr lang="en-IN"/>
           </a:p>
@@ -2629,6 +2674,8 @@
           <a:p>
             <a:fld id="{97E2ADDD-7AB3-4D2E-8A5D-D09F28B3BBAC}" type="datetime1">
               <a:rPr lang="en-IN" smtClean="0"/>
+              <a:pPr/>
+              <a:t>01-11-2020</a:t>
             </a:fld>
             <a:endParaRPr lang="en-IN"/>
           </a:p>
@@ -2670,6 +2717,8 @@
           <a:p>
             <a:fld id="{7870A25B-082D-42BE-9910-664729240837}" type="slidenum">
               <a:rPr lang="en-IN" smtClean="0"/>
+              <a:pPr/>
+              <a:t>‹#›</a:t>
             </a:fld>
             <a:endParaRPr lang="en-IN"/>
           </a:p>
@@ -2785,7 +2834,6 @@
               <a:rPr lang="en-US"/>
               <a:t>Click to edit Master text styles</a:t>
             </a:r>
-            <a:endParaRPr lang="en-US"/>
           </a:p>
           <a:p>
             <a:pPr lvl="1"/>
@@ -2793,7 +2841,6 @@
               <a:rPr lang="en-US"/>
               <a:t>Second level</a:t>
             </a:r>
-            <a:endParaRPr lang="en-US"/>
           </a:p>
           <a:p>
             <a:pPr lvl="2"/>
@@ -2801,7 +2848,6 @@
               <a:rPr lang="en-US"/>
               <a:t>Third level</a:t>
             </a:r>
-            <a:endParaRPr lang="en-US"/>
           </a:p>
           <a:p>
             <a:pPr lvl="3"/>
@@ -2809,7 +2855,6 @@
               <a:rPr lang="en-US"/>
               <a:t>Fourth level</a:t>
             </a:r>
-            <a:endParaRPr lang="en-US"/>
           </a:p>
           <a:p>
             <a:pPr lvl="4"/>
@@ -2883,7 +2928,6 @@
               <a:rPr lang="en-US"/>
               <a:t>Click to edit Master text styles</a:t>
             </a:r>
-            <a:endParaRPr lang="en-US"/>
           </a:p>
         </p:txBody>
       </p:sp>
@@ -2904,6 +2948,8 @@
           <a:p>
             <a:fld id="{2BB946DA-1D84-4D90-ABF4-873BC1641129}" type="datetime1">
               <a:rPr lang="en-IN" smtClean="0"/>
+              <a:pPr/>
+              <a:t>01-11-2020</a:t>
             </a:fld>
             <a:endParaRPr lang="en-IN"/>
           </a:p>
@@ -2945,6 +2991,8 @@
           <a:p>
             <a:fld id="{7870A25B-082D-42BE-9910-664729240837}" type="slidenum">
               <a:rPr lang="en-IN" smtClean="0"/>
+              <a:pPr/>
+              <a:t>‹#›</a:t>
             </a:fld>
             <a:endParaRPr lang="en-IN"/>
           </a:p>
@@ -3130,7 +3178,6 @@
               <a:rPr lang="en-US"/>
               <a:t>Click to edit Master text styles</a:t>
             </a:r>
-            <a:endParaRPr lang="en-US"/>
           </a:p>
         </p:txBody>
       </p:sp>
@@ -3151,6 +3198,8 @@
           <a:p>
             <a:fld id="{423DD3FA-DE5D-41C6-BF74-15AF0A41901A}" type="datetime1">
               <a:rPr lang="en-IN" smtClean="0"/>
+              <a:pPr/>
+              <a:t>01-11-2020</a:t>
             </a:fld>
             <a:endParaRPr lang="en-IN"/>
           </a:p>
@@ -3192,6 +3241,8 @@
           <a:p>
             <a:fld id="{7870A25B-082D-42BE-9910-664729240837}" type="slidenum">
               <a:rPr lang="en-IN" smtClean="0"/>
+              <a:pPr/>
+              <a:t>‹#›</a:t>
             </a:fld>
             <a:endParaRPr lang="en-IN"/>
           </a:p>
@@ -3290,7 +3341,6 @@
               <a:rPr lang="en-US"/>
               <a:t>Click to edit Master text styles</a:t>
             </a:r>
-            <a:endParaRPr lang="en-US"/>
           </a:p>
           <a:p>
             <a:pPr lvl="1"/>
@@ -3298,7 +3348,6 @@
               <a:rPr lang="en-US"/>
               <a:t>Second level</a:t>
             </a:r>
-            <a:endParaRPr lang="en-US"/>
           </a:p>
           <a:p>
             <a:pPr lvl="2"/>
@@ -3306,7 +3355,6 @@
               <a:rPr lang="en-US"/>
               <a:t>Third level</a:t>
             </a:r>
-            <a:endParaRPr lang="en-US"/>
           </a:p>
           <a:p>
             <a:pPr lvl="3"/>
@@ -3314,7 +3362,6 @@
               <a:rPr lang="en-US"/>
               <a:t>Fourth level</a:t>
             </a:r>
-            <a:endParaRPr lang="en-US"/>
           </a:p>
           <a:p>
             <a:pPr lvl="4"/>
@@ -3361,6 +3408,8 @@
           <a:p>
             <a:fld id="{709BFFCA-D871-48FC-B125-9B7E672F2620}" type="datetime1">
               <a:rPr lang="en-IN" smtClean="0"/>
+              <a:pPr/>
+              <a:t>01-11-2020</a:t>
             </a:fld>
             <a:endParaRPr lang="en-IN"/>
           </a:p>
@@ -3438,6 +3487,8 @@
           <a:p>
             <a:fld id="{7870A25B-082D-42BE-9910-664729240837}" type="slidenum">
               <a:rPr lang="en-IN" smtClean="0"/>
+              <a:pPr/>
+              <a:t>‹#›</a:t>
             </a:fld>
             <a:endParaRPr lang="en-IN"/>
           </a:p>
@@ -3762,40 +3813,25 @@
       </p:grpSpPr>
       <p:sp>
         <p:nvSpPr>
-          <p:cNvPr id="3" name="Subtitle 2"/>
-          <p:cNvSpPr>
-            <a:spLocks noGrp="1"/>
-          </p:cNvSpPr>
-          <p:nvPr>
-            <p:ph type="subTitle" idx="1"/>
-          </p:nvPr>
-        </p:nvSpPr>
-        <p:spPr>
-          <a:xfrm>
-            <a:off x="1524000" y="875290"/>
-            <a:ext cx="9144000" cy="1187971"/>
-          </a:xfrm>
-        </p:spPr>
+          <p:cNvPr id="2" name="Slide Number Placeholder 1"/>
+          <p:cNvSpPr>
+            <a:spLocks noGrp="1"/>
+          </p:cNvSpPr>
+          <p:nvPr>
+            <p:ph type="sldNum" sz="quarter" idx="12"/>
+          </p:nvPr>
+        </p:nvSpPr>
+        <p:spPr/>
         <p:txBody>
           <a:bodyPr/>
           <a:lstStyle/>
           <a:p>
-            <a:r>
-              <a:rPr lang="en-US" sz="2800" b="1" dirty="0"/>
-              <a:t>Exploring Hate Speech Detection in Multimodal Publications</a:t>
-            </a:r>
-            <a:r>
-              <a:rPr lang="en-US" sz="2800" dirty="0"/>
-              <a:t> </a:t>
-            </a:r>
-            <a:endParaRPr lang="en-US" sz="2800" dirty="0"/>
-          </a:p>
-          <a:p>
-            <a:r>
-              <a:rPr lang="en-IN" sz="2000" i="1" dirty="0"/>
-              <a:t>       Raul Gomez , Jaume Gibert , Lluis Gomez , Dimosthenis Karatzas, WACV 2020</a:t>
-            </a:r>
-            <a:endParaRPr lang="en-IN" sz="2000" i="1" dirty="0"/>
+            <a:fld id="{7870A25B-082D-42BE-9910-664729240837}" type="slidenum">
+              <a:rPr lang="en-IN" smtClean="0"/>
+              <a:pPr/>
+              <a:t>1</a:t>
+            </a:fld>
+            <a:endParaRPr lang="en-IN"/>
           </a:p>
         </p:txBody>
       </p:sp>
@@ -3807,8 +3843,8 @@
         </p:nvSpPr>
         <p:spPr>
           <a:xfrm>
-            <a:off x="1043148" y="2491977"/>
-            <a:ext cx="10828421" cy="2585323"/>
+            <a:off x="801857" y="604911"/>
+            <a:ext cx="10128739" cy="4031873"/>
           </a:xfrm>
           <a:prstGeom prst="rect">
             <a:avLst/>
@@ -3821,103 +3857,121 @@
           </a:bodyPr>
           <a:lstStyle/>
           <a:p>
-            <a:pPr marL="285750" indent="-285750">
-              <a:buFont typeface="Arial" panose="020B0604020202020204" pitchFamily="34" charset="0"/>
-              <a:buChar char="•"/>
-            </a:pPr>
-            <a:r>
-              <a:rPr lang="en-IN" b="1" dirty="0"/>
-              <a:t>Target </a:t>
-            </a:r>
-            <a:r>
-              <a:rPr lang="en-IN" dirty="0"/>
-              <a:t>: Problem of Hate Speech detection in multimodal publications</a:t>
-            </a:r>
-            <a:endParaRPr lang="en-IN" dirty="0"/>
-          </a:p>
-          <a:p>
-            <a:endParaRPr lang="en-IN" dirty="0"/>
-          </a:p>
-          <a:p>
-            <a:pPr marL="285750" indent="-285750">
-              <a:buFont typeface="Arial" panose="020B0604020202020204" pitchFamily="34" charset="0"/>
-              <a:buChar char="•"/>
-            </a:pPr>
-            <a:r>
-              <a:rPr lang="en-US" dirty="0"/>
-              <a:t>Even though images are useful for the hate speech detection task, current multimodal models cannot outperform models analyzing only text</a:t>
-            </a:r>
-            <a:r>
-              <a:rPr lang="en-IN" dirty="0"/>
-              <a:t> and discuss </a:t>
-            </a:r>
-            <a:r>
-              <a:rPr lang="en-IN" b="1" dirty="0"/>
-              <a:t>Why.</a:t>
-            </a:r>
-            <a:endParaRPr lang="en-IN" b="1" dirty="0"/>
-          </a:p>
-          <a:p>
-            <a:endParaRPr lang="en-IN" dirty="0"/>
-          </a:p>
-          <a:p>
-            <a:pPr marL="285750" indent="-285750">
-              <a:buFont typeface="Arial" panose="020B0604020202020204" pitchFamily="34" charset="0"/>
-              <a:buChar char="•"/>
-            </a:pPr>
-            <a:r>
-              <a:rPr lang="en-IN" dirty="0"/>
-              <a:t>MMHS150K –</a:t>
-            </a:r>
-            <a:endParaRPr lang="en-IN" dirty="0"/>
-          </a:p>
-          <a:p>
-            <a:pPr marL="742950" lvl="1" indent="-285750">
-              <a:buFont typeface="Arial" panose="020B0604020202020204" pitchFamily="34" charset="0"/>
-              <a:buChar char="•"/>
-            </a:pPr>
-            <a:r>
-              <a:rPr lang="en-IN" dirty="0"/>
-              <a:t>Gathered   : Twitter API</a:t>
-            </a:r>
-            <a:endParaRPr lang="en-IN" dirty="0"/>
-          </a:p>
-          <a:p>
-            <a:pPr marL="742950" lvl="1" indent="-285750">
-              <a:buFont typeface="Arial" panose="020B0604020202020204" pitchFamily="34" charset="0"/>
-              <a:buChar char="•"/>
-            </a:pPr>
-            <a:r>
-              <a:rPr lang="en-IN" dirty="0"/>
-              <a:t>Annotated : Amazon Mechanical Turk.</a:t>
-            </a:r>
-            <a:endParaRPr lang="en-IN" dirty="0"/>
-          </a:p>
-          <a:p>
-            <a:pPr lvl="1"/>
-            <a:endParaRPr lang="en-IN" dirty="0"/>
-          </a:p>
-        </p:txBody>
-      </p:sp>
-      <p:sp>
-        <p:nvSpPr>
-          <p:cNvPr id="5" name="Slide Number Placeholder 4"/>
-          <p:cNvSpPr>
-            <a:spLocks noGrp="1"/>
-          </p:cNvSpPr>
-          <p:nvPr>
-            <p:ph type="sldNum" sz="quarter" idx="12"/>
-          </p:nvPr>
-        </p:nvSpPr>
-        <p:spPr/>
-        <p:txBody>
-          <a:bodyPr/>
-          <a:lstStyle/>
-          <a:p>
-            <a:fld id="{7870A25B-082D-42BE-9910-664729240837}" type="slidenum">
-              <a:rPr lang="en-IN" sz="1600" smtClean="0"/>
-            </a:fld>
-            <a:endParaRPr lang="en-IN" sz="1600" dirty="0"/>
+            <a:r>
+              <a:rPr lang="en-IN" sz="3600" b="1" dirty="0" smtClean="0"/>
+              <a:t>                15ECSW301</a:t>
+            </a:r>
+            <a:r>
+              <a:rPr lang="en-IN" sz="3600" b="1" dirty="0" smtClean="0"/>
+              <a:t>: MINI PROJECT</a:t>
+            </a:r>
+          </a:p>
+          <a:p>
+            <a:r>
+              <a:rPr lang="en-IN" sz="3600" b="1" dirty="0" smtClean="0"/>
+              <a:t>      PROJECT </a:t>
+            </a:r>
+            <a:r>
+              <a:rPr lang="en-IN" sz="3600" b="1" dirty="0" smtClean="0"/>
+              <a:t>TITLE: HATEFUL MEMES CHALLENGE</a:t>
+            </a:r>
+          </a:p>
+          <a:p>
+            <a:r>
+              <a:rPr lang="en-US" sz="3200" dirty="0" smtClean="0"/>
+              <a:t>                              GUIDE : Shankar G</a:t>
+            </a:r>
+            <a:endParaRPr lang="en-IN" sz="3200" dirty="0" smtClean="0"/>
+          </a:p>
+          <a:p>
+            <a:r>
+              <a:rPr lang="en-IN" sz="3200" dirty="0" smtClean="0"/>
+              <a:t>                                        Team 5:</a:t>
+            </a:r>
+            <a:endParaRPr lang="en-US" sz="3200" dirty="0" smtClean="0"/>
+          </a:p>
+          <a:p>
+            <a:r>
+              <a:rPr lang="en-US" sz="2400" dirty="0" smtClean="0"/>
+              <a:t>                                 </a:t>
+            </a:r>
+            <a:r>
+              <a:rPr lang="en-US" sz="2400" dirty="0" err="1" smtClean="0"/>
+              <a:t>Abhishek</a:t>
+            </a:r>
+            <a:r>
+              <a:rPr lang="en-US" sz="2400" dirty="0" smtClean="0"/>
+              <a:t> </a:t>
+            </a:r>
+            <a:r>
+              <a:rPr lang="en-US" sz="2400" dirty="0" err="1" smtClean="0"/>
+              <a:t>Rao</a:t>
+            </a:r>
+            <a:r>
+              <a:rPr lang="en-US" sz="2400" dirty="0" smtClean="0"/>
+              <a:t>           : 01fe18bcs297</a:t>
+            </a:r>
+          </a:p>
+          <a:p>
+            <a:r>
+              <a:rPr lang="en-US" sz="2400" dirty="0" smtClean="0"/>
+              <a:t>                                 </a:t>
+            </a:r>
+            <a:r>
+              <a:rPr lang="en-US" sz="2400" dirty="0" err="1" smtClean="0"/>
+              <a:t>Varun</a:t>
+            </a:r>
+            <a:r>
+              <a:rPr lang="en-US" sz="2400" dirty="0" smtClean="0"/>
+              <a:t> </a:t>
+            </a:r>
+            <a:r>
+              <a:rPr lang="en-US" sz="2400" dirty="0" err="1" smtClean="0"/>
+              <a:t>Bohara</a:t>
+            </a:r>
+            <a:r>
+              <a:rPr lang="en-US" sz="2400" dirty="0" smtClean="0"/>
+              <a:t>           : 01fe18bcs278</a:t>
+            </a:r>
+          </a:p>
+          <a:p>
+            <a:r>
+              <a:rPr lang="en-US" sz="2400" dirty="0" smtClean="0"/>
+              <a:t> </a:t>
+            </a:r>
+            <a:r>
+              <a:rPr lang="en-US" sz="2400" dirty="0" smtClean="0"/>
+              <a:t>                                Sakshi </a:t>
+            </a:r>
+            <a:r>
+              <a:rPr lang="en-US" sz="2400" dirty="0" err="1" smtClean="0"/>
+              <a:t>tahlani</a:t>
+            </a:r>
+            <a:r>
+              <a:rPr lang="en-US" sz="2400" dirty="0" smtClean="0"/>
+              <a:t>           : 01fe18bcs271</a:t>
+            </a:r>
+          </a:p>
+          <a:p>
+            <a:r>
+              <a:rPr lang="en-US" sz="2400" dirty="0" smtClean="0"/>
+              <a:t> </a:t>
+            </a:r>
+            <a:r>
+              <a:rPr lang="en-US" sz="2400" dirty="0" smtClean="0"/>
+              <a:t>                                </a:t>
+            </a:r>
+            <a:r>
+              <a:rPr lang="en-US" sz="2400" dirty="0" err="1" smtClean="0"/>
+              <a:t>Madhurika</a:t>
+            </a:r>
+            <a:r>
+              <a:rPr lang="en-US" sz="2400" dirty="0" smtClean="0"/>
+              <a:t> Ganiger:01fe18bcs284</a:t>
+            </a:r>
+          </a:p>
+          <a:p>
+            <a:endParaRPr lang="en-IN" sz="2400" dirty="0"/>
           </a:p>
         </p:txBody>
       </p:sp>
@@ -3926,6 +3980,13 @@
   <p:clrMapOvr>
     <a:masterClrMapping/>
   </p:clrMapOvr>
+  <p:timing>
+    <p:tnLst>
+      <p:par>
+        <p:cTn id="1" dur="indefinite" restart="never" nodeType="tmRoot"/>
+      </p:par>
+    </p:tnLst>
+  </p:timing>
 </p:sld>
 </file>
 
@@ -3938,101 +3999,127 @@
         <p:cNvGrpSpPr/>
         <p:nvPr/>
       </p:nvGrpSpPr>
-      <p:grpSpPr/>
-      <p:sp>
-        <p:nvSpPr>
-          <p:cNvPr id="2" name="Title 1"/>
-          <p:cNvSpPr>
-            <a:spLocks noGrp="1"/>
-          </p:cNvSpPr>
-          <p:nvPr>
-            <p:ph type="title"/>
+      <p:grpSpPr>
+        <a:xfrm>
+          <a:off x="0" y="0"/>
+          <a:ext cx="0" cy="0"/>
+          <a:chOff x="0" y="0"/>
+          <a:chExt cx="0" cy="0"/>
+        </a:xfrm>
+      </p:grpSpPr>
+      <p:sp>
+        <p:nvSpPr>
+          <p:cNvPr id="3" name="Content Placeholder 2"/>
+          <p:cNvSpPr>
+            <a:spLocks noGrp="1"/>
+          </p:cNvSpPr>
+          <p:nvPr>
+            <p:ph idx="1"/>
+          </p:nvPr>
+        </p:nvSpPr>
+        <p:spPr>
+          <a:xfrm>
+            <a:off x="647700" y="751204"/>
+            <a:ext cx="10515600" cy="6106796"/>
+          </a:xfrm>
+        </p:spPr>
+        <p:txBody>
+          <a:bodyPr>
+            <a:normAutofit/>
+          </a:bodyPr>
+          <a:lstStyle/>
+          <a:p>
+            <a:r>
+              <a:rPr lang="en-IN" sz="2000" dirty="0"/>
+              <a:t>Results : </a:t>
+            </a:r>
+          </a:p>
+          <a:p>
+            <a:endParaRPr lang="en-IN" sz="2000" dirty="0"/>
+          </a:p>
+          <a:p>
+            <a:r>
+              <a:rPr lang="en-US" sz="1600" dirty="0"/>
+              <a:t>Despite the model trained only with images proves that they are useful for hate speech detection, the proposed multimodal models are not able to improve the detection compared to the textual models.</a:t>
+            </a:r>
+          </a:p>
+          <a:p>
+            <a:endParaRPr lang="en-US" sz="1600" dirty="0"/>
+          </a:p>
+          <a:p>
+            <a:endParaRPr lang="en-US" sz="1400" dirty="0"/>
+          </a:p>
+          <a:p>
+            <a:endParaRPr lang="en-US" sz="1400" dirty="0"/>
+          </a:p>
+          <a:p>
+            <a:endParaRPr lang="en-US" sz="1400" dirty="0"/>
+          </a:p>
+          <a:p>
+            <a:endParaRPr lang="en-US" sz="1400" dirty="0"/>
+          </a:p>
+          <a:p>
+            <a:pPr marL="0" indent="0">
+              <a:buNone/>
+            </a:pPr>
+            <a:endParaRPr lang="en-US" sz="1400" dirty="0"/>
+          </a:p>
+          <a:p>
+            <a:endParaRPr lang="en-US" sz="1400" dirty="0"/>
+          </a:p>
+          <a:p>
+            <a:endParaRPr lang="en-US" sz="1400" dirty="0"/>
+          </a:p>
+          <a:p>
+            <a:endParaRPr lang="en-US" sz="1400" dirty="0"/>
+          </a:p>
+          <a:p>
+            <a:pPr marL="0" indent="0">
+              <a:buNone/>
+            </a:pPr>
+            <a:endParaRPr lang="en-US" sz="1400" dirty="0"/>
+          </a:p>
+          <a:p>
+            <a:r>
+              <a:rPr lang="en-US" sz="2000" dirty="0"/>
+              <a:t>Conclusion : </a:t>
+            </a:r>
+          </a:p>
+          <a:p>
+            <a:pPr marL="0" indent="0">
+              <a:buNone/>
+            </a:pPr>
+            <a:endParaRPr lang="en-US" sz="400" dirty="0"/>
+          </a:p>
+          <a:p>
+            <a:pPr lvl="1"/>
+            <a:r>
+              <a:rPr lang="en-US" sz="1600" dirty="0"/>
+              <a:t>Training different textual, visual and multimodal models with that data, and found out that, despite the fact that images are useful for hate speech detection, the multimodal models do not outperform the textual models. </a:t>
+            </a:r>
+            <a:endParaRPr lang="en-IN" sz="1600" dirty="0"/>
+          </a:p>
+        </p:txBody>
+      </p:sp>
+      <p:sp>
+        <p:nvSpPr>
+          <p:cNvPr id="4" name="Slide Number Placeholder 3"/>
+          <p:cNvSpPr>
+            <a:spLocks noGrp="1"/>
+          </p:cNvSpPr>
+          <p:nvPr>
+            <p:ph type="sldNum" sz="quarter" idx="12"/>
           </p:nvPr>
         </p:nvSpPr>
         <p:spPr/>
         <p:txBody>
-          <a:bodyPr>
-            <a:normAutofit fontScale="90000"/>
-          </a:bodyPr>
-          <a:p>
-            <a:br>
-              <a:rPr lang="en-US" b="1">
-                <a:latin typeface="Agency FB" panose="020B0503020202020204" charset="0"/>
-                <a:cs typeface="Agency FB" panose="020B0503020202020204" charset="0"/>
-                <a:sym typeface="+mn-ea"/>
-              </a:rPr>
-            </a:br>
-            <a:r>
-              <a:rPr lang="en-US" b="1">
-                <a:latin typeface="Agency FB" panose="020B0503020202020204" charset="0"/>
-                <a:cs typeface="Agency FB" panose="020B0503020202020204" charset="0"/>
-                <a:sym typeface="+mn-ea"/>
-              </a:rPr>
-              <a:t>Multimodal Approach</a:t>
-            </a:r>
-            <a:br>
-              <a:rPr lang="en-US" b="1">
-                <a:latin typeface="Agency FB" panose="020B0503020202020204" charset="0"/>
-                <a:cs typeface="Agency FB" panose="020B0503020202020204" charset="0"/>
-              </a:rPr>
-            </a:br>
-            <a:endParaRPr lang="en-US"/>
-          </a:p>
-        </p:txBody>
-      </p:sp>
-      <p:sp>
-        <p:nvSpPr>
-          <p:cNvPr id="3" name="Content Placeholder 2"/>
-          <p:cNvSpPr>
-            <a:spLocks noGrp="1"/>
-          </p:cNvSpPr>
-          <p:nvPr>
-            <p:ph sz="half" idx="1"/>
-          </p:nvPr>
-        </p:nvSpPr>
-        <p:spPr/>
-        <p:txBody>
           <a:bodyPr/>
-          <a:p>
-            <a:r>
-              <a:rPr lang="en-IN" altLang="en-US" sz="2800">
-                <a:sym typeface="+mn-ea"/>
-              </a:rPr>
-              <a:t>Early fusion :</a:t>
-            </a:r>
-            <a:endParaRPr lang="en-IN" altLang="en-US" sz="2800"/>
-          </a:p>
-          <a:p>
-            <a:pPr lvl="1"/>
-            <a:r>
-              <a:rPr lang="en-IN" altLang="en-US" sz="2000">
-                <a:sym typeface="+mn-ea"/>
-              </a:rPr>
-              <a:t>outputs of unimodal features extracted fro different data streams are integrated into single large vector </a:t>
-            </a:r>
-            <a:endParaRPr lang="en-IN" altLang="en-US" sz="2000"/>
-          </a:p>
-          <a:p>
-            <a:endParaRPr lang="en-IN" altLang="en-US" sz="2000"/>
-          </a:p>
-        </p:txBody>
-      </p:sp>
-      <p:sp>
-        <p:nvSpPr>
-          <p:cNvPr id="5" name="Slide Number Placeholder 4"/>
-          <p:cNvSpPr>
-            <a:spLocks noGrp="1"/>
-          </p:cNvSpPr>
-          <p:nvPr>
-            <p:ph type="sldNum" sz="quarter" idx="12"/>
-          </p:nvPr>
-        </p:nvSpPr>
-        <p:spPr/>
-        <p:txBody>
-          <a:bodyPr/>
+          <a:lstStyle/>
           <a:p>
             <a:fld id="{7870A25B-082D-42BE-9910-664729240837}" type="slidenum">
               <a:rPr lang="en-IN" smtClean="0"/>
+              <a:pPr/>
+              <a:t>10</a:t>
             </a:fld>
             <a:endParaRPr lang="en-IN"/>
           </a:p>
@@ -4040,24 +4127,29 @@
       </p:sp>
       <p:pic>
         <p:nvPicPr>
-          <p:cNvPr id="6" name="Content Placeholder 4" descr="Screenshot (54)"/>
+          <p:cNvPr id="6" name="Picture 5"/>
           <p:cNvPicPr>
             <a:picLocks noChangeAspect="1"/>
           </p:cNvPicPr>
-          <p:nvPr>
-            <p:ph sz="half" idx="2"/>
-          </p:nvPr>
+          <p:nvPr/>
         </p:nvPicPr>
-        <p:blipFill>
-          <a:blip r:embed="rId1"/>
+        <p:blipFill rotWithShape="1">
+          <a:blip r:embed="rId2">
+            <a:extLst>
+              <a:ext uri="{28A0092B-C50C-407E-A947-70E740481C1C}">
+                <a14:useLocalDpi xmlns:a14="http://schemas.microsoft.com/office/drawing/2010/main" xmlns="" val="0"/>
+              </a:ext>
+            </a:extLst>
+          </a:blip>
+          <a:srcRect l="23686" t="23712" r="49175" b="36289"/>
           <a:stretch>
             <a:fillRect/>
           </a:stretch>
         </p:blipFill>
         <p:spPr>
           <a:xfrm>
-            <a:off x="6172200" y="2509520"/>
-            <a:ext cx="5181600" cy="2982595"/>
+            <a:off x="2430780" y="2217420"/>
+            <a:ext cx="5478779" cy="2767036"/>
           </a:xfrm>
           <a:prstGeom prst="rect">
             <a:avLst/>
@@ -4081,7 +4173,933 @@
         <p:cNvGrpSpPr/>
         <p:nvPr/>
       </p:nvGrpSpPr>
-      <p:grpSpPr/>
+      <p:grpSpPr>
+        <a:xfrm>
+          <a:off x="0" y="0"/>
+          <a:ext cx="0" cy="0"/>
+          <a:chOff x="0" y="0"/>
+          <a:chExt cx="0" cy="0"/>
+        </a:xfrm>
+      </p:grpSpPr>
+      <p:sp>
+        <p:nvSpPr>
+          <p:cNvPr id="2" name="Title 1"/>
+          <p:cNvSpPr>
+            <a:spLocks noGrp="1"/>
+          </p:cNvSpPr>
+          <p:nvPr>
+            <p:ph type="title"/>
+          </p:nvPr>
+        </p:nvSpPr>
+        <p:spPr>
+          <a:xfrm>
+            <a:off x="1109345" y="2097405"/>
+            <a:ext cx="10515600" cy="1325563"/>
+          </a:xfrm>
+        </p:spPr>
+        <p:txBody>
+          <a:bodyPr>
+            <a:noAutofit/>
+          </a:bodyPr>
+          <a:lstStyle/>
+          <a:p>
+            <a:r>
+              <a:rPr lang="en-IN" altLang="en-US" sz="2000" b="1">
+                <a:latin typeface="Agency FB" panose="020B0503020202020204" charset="0"/>
+                <a:cs typeface="Agency FB" panose="020B0503020202020204" charset="0"/>
+                <a:sym typeface="+mn-ea"/>
+              </a:rPr>
+              <a:t>Research paper Link :</a:t>
+            </a:r>
+            <a:r>
+              <a:rPr lang="en-IN" altLang="en-US" sz="2000">
+                <a:sym typeface="+mn-ea"/>
+              </a:rPr>
+              <a:t> </a:t>
+            </a:r>
+            <a:r>
+              <a:rPr lang="en-IN" altLang="en-US" sz="2000">
+                <a:solidFill>
+                  <a:schemeClr val="accent1"/>
+                </a:solidFill>
+                <a:sym typeface="+mn-ea"/>
+              </a:rPr>
+              <a:t>https://www.aclweb.org/anthology/2020.trac-1.6.pdf</a:t>
+            </a:r>
+            <a:r>
+              <a:rPr lang="en-IN" altLang="en-US" sz="2000">
+                <a:solidFill>
+                  <a:schemeClr val="accent1"/>
+                </a:solidFill>
+              </a:rPr>
+              <a:t/>
+            </a:r>
+            <a:br>
+              <a:rPr lang="en-IN" altLang="en-US" sz="2000">
+                <a:solidFill>
+                  <a:schemeClr val="accent1"/>
+                </a:solidFill>
+              </a:rPr>
+            </a:br>
+            <a:r>
+              <a:rPr lang="en-IN" altLang="en-US" sz="2000" b="1">
+                <a:latin typeface="Agency FB" panose="020B0503020202020204" charset="0"/>
+                <a:cs typeface="Agency FB" panose="020B0503020202020204" charset="0"/>
+                <a:sym typeface="+mn-ea"/>
+              </a:rPr>
+              <a:t>Dataset link:</a:t>
+            </a:r>
+            <a:r>
+              <a:rPr lang="en-IN" altLang="en-US" sz="2000">
+                <a:solidFill>
+                  <a:schemeClr val="accent1"/>
+                </a:solidFill>
+                <a:sym typeface="+mn-ea"/>
+              </a:rPr>
+              <a:t>  https://drive.google.com/drive/folders/1ckOGoRmMwCEFo-k3UX7J2lnzg495WIS5</a:t>
+            </a:r>
+            <a:r>
+              <a:rPr lang="en-IN" altLang="en-US" sz="2000">
+                <a:solidFill>
+                  <a:schemeClr val="accent1"/>
+                </a:solidFill>
+              </a:rPr>
+              <a:t/>
+            </a:r>
+            <a:br>
+              <a:rPr lang="en-IN" altLang="en-US" sz="2000">
+                <a:solidFill>
+                  <a:schemeClr val="accent1"/>
+                </a:solidFill>
+              </a:rPr>
+            </a:br>
+            <a:endParaRPr lang="en-IN" altLang="en-US" sz="2000">
+              <a:solidFill>
+                <a:schemeClr val="accent1"/>
+              </a:solidFill>
+            </a:endParaRPr>
+          </a:p>
+        </p:txBody>
+      </p:sp>
+      <p:sp>
+        <p:nvSpPr>
+          <p:cNvPr id="4" name="Slide Number Placeholder 3"/>
+          <p:cNvSpPr>
+            <a:spLocks noGrp="1"/>
+          </p:cNvSpPr>
+          <p:nvPr>
+            <p:ph type="sldNum" sz="quarter" idx="12"/>
+          </p:nvPr>
+        </p:nvSpPr>
+        <p:spPr/>
+        <p:txBody>
+          <a:bodyPr/>
+          <a:lstStyle/>
+          <a:p>
+            <a:fld id="{7870A25B-082D-42BE-9910-664729240837}" type="slidenum">
+              <a:rPr lang="en-IN" smtClean="0"/>
+              <a:pPr/>
+              <a:t>11</a:t>
+            </a:fld>
+            <a:endParaRPr lang="en-IN"/>
+          </a:p>
+        </p:txBody>
+      </p:sp>
+      <p:pic>
+        <p:nvPicPr>
+          <p:cNvPr id="5" name="Picture 2" descr="Screenshot (75)"/>
+          <p:cNvPicPr>
+            <a:picLocks noGrp="1" noChangeAspect="1"/>
+          </p:cNvPicPr>
+          <p:nvPr>
+            <p:ph idx="1"/>
+          </p:nvPr>
+        </p:nvPicPr>
+        <p:blipFill>
+          <a:blip r:embed="rId2"/>
+          <a:srcRect r="11153" b="66491"/>
+          <a:stretch>
+            <a:fillRect/>
+          </a:stretch>
+        </p:blipFill>
+        <p:spPr>
+          <a:xfrm>
+            <a:off x="5950585" y="3653155"/>
+            <a:ext cx="5529580" cy="2028190"/>
+          </a:xfrm>
+          <a:prstGeom prst="rect">
+            <a:avLst/>
+          </a:prstGeom>
+        </p:spPr>
+      </p:pic>
+      <p:sp>
+        <p:nvSpPr>
+          <p:cNvPr id="6" name="Text Box 5"/>
+          <p:cNvSpPr txBox="1"/>
+          <p:nvPr/>
+        </p:nvSpPr>
+        <p:spPr>
+          <a:xfrm>
+            <a:off x="1012190" y="3653155"/>
+            <a:ext cx="1565275" cy="1476375"/>
+          </a:xfrm>
+          <a:prstGeom prst="rect">
+            <a:avLst/>
+          </a:prstGeom>
+          <a:noFill/>
+        </p:spPr>
+        <p:txBody>
+          <a:bodyPr wrap="none" rtlCol="0" anchor="t">
+            <a:spAutoFit/>
+          </a:bodyPr>
+          <a:lstStyle/>
+          <a:p>
+            <a:r>
+              <a:rPr lang="en-US" altLang="zh-CN" b="1" kern="100">
+                <a:latin typeface="Agency FB" panose="020B0503020202020204" charset="0"/>
+                <a:ea typeface="SimSun" panose="02010600030101010101" pitchFamily="2" charset="-122"/>
+                <a:cs typeface="Agency FB" panose="020B0503020202020204" charset="0"/>
+                <a:sym typeface="Times New Roman" panose="02020603050405020304"/>
+              </a:rPr>
+              <a:t>Dataset consists :</a:t>
+            </a:r>
+            <a:r>
+              <a:rPr lang="en-US" altLang="zh-CN" kern="100">
+                <a:latin typeface="Calibri" panose="020F0502020204030204"/>
+                <a:ea typeface="SimSun" panose="02010600030101010101" pitchFamily="2" charset="-122"/>
+                <a:cs typeface="Times New Roman" panose="02020603050405020304"/>
+                <a:sym typeface="Times New Roman" panose="02020603050405020304"/>
+              </a:rPr>
+              <a:t/>
+            </a:r>
+            <a:br>
+              <a:rPr lang="en-US" altLang="zh-CN" kern="100">
+                <a:latin typeface="Calibri" panose="020F0502020204030204"/>
+                <a:ea typeface="SimSun" panose="02010600030101010101" pitchFamily="2" charset="-122"/>
+                <a:cs typeface="Times New Roman" panose="02020603050405020304"/>
+                <a:sym typeface="Times New Roman" panose="02020603050405020304"/>
+              </a:rPr>
+            </a:br>
+            <a:r>
+              <a:rPr lang="en-US" altLang="zh-CN" kern="100">
+                <a:latin typeface="Calibri" panose="020F0502020204030204"/>
+                <a:ea typeface="SimSun" panose="02010600030101010101" pitchFamily="2" charset="-122"/>
+                <a:cs typeface="Times New Roman" panose="02020603050405020304"/>
+                <a:sym typeface="Times New Roman" panose="02020603050405020304"/>
+              </a:rPr>
+              <a:t>Image </a:t>
+            </a:r>
+            <a:br>
+              <a:rPr lang="en-US" altLang="zh-CN" kern="100">
+                <a:latin typeface="Calibri" panose="020F0502020204030204"/>
+                <a:ea typeface="SimSun" panose="02010600030101010101" pitchFamily="2" charset="-122"/>
+                <a:cs typeface="Times New Roman" panose="02020603050405020304"/>
+                <a:sym typeface="Times New Roman" panose="02020603050405020304"/>
+              </a:rPr>
+            </a:br>
+            <a:r>
+              <a:rPr lang="en-US" altLang="zh-CN" kern="100">
+                <a:latin typeface="Calibri" panose="020F0502020204030204"/>
+                <a:ea typeface="SimSun" panose="02010600030101010101" pitchFamily="2" charset="-122"/>
+                <a:cs typeface="Times New Roman" panose="02020603050405020304"/>
+                <a:sym typeface="Times New Roman" panose="02020603050405020304"/>
+              </a:rPr>
+              <a:t>Text </a:t>
+            </a:r>
+            <a:br>
+              <a:rPr lang="en-US" altLang="zh-CN" kern="100">
+                <a:latin typeface="Calibri" panose="020F0502020204030204"/>
+                <a:ea typeface="SimSun" panose="02010600030101010101" pitchFamily="2" charset="-122"/>
+                <a:cs typeface="Times New Roman" panose="02020603050405020304"/>
+                <a:sym typeface="Times New Roman" panose="02020603050405020304"/>
+              </a:rPr>
+            </a:br>
+            <a:r>
+              <a:rPr lang="en-US" altLang="zh-CN" kern="100">
+                <a:latin typeface="Calibri" panose="020F0502020204030204"/>
+                <a:ea typeface="SimSun" panose="02010600030101010101" pitchFamily="2" charset="-122"/>
+                <a:cs typeface="Times New Roman" panose="02020603050405020304"/>
+                <a:sym typeface="Times New Roman" panose="02020603050405020304"/>
+              </a:rPr>
+              <a:t>Label</a:t>
+            </a:r>
+            <a:br>
+              <a:rPr lang="en-US" altLang="zh-CN" kern="100">
+                <a:latin typeface="Calibri" panose="020F0502020204030204"/>
+                <a:ea typeface="SimSun" panose="02010600030101010101" pitchFamily="2" charset="-122"/>
+                <a:cs typeface="Times New Roman" panose="02020603050405020304"/>
+                <a:sym typeface="Times New Roman" panose="02020603050405020304"/>
+              </a:rPr>
+            </a:br>
+            <a:endParaRPr lang="en-US"/>
+          </a:p>
+        </p:txBody>
+      </p:sp>
+      <p:sp>
+        <p:nvSpPr>
+          <p:cNvPr id="7" name="Text Box 6"/>
+          <p:cNvSpPr txBox="1"/>
+          <p:nvPr/>
+        </p:nvSpPr>
+        <p:spPr>
+          <a:xfrm>
+            <a:off x="1012190" y="894715"/>
+            <a:ext cx="10119360" cy="460375"/>
+          </a:xfrm>
+          <a:prstGeom prst="rect">
+            <a:avLst/>
+          </a:prstGeom>
+          <a:noFill/>
+        </p:spPr>
+        <p:txBody>
+          <a:bodyPr wrap="square" rtlCol="0">
+            <a:spAutoFit/>
+          </a:bodyPr>
+          <a:lstStyle/>
+          <a:p>
+            <a:pPr marL="0" indent="0" algn="ctr">
+              <a:buNone/>
+            </a:pPr>
+            <a:r>
+              <a:rPr lang="en-US" sz="2400" b="1" dirty="0">
+                <a:latin typeface="Agency FB" panose="020B0503020202020204" charset="0"/>
+                <a:cs typeface="Agency FB" panose="020B0503020202020204" charset="0"/>
+                <a:sym typeface="+mn-ea"/>
+              </a:rPr>
+              <a:t>Multimodal Meme Dataset (MultiOFF) for Identifying Offensive Content in Image and Text</a:t>
+            </a:r>
+          </a:p>
+        </p:txBody>
+      </p:sp>
+    </p:spTree>
+  </p:cSld>
+  <p:clrMapOvr>
+    <a:masterClrMapping/>
+  </p:clrMapOvr>
+</p:sld>
+</file>
+
+<file path=ppt/slides/slide12.xml><?xml version="1.0" encoding="utf-8"?>
+<p:sld xmlns:a="http://schemas.openxmlformats.org/drawingml/2006/main" xmlns:r="http://schemas.openxmlformats.org/officeDocument/2006/relationships" xmlns:p="http://schemas.openxmlformats.org/presentationml/2006/main">
+  <p:cSld>
+    <p:spTree>
+      <p:nvGrpSpPr>
+        <p:cNvPr id="1" name=""/>
+        <p:cNvGrpSpPr/>
+        <p:nvPr/>
+      </p:nvGrpSpPr>
+      <p:grpSpPr>
+        <a:xfrm>
+          <a:off x="0" y="0"/>
+          <a:ext cx="0" cy="0"/>
+          <a:chOff x="0" y="0"/>
+          <a:chExt cx="0" cy="0"/>
+        </a:xfrm>
+      </p:grpSpPr>
+      <p:sp>
+        <p:nvSpPr>
+          <p:cNvPr id="2" name="Title 1"/>
+          <p:cNvSpPr>
+            <a:spLocks noGrp="1"/>
+          </p:cNvSpPr>
+          <p:nvPr>
+            <p:ph type="title"/>
+          </p:nvPr>
+        </p:nvSpPr>
+        <p:spPr/>
+        <p:txBody>
+          <a:bodyPr>
+            <a:normAutofit fontScale="90000"/>
+          </a:bodyPr>
+          <a:lstStyle/>
+          <a:p>
+            <a:r>
+              <a:rPr lang="en-IN" altLang="en-US" b="1">
+                <a:latin typeface="Agency FB" panose="020B0503020202020204" charset="0"/>
+                <a:cs typeface="Agency FB" panose="020B0503020202020204" charset="0"/>
+                <a:sym typeface="+mn-ea"/>
+              </a:rPr>
+              <a:t/>
+            </a:r>
+            <a:br>
+              <a:rPr lang="en-IN" altLang="en-US" b="1">
+                <a:latin typeface="Agency FB" panose="020B0503020202020204" charset="0"/>
+                <a:cs typeface="Agency FB" panose="020B0503020202020204" charset="0"/>
+                <a:sym typeface="+mn-ea"/>
+              </a:rPr>
+            </a:br>
+            <a:r>
+              <a:rPr lang="en-IN" altLang="en-US" b="1">
+                <a:latin typeface="Agency FB" panose="020B0503020202020204" charset="0"/>
+                <a:cs typeface="Agency FB" panose="020B0503020202020204" charset="0"/>
+                <a:sym typeface="+mn-ea"/>
+              </a:rPr>
+              <a:t>Baseline Models for Textual Data</a:t>
+            </a:r>
+            <a:r>
+              <a:rPr lang="en-IN" altLang="en-US" b="1">
+                <a:latin typeface="Agency FB" panose="020B0503020202020204" charset="0"/>
+                <a:cs typeface="Agency FB" panose="020B0503020202020204" charset="0"/>
+              </a:rPr>
+              <a:t/>
+            </a:r>
+            <a:br>
+              <a:rPr lang="en-IN" altLang="en-US" b="1">
+                <a:latin typeface="Agency FB" panose="020B0503020202020204" charset="0"/>
+                <a:cs typeface="Agency FB" panose="020B0503020202020204" charset="0"/>
+              </a:rPr>
+            </a:br>
+            <a:endParaRPr lang="en-US"/>
+          </a:p>
+        </p:txBody>
+      </p:sp>
+      <p:sp>
+        <p:nvSpPr>
+          <p:cNvPr id="3" name="Content Placeholder 2"/>
+          <p:cNvSpPr>
+            <a:spLocks noGrp="1"/>
+          </p:cNvSpPr>
+          <p:nvPr>
+            <p:ph sz="half" idx="1"/>
+          </p:nvPr>
+        </p:nvSpPr>
+        <p:spPr/>
+        <p:txBody>
+          <a:bodyPr>
+            <a:normAutofit fontScale="67500" lnSpcReduction="10000"/>
+          </a:bodyPr>
+          <a:lstStyle/>
+          <a:p>
+            <a:r>
+              <a:rPr lang="en-IN" altLang="en-US" sz="3600" b="1">
+                <a:sym typeface="+mn-ea"/>
+              </a:rPr>
+              <a:t>Logistic Regression </a:t>
+            </a:r>
+            <a:r>
+              <a:rPr lang="en-IN" altLang="en-US" sz="3600">
+                <a:sym typeface="+mn-ea"/>
+              </a:rPr>
+              <a:t>:If targeted class is linearly seperable</a:t>
+            </a:r>
+            <a:endParaRPr lang="en-IN" altLang="en-US" sz="3600"/>
+          </a:p>
+          <a:p>
+            <a:r>
+              <a:rPr lang="en-IN" altLang="en-US" sz="3600">
+                <a:sym typeface="+mn-ea"/>
+              </a:rPr>
+              <a:t> Bag of Words approadch has been used.</a:t>
+            </a:r>
+            <a:endParaRPr lang="en-IN" altLang="en-US" sz="3600"/>
+          </a:p>
+          <a:p>
+            <a:pPr marL="0" indent="0">
+              <a:buNone/>
+            </a:pPr>
+            <a:r>
+              <a:rPr lang="en-IN" altLang="en-US" sz="3600">
+                <a:sym typeface="+mn-ea"/>
+              </a:rPr>
+              <a:t>		if p&gt; threshold :offensive</a:t>
+            </a:r>
+            <a:endParaRPr lang="en-IN" altLang="en-US" sz="3600"/>
+          </a:p>
+          <a:p>
+            <a:pPr marL="0" indent="0">
+              <a:buNone/>
+            </a:pPr>
+            <a:r>
+              <a:rPr lang="en-IN" altLang="en-US" sz="3600">
+                <a:sym typeface="+mn-ea"/>
+              </a:rPr>
+              <a:t>	          	 else not offensive</a:t>
+            </a:r>
+            <a:endParaRPr lang="en-US" sz="3600"/>
+          </a:p>
+          <a:p>
+            <a:endParaRPr lang="en-US" sz="3600"/>
+          </a:p>
+          <a:p>
+            <a:pPr marL="0" indent="0">
+              <a:buNone/>
+            </a:pPr>
+            <a:endParaRPr lang="en-IN" altLang="en-US" sz="3200" b="1"/>
+          </a:p>
+          <a:p>
+            <a:r>
+              <a:rPr lang="en-IN" altLang="en-US" sz="3200" b="1">
+                <a:sym typeface="+mn-ea"/>
+              </a:rPr>
+              <a:t>Naive Bayes (NB)</a:t>
+            </a:r>
+            <a:endParaRPr lang="en-IN" altLang="en-US" sz="3200" b="1"/>
+          </a:p>
+          <a:p>
+            <a:r>
+              <a:rPr lang="en-IN" altLang="en-US" sz="3200" b="1">
+                <a:sym typeface="+mn-ea"/>
+              </a:rPr>
+              <a:t>A Deep Neural Network (DNN) </a:t>
+            </a:r>
+            <a:endParaRPr lang="en-IN" altLang="en-US" sz="3200" b="1"/>
+          </a:p>
+          <a:p>
+            <a:pPr lvl="1"/>
+            <a:r>
+              <a:rPr lang="en-IN" altLang="en-US" sz="3200" b="1">
+                <a:sym typeface="+mn-ea"/>
+              </a:rPr>
+              <a:t>Stacked LSTM</a:t>
+            </a:r>
+            <a:endParaRPr lang="en-IN" altLang="en-US" sz="3200" b="1"/>
+          </a:p>
+          <a:p>
+            <a:pPr lvl="1"/>
+            <a:r>
+              <a:rPr lang="en-IN" altLang="en-US" sz="3200" b="1">
+                <a:sym typeface="+mn-ea"/>
+              </a:rPr>
+              <a:t>Bidirectional LSTM (BiLSTM) </a:t>
+            </a:r>
+            <a:endParaRPr lang="en-IN" altLang="en-US" sz="2800"/>
+          </a:p>
+          <a:p>
+            <a:endParaRPr lang="en-IN" altLang="en-US" sz="2800"/>
+          </a:p>
+        </p:txBody>
+      </p:sp>
+      <p:sp>
+        <p:nvSpPr>
+          <p:cNvPr id="4" name="Slide Number Placeholder 3"/>
+          <p:cNvSpPr>
+            <a:spLocks noGrp="1"/>
+          </p:cNvSpPr>
+          <p:nvPr>
+            <p:ph type="sldNum" sz="quarter" idx="12"/>
+          </p:nvPr>
+        </p:nvSpPr>
+        <p:spPr/>
+        <p:txBody>
+          <a:bodyPr/>
+          <a:lstStyle/>
+          <a:p>
+            <a:fld id="{7870A25B-082D-42BE-9910-664729240837}" type="slidenum">
+              <a:rPr lang="en-IN" smtClean="0"/>
+              <a:pPr/>
+              <a:t>12</a:t>
+            </a:fld>
+            <a:endParaRPr lang="en-IN"/>
+          </a:p>
+        </p:txBody>
+      </p:sp>
+      <p:pic>
+        <p:nvPicPr>
+          <p:cNvPr id="5" name="Content Placeholder 4"/>
+          <p:cNvPicPr>
+            <a:picLocks noGrp="1" noChangeAspect="1"/>
+          </p:cNvPicPr>
+          <p:nvPr>
+            <p:ph sz="half" idx="2"/>
+          </p:nvPr>
+        </p:nvPicPr>
+        <p:blipFill>
+          <a:blip r:embed="rId2"/>
+          <a:stretch>
+            <a:fillRect/>
+          </a:stretch>
+        </p:blipFill>
+        <p:spPr>
+          <a:xfrm>
+            <a:off x="5911215" y="2103120"/>
+            <a:ext cx="2986405" cy="978535"/>
+          </a:xfrm>
+          <a:prstGeom prst="rect">
+            <a:avLst/>
+          </a:prstGeom>
+        </p:spPr>
+      </p:pic>
+    </p:spTree>
+  </p:cSld>
+  <p:clrMapOvr>
+    <a:masterClrMapping/>
+  </p:clrMapOvr>
+</p:sld>
+</file>
+
+<file path=ppt/slides/slide13.xml><?xml version="1.0" encoding="utf-8"?>
+<p:sld xmlns:a="http://schemas.openxmlformats.org/drawingml/2006/main" xmlns:r="http://schemas.openxmlformats.org/officeDocument/2006/relationships" xmlns:p="http://schemas.openxmlformats.org/presentationml/2006/main">
+  <p:cSld>
+    <p:spTree>
+      <p:nvGrpSpPr>
+        <p:cNvPr id="1" name=""/>
+        <p:cNvGrpSpPr/>
+        <p:nvPr/>
+      </p:nvGrpSpPr>
+      <p:grpSpPr>
+        <a:xfrm>
+          <a:off x="0" y="0"/>
+          <a:ext cx="0" cy="0"/>
+          <a:chOff x="0" y="0"/>
+          <a:chExt cx="0" cy="0"/>
+        </a:xfrm>
+      </p:grpSpPr>
+      <p:sp>
+        <p:nvSpPr>
+          <p:cNvPr id="2" name="Title 1"/>
+          <p:cNvSpPr>
+            <a:spLocks noGrp="1"/>
+          </p:cNvSpPr>
+          <p:nvPr>
+            <p:ph type="title"/>
+          </p:nvPr>
+        </p:nvSpPr>
+        <p:spPr/>
+        <p:txBody>
+          <a:bodyPr>
+            <a:normAutofit/>
+          </a:bodyPr>
+          <a:lstStyle/>
+          <a:p>
+            <a:r>
+              <a:rPr lang="en-US" b="1">
+                <a:latin typeface="Agency FB" panose="020B0503020202020204" charset="0"/>
+                <a:cs typeface="Agency FB" panose="020B0503020202020204" charset="0"/>
+                <a:sym typeface="+mn-ea"/>
+              </a:rPr>
+              <a:t>Baseline Model for Images</a:t>
+            </a:r>
+            <a:r>
+              <a:rPr lang="en-US" b="1">
+                <a:latin typeface="Agency FB" panose="020B0503020202020204" charset="0"/>
+                <a:cs typeface="Agency FB" panose="020B0503020202020204" charset="0"/>
+              </a:rPr>
+              <a:t/>
+            </a:r>
+            <a:br>
+              <a:rPr lang="en-US" b="1">
+                <a:latin typeface="Agency FB" panose="020B0503020202020204" charset="0"/>
+                <a:cs typeface="Agency FB" panose="020B0503020202020204" charset="0"/>
+              </a:rPr>
+            </a:br>
+            <a:endParaRPr lang="en-US"/>
+          </a:p>
+        </p:txBody>
+      </p:sp>
+      <p:sp>
+        <p:nvSpPr>
+          <p:cNvPr id="4" name="Content Placeholder 3"/>
+          <p:cNvSpPr>
+            <a:spLocks noGrp="1"/>
+          </p:cNvSpPr>
+          <p:nvPr>
+            <p:ph sz="half" idx="2"/>
+          </p:nvPr>
+        </p:nvSpPr>
+        <p:spPr/>
+        <p:txBody>
+          <a:bodyPr>
+            <a:normAutofit fontScale="77500" lnSpcReduction="10000"/>
+          </a:bodyPr>
+          <a:lstStyle/>
+          <a:p>
+            <a:r>
+              <a:rPr lang="en-IN" altLang="en-US">
+                <a:sym typeface="+mn-ea"/>
+              </a:rPr>
+              <a:t>C</a:t>
+            </a:r>
+            <a:r>
+              <a:rPr lang="en-US">
+                <a:sym typeface="+mn-ea"/>
+              </a:rPr>
+              <a:t>onvolution layers 3x3 filter with a stride 1 and always used same padding </a:t>
+            </a:r>
+            <a:endParaRPr lang="en-US"/>
+          </a:p>
+          <a:p>
+            <a:r>
+              <a:rPr lang="en-IN" altLang="en-US">
+                <a:sym typeface="+mn-ea"/>
+              </a:rPr>
+              <a:t>M</a:t>
+            </a:r>
+            <a:r>
+              <a:rPr lang="en-US">
+                <a:sym typeface="+mn-ea"/>
+              </a:rPr>
+              <a:t>axpool layer of 2x2 filter of stride 2. It follows this arrangement of convolution and max pool layers consistently throughout the whole architecture. </a:t>
+            </a:r>
+            <a:endParaRPr lang="en-US"/>
+          </a:p>
+          <a:p>
+            <a:r>
+              <a:rPr lang="en-US">
+                <a:sym typeface="+mn-ea"/>
+              </a:rPr>
+              <a:t>Instead of a fully connected layer, a Global Average Pooling layer has been used which later is connected to a Dense layer with the Sigmoid activation function to predict class probability.</a:t>
+            </a:r>
+            <a:endParaRPr lang="en-US"/>
+          </a:p>
+          <a:p>
+            <a:r>
+              <a:rPr lang="en-US">
+                <a:sym typeface="+mn-ea"/>
+              </a:rPr>
+              <a:t>The 16 in VGG16 refers to it has 16 layers that have weights. </a:t>
+            </a:r>
+            <a:endParaRPr lang="en-US"/>
+          </a:p>
+          <a:p>
+            <a:endParaRPr lang="en-US"/>
+          </a:p>
+        </p:txBody>
+      </p:sp>
+      <p:sp>
+        <p:nvSpPr>
+          <p:cNvPr id="5" name="Slide Number Placeholder 4"/>
+          <p:cNvSpPr>
+            <a:spLocks noGrp="1"/>
+          </p:cNvSpPr>
+          <p:nvPr>
+            <p:ph type="sldNum" sz="quarter" idx="12"/>
+          </p:nvPr>
+        </p:nvSpPr>
+        <p:spPr/>
+        <p:txBody>
+          <a:bodyPr/>
+          <a:lstStyle/>
+          <a:p>
+            <a:fld id="{7870A25B-082D-42BE-9910-664729240837}" type="slidenum">
+              <a:rPr lang="en-IN" smtClean="0"/>
+              <a:pPr/>
+              <a:t>13</a:t>
+            </a:fld>
+            <a:endParaRPr lang="en-IN"/>
+          </a:p>
+        </p:txBody>
+      </p:sp>
+      <p:pic>
+        <p:nvPicPr>
+          <p:cNvPr id="6" name="Content Placeholder 4"/>
+          <p:cNvPicPr>
+            <a:picLocks noGrp="1" noChangeAspect="1"/>
+          </p:cNvPicPr>
+          <p:nvPr>
+            <p:ph sz="half" idx="1"/>
+          </p:nvPr>
+        </p:nvPicPr>
+        <p:blipFill>
+          <a:blip r:embed="rId3"/>
+          <a:stretch>
+            <a:fillRect/>
+          </a:stretch>
+        </p:blipFill>
+        <p:spPr>
+          <a:xfrm>
+            <a:off x="578485" y="1573530"/>
+            <a:ext cx="4342130" cy="5061585"/>
+          </a:xfrm>
+          <a:prstGeom prst="rect">
+            <a:avLst/>
+          </a:prstGeom>
+        </p:spPr>
+      </p:pic>
+    </p:spTree>
+  </p:cSld>
+  <p:clrMapOvr>
+    <a:masterClrMapping/>
+  </p:clrMapOvr>
+</p:sld>
+</file>
+
+<file path=ppt/slides/slide14.xml><?xml version="1.0" encoding="utf-8"?>
+<p:sld xmlns:a="http://schemas.openxmlformats.org/drawingml/2006/main" xmlns:r="http://schemas.openxmlformats.org/officeDocument/2006/relationships" xmlns:p="http://schemas.openxmlformats.org/presentationml/2006/main">
+  <p:cSld>
+    <p:spTree>
+      <p:nvGrpSpPr>
+        <p:cNvPr id="1" name=""/>
+        <p:cNvGrpSpPr/>
+        <p:nvPr/>
+      </p:nvGrpSpPr>
+      <p:grpSpPr>
+        <a:xfrm>
+          <a:off x="0" y="0"/>
+          <a:ext cx="0" cy="0"/>
+          <a:chOff x="0" y="0"/>
+          <a:chExt cx="0" cy="0"/>
+        </a:xfrm>
+      </p:grpSpPr>
+      <p:sp>
+        <p:nvSpPr>
+          <p:cNvPr id="2" name="Title 1"/>
+          <p:cNvSpPr>
+            <a:spLocks noGrp="1"/>
+          </p:cNvSpPr>
+          <p:nvPr>
+            <p:ph type="title"/>
+          </p:nvPr>
+        </p:nvSpPr>
+        <p:spPr/>
+        <p:txBody>
+          <a:bodyPr>
+            <a:normAutofit fontScale="90000"/>
+          </a:bodyPr>
+          <a:lstStyle/>
+          <a:p>
+            <a:r>
+              <a:rPr lang="en-US" b="1">
+                <a:latin typeface="Agency FB" panose="020B0503020202020204" charset="0"/>
+                <a:cs typeface="Agency FB" panose="020B0503020202020204" charset="0"/>
+                <a:sym typeface="+mn-ea"/>
+              </a:rPr>
+              <a:t/>
+            </a:r>
+            <a:br>
+              <a:rPr lang="en-US" b="1">
+                <a:latin typeface="Agency FB" panose="020B0503020202020204" charset="0"/>
+                <a:cs typeface="Agency FB" panose="020B0503020202020204" charset="0"/>
+                <a:sym typeface="+mn-ea"/>
+              </a:rPr>
+            </a:br>
+            <a:r>
+              <a:rPr lang="en-US" b="1">
+                <a:latin typeface="Agency FB" panose="020B0503020202020204" charset="0"/>
+                <a:cs typeface="Agency FB" panose="020B0503020202020204" charset="0"/>
+                <a:sym typeface="+mn-ea"/>
+              </a:rPr>
+              <a:t>Multimodal Approach</a:t>
+            </a:r>
+            <a:r>
+              <a:rPr lang="en-US" b="1">
+                <a:latin typeface="Agency FB" panose="020B0503020202020204" charset="0"/>
+                <a:cs typeface="Agency FB" panose="020B0503020202020204" charset="0"/>
+              </a:rPr>
+              <a:t/>
+            </a:r>
+            <a:br>
+              <a:rPr lang="en-US" b="1">
+                <a:latin typeface="Agency FB" panose="020B0503020202020204" charset="0"/>
+                <a:cs typeface="Agency FB" panose="020B0503020202020204" charset="0"/>
+              </a:rPr>
+            </a:br>
+            <a:endParaRPr lang="en-US"/>
+          </a:p>
+        </p:txBody>
+      </p:sp>
+      <p:sp>
+        <p:nvSpPr>
+          <p:cNvPr id="3" name="Content Placeholder 2"/>
+          <p:cNvSpPr>
+            <a:spLocks noGrp="1"/>
+          </p:cNvSpPr>
+          <p:nvPr>
+            <p:ph sz="half" idx="1"/>
+          </p:nvPr>
+        </p:nvSpPr>
+        <p:spPr/>
+        <p:txBody>
+          <a:bodyPr/>
+          <a:lstStyle/>
+          <a:p>
+            <a:r>
+              <a:rPr lang="en-IN" altLang="en-US" sz="2800">
+                <a:sym typeface="+mn-ea"/>
+              </a:rPr>
+              <a:t>Early fusion :</a:t>
+            </a:r>
+            <a:endParaRPr lang="en-IN" altLang="en-US" sz="2800"/>
+          </a:p>
+          <a:p>
+            <a:pPr lvl="1"/>
+            <a:r>
+              <a:rPr lang="en-IN" altLang="en-US" sz="2000">
+                <a:sym typeface="+mn-ea"/>
+              </a:rPr>
+              <a:t>outputs of unimodal features extracted fro different data streams are integrated into single large vector </a:t>
+            </a:r>
+            <a:endParaRPr lang="en-IN" altLang="en-US" sz="2000"/>
+          </a:p>
+          <a:p>
+            <a:endParaRPr lang="en-IN" altLang="en-US" sz="2000"/>
+          </a:p>
+        </p:txBody>
+      </p:sp>
+      <p:sp>
+        <p:nvSpPr>
+          <p:cNvPr id="5" name="Slide Number Placeholder 4"/>
+          <p:cNvSpPr>
+            <a:spLocks noGrp="1"/>
+          </p:cNvSpPr>
+          <p:nvPr>
+            <p:ph type="sldNum" sz="quarter" idx="12"/>
+          </p:nvPr>
+        </p:nvSpPr>
+        <p:spPr/>
+        <p:txBody>
+          <a:bodyPr/>
+          <a:lstStyle/>
+          <a:p>
+            <a:fld id="{7870A25B-082D-42BE-9910-664729240837}" type="slidenum">
+              <a:rPr lang="en-IN" smtClean="0"/>
+              <a:pPr/>
+              <a:t>14</a:t>
+            </a:fld>
+            <a:endParaRPr lang="en-IN"/>
+          </a:p>
+        </p:txBody>
+      </p:sp>
+      <p:pic>
+        <p:nvPicPr>
+          <p:cNvPr id="6" name="Content Placeholder 4" descr="Screenshot (54)"/>
+          <p:cNvPicPr>
+            <a:picLocks noGrp="1" noChangeAspect="1"/>
+          </p:cNvPicPr>
+          <p:nvPr>
+            <p:ph sz="half" idx="2"/>
+          </p:nvPr>
+        </p:nvPicPr>
+        <p:blipFill>
+          <a:blip r:embed="rId2"/>
+          <a:stretch>
+            <a:fillRect/>
+          </a:stretch>
+        </p:blipFill>
+        <p:spPr>
+          <a:xfrm>
+            <a:off x="6172200" y="2509520"/>
+            <a:ext cx="5181600" cy="2982595"/>
+          </a:xfrm>
+          <a:prstGeom prst="rect">
+            <a:avLst/>
+          </a:prstGeom>
+        </p:spPr>
+      </p:pic>
+    </p:spTree>
+  </p:cSld>
+  <p:clrMapOvr>
+    <a:masterClrMapping/>
+  </p:clrMapOvr>
+</p:sld>
+</file>
+
+<file path=ppt/slides/slide15.xml><?xml version="1.0" encoding="utf-8"?>
+<p:sld xmlns:a="http://schemas.openxmlformats.org/drawingml/2006/main" xmlns:r="http://schemas.openxmlformats.org/officeDocument/2006/relationships" xmlns:p="http://schemas.openxmlformats.org/presentationml/2006/main">
+  <p:cSld>
+    <p:spTree>
+      <p:nvGrpSpPr>
+        <p:cNvPr id="1" name=""/>
+        <p:cNvGrpSpPr/>
+        <p:nvPr/>
+      </p:nvGrpSpPr>
+      <p:grpSpPr>
+        <a:xfrm>
+          <a:off x="0" y="0"/>
+          <a:ext cx="0" cy="0"/>
+          <a:chOff x="0" y="0"/>
+          <a:chExt cx="0" cy="0"/>
+        </a:xfrm>
+      </p:grpSpPr>
       <p:sp>
         <p:nvSpPr>
           <p:cNvPr id="10241" name="Title 1"/>
@@ -4097,6 +5115,7 @@
           <a:bodyPr anchor="ctr">
             <a:normAutofit fontScale="90000"/>
           </a:bodyPr>
+          <a:lstStyle/>
           <a:p>
             <a:pPr algn="ctr"/>
             <a:r>
@@ -4138,9 +5157,6 @@
               </a:rPr>
               <a:t>Yuval Nirkin   Assaf Rabinowitz   Yoni Solel</a:t>
             </a:r>
-            <a:endParaRPr lang="en-US" altLang="zh-CN" sz="2000">
-              <a:latin typeface="Cambria" panose="02040503050406030204" charset="0"/>
-            </a:endParaRPr>
           </a:p>
         </p:txBody>
       </p:sp>
@@ -4157,6 +5173,7 @@
         <p:spPr/>
         <p:txBody>
           <a:bodyPr/>
+          <a:lstStyle/>
           <a:p>
             <a:pPr marL="0" marR="0" indent="0" algn="l" defTabSz="914400" rtl="0" eaLnBrk="1" fontAlgn="base" latinLnBrk="0" hangingPunct="1">
               <a:lnSpc>
@@ -4234,14 +5251,6 @@
               </a:rPr>
               <a:t>Data Processing </a:t>
             </a:r>
-            <a:endParaRPr kumimoji="0" lang="en-US" sz="2000" b="0" i="0" u="none" strike="noStrike" kern="1200" cap="none" spc="0" normalizeH="0" baseline="0" noProof="1">
-              <a:solidFill>
-                <a:schemeClr val="tx1"/>
-              </a:solidFill>
-              <a:latin typeface="Cambria" panose="02040503050406030204" charset="0"/>
-              <a:ea typeface="+mn-ea"/>
-              <a:cs typeface="Cambria" panose="02040503050406030204" charset="0"/>
-            </a:endParaRPr>
           </a:p>
           <a:p>
             <a:pPr marL="342900" marR="0" indent="-342900" algn="l" defTabSz="914400" rtl="0" eaLnBrk="1" fontAlgn="base" latinLnBrk="0" hangingPunct="1">
@@ -4306,14 +5315,6 @@
               </a:rPr>
               <a:t>Image Embedding: MobileNetV3 </a:t>
             </a:r>
-            <a:endParaRPr kumimoji="0" lang="en-US" sz="2000" b="0" i="0" u="none" strike="noStrike" kern="1200" cap="none" spc="0" normalizeH="0" baseline="0" noProof="1">
-              <a:solidFill>
-                <a:schemeClr val="tx1"/>
-              </a:solidFill>
-              <a:latin typeface="Cambria" panose="02040503050406030204" charset="0"/>
-              <a:ea typeface="+mn-ea"/>
-              <a:cs typeface="Cambria" panose="02040503050406030204" charset="0"/>
-            </a:endParaRPr>
           </a:p>
           <a:p>
             <a:pPr marL="342900" marR="0" indent="-342900" algn="l" defTabSz="914400" rtl="0" eaLnBrk="1" fontAlgn="base" latinLnBrk="0" hangingPunct="1">
@@ -4342,14 +5343,6 @@
               </a:rPr>
               <a:t>Hypernetworks</a:t>
             </a:r>
-            <a:endParaRPr kumimoji="0" lang="en-US" sz="2000" b="1" i="0" u="none" strike="noStrike" kern="1200" cap="none" spc="0" normalizeH="0" baseline="0" noProof="1">
-              <a:solidFill>
-                <a:schemeClr val="tx1"/>
-              </a:solidFill>
-              <a:latin typeface="Cambria" panose="02040503050406030204" charset="0"/>
-              <a:ea typeface="+mn-ea"/>
-              <a:cs typeface="Cambria" panose="02040503050406030204" charset="0"/>
-            </a:endParaRPr>
           </a:p>
           <a:p>
             <a:pPr marL="342900" marR="0" indent="-342900" algn="l" defTabSz="914400" rtl="0" eaLnBrk="1" fontAlgn="base" latinLnBrk="0" hangingPunct="1">
@@ -4447,7 +5440,7 @@
 </p:sld>
 </file>
 
-<file path=ppt/slides/slide12.xml><?xml version="1.0" encoding="utf-8"?>
+<file path=ppt/slides/slide16.xml><?xml version="1.0" encoding="utf-8"?>
 <p:sld xmlns:a="http://schemas.openxmlformats.org/drawingml/2006/main" xmlns:r="http://schemas.openxmlformats.org/officeDocument/2006/relationships" xmlns:p="http://schemas.openxmlformats.org/presentationml/2006/main">
   <p:cSld>
     <p:spTree>
@@ -4456,7 +5449,14 @@
         <p:cNvGrpSpPr/>
         <p:nvPr/>
       </p:nvGrpSpPr>
-      <p:grpSpPr/>
+      <p:grpSpPr>
+        <a:xfrm>
+          <a:off x="0" y="0"/>
+          <a:ext cx="0" cy="0"/>
+          <a:chOff x="0" y="0"/>
+          <a:chExt cx="0" cy="0"/>
+        </a:xfrm>
+      </p:grpSpPr>
       <p:sp>
         <p:nvSpPr>
           <p:cNvPr id="12289" name="Title 1"/>
@@ -4470,6 +5470,7 @@
         <p:spPr/>
         <p:txBody>
           <a:bodyPr anchor="ctr"/>
+          <a:lstStyle/>
           <a:p>
             <a:r>
               <a:rPr lang="en-US" altLang="zh-CN">
@@ -4477,9 +5478,6 @@
               </a:rPr>
               <a:t>Model Description</a:t>
             </a:r>
-            <a:endParaRPr lang="en-US" altLang="zh-CN">
-              <a:latin typeface="Cambria" panose="02040503050406030204" charset="0"/>
-            </a:endParaRPr>
           </a:p>
         </p:txBody>
       </p:sp>
@@ -4501,6 +5499,7 @@
         </p:spPr>
         <p:txBody>
           <a:bodyPr/>
+          <a:lstStyle/>
           <a:p>
             <a:pPr marL="342900" marR="0" indent="-342900" algn="l" defTabSz="914400" rtl="0" eaLnBrk="1" fontAlgn="base" latinLnBrk="0" hangingPunct="1">
               <a:lnSpc>
@@ -4528,14 +5527,6 @@
               </a:rPr>
               <a:t>The model based onto the hypernetwork. </a:t>
             </a:r>
-            <a:endParaRPr kumimoji="0" lang="en-US" sz="1400" b="0" i="0" u="none" strike="noStrike" kern="1200" cap="none" spc="0" normalizeH="0" baseline="0" noProof="1">
-              <a:solidFill>
-                <a:schemeClr val="tx1"/>
-              </a:solidFill>
-              <a:latin typeface="Cambria" panose="02040503050406030204" charset="0"/>
-              <a:ea typeface="+mn-ea"/>
-              <a:cs typeface="Cambria" panose="02040503050406030204" charset="0"/>
-            </a:endParaRPr>
           </a:p>
           <a:p>
             <a:pPr marL="0" marR="0" indent="0" algn="l" defTabSz="914400" rtl="0" eaLnBrk="1" fontAlgn="base" latinLnBrk="0" hangingPunct="1">
@@ -4633,14 +5624,6 @@
               </a:rPr>
               <a:t>. </a:t>
             </a:r>
-            <a:endParaRPr kumimoji="0" lang="en-US" sz="1400" b="0" i="0" u="none" strike="noStrike" kern="1200" cap="none" spc="0" normalizeH="0" baseline="0" noProof="1">
-              <a:solidFill>
-                <a:schemeClr val="tx1"/>
-              </a:solidFill>
-              <a:latin typeface="Cambria" panose="02040503050406030204" charset="0"/>
-              <a:ea typeface="+mn-ea"/>
-              <a:cs typeface="Cambria" panose="02040503050406030204" charset="0"/>
-            </a:endParaRPr>
           </a:p>
           <a:p>
             <a:pPr marL="342900" marR="0" indent="-342900" algn="l" defTabSz="914400" rtl="0" eaLnBrk="1" fontAlgn="base" latinLnBrk="0" hangingPunct="1">
@@ -4680,14 +5663,6 @@
               </a:rPr>
               <a:t>Ev(768)</a:t>
             </a:r>
-            <a:endParaRPr kumimoji="0" lang="en-US" sz="1600" b="1" i="0" u="none" strike="noStrike" kern="1200" cap="none" spc="0" normalizeH="0" baseline="0" noProof="1">
-              <a:solidFill>
-                <a:schemeClr val="tx1"/>
-              </a:solidFill>
-              <a:latin typeface="Cambria" panose="02040503050406030204" charset="0"/>
-              <a:ea typeface="+mn-ea"/>
-              <a:cs typeface="Cambria" panose="02040503050406030204" charset="0"/>
-            </a:endParaRPr>
           </a:p>
           <a:p>
             <a:pPr marL="342900" marR="0" indent="-342900" algn="l" defTabSz="914400" rtl="0" eaLnBrk="1" fontAlgn="base" latinLnBrk="0" hangingPunct="1">
@@ -4749,14 +5724,6 @@
               </a:rPr>
               <a:t>.</a:t>
             </a:r>
-            <a:endParaRPr kumimoji="0" lang="en-US" sz="1400" b="0" i="0" u="none" strike="noStrike" kern="1200" cap="none" spc="0" normalizeH="0" baseline="0" noProof="1">
-              <a:solidFill>
-                <a:schemeClr val="tx1"/>
-              </a:solidFill>
-              <a:latin typeface="Cambria" panose="02040503050406030204" charset="0"/>
-              <a:ea typeface="+mn-ea"/>
-              <a:cs typeface="Cambria" panose="02040503050406030204" charset="0"/>
-            </a:endParaRPr>
           </a:p>
           <a:p>
             <a:pPr marL="342900" marR="0" indent="-342900" algn="l" defTabSz="914400" rtl="0" eaLnBrk="1" fontAlgn="base" latinLnBrk="0" hangingPunct="1">
@@ -4807,6 +5774,13 @@
               </a:rPr>
               <a:t>,that outputs the final binary prediction, is the image </a:t>
             </a:r>
+            <a:r>
+              <a:rPr lang="en-US" sz="1400">
+                <a:latin typeface="Cambria" panose="02040503050406030204" charset="0"/>
+                <a:cs typeface="Cambria" panose="02040503050406030204" charset="0"/>
+              </a:rPr>
+              <a:t/>
+            </a:r>
             <a:br>
               <a:rPr lang="en-US" sz="1400">
                 <a:latin typeface="Cambria" panose="02040503050406030204" charset="0"/>
@@ -4824,14 +5798,6 @@
               </a:rPr>
               <a:t>hateful or not hateful?</a:t>
             </a:r>
-            <a:endParaRPr kumimoji="0" lang="en-US" sz="1400" b="0" i="0" u="none" strike="noStrike" kern="1200" cap="none" spc="0" normalizeH="0" baseline="0" noProof="1">
-              <a:solidFill>
-                <a:schemeClr val="tx1"/>
-              </a:solidFill>
-              <a:latin typeface="Cambria" panose="02040503050406030204" charset="0"/>
-              <a:ea typeface="+mn-ea"/>
-              <a:cs typeface="Cambria" panose="02040503050406030204" charset="0"/>
-            </a:endParaRPr>
           </a:p>
           <a:p>
             <a:pPr marL="0" marR="0" indent="0" algn="l" defTabSz="914400" rtl="0" eaLnBrk="1" fontAlgn="base" latinLnBrk="0" hangingPunct="1">
@@ -4869,7 +5835,7 @@
           <p:nvPr/>
         </p:nvPicPr>
         <p:blipFill>
-          <a:blip r:embed="rId1"/>
+          <a:blip r:embed="rId3"/>
           <a:stretch>
             <a:fillRect/>
           </a:stretch>
@@ -4896,7 +5862,7 @@
 </p:sld>
 </file>
 
-<file path=ppt/slides/slide13.xml><?xml version="1.0" encoding="utf-8"?>
+<file path=ppt/slides/slide17.xml><?xml version="1.0" encoding="utf-8"?>
 <p:sld xmlns:a="http://schemas.openxmlformats.org/drawingml/2006/main" xmlns:r="http://schemas.openxmlformats.org/officeDocument/2006/relationships" xmlns:p="http://schemas.openxmlformats.org/presentationml/2006/main">
   <p:cSld>
     <p:spTree>
@@ -4905,7 +5871,14 @@
         <p:cNvGrpSpPr/>
         <p:nvPr/>
       </p:nvGrpSpPr>
-      <p:grpSpPr/>
+      <p:grpSpPr>
+        <a:xfrm>
+          <a:off x="0" y="0"/>
+          <a:ext cx="0" cy="0"/>
+          <a:chOff x="0" y="0"/>
+          <a:chExt cx="0" cy="0"/>
+        </a:xfrm>
+      </p:grpSpPr>
       <p:sp>
         <p:nvSpPr>
           <p:cNvPr id="2" name="Title 1"/>
@@ -4919,6 +5892,7 @@
         <p:spPr/>
         <p:txBody>
           <a:bodyPr/>
+          <a:lstStyle/>
           <a:p>
             <a:pPr algn="ctr"/>
             <a:r>
@@ -4954,10 +5928,6 @@
               </a:rPr>
               <a:t>Nowak, and Marek Śmieja</a:t>
             </a:r>
-            <a:endParaRPr lang="en-US" sz="1800">
-              <a:latin typeface="Cambria" panose="02040503050406030204" charset="0"/>
-              <a:cs typeface="Cambria" panose="02040503050406030204" charset="0"/>
-            </a:endParaRPr>
           </a:p>
         </p:txBody>
       </p:sp>
@@ -4979,6 +5949,7 @@
         </p:spPr>
         <p:txBody>
           <a:bodyPr/>
+          <a:lstStyle/>
           <a:p>
             <a:r>
               <a:rPr lang="en-US" sz="1600">
@@ -4987,6 +5958,8 @@
               </a:rPr>
               <a:t>The aim of this paper is a proof of concept that one can effectively construct and train functional representations of images.</a:t>
             </a:r>
+          </a:p>
+          <a:p>
             <a:endParaRPr lang="en-US" sz="1600">
               <a:latin typeface="Times New Roman" panose="02020603050405020304" charset="0"/>
               <a:cs typeface="Times New Roman" panose="02020603050405020304" charset="0"/>
@@ -4999,130 +5972,116 @@
             </a:endParaRPr>
           </a:p>
           <a:p>
+            <a:r>
+              <a:rPr lang="en-US" sz="1600">
+                <a:latin typeface="Times New Roman" panose="02020603050405020304" charset="0"/>
+                <a:cs typeface="Times New Roman" panose="02020603050405020304" charset="0"/>
+              </a:rPr>
+              <a:t>By a functional (or deep) representation of an image we understand a function (neural network) I : R</a:t>
+            </a:r>
+            <a:r>
+              <a:rPr lang="en-US" sz="1600" baseline="30000">
+                <a:latin typeface="Times New Roman" panose="02020603050405020304" charset="0"/>
+                <a:cs typeface="Times New Roman" panose="02020603050405020304" charset="0"/>
+              </a:rPr>
+              <a:t>2</a:t>
+            </a:r>
+            <a:r>
+              <a:rPr lang="en-US" sz="1600">
+                <a:latin typeface="Times New Roman" panose="02020603050405020304" charset="0"/>
+                <a:cs typeface="Times New Roman" panose="02020603050405020304" charset="0"/>
+              </a:rPr>
+              <a:t> → R</a:t>
+            </a:r>
+            <a:r>
+              <a:rPr lang="en-US" sz="1600" baseline="30000">
+                <a:latin typeface="Times New Roman" panose="02020603050405020304" charset="0"/>
+                <a:cs typeface="Times New Roman" panose="02020603050405020304" charset="0"/>
+              </a:rPr>
+              <a:t>3  </a:t>
+            </a:r>
+          </a:p>
+          <a:p>
+            <a:endParaRPr lang="en-US" sz="1600" baseline="30000">
+              <a:latin typeface="Times New Roman" panose="02020603050405020304" charset="0"/>
+              <a:cs typeface="Times New Roman" panose="02020603050405020304" charset="0"/>
+            </a:endParaRPr>
+          </a:p>
+          <a:p>
+            <a:r>
+              <a:rPr lang="en-US" sz="1600">
+                <a:latin typeface="Times New Roman" panose="02020603050405020304" charset="0"/>
+                <a:cs typeface="Times New Roman" panose="02020603050405020304" charset="0"/>
+              </a:rPr>
+              <a:t>Which given a point (with arbitrary coordinates) (x, y) in the plane </a:t>
+            </a:r>
+            <a:br>
+              <a:rPr lang="en-US" sz="1600">
+                <a:latin typeface="Times New Roman" panose="02020603050405020304" charset="0"/>
+                <a:cs typeface="Times New Roman" panose="02020603050405020304" charset="0"/>
+              </a:rPr>
+            </a:br>
+            <a:r>
+              <a:rPr lang="en-US" sz="1600">
+                <a:latin typeface="Times New Roman" panose="02020603050405020304" charset="0"/>
+                <a:cs typeface="Times New Roman" panose="02020603050405020304" charset="0"/>
+              </a:rPr>
+              <a:t>returns the point in [0, 1]</a:t>
+            </a:r>
+            <a:r>
+              <a:rPr lang="en-US" sz="1600" baseline="30000">
+                <a:latin typeface="Times New Roman" panose="02020603050405020304" charset="0"/>
+                <a:cs typeface="Times New Roman" panose="02020603050405020304" charset="0"/>
+              </a:rPr>
+              <a:t>3 </a:t>
+            </a:r>
+            <a:r>
+              <a:rPr lang="en-US" sz="1600">
+                <a:latin typeface="Times New Roman" panose="02020603050405020304" charset="0"/>
+                <a:cs typeface="Times New Roman" panose="02020603050405020304" charset="0"/>
+              </a:rPr>
+              <a:t>representing the RGB values of the color of the </a:t>
+            </a:r>
+            <a:br>
+              <a:rPr lang="en-US" sz="1600">
+                <a:latin typeface="Times New Roman" panose="02020603050405020304" charset="0"/>
+                <a:cs typeface="Times New Roman" panose="02020603050405020304" charset="0"/>
+              </a:rPr>
+            </a:br>
+            <a:r>
+              <a:rPr lang="en-US" sz="1600">
+                <a:latin typeface="Times New Roman" panose="02020603050405020304" charset="0"/>
+                <a:cs typeface="Times New Roman" panose="02020603050405020304" charset="0"/>
+              </a:rPr>
+              <a:t>image at (x, y).</a:t>
+            </a:r>
+          </a:p>
+          <a:p>
             <a:endParaRPr lang="en-US" sz="1600">
               <a:latin typeface="Times New Roman" panose="02020603050405020304" charset="0"/>
               <a:cs typeface="Times New Roman" panose="02020603050405020304" charset="0"/>
             </a:endParaRPr>
           </a:p>
           <a:p>
-            <a:r>
-              <a:rPr lang="en-US" sz="1600">
-                <a:latin typeface="Times New Roman" panose="02020603050405020304" charset="0"/>
-                <a:cs typeface="Times New Roman" panose="02020603050405020304" charset="0"/>
-              </a:rPr>
-              <a:t>By a functional (or deep) representation of an image we understand a function (neural network) I : R</a:t>
-            </a:r>
-            <a:r>
-              <a:rPr lang="en-US" sz="1600" baseline="30000">
-                <a:latin typeface="Times New Roman" panose="02020603050405020304" charset="0"/>
-                <a:cs typeface="Times New Roman" panose="02020603050405020304" charset="0"/>
-              </a:rPr>
-              <a:t>2</a:t>
-            </a:r>
-            <a:r>
-              <a:rPr lang="en-US" sz="1600">
-                <a:latin typeface="Times New Roman" panose="02020603050405020304" charset="0"/>
-                <a:cs typeface="Times New Roman" panose="02020603050405020304" charset="0"/>
-              </a:rPr>
-              <a:t> → R</a:t>
-            </a:r>
-            <a:r>
-              <a:rPr lang="en-US" sz="1600" baseline="30000">
-                <a:latin typeface="Times New Roman" panose="02020603050405020304" charset="0"/>
-                <a:cs typeface="Times New Roman" panose="02020603050405020304" charset="0"/>
-              </a:rPr>
-              <a:t>3  </a:t>
-            </a:r>
-            <a:endParaRPr lang="en-US" sz="1600" baseline="30000">
-              <a:latin typeface="Times New Roman" panose="02020603050405020304" charset="0"/>
-              <a:cs typeface="Times New Roman" panose="02020603050405020304" charset="0"/>
-            </a:endParaRPr>
-          </a:p>
-          <a:p>
-            <a:endParaRPr lang="en-US" sz="1600" baseline="30000">
-              <a:latin typeface="Times New Roman" panose="02020603050405020304" charset="0"/>
-              <a:cs typeface="Times New Roman" panose="02020603050405020304" charset="0"/>
-            </a:endParaRPr>
-          </a:p>
-          <a:p>
-            <a:r>
-              <a:rPr lang="en-US" sz="1600">
-                <a:latin typeface="Times New Roman" panose="02020603050405020304" charset="0"/>
-                <a:cs typeface="Times New Roman" panose="02020603050405020304" charset="0"/>
-              </a:rPr>
-              <a:t>Which given a point (with arbitrary coordinates) (x, y) in the plane </a:t>
-            </a:r>
-            <a:br>
-              <a:rPr lang="en-US" sz="1600">
-                <a:latin typeface="Times New Roman" panose="02020603050405020304" charset="0"/>
-                <a:cs typeface="Times New Roman" panose="02020603050405020304" charset="0"/>
-              </a:rPr>
-            </a:br>
-            <a:r>
-              <a:rPr lang="en-US" sz="1600">
-                <a:latin typeface="Times New Roman" panose="02020603050405020304" charset="0"/>
-                <a:cs typeface="Times New Roman" panose="02020603050405020304" charset="0"/>
-              </a:rPr>
-              <a:t>returns the point in [0, 1]</a:t>
-            </a:r>
-            <a:r>
-              <a:rPr lang="en-US" sz="1600" baseline="30000">
-                <a:latin typeface="Times New Roman" panose="02020603050405020304" charset="0"/>
-                <a:cs typeface="Times New Roman" panose="02020603050405020304" charset="0"/>
-              </a:rPr>
-              <a:t>3 </a:t>
-            </a:r>
-            <a:r>
-              <a:rPr lang="en-US" sz="1600">
-                <a:latin typeface="Times New Roman" panose="02020603050405020304" charset="0"/>
-                <a:cs typeface="Times New Roman" panose="02020603050405020304" charset="0"/>
-              </a:rPr>
-              <a:t>representing the RGB values of the color of the </a:t>
-            </a:r>
-            <a:br>
-              <a:rPr lang="en-US" sz="1600">
-                <a:latin typeface="Times New Roman" panose="02020603050405020304" charset="0"/>
-                <a:cs typeface="Times New Roman" panose="02020603050405020304" charset="0"/>
-              </a:rPr>
-            </a:br>
-            <a:r>
-              <a:rPr lang="en-US" sz="1600">
-                <a:latin typeface="Times New Roman" panose="02020603050405020304" charset="0"/>
-                <a:cs typeface="Times New Roman" panose="02020603050405020304" charset="0"/>
-              </a:rPr>
-              <a:t>image at (x, y).</a:t>
-            </a:r>
             <a:endParaRPr lang="en-US" sz="1600">
               <a:latin typeface="Times New Roman" panose="02020603050405020304" charset="0"/>
               <a:cs typeface="Times New Roman" panose="02020603050405020304" charset="0"/>
             </a:endParaRPr>
           </a:p>
-          <a:p>
-            <a:endParaRPr lang="en-US" sz="1600">
-              <a:latin typeface="Times New Roman" panose="02020603050405020304" charset="0"/>
-              <a:cs typeface="Times New Roman" panose="02020603050405020304" charset="0"/>
-            </a:endParaRPr>
-          </a:p>
-          <a:p>
-            <a:endParaRPr lang="en-US" sz="1600">
-              <a:latin typeface="Times New Roman" panose="02020603050405020304" charset="0"/>
-              <a:cs typeface="Times New Roman" panose="02020603050405020304" charset="0"/>
-            </a:endParaRPr>
-          </a:p>
         </p:txBody>
       </p:sp>
       <p:pic>
         <p:nvPicPr>
           <p:cNvPr id="4" name="Content Placeholder 3"/>
           <p:cNvPicPr>
-            <a:picLocks noChangeAspect="1"/>
+            <a:picLocks noGrp="1" noChangeAspect="1"/>
           </p:cNvPicPr>
           <p:nvPr>
             <p:ph sz="half" idx="2"/>
           </p:nvPr>
         </p:nvPicPr>
         <p:blipFill>
-          <a:blip r:embed="rId1">
+          <a:blip r:embed="rId2">
             <a:clrChange>
               <a:clrFrom>
                 <a:srgbClr val="FFFFFF">
@@ -5163,7 +6122,7 @@
 </p:sld>
 </file>
 
-<file path=ppt/slides/slide14.xml><?xml version="1.0" encoding="utf-8"?>
+<file path=ppt/slides/slide18.xml><?xml version="1.0" encoding="utf-8"?>
 <p:sld xmlns:a="http://schemas.openxmlformats.org/drawingml/2006/main" xmlns:r="http://schemas.openxmlformats.org/officeDocument/2006/relationships" xmlns:p="http://schemas.openxmlformats.org/presentationml/2006/main">
   <p:cSld>
     <p:spTree>
@@ -5172,11 +6131,20 @@
         <p:cNvGrpSpPr/>
         <p:nvPr/>
       </p:nvGrpSpPr>
-      <p:grpSpPr/>
+      <p:grpSpPr>
+        <a:xfrm>
+          <a:off x="0" y="0"/>
+          <a:ext cx="0" cy="0"/>
+          <a:chOff x="0" y="0"/>
+          <a:chExt cx="0" cy="0"/>
+        </a:xfrm>
+      </p:grpSpPr>
       <p:sp>
         <p:nvSpPr>
           <p:cNvPr id="6" name="Content Placeholder 5"/>
-          <p:cNvSpPr/>
+          <p:cNvSpPr>
+            <a:spLocks noGrp="1"/>
+          </p:cNvSpPr>
           <p:nvPr>
             <p:ph idx="1"/>
           </p:nvPr>
@@ -5189,6 +6157,7 @@
         </p:spPr>
         <p:txBody>
           <a:bodyPr/>
+          <a:lstStyle/>
           <a:p>
             <a:r>
               <a:rPr lang="en-US">
@@ -5253,10 +6222,6 @@
               </a:rPr>
               <a:t> be a function describing the image.  To improve this discrete representation,the aim is at creating a function:</a:t>
             </a:r>
-            <a:endParaRPr lang="en-US" sz="1800">
-              <a:latin typeface="Times New Roman" panose="02020603050405020304" charset="0"/>
-              <a:cs typeface="Times New Roman" panose="02020603050405020304" charset="0"/>
-            </a:endParaRPr>
           </a:p>
           <a:p>
             <a:pPr lvl="4"/>
@@ -5306,10 +6271,6 @@
               </a:rPr>
               <a:t>The approach to this task is by introducing a hypernetwork</a:t>
             </a:r>
-            <a:endParaRPr lang="en-US" sz="1800">
-              <a:latin typeface="Times New Roman" panose="02020603050405020304" charset="0"/>
-              <a:cs typeface="Times New Roman" panose="02020603050405020304" charset="0"/>
-            </a:endParaRPr>
           </a:p>
           <a:p>
             <a:pPr lvl="4"/>
@@ -5348,10 +6309,6 @@
               </a:rPr>
               <a:t>for an image x ∈ X returns weights θ to the corresponding target network Tθ.</a:t>
             </a:r>
-            <a:endParaRPr lang="en-US" sz="1000">
-              <a:latin typeface="Times New Roman" panose="02020603050405020304" charset="0"/>
-              <a:cs typeface="Times New Roman" panose="02020603050405020304" charset="0"/>
-            </a:endParaRPr>
           </a:p>
           <a:p>
             <a:pPr lvl="2"/>
@@ -5449,6 +6406,7 @@
         </p:spPr>
         <p:txBody>
           <a:bodyPr/>
+          <a:lstStyle/>
           <a:p>
             <a:r>
               <a:rPr lang="en-US" sz="2800">
@@ -5457,10 +6415,6 @@
               </a:rPr>
               <a:t>Functional Representation of an Image</a:t>
             </a:r>
-            <a:endParaRPr lang="en-US" sz="2800">
-              <a:latin typeface="Cambria" panose="02040503050406030204" charset="0"/>
-              <a:cs typeface="Cambria" panose="02040503050406030204" charset="0"/>
-            </a:endParaRPr>
           </a:p>
         </p:txBody>
       </p:sp>
@@ -5472,7 +6426,7 @@
 </p:sld>
 </file>
 
-<file path=ppt/slides/slide15.xml><?xml version="1.0" encoding="utf-8"?>
+<file path=ppt/slides/slide19.xml><?xml version="1.0" encoding="utf-8"?>
 <p:sld xmlns:a="http://schemas.openxmlformats.org/drawingml/2006/main" xmlns:r="http://schemas.openxmlformats.org/officeDocument/2006/relationships" xmlns:p="http://schemas.openxmlformats.org/presentationml/2006/main">
   <p:cSld>
     <p:spTree>
@@ -5481,19 +6435,26 @@
         <p:cNvGrpSpPr/>
         <p:nvPr/>
       </p:nvGrpSpPr>
-      <p:grpSpPr/>
+      <p:grpSpPr>
+        <a:xfrm>
+          <a:off x="0" y="0"/>
+          <a:ext cx="0" cy="0"/>
+          <a:chOff x="0" y="0"/>
+          <a:chExt cx="0" cy="0"/>
+        </a:xfrm>
+      </p:grpSpPr>
       <p:pic>
         <p:nvPicPr>
           <p:cNvPr id="4" name="Content Placeholder 3"/>
           <p:cNvPicPr>
-            <a:picLocks noChangeAspect="1"/>
+            <a:picLocks noGrp="1" noChangeAspect="1"/>
           </p:cNvPicPr>
           <p:nvPr>
             <p:ph idx="1"/>
           </p:nvPr>
         </p:nvPicPr>
         <p:blipFill>
-          <a:blip r:embed="rId1"/>
+          <a:blip r:embed="rId2"/>
           <a:srcRect l="10845" r="5992"/>
           <a:stretch>
             <a:fillRect/>
@@ -5533,6 +6494,7 @@
           <a:bodyPr wrap="square" rtlCol="0">
             <a:spAutoFit/>
           </a:bodyPr>
+          <a:lstStyle/>
           <a:p>
             <a:pPr marL="285750" indent="-285750" algn="l">
               <a:buFont typeface="Arial" panose="020B0604020202020204" pitchFamily="34" charset="0"/>
@@ -5545,10 +6507,6 @@
               </a:rPr>
               <a:t>The first one is common and takes part in</a:t>
             </a:r>
-            <a:endParaRPr lang="en-US" sz="1400">
-              <a:latin typeface="Times New Roman" panose="02020603050405020304" charset="0"/>
-              <a:cs typeface="Times New Roman" panose="02020603050405020304" charset="0"/>
-            </a:endParaRPr>
           </a:p>
           <a:p>
             <a:pPr algn="l"/>
@@ -5572,10 +6530,6 @@
               </a:rPr>
               <a:t>     layers. </a:t>
             </a:r>
-            <a:endParaRPr lang="en-US" sz="1400">
-              <a:latin typeface="Times New Roman" panose="02020603050405020304" charset="0"/>
-              <a:cs typeface="Times New Roman" panose="02020603050405020304" charset="0"/>
-            </a:endParaRPr>
           </a:p>
           <a:p>
             <a:pPr marL="285750" indent="-285750" algn="l">
@@ -5615,10 +6569,6 @@
               </a:rPr>
               <a:t>different layer of target network.</a:t>
             </a:r>
-            <a:endParaRPr lang="en-US" sz="1400">
-              <a:latin typeface="Times New Roman" panose="02020603050405020304" charset="0"/>
-              <a:cs typeface="Times New Roman" panose="02020603050405020304" charset="0"/>
-            </a:endParaRPr>
           </a:p>
           <a:p>
             <a:pPr marL="285750" indent="-285750" algn="l">
@@ -5632,10 +6582,6 @@
               </a:rPr>
               <a:t>Common Layers:</a:t>
             </a:r>
-            <a:endParaRPr lang="en-US" sz="1400">
-              <a:latin typeface="Times New Roman" panose="02020603050405020304" charset="0"/>
-              <a:cs typeface="Times New Roman" panose="02020603050405020304" charset="0"/>
-            </a:endParaRPr>
           </a:p>
           <a:p>
             <a:pPr marL="742950" lvl="1" indent="-285750" algn="l">
@@ -5649,10 +6595,6 @@
               </a:rPr>
               <a:t>The task of common layers is to extract meaningful features.</a:t>
             </a:r>
-            <a:endParaRPr lang="en-US" sz="1200">
-              <a:latin typeface="Times New Roman" panose="02020603050405020304" charset="0"/>
-              <a:cs typeface="Times New Roman" panose="02020603050405020304" charset="0"/>
-            </a:endParaRPr>
           </a:p>
           <a:p>
             <a:pPr marL="742950" lvl="1" indent="-285750" algn="l">
@@ -5666,10 +6608,6 @@
               </a:rPr>
               <a:t>This extraction is performed using Naive Inception Module followed by four convolution layers.</a:t>
             </a:r>
-            <a:endParaRPr lang="en-US" sz="1200">
-              <a:latin typeface="Times New Roman" panose="02020603050405020304" charset="0"/>
-              <a:cs typeface="Times New Roman" panose="02020603050405020304" charset="0"/>
-            </a:endParaRPr>
           </a:p>
           <a:p>
             <a:pPr marL="742950" lvl="1" indent="-285750" algn="l">
@@ -5683,10 +6621,6 @@
               </a:rPr>
               <a:t>Inception module leverages three different convolutions and average pooling.</a:t>
             </a:r>
-            <a:endParaRPr lang="en-US" sz="1200">
-              <a:latin typeface="Times New Roman" panose="02020603050405020304" charset="0"/>
-              <a:cs typeface="Times New Roman" panose="02020603050405020304" charset="0"/>
-            </a:endParaRPr>
           </a:p>
           <a:p>
             <a:pPr marL="742950" lvl="1" indent="-285750" algn="l">
@@ -5700,10 +6634,6 @@
               </a:rPr>
               <a:t>It improves network accuracy and does not negatively influence training time.</a:t>
             </a:r>
-            <a:endParaRPr lang="en-US" sz="1200">
-              <a:latin typeface="Times New Roman" panose="02020603050405020304" charset="0"/>
-              <a:cs typeface="Times New Roman" panose="02020603050405020304" charset="0"/>
-            </a:endParaRPr>
           </a:p>
           <a:p>
             <a:pPr marL="285750" lvl="0" indent="-285750" algn="l">
@@ -5717,10 +6647,6 @@
               </a:rPr>
               <a:t>Seprate Layers:</a:t>
             </a:r>
-            <a:endParaRPr lang="en-US" sz="1400">
-              <a:latin typeface="Times New Roman" panose="02020603050405020304" charset="0"/>
-              <a:cs typeface="Times New Roman" panose="02020603050405020304" charset="0"/>
-            </a:endParaRPr>
           </a:p>
           <a:p>
             <a:pPr marL="742950" lvl="1" indent="-285750" algn="l">
@@ -5734,10 +6660,6 @@
               </a:rPr>
               <a:t>There are multiple branches responsible for converting extracted features into actual weights of target network.</a:t>
             </a:r>
-            <a:endParaRPr lang="en-US" sz="1200">
-              <a:latin typeface="Times New Roman" panose="02020603050405020304" charset="0"/>
-              <a:cs typeface="Times New Roman" panose="02020603050405020304" charset="0"/>
-            </a:endParaRPr>
           </a:p>
           <a:p>
             <a:pPr marL="742950" lvl="1" indent="-285750" algn="l">
@@ -5751,10 +6673,6 @@
               </a:rPr>
               <a:t>Batch normalization is used after each layer of hypernetwork and ReLU is chosen as the activation function.</a:t>
             </a:r>
-            <a:endParaRPr lang="en-US" sz="1200">
-              <a:latin typeface="Times New Roman" panose="02020603050405020304" charset="0"/>
-              <a:cs typeface="Times New Roman" panose="02020603050405020304" charset="0"/>
-            </a:endParaRPr>
           </a:p>
           <a:p>
             <a:pPr marL="742950" lvl="1" indent="-285750" algn="l">
@@ -5803,19 +6721,6 @@
               </a:rPr>
               <a:t>https://arxiv.org/pdf/1902.10404.pdf</a:t>
             </a:r>
-            <a:endParaRPr lang="en-US" sz="1200">
-              <a:solidFill>
-                <a:schemeClr val="accent1"/>
-              </a:solidFill>
-              <a:effectLst>
-                <a:outerShdw blurRad="38100" dist="25400" dir="5400000" algn="ctr" rotWithShape="0">
-                  <a:srgbClr val="6E747A">
-                    <a:alpha val="43000"/>
-                  </a:srgbClr>
-                </a:outerShdw>
-              </a:effectLst>
-              <a:sym typeface="+mn-ea"/>
-            </a:endParaRPr>
           </a:p>
           <a:p>
             <a:pPr marL="0" indent="0">
@@ -5836,18 +6741,6 @@
               </a:rPr>
               <a:t>https://ieeexplore.ieee.org/document/8014884</a:t>
             </a:r>
-            <a:endParaRPr lang="en-US" sz="1200">
-              <a:solidFill>
-                <a:schemeClr val="accent1"/>
-              </a:solidFill>
-              <a:effectLst>
-                <a:outerShdw blurRad="38100" dist="25400" dir="5400000" algn="ctr" rotWithShape="0">
-                  <a:srgbClr val="6E747A">
-                    <a:alpha val="43000"/>
-                  </a:srgbClr>
-                </a:outerShdw>
-              </a:effectLst>
-            </a:endParaRPr>
           </a:p>
           <a:p>
             <a:pPr marL="742950" lvl="1" indent="-285750" algn="l">
@@ -5888,6 +6781,1713 @@
       </p:grpSpPr>
       <p:sp>
         <p:nvSpPr>
+          <p:cNvPr id="2" name="Slide Number Placeholder 1"/>
+          <p:cNvSpPr>
+            <a:spLocks noGrp="1"/>
+          </p:cNvSpPr>
+          <p:nvPr>
+            <p:ph type="sldNum" sz="quarter" idx="12"/>
+          </p:nvPr>
+        </p:nvSpPr>
+        <p:spPr/>
+        <p:txBody>
+          <a:bodyPr/>
+          <a:lstStyle/>
+          <a:p>
+            <a:fld id="{7870A25B-082D-42BE-9910-664729240837}" type="slidenum">
+              <a:rPr lang="en-IN" smtClean="0"/>
+              <a:pPr/>
+              <a:t>2</a:t>
+            </a:fld>
+            <a:endParaRPr lang="en-IN"/>
+          </a:p>
+        </p:txBody>
+      </p:sp>
+      <p:sp>
+        <p:nvSpPr>
+          <p:cNvPr id="3" name="TextBox 2"/>
+          <p:cNvSpPr txBox="1"/>
+          <p:nvPr/>
+        </p:nvSpPr>
+        <p:spPr>
+          <a:xfrm>
+            <a:off x="393895" y="1252024"/>
+            <a:ext cx="11577711" cy="4093428"/>
+          </a:xfrm>
+          <a:prstGeom prst="rect">
+            <a:avLst/>
+          </a:prstGeom>
+          <a:noFill/>
+        </p:spPr>
+        <p:txBody>
+          <a:bodyPr wrap="square" rtlCol="0">
+            <a:spAutoFit/>
+          </a:bodyPr>
+          <a:lstStyle/>
+          <a:p>
+            <a:r>
+              <a:rPr lang="en-US" sz="2800" b="1" dirty="0" smtClean="0"/>
+              <a:t>                                         </a:t>
+            </a:r>
+            <a:r>
+              <a:rPr lang="en-US" sz="3600" b="1" dirty="0" smtClean="0"/>
+              <a:t>Problem </a:t>
+            </a:r>
+            <a:r>
+              <a:rPr lang="en-US" sz="3600" b="1" dirty="0" smtClean="0"/>
+              <a:t>Statement </a:t>
+            </a:r>
+            <a:endParaRPr lang="en-US" sz="3600" b="1" dirty="0" smtClean="0"/>
+          </a:p>
+          <a:p>
+            <a:endParaRPr lang="en-US" sz="2800" dirty="0" smtClean="0"/>
+          </a:p>
+          <a:p>
+            <a:pPr>
+              <a:buFont typeface="Arial" pitchFamily="34" charset="0"/>
+              <a:buChar char="•"/>
+            </a:pPr>
+            <a:r>
+              <a:rPr lang="en-US" sz="2800" dirty="0" smtClean="0"/>
+              <a:t> Given an internet meme, our model should predict whether a meme is hateful or non-hateful. </a:t>
+            </a:r>
+            <a:endParaRPr lang="en-US" sz="2800" dirty="0" smtClean="0"/>
+          </a:p>
+          <a:p>
+            <a:endParaRPr lang="en-US" sz="2800" dirty="0" smtClean="0"/>
+          </a:p>
+          <a:p>
+            <a:pPr>
+              <a:buFont typeface="Arial" pitchFamily="34" charset="0"/>
+              <a:buChar char="•"/>
+            </a:pPr>
+            <a:r>
+              <a:rPr lang="en-US" sz="2800" dirty="0" smtClean="0"/>
+              <a:t>This is a binary classification problem with multimodal input data consisting of the meme image itself (the image mode) and a string representing the text in the meme image (the text mode).</a:t>
+            </a:r>
+          </a:p>
+          <a:p>
+            <a:endParaRPr lang="en-IN" sz="2800" dirty="0"/>
+          </a:p>
+        </p:txBody>
+      </p:sp>
+    </p:spTree>
+  </p:cSld>
+  <p:clrMapOvr>
+    <a:masterClrMapping/>
+  </p:clrMapOvr>
+  <p:timing>
+    <p:tnLst>
+      <p:par>
+        <p:cTn id="1" dur="indefinite" restart="never" nodeType="tmRoot"/>
+      </p:par>
+    </p:tnLst>
+  </p:timing>
+</p:sld>
+</file>
+
+<file path=ppt/slides/slide20.xml><?xml version="1.0" encoding="utf-8"?>
+<p:sld xmlns:a="http://schemas.openxmlformats.org/drawingml/2006/main" xmlns:r="http://schemas.openxmlformats.org/officeDocument/2006/relationships" xmlns:p="http://schemas.openxmlformats.org/presentationml/2006/main">
+  <p:cSld>
+    <p:spTree>
+      <p:nvGrpSpPr>
+        <p:cNvPr id="1" name=""/>
+        <p:cNvGrpSpPr/>
+        <p:nvPr/>
+      </p:nvGrpSpPr>
+      <p:grpSpPr>
+        <a:xfrm>
+          <a:off x="0" y="0"/>
+          <a:ext cx="0" cy="0"/>
+          <a:chOff x="0" y="0"/>
+          <a:chExt cx="0" cy="0"/>
+        </a:xfrm>
+      </p:grpSpPr>
+      <p:sp>
+        <p:nvSpPr>
+          <p:cNvPr id="2" name="Title 1"/>
+          <p:cNvSpPr>
+            <a:spLocks noGrp="1"/>
+          </p:cNvSpPr>
+          <p:nvPr>
+            <p:ph type="title"/>
+          </p:nvPr>
+        </p:nvSpPr>
+        <p:spPr/>
+        <p:txBody>
+          <a:bodyPr/>
+          <a:lstStyle/>
+          <a:p>
+            <a:r>
+              <a:rPr lang="en-US" dirty="0" smtClean="0"/>
+              <a:t>Proposed System</a:t>
+            </a:r>
+            <a:endParaRPr lang="en-IN" dirty="0"/>
+          </a:p>
+        </p:txBody>
+      </p:sp>
+      <p:sp>
+        <p:nvSpPr>
+          <p:cNvPr id="4" name="Slide Number Placeholder 3"/>
+          <p:cNvSpPr>
+            <a:spLocks noGrp="1"/>
+          </p:cNvSpPr>
+          <p:nvPr>
+            <p:ph type="sldNum" sz="quarter" idx="12"/>
+          </p:nvPr>
+        </p:nvSpPr>
+        <p:spPr/>
+        <p:txBody>
+          <a:bodyPr/>
+          <a:lstStyle/>
+          <a:p>
+            <a:fld id="{7870A25B-082D-42BE-9910-664729240837}" type="slidenum">
+              <a:rPr lang="en-IN" smtClean="0"/>
+              <a:pPr/>
+              <a:t>20</a:t>
+            </a:fld>
+            <a:endParaRPr lang="en-IN"/>
+          </a:p>
+        </p:txBody>
+      </p:sp>
+      <p:sp>
+        <p:nvSpPr>
+          <p:cNvPr id="12" name="Rounded Rectangle 11"/>
+          <p:cNvSpPr/>
+          <p:nvPr/>
+        </p:nvSpPr>
+        <p:spPr>
+          <a:xfrm>
+            <a:off x="3953021" y="2194561"/>
+            <a:ext cx="2011680" cy="942535"/>
+          </a:xfrm>
+          <a:prstGeom prst="roundRect">
+            <a:avLst/>
+          </a:prstGeom>
+        </p:spPr>
+        <p:style>
+          <a:lnRef idx="2">
+            <a:schemeClr val="accent1">
+              <a:shade val="50000"/>
+            </a:schemeClr>
+          </a:lnRef>
+          <a:fillRef idx="1">
+            <a:schemeClr val="accent1"/>
+          </a:fillRef>
+          <a:effectRef idx="0">
+            <a:schemeClr val="accent1"/>
+          </a:effectRef>
+          <a:fontRef idx="minor">
+            <a:schemeClr val="lt1"/>
+          </a:fontRef>
+        </p:style>
+        <p:txBody>
+          <a:bodyPr rtlCol="0" anchor="ctr"/>
+          <a:lstStyle/>
+          <a:p>
+            <a:pPr algn="ctr"/>
+            <a:r>
+              <a:rPr lang="en-US" dirty="0" smtClean="0"/>
+              <a:t>IMAGE Model</a:t>
+            </a:r>
+            <a:endParaRPr lang="en-IN" dirty="0"/>
+          </a:p>
+        </p:txBody>
+      </p:sp>
+      <p:sp>
+        <p:nvSpPr>
+          <p:cNvPr id="13" name="Rounded Rectangle 12"/>
+          <p:cNvSpPr/>
+          <p:nvPr/>
+        </p:nvSpPr>
+        <p:spPr>
+          <a:xfrm>
+            <a:off x="4164037" y="4586067"/>
+            <a:ext cx="2011680" cy="941832"/>
+          </a:xfrm>
+          <a:prstGeom prst="roundRect">
+            <a:avLst/>
+          </a:prstGeom>
+        </p:spPr>
+        <p:style>
+          <a:lnRef idx="2">
+            <a:schemeClr val="accent1">
+              <a:shade val="50000"/>
+            </a:schemeClr>
+          </a:lnRef>
+          <a:fillRef idx="1">
+            <a:schemeClr val="accent1"/>
+          </a:fillRef>
+          <a:effectRef idx="0">
+            <a:schemeClr val="accent1"/>
+          </a:effectRef>
+          <a:fontRef idx="minor">
+            <a:schemeClr val="lt1"/>
+          </a:fontRef>
+        </p:style>
+        <p:txBody>
+          <a:bodyPr rtlCol="0" anchor="ctr"/>
+          <a:lstStyle/>
+          <a:p>
+            <a:pPr algn="ctr"/>
+            <a:r>
+              <a:rPr lang="en-US" dirty="0" smtClean="0"/>
+              <a:t>TEXT Model</a:t>
+            </a:r>
+            <a:endParaRPr lang="en-IN" dirty="0"/>
+          </a:p>
+        </p:txBody>
+      </p:sp>
+      <p:sp>
+        <p:nvSpPr>
+          <p:cNvPr id="14" name="Rounded Rectangle 13"/>
+          <p:cNvSpPr/>
+          <p:nvPr/>
+        </p:nvSpPr>
+        <p:spPr>
+          <a:xfrm>
+            <a:off x="9115862" y="3179299"/>
+            <a:ext cx="1874520" cy="886265"/>
+          </a:xfrm>
+          <a:prstGeom prst="roundRect">
+            <a:avLst/>
+          </a:prstGeom>
+        </p:spPr>
+        <p:style>
+          <a:lnRef idx="2">
+            <a:schemeClr val="accent1">
+              <a:shade val="50000"/>
+            </a:schemeClr>
+          </a:lnRef>
+          <a:fillRef idx="1">
+            <a:schemeClr val="accent1"/>
+          </a:fillRef>
+          <a:effectRef idx="0">
+            <a:schemeClr val="accent1"/>
+          </a:effectRef>
+          <a:fontRef idx="minor">
+            <a:schemeClr val="lt1"/>
+          </a:fontRef>
+        </p:style>
+        <p:txBody>
+          <a:bodyPr rtlCol="0" anchor="ctr"/>
+          <a:lstStyle/>
+          <a:p>
+            <a:pPr algn="ctr"/>
+            <a:r>
+              <a:rPr lang="en-US" dirty="0" smtClean="0"/>
+              <a:t>Classifier</a:t>
+            </a:r>
+            <a:endParaRPr lang="en-IN" dirty="0"/>
+          </a:p>
+        </p:txBody>
+      </p:sp>
+      <p:sp>
+        <p:nvSpPr>
+          <p:cNvPr id="15" name="Rectangle 14"/>
+          <p:cNvSpPr/>
+          <p:nvPr/>
+        </p:nvSpPr>
+        <p:spPr>
+          <a:xfrm>
+            <a:off x="1012874" y="3418450"/>
+            <a:ext cx="1871003" cy="886264"/>
+          </a:xfrm>
+          <a:prstGeom prst="rect">
+            <a:avLst/>
+          </a:prstGeom>
+        </p:spPr>
+        <p:style>
+          <a:lnRef idx="2">
+            <a:schemeClr val="accent1">
+              <a:shade val="50000"/>
+            </a:schemeClr>
+          </a:lnRef>
+          <a:fillRef idx="1">
+            <a:schemeClr val="accent1"/>
+          </a:fillRef>
+          <a:effectRef idx="0">
+            <a:schemeClr val="accent1"/>
+          </a:effectRef>
+          <a:fontRef idx="minor">
+            <a:schemeClr val="lt1"/>
+          </a:fontRef>
+        </p:style>
+        <p:txBody>
+          <a:bodyPr rtlCol="0" anchor="ctr"/>
+          <a:lstStyle/>
+          <a:p>
+            <a:pPr algn="ctr"/>
+            <a:r>
+              <a:rPr lang="en-US" dirty="0" smtClean="0"/>
+              <a:t>MEME</a:t>
+            </a:r>
+            <a:endParaRPr lang="en-IN" dirty="0"/>
+          </a:p>
+        </p:txBody>
+      </p:sp>
+      <p:sp>
+        <p:nvSpPr>
+          <p:cNvPr id="16" name="Rectangle 15"/>
+          <p:cNvSpPr/>
+          <p:nvPr/>
+        </p:nvSpPr>
+        <p:spPr>
+          <a:xfrm>
+            <a:off x="6457071" y="3263705"/>
+            <a:ext cx="1874520" cy="886968"/>
+          </a:xfrm>
+          <a:prstGeom prst="rect">
+            <a:avLst/>
+          </a:prstGeom>
+        </p:spPr>
+        <p:style>
+          <a:lnRef idx="2">
+            <a:schemeClr val="accent1">
+              <a:shade val="50000"/>
+            </a:schemeClr>
+          </a:lnRef>
+          <a:fillRef idx="1">
+            <a:schemeClr val="accent1"/>
+          </a:fillRef>
+          <a:effectRef idx="0">
+            <a:schemeClr val="accent1"/>
+          </a:effectRef>
+          <a:fontRef idx="minor">
+            <a:schemeClr val="lt1"/>
+          </a:fontRef>
+        </p:style>
+        <p:txBody>
+          <a:bodyPr rtlCol="0" anchor="ctr"/>
+          <a:lstStyle/>
+          <a:p>
+            <a:pPr algn="ctr"/>
+            <a:r>
+              <a:rPr lang="en-US" dirty="0" smtClean="0"/>
+              <a:t>Fusion</a:t>
+            </a:r>
+            <a:endParaRPr lang="en-IN" dirty="0"/>
+          </a:p>
+        </p:txBody>
+      </p:sp>
+      <p:cxnSp>
+        <p:nvCxnSpPr>
+          <p:cNvPr id="18" name="Straight Arrow Connector 17"/>
+          <p:cNvCxnSpPr>
+            <a:endCxn id="12" idx="1"/>
+          </p:cNvCxnSpPr>
+          <p:nvPr/>
+        </p:nvCxnSpPr>
+        <p:spPr>
+          <a:xfrm flipV="1">
+            <a:off x="2869809" y="2665829"/>
+            <a:ext cx="1083212" cy="837026"/>
+          </a:xfrm>
+          <a:prstGeom prst="straightConnector1">
+            <a:avLst/>
+          </a:prstGeom>
+          <a:ln>
+            <a:tailEnd type="arrow"/>
+          </a:ln>
+        </p:spPr>
+        <p:style>
+          <a:lnRef idx="1">
+            <a:schemeClr val="accent1"/>
+          </a:lnRef>
+          <a:fillRef idx="0">
+            <a:schemeClr val="accent1"/>
+          </a:fillRef>
+          <a:effectRef idx="0">
+            <a:schemeClr val="accent1"/>
+          </a:effectRef>
+          <a:fontRef idx="minor">
+            <a:schemeClr val="tx1"/>
+          </a:fontRef>
+        </p:style>
+      </p:cxnSp>
+      <p:cxnSp>
+        <p:nvCxnSpPr>
+          <p:cNvPr id="20" name="Straight Arrow Connector 19"/>
+          <p:cNvCxnSpPr>
+            <a:endCxn id="13" idx="1"/>
+          </p:cNvCxnSpPr>
+          <p:nvPr/>
+        </p:nvCxnSpPr>
+        <p:spPr>
+          <a:xfrm>
+            <a:off x="2869809" y="4023360"/>
+            <a:ext cx="1294228" cy="1033623"/>
+          </a:xfrm>
+          <a:prstGeom prst="straightConnector1">
+            <a:avLst/>
+          </a:prstGeom>
+          <a:ln>
+            <a:tailEnd type="arrow"/>
+          </a:ln>
+        </p:spPr>
+        <p:style>
+          <a:lnRef idx="1">
+            <a:schemeClr val="accent1"/>
+          </a:lnRef>
+          <a:fillRef idx="0">
+            <a:schemeClr val="accent1"/>
+          </a:fillRef>
+          <a:effectRef idx="0">
+            <a:schemeClr val="accent1"/>
+          </a:effectRef>
+          <a:fontRef idx="minor">
+            <a:schemeClr val="tx1"/>
+          </a:fontRef>
+        </p:style>
+      </p:cxnSp>
+      <p:cxnSp>
+        <p:nvCxnSpPr>
+          <p:cNvPr id="22" name="Straight Arrow Connector 21"/>
+          <p:cNvCxnSpPr>
+            <a:stCxn id="12" idx="3"/>
+          </p:cNvCxnSpPr>
+          <p:nvPr/>
+        </p:nvCxnSpPr>
+        <p:spPr>
+          <a:xfrm>
+            <a:off x="5964701" y="2665829"/>
+            <a:ext cx="1097281" cy="583808"/>
+          </a:xfrm>
+          <a:prstGeom prst="straightConnector1">
+            <a:avLst/>
+          </a:prstGeom>
+          <a:ln>
+            <a:tailEnd type="arrow"/>
+          </a:ln>
+        </p:spPr>
+        <p:style>
+          <a:lnRef idx="1">
+            <a:schemeClr val="accent1"/>
+          </a:lnRef>
+          <a:fillRef idx="0">
+            <a:schemeClr val="accent1"/>
+          </a:fillRef>
+          <a:effectRef idx="0">
+            <a:schemeClr val="accent1"/>
+          </a:effectRef>
+          <a:fontRef idx="minor">
+            <a:schemeClr val="tx1"/>
+          </a:fontRef>
+        </p:style>
+      </p:cxnSp>
+      <p:cxnSp>
+        <p:nvCxnSpPr>
+          <p:cNvPr id="26" name="Straight Arrow Connector 25"/>
+          <p:cNvCxnSpPr>
+            <a:stCxn id="13" idx="3"/>
+          </p:cNvCxnSpPr>
+          <p:nvPr/>
+        </p:nvCxnSpPr>
+        <p:spPr>
+          <a:xfrm flipV="1">
+            <a:off x="6175717" y="4178105"/>
+            <a:ext cx="984738" cy="878878"/>
+          </a:xfrm>
+          <a:prstGeom prst="straightConnector1">
+            <a:avLst/>
+          </a:prstGeom>
+          <a:ln>
+            <a:tailEnd type="arrow"/>
+          </a:ln>
+        </p:spPr>
+        <p:style>
+          <a:lnRef idx="1">
+            <a:schemeClr val="accent1"/>
+          </a:lnRef>
+          <a:fillRef idx="0">
+            <a:schemeClr val="accent1"/>
+          </a:fillRef>
+          <a:effectRef idx="0">
+            <a:schemeClr val="accent1"/>
+          </a:effectRef>
+          <a:fontRef idx="minor">
+            <a:schemeClr val="tx1"/>
+          </a:fontRef>
+        </p:style>
+      </p:cxnSp>
+      <p:cxnSp>
+        <p:nvCxnSpPr>
+          <p:cNvPr id="30" name="Straight Arrow Connector 29"/>
+          <p:cNvCxnSpPr>
+            <a:endCxn id="14" idx="1"/>
+          </p:cNvCxnSpPr>
+          <p:nvPr/>
+        </p:nvCxnSpPr>
+        <p:spPr>
+          <a:xfrm flipV="1">
+            <a:off x="8370277" y="3622432"/>
+            <a:ext cx="745585" cy="7033"/>
+          </a:xfrm>
+          <a:prstGeom prst="straightConnector1">
+            <a:avLst/>
+          </a:prstGeom>
+          <a:ln>
+            <a:tailEnd type="arrow"/>
+          </a:ln>
+        </p:spPr>
+        <p:style>
+          <a:lnRef idx="1">
+            <a:schemeClr val="accent1"/>
+          </a:lnRef>
+          <a:fillRef idx="0">
+            <a:schemeClr val="accent1"/>
+          </a:fillRef>
+          <a:effectRef idx="0">
+            <a:schemeClr val="accent1"/>
+          </a:effectRef>
+          <a:fontRef idx="minor">
+            <a:schemeClr val="tx1"/>
+          </a:fontRef>
+        </p:style>
+      </p:cxnSp>
+      <p:cxnSp>
+        <p:nvCxnSpPr>
+          <p:cNvPr id="33" name="Straight Arrow Connector 32"/>
+          <p:cNvCxnSpPr/>
+          <p:nvPr/>
+        </p:nvCxnSpPr>
+        <p:spPr>
+          <a:xfrm rot="5400000">
+            <a:off x="8693834" y="4276578"/>
+            <a:ext cx="1111348" cy="745588"/>
+          </a:xfrm>
+          <a:prstGeom prst="straightConnector1">
+            <a:avLst/>
+          </a:prstGeom>
+          <a:ln>
+            <a:tailEnd type="arrow"/>
+          </a:ln>
+        </p:spPr>
+        <p:style>
+          <a:lnRef idx="1">
+            <a:schemeClr val="accent1"/>
+          </a:lnRef>
+          <a:fillRef idx="0">
+            <a:schemeClr val="accent1"/>
+          </a:fillRef>
+          <a:effectRef idx="0">
+            <a:schemeClr val="accent1"/>
+          </a:effectRef>
+          <a:fontRef idx="minor">
+            <a:schemeClr val="tx1"/>
+          </a:fontRef>
+        </p:style>
+      </p:cxnSp>
+      <p:sp>
+        <p:nvSpPr>
+          <p:cNvPr id="34" name="TextBox 33"/>
+          <p:cNvSpPr txBox="1"/>
+          <p:nvPr/>
+        </p:nvSpPr>
+        <p:spPr>
+          <a:xfrm>
+            <a:off x="8454683" y="5148775"/>
+            <a:ext cx="1019446" cy="369332"/>
+          </a:xfrm>
+          <a:prstGeom prst="rect">
+            <a:avLst/>
+          </a:prstGeom>
+          <a:noFill/>
+        </p:spPr>
+        <p:txBody>
+          <a:bodyPr wrap="none" rtlCol="0">
+            <a:spAutoFit/>
+          </a:bodyPr>
+          <a:lstStyle/>
+          <a:p>
+            <a:r>
+              <a:rPr lang="en-US" dirty="0" smtClean="0"/>
+              <a:t>HATEFUL</a:t>
+            </a:r>
+            <a:endParaRPr lang="en-IN" dirty="0"/>
+          </a:p>
+        </p:txBody>
+      </p:sp>
+      <p:cxnSp>
+        <p:nvCxnSpPr>
+          <p:cNvPr id="36" name="Straight Arrow Connector 35"/>
+          <p:cNvCxnSpPr>
+            <a:stCxn id="14" idx="2"/>
+          </p:cNvCxnSpPr>
+          <p:nvPr/>
+        </p:nvCxnSpPr>
+        <p:spPr>
+          <a:xfrm rot="16200000" flipH="1">
+            <a:off x="9943220" y="4175466"/>
+            <a:ext cx="1041008" cy="821204"/>
+          </a:xfrm>
+          <a:prstGeom prst="straightConnector1">
+            <a:avLst/>
+          </a:prstGeom>
+          <a:ln>
+            <a:tailEnd type="arrow"/>
+          </a:ln>
+        </p:spPr>
+        <p:style>
+          <a:lnRef idx="1">
+            <a:schemeClr val="accent1"/>
+          </a:lnRef>
+          <a:fillRef idx="0">
+            <a:schemeClr val="accent1"/>
+          </a:fillRef>
+          <a:effectRef idx="0">
+            <a:schemeClr val="accent1"/>
+          </a:effectRef>
+          <a:fontRef idx="minor">
+            <a:schemeClr val="tx1"/>
+          </a:fontRef>
+        </p:style>
+      </p:cxnSp>
+      <p:sp>
+        <p:nvSpPr>
+          <p:cNvPr id="37" name="TextBox 36"/>
+          <p:cNvSpPr txBox="1"/>
+          <p:nvPr/>
+        </p:nvSpPr>
+        <p:spPr>
+          <a:xfrm>
+            <a:off x="9988061" y="5092504"/>
+            <a:ext cx="1540422" cy="369332"/>
+          </a:xfrm>
+          <a:prstGeom prst="rect">
+            <a:avLst/>
+          </a:prstGeom>
+          <a:noFill/>
+        </p:spPr>
+        <p:txBody>
+          <a:bodyPr wrap="none" rtlCol="0">
+            <a:spAutoFit/>
+          </a:bodyPr>
+          <a:lstStyle/>
+          <a:p>
+            <a:r>
+              <a:rPr lang="en-US" dirty="0" smtClean="0"/>
+              <a:t>NON-HATEFUL</a:t>
+            </a:r>
+            <a:endParaRPr lang="en-IN" dirty="0"/>
+          </a:p>
+        </p:txBody>
+      </p:sp>
+    </p:spTree>
+  </p:cSld>
+  <p:clrMapOvr>
+    <a:masterClrMapping/>
+  </p:clrMapOvr>
+</p:sld>
+</file>
+
+<file path=ppt/slides/slide21.xml><?xml version="1.0" encoding="utf-8"?>
+<p:sld xmlns:a="http://schemas.openxmlformats.org/drawingml/2006/main" xmlns:r="http://schemas.openxmlformats.org/officeDocument/2006/relationships" xmlns:p="http://schemas.openxmlformats.org/presentationml/2006/main">
+  <p:cSld>
+    <p:spTree>
+      <p:nvGrpSpPr>
+        <p:cNvPr id="1" name=""/>
+        <p:cNvGrpSpPr/>
+        <p:nvPr/>
+      </p:nvGrpSpPr>
+      <p:grpSpPr>
+        <a:xfrm>
+          <a:off x="0" y="0"/>
+          <a:ext cx="0" cy="0"/>
+          <a:chOff x="0" y="0"/>
+          <a:chExt cx="0" cy="0"/>
+        </a:xfrm>
+      </p:grpSpPr>
+      <p:sp>
+        <p:nvSpPr>
+          <p:cNvPr id="2" name="Slide Number Placeholder 1"/>
+          <p:cNvSpPr>
+            <a:spLocks noGrp="1"/>
+          </p:cNvSpPr>
+          <p:nvPr>
+            <p:ph type="sldNum" sz="quarter" idx="12"/>
+          </p:nvPr>
+        </p:nvSpPr>
+        <p:spPr/>
+        <p:txBody>
+          <a:bodyPr/>
+          <a:lstStyle/>
+          <a:p>
+            <a:fld id="{7870A25B-082D-42BE-9910-664729240837}" type="slidenum">
+              <a:rPr lang="en-IN" smtClean="0"/>
+              <a:pPr/>
+              <a:t>21</a:t>
+            </a:fld>
+            <a:endParaRPr lang="en-IN"/>
+          </a:p>
+        </p:txBody>
+      </p:sp>
+      <p:sp>
+        <p:nvSpPr>
+          <p:cNvPr id="3" name="TextBox 2"/>
+          <p:cNvSpPr txBox="1"/>
+          <p:nvPr/>
+        </p:nvSpPr>
+        <p:spPr>
+          <a:xfrm>
+            <a:off x="942535" y="633046"/>
+            <a:ext cx="9931791" cy="5909310"/>
+          </a:xfrm>
+          <a:prstGeom prst="rect">
+            <a:avLst/>
+          </a:prstGeom>
+          <a:noFill/>
+        </p:spPr>
+        <p:txBody>
+          <a:bodyPr wrap="square" rtlCol="0">
+            <a:spAutoFit/>
+          </a:bodyPr>
+          <a:lstStyle/>
+          <a:p>
+            <a:r>
+              <a:rPr lang="en-US" b="1" dirty="0" smtClean="0"/>
+              <a:t>Functional Requirement </a:t>
+            </a:r>
+            <a:endParaRPr lang="en-IN" dirty="0" smtClean="0"/>
+          </a:p>
+          <a:p>
+            <a:r>
+              <a:rPr lang="en-US" dirty="0" smtClean="0"/>
+              <a:t> </a:t>
+            </a:r>
+            <a:endParaRPr lang="en-IN" dirty="0" smtClean="0"/>
+          </a:p>
+          <a:p>
+            <a:pPr lvl="0">
+              <a:buFont typeface="Arial" pitchFamily="34" charset="0"/>
+              <a:buChar char="•"/>
+            </a:pPr>
+            <a:r>
+              <a:rPr lang="en-US" dirty="0" smtClean="0"/>
+              <a:t>User can upload his own meme</a:t>
+            </a:r>
+            <a:endParaRPr lang="en-IN" dirty="0" smtClean="0"/>
+          </a:p>
+          <a:p>
+            <a:endParaRPr lang="en-IN" dirty="0" smtClean="0"/>
+          </a:p>
+          <a:p>
+            <a:pPr lvl="0">
+              <a:buFont typeface="Arial" pitchFamily="34" charset="0"/>
+              <a:buChar char="•"/>
+            </a:pPr>
+            <a:r>
+              <a:rPr lang="en-US" dirty="0" smtClean="0"/>
+              <a:t>System should be able to accept the meme and label it as hateful or not hateful</a:t>
+            </a:r>
+            <a:endParaRPr lang="en-IN" dirty="0" smtClean="0"/>
+          </a:p>
+          <a:p>
+            <a:endParaRPr lang="en-IN" dirty="0" smtClean="0"/>
+          </a:p>
+          <a:p>
+            <a:pPr lvl="0">
+              <a:buFont typeface="Arial" pitchFamily="34" charset="0"/>
+              <a:buChar char="•"/>
+            </a:pPr>
+            <a:r>
+              <a:rPr lang="en-US" dirty="0" smtClean="0"/>
+              <a:t>The system should be able to display the percentage of hate in the meme</a:t>
+            </a:r>
+            <a:endParaRPr lang="en-IN" dirty="0" smtClean="0"/>
+          </a:p>
+          <a:p>
+            <a:endParaRPr lang="en-IN" dirty="0" smtClean="0"/>
+          </a:p>
+          <a:p>
+            <a:pPr lvl="0">
+              <a:buFont typeface="Arial" pitchFamily="34" charset="0"/>
+              <a:buChar char="•"/>
+            </a:pPr>
+            <a:r>
+              <a:rPr lang="en-US" dirty="0" smtClean="0"/>
+              <a:t>The History window should show last 5 image’s result of classification  </a:t>
+            </a:r>
+            <a:endParaRPr lang="en-IN" dirty="0" smtClean="0"/>
+          </a:p>
+          <a:p>
+            <a:r>
+              <a:rPr lang="en-US" dirty="0" smtClean="0"/>
+              <a:t> </a:t>
+            </a:r>
+            <a:endParaRPr lang="en-IN" dirty="0" smtClean="0"/>
+          </a:p>
+          <a:p>
+            <a:r>
+              <a:rPr lang="en-US" dirty="0" smtClean="0"/>
+              <a:t> </a:t>
+            </a:r>
+            <a:endParaRPr lang="en-IN" dirty="0" smtClean="0"/>
+          </a:p>
+          <a:p>
+            <a:r>
+              <a:rPr lang="en-US" b="1" dirty="0" smtClean="0"/>
+              <a:t>Non Functional Requirement</a:t>
+            </a:r>
+            <a:endParaRPr lang="en-IN" dirty="0" smtClean="0"/>
+          </a:p>
+          <a:p>
+            <a:r>
+              <a:rPr lang="en-US" b="1" dirty="0" smtClean="0"/>
+              <a:t> </a:t>
+            </a:r>
+            <a:endParaRPr lang="en-IN" dirty="0" smtClean="0"/>
+          </a:p>
+          <a:p>
+            <a:pPr lvl="0">
+              <a:buFont typeface="Arial" pitchFamily="34" charset="0"/>
+              <a:buChar char="•"/>
+            </a:pPr>
+            <a:r>
+              <a:rPr lang="en-US" dirty="0" smtClean="0"/>
+              <a:t>  The window should be opened in less than 2 ms</a:t>
+            </a:r>
+            <a:endParaRPr lang="en-IN" dirty="0" smtClean="0"/>
+          </a:p>
+          <a:p>
+            <a:endParaRPr lang="en-IN" dirty="0" smtClean="0"/>
+          </a:p>
+          <a:p>
+            <a:pPr lvl="0">
+              <a:buFont typeface="Arial" pitchFamily="34" charset="0"/>
+              <a:buChar char="•"/>
+            </a:pPr>
+            <a:r>
+              <a:rPr lang="en-US" dirty="0" smtClean="0"/>
+              <a:t>  It should be at least 70% </a:t>
+            </a:r>
+            <a:r>
+              <a:rPr lang="en-US" dirty="0" smtClean="0"/>
+              <a:t>accurate</a:t>
+            </a:r>
+            <a:endParaRPr lang="en-IN" dirty="0" smtClean="0"/>
+          </a:p>
+          <a:p>
+            <a:pPr lvl="0"/>
+            <a:r>
+              <a:rPr lang="en-US" dirty="0" smtClean="0"/>
+              <a:t> </a:t>
+            </a:r>
+            <a:endParaRPr lang="en-IN" dirty="0" smtClean="0"/>
+          </a:p>
+          <a:p>
+            <a:pPr lvl="0">
+              <a:buFont typeface="Arial" pitchFamily="34" charset="0"/>
+              <a:buChar char="•"/>
+            </a:pPr>
+            <a:r>
+              <a:rPr lang="en-US" dirty="0" smtClean="0"/>
+              <a:t>  Uploading time for an image should not exceed 1 minute </a:t>
+            </a:r>
+            <a:endParaRPr lang="en-IN" dirty="0" smtClean="0"/>
+          </a:p>
+          <a:p>
+            <a:r>
+              <a:rPr lang="en-US" dirty="0" smtClean="0"/>
+              <a:t> </a:t>
+            </a:r>
+            <a:endParaRPr lang="en-IN" dirty="0" smtClean="0"/>
+          </a:p>
+          <a:p>
+            <a:pPr lvl="0">
+              <a:buFont typeface="Arial" pitchFamily="34" charset="0"/>
+              <a:buChar char="•"/>
+            </a:pPr>
+            <a:r>
+              <a:rPr lang="en-US" dirty="0" smtClean="0"/>
+              <a:t>  Size of the image should not exceed more than 500mb </a:t>
+            </a:r>
+            <a:endParaRPr lang="en-IN" dirty="0" smtClean="0"/>
+          </a:p>
+          <a:p>
+            <a:endParaRPr lang="en-IN" dirty="0"/>
+          </a:p>
+        </p:txBody>
+      </p:sp>
+    </p:spTree>
+  </p:cSld>
+  <p:clrMapOvr>
+    <a:masterClrMapping/>
+  </p:clrMapOvr>
+</p:sld>
+</file>
+
+<file path=ppt/slides/slide22.xml><?xml version="1.0" encoding="utf-8"?>
+<p:sld xmlns:a="http://schemas.openxmlformats.org/drawingml/2006/main" xmlns:r="http://schemas.openxmlformats.org/officeDocument/2006/relationships" xmlns:p="http://schemas.openxmlformats.org/presentationml/2006/main">
+  <p:cSld>
+    <p:spTree>
+      <p:nvGrpSpPr>
+        <p:cNvPr id="1" name=""/>
+        <p:cNvGrpSpPr/>
+        <p:nvPr/>
+      </p:nvGrpSpPr>
+      <p:grpSpPr>
+        <a:xfrm>
+          <a:off x="0" y="0"/>
+          <a:ext cx="0" cy="0"/>
+          <a:chOff x="0" y="0"/>
+          <a:chExt cx="0" cy="0"/>
+        </a:xfrm>
+      </p:grpSpPr>
+      <p:sp>
+        <p:nvSpPr>
+          <p:cNvPr id="2" name="Slide Number Placeholder 1"/>
+          <p:cNvSpPr>
+            <a:spLocks noGrp="1"/>
+          </p:cNvSpPr>
+          <p:nvPr>
+            <p:ph type="sldNum" sz="quarter" idx="12"/>
+          </p:nvPr>
+        </p:nvSpPr>
+        <p:spPr/>
+        <p:txBody>
+          <a:bodyPr/>
+          <a:lstStyle/>
+          <a:p>
+            <a:fld id="{7870A25B-082D-42BE-9910-664729240837}" type="slidenum">
+              <a:rPr lang="en-IN" smtClean="0"/>
+              <a:pPr/>
+              <a:t>22</a:t>
+            </a:fld>
+            <a:endParaRPr lang="en-IN"/>
+          </a:p>
+        </p:txBody>
+      </p:sp>
+      <p:pic>
+        <p:nvPicPr>
+          <p:cNvPr id="3" name="Picture 2" descr="WhatsApp Image 2020-10-28 at 1.12.45 PM"/>
+          <p:cNvPicPr/>
+          <p:nvPr/>
+        </p:nvPicPr>
+        <p:blipFill>
+          <a:blip r:embed="rId2"/>
+          <a:stretch>
+            <a:fillRect/>
+          </a:stretch>
+        </p:blipFill>
+        <p:spPr>
+          <a:xfrm>
+            <a:off x="1828800" y="1069145"/>
+            <a:ext cx="7751297" cy="5798063"/>
+          </a:xfrm>
+          <a:prstGeom prst="rect">
+            <a:avLst/>
+          </a:prstGeom>
+        </p:spPr>
+      </p:pic>
+      <p:sp>
+        <p:nvSpPr>
+          <p:cNvPr id="4" name="TextBox 3"/>
+          <p:cNvSpPr txBox="1"/>
+          <p:nvPr/>
+        </p:nvSpPr>
+        <p:spPr>
+          <a:xfrm>
+            <a:off x="1744394" y="844062"/>
+            <a:ext cx="2063322" cy="369332"/>
+          </a:xfrm>
+          <a:prstGeom prst="rect">
+            <a:avLst/>
+          </a:prstGeom>
+          <a:noFill/>
+        </p:spPr>
+        <p:txBody>
+          <a:bodyPr wrap="none" rtlCol="0">
+            <a:spAutoFit/>
+          </a:bodyPr>
+          <a:lstStyle/>
+          <a:p>
+            <a:r>
+              <a:rPr lang="en-US" dirty="0" smtClean="0"/>
+              <a:t>USE CASE DIAGRAM</a:t>
+            </a:r>
+            <a:endParaRPr lang="en-IN" dirty="0"/>
+          </a:p>
+        </p:txBody>
+      </p:sp>
+    </p:spTree>
+  </p:cSld>
+  <p:clrMapOvr>
+    <a:masterClrMapping/>
+  </p:clrMapOvr>
+</p:sld>
+</file>
+
+<file path=ppt/slides/slide3.xml><?xml version="1.0" encoding="utf-8"?>
+<p:sld xmlns:a="http://schemas.openxmlformats.org/drawingml/2006/main" xmlns:r="http://schemas.openxmlformats.org/officeDocument/2006/relationships" xmlns:p="http://schemas.openxmlformats.org/presentationml/2006/main">
+  <p:cSld>
+    <p:spTree>
+      <p:nvGrpSpPr>
+        <p:cNvPr id="1" name=""/>
+        <p:cNvGrpSpPr/>
+        <p:nvPr/>
+      </p:nvGrpSpPr>
+      <p:grpSpPr>
+        <a:xfrm>
+          <a:off x="0" y="0"/>
+          <a:ext cx="0" cy="0"/>
+          <a:chOff x="0" y="0"/>
+          <a:chExt cx="0" cy="0"/>
+        </a:xfrm>
+      </p:grpSpPr>
+      <p:sp>
+        <p:nvSpPr>
+          <p:cNvPr id="2" name="Slide Number Placeholder 1"/>
+          <p:cNvSpPr>
+            <a:spLocks noGrp="1"/>
+          </p:cNvSpPr>
+          <p:nvPr>
+            <p:ph type="sldNum" sz="quarter" idx="12"/>
+          </p:nvPr>
+        </p:nvSpPr>
+        <p:spPr/>
+        <p:txBody>
+          <a:bodyPr/>
+          <a:lstStyle/>
+          <a:p>
+            <a:fld id="{7870A25B-082D-42BE-9910-664729240837}" type="slidenum">
+              <a:rPr lang="en-IN" smtClean="0"/>
+              <a:pPr/>
+              <a:t>3</a:t>
+            </a:fld>
+            <a:endParaRPr lang="en-IN"/>
+          </a:p>
+        </p:txBody>
+      </p:sp>
+      <p:sp>
+        <p:nvSpPr>
+          <p:cNvPr id="3" name="TextBox 2"/>
+          <p:cNvSpPr txBox="1"/>
+          <p:nvPr/>
+        </p:nvSpPr>
+        <p:spPr>
+          <a:xfrm>
+            <a:off x="239152" y="394692"/>
+            <a:ext cx="11240086" cy="6186309"/>
+          </a:xfrm>
+          <a:prstGeom prst="rect">
+            <a:avLst/>
+          </a:prstGeom>
+          <a:noFill/>
+        </p:spPr>
+        <p:txBody>
+          <a:bodyPr wrap="square" rtlCol="0">
+            <a:spAutoFit/>
+          </a:bodyPr>
+          <a:lstStyle/>
+          <a:p>
+            <a:endParaRPr lang="en-US" dirty="0" smtClean="0"/>
+          </a:p>
+          <a:p>
+            <a:r>
+              <a:rPr lang="en-US" b="1" dirty="0" smtClean="0"/>
+              <a:t>Overview:</a:t>
+            </a:r>
+            <a:r>
+              <a:rPr lang="en-IN" dirty="0" smtClean="0"/>
+              <a:t> </a:t>
+            </a:r>
+          </a:p>
+          <a:p>
+            <a:pPr>
+              <a:buFont typeface="Arial" pitchFamily="34" charset="0"/>
+              <a:buChar char="•"/>
+            </a:pPr>
+            <a:r>
+              <a:rPr lang="en-US" dirty="0" smtClean="0"/>
+              <a:t>In </a:t>
+            </a:r>
+            <a:r>
+              <a:rPr lang="en-US" dirty="0" smtClean="0"/>
+              <a:t>this work we target the problem of hate speech </a:t>
+            </a:r>
+            <a:r>
+              <a:rPr lang="en-US" dirty="0" smtClean="0"/>
+              <a:t>detection </a:t>
+            </a:r>
+            <a:r>
+              <a:rPr lang="en-US" dirty="0" smtClean="0"/>
+              <a:t>formed by </a:t>
+            </a:r>
+            <a:r>
+              <a:rPr lang="en-US" dirty="0" smtClean="0"/>
+              <a:t>a text </a:t>
+            </a:r>
+            <a:r>
+              <a:rPr lang="en-US" dirty="0" smtClean="0"/>
+              <a:t>and an image. </a:t>
+            </a:r>
+            <a:endParaRPr lang="en-US" dirty="0" smtClean="0"/>
+          </a:p>
+          <a:p>
+            <a:pPr>
+              <a:buFont typeface="Arial" pitchFamily="34" charset="0"/>
+              <a:buChar char="•"/>
+            </a:pPr>
+            <a:r>
+              <a:rPr lang="en-US" dirty="0" smtClean="0"/>
+              <a:t>We analyze a </a:t>
+            </a:r>
+            <a:r>
+              <a:rPr lang="en-US" dirty="0" smtClean="0"/>
+              <a:t>large scale </a:t>
+            </a:r>
+            <a:r>
+              <a:rPr lang="en-US" dirty="0" smtClean="0"/>
+              <a:t>dataset from </a:t>
+            </a:r>
+            <a:r>
+              <a:rPr lang="en-US" dirty="0" err="1" smtClean="0"/>
+              <a:t>DataDriven</a:t>
+            </a:r>
+            <a:r>
+              <a:rPr lang="en-US" dirty="0" smtClean="0"/>
+              <a:t> </a:t>
+            </a:r>
+            <a:r>
+              <a:rPr lang="en-US" dirty="0" smtClean="0"/>
+              <a:t>and propose </a:t>
+            </a:r>
+            <a:r>
+              <a:rPr lang="en-US" dirty="0" smtClean="0"/>
+              <a:t>different models </a:t>
+            </a:r>
+            <a:r>
+              <a:rPr lang="en-US" dirty="0" smtClean="0"/>
+              <a:t>that </a:t>
+            </a:r>
+            <a:r>
+              <a:rPr lang="en-US" dirty="0" smtClean="0"/>
+              <a:t>jointly analyze </a:t>
+            </a:r>
+            <a:r>
+              <a:rPr lang="en-US" dirty="0" smtClean="0"/>
+              <a:t>textual and visual information for hate speech detection. </a:t>
+            </a:r>
+            <a:endParaRPr lang="en-US" dirty="0" smtClean="0"/>
+          </a:p>
+          <a:p>
+            <a:endParaRPr lang="en-US" dirty="0" smtClean="0"/>
+          </a:p>
+          <a:p>
+            <a:r>
+              <a:rPr lang="en-US" b="1" dirty="0" smtClean="0"/>
+              <a:t>Motivation:</a:t>
+            </a:r>
+            <a:r>
+              <a:rPr lang="en-US" dirty="0" smtClean="0"/>
+              <a:t> </a:t>
+            </a:r>
+            <a:endParaRPr lang="en-US" dirty="0" smtClean="0"/>
+          </a:p>
+          <a:p>
+            <a:pPr>
+              <a:buFont typeface="Arial" pitchFamily="34" charset="0"/>
+              <a:buChar char="•"/>
+            </a:pPr>
+            <a:r>
+              <a:rPr lang="en-US" dirty="0" smtClean="0"/>
+              <a:t>Social </a:t>
+            </a:r>
+            <a:r>
+              <a:rPr lang="en-US" dirty="0" smtClean="0"/>
+              <a:t>Media platforms such as Facebook, Twitter or </a:t>
+            </a:r>
+            <a:r>
+              <a:rPr lang="en-US" dirty="0" err="1" smtClean="0"/>
+              <a:t>Reddit</a:t>
+            </a:r>
+            <a:r>
+              <a:rPr lang="en-US" dirty="0" smtClean="0"/>
+              <a:t> have empowered individuals’ voices and</a:t>
+            </a:r>
+          </a:p>
+          <a:p>
+            <a:r>
+              <a:rPr lang="en-US" dirty="0" smtClean="0"/>
+              <a:t>facilitated freedom of expression. However they have also been a breeding ground for hate speech and</a:t>
+            </a:r>
+          </a:p>
+          <a:p>
+            <a:r>
+              <a:rPr lang="en-US" dirty="0" smtClean="0"/>
+              <a:t>other types of online </a:t>
+            </a:r>
+            <a:r>
+              <a:rPr lang="en-US" dirty="0" smtClean="0"/>
+              <a:t>harassment.</a:t>
+            </a:r>
+          </a:p>
+          <a:p>
+            <a:endParaRPr lang="en-US" dirty="0" smtClean="0"/>
+          </a:p>
+          <a:p>
+            <a:pPr>
+              <a:buFont typeface="Arial" pitchFamily="34" charset="0"/>
+              <a:buChar char="•"/>
+            </a:pPr>
+            <a:r>
+              <a:rPr lang="en-US" dirty="0" smtClean="0"/>
+              <a:t>Hate </a:t>
+            </a:r>
+            <a:r>
+              <a:rPr lang="en-US" dirty="0" smtClean="0"/>
+              <a:t>speech can be defined as “A direct or indirect attack on people based on characteristics, including</a:t>
+            </a:r>
+          </a:p>
+          <a:p>
+            <a:r>
+              <a:rPr lang="en-US" dirty="0" smtClean="0"/>
+              <a:t>ethnicity, race, nationality, immigration status, religion, caste, sex, gender identity, sexual orientation, and</a:t>
+            </a:r>
+          </a:p>
+          <a:p>
+            <a:r>
+              <a:rPr lang="en-US" dirty="0" smtClean="0"/>
+              <a:t>disability or disease. We define attack as violent or dehumanizing (comparing people to non-human</a:t>
+            </a:r>
+          </a:p>
+          <a:p>
+            <a:r>
+              <a:rPr lang="en-US" dirty="0" smtClean="0"/>
+              <a:t>things, e.g. animals) speech, statements of inferiority, and calls for exclusion or segregation. Mocking</a:t>
+            </a:r>
+          </a:p>
+          <a:p>
+            <a:r>
+              <a:rPr lang="en-US" dirty="0" smtClean="0"/>
+              <a:t>hate crime is also considered hate speech</a:t>
+            </a:r>
+            <a:r>
+              <a:rPr lang="en-US" dirty="0" smtClean="0"/>
+              <a:t>.</a:t>
+            </a:r>
+          </a:p>
+          <a:p>
+            <a:endParaRPr lang="en-US" dirty="0" smtClean="0"/>
+          </a:p>
+          <a:p>
+            <a:pPr>
+              <a:buFont typeface="Arial" pitchFamily="34" charset="0"/>
+              <a:buChar char="•"/>
+            </a:pPr>
+            <a:r>
+              <a:rPr lang="en-US" dirty="0" smtClean="0"/>
+              <a:t>This definition mirrors the community standards of hate speech employed by Facebook, and is intended to</a:t>
+            </a:r>
+          </a:p>
+          <a:p>
+            <a:r>
+              <a:rPr lang="en-US" dirty="0" smtClean="0"/>
+              <a:t>provide an actionable classification label: if something is hate speech according to this definition, it</a:t>
+            </a:r>
+          </a:p>
+          <a:p>
+            <a:r>
+              <a:rPr lang="en-US" dirty="0" smtClean="0"/>
+              <a:t>should be taken down; if not, even if it is distasteful or objectionable, it is allowed to stay. Through this</a:t>
+            </a:r>
+          </a:p>
+          <a:p>
+            <a:r>
+              <a:rPr lang="en-US" dirty="0" smtClean="0"/>
+              <a:t>work, we aim to create an algorithm for multimodal hate speech in internet memes</a:t>
+            </a:r>
+            <a:r>
+              <a:rPr lang="en-US" dirty="0" smtClean="0"/>
+              <a:t>.</a:t>
+            </a:r>
+          </a:p>
+          <a:p>
+            <a:endParaRPr lang="en-US" dirty="0" smtClean="0"/>
+          </a:p>
+        </p:txBody>
+      </p:sp>
+    </p:spTree>
+  </p:cSld>
+  <p:clrMapOvr>
+    <a:masterClrMapping/>
+  </p:clrMapOvr>
+  <p:timing>
+    <p:tnLst>
+      <p:par>
+        <p:cTn id="1" dur="indefinite" restart="never" nodeType="tmRoot"/>
+      </p:par>
+    </p:tnLst>
+  </p:timing>
+</p:sld>
+</file>
+
+<file path=ppt/slides/slide4.xml><?xml version="1.0" encoding="utf-8"?>
+<p:sld xmlns:a="http://schemas.openxmlformats.org/drawingml/2006/main" xmlns:r="http://schemas.openxmlformats.org/officeDocument/2006/relationships" xmlns:p="http://schemas.openxmlformats.org/presentationml/2006/main">
+  <p:cSld>
+    <p:spTree>
+      <p:nvGrpSpPr>
+        <p:cNvPr id="1" name=""/>
+        <p:cNvGrpSpPr/>
+        <p:nvPr/>
+      </p:nvGrpSpPr>
+      <p:grpSpPr>
+        <a:xfrm>
+          <a:off x="0" y="0"/>
+          <a:ext cx="0" cy="0"/>
+          <a:chOff x="0" y="0"/>
+          <a:chExt cx="0" cy="0"/>
+        </a:xfrm>
+      </p:grpSpPr>
+      <p:sp>
+        <p:nvSpPr>
+          <p:cNvPr id="2" name="Slide Number Placeholder 1"/>
+          <p:cNvSpPr>
+            <a:spLocks noGrp="1"/>
+          </p:cNvSpPr>
+          <p:nvPr>
+            <p:ph type="sldNum" sz="quarter" idx="12"/>
+          </p:nvPr>
+        </p:nvSpPr>
+        <p:spPr/>
+        <p:txBody>
+          <a:bodyPr/>
+          <a:lstStyle/>
+          <a:p>
+            <a:fld id="{7870A25B-082D-42BE-9910-664729240837}" type="slidenum">
+              <a:rPr lang="en-IN" smtClean="0"/>
+              <a:pPr/>
+              <a:t>4</a:t>
+            </a:fld>
+            <a:endParaRPr lang="en-IN"/>
+          </a:p>
+        </p:txBody>
+      </p:sp>
+      <p:sp>
+        <p:nvSpPr>
+          <p:cNvPr id="3" name="TextBox 2"/>
+          <p:cNvSpPr txBox="1"/>
+          <p:nvPr/>
+        </p:nvSpPr>
+        <p:spPr>
+          <a:xfrm>
+            <a:off x="942535" y="745588"/>
+            <a:ext cx="9470926" cy="5262979"/>
+          </a:xfrm>
+          <a:prstGeom prst="rect">
+            <a:avLst/>
+          </a:prstGeom>
+          <a:noFill/>
+        </p:spPr>
+        <p:txBody>
+          <a:bodyPr wrap="square" rtlCol="0">
+            <a:spAutoFit/>
+          </a:bodyPr>
+          <a:lstStyle/>
+          <a:p>
+            <a:r>
+              <a:rPr lang="en-US" sz="2400" b="1" dirty="0" smtClean="0"/>
+              <a:t>Objectives of the project</a:t>
+            </a:r>
+            <a:r>
+              <a:rPr lang="en-US" sz="2400" b="1" dirty="0" smtClean="0"/>
+              <a:t>:</a:t>
+            </a:r>
+          </a:p>
+          <a:p>
+            <a:endParaRPr lang="en-US" sz="2400" b="1" dirty="0" smtClean="0"/>
+          </a:p>
+          <a:p>
+            <a:r>
+              <a:rPr lang="en-US" sz="2400" dirty="0" smtClean="0"/>
+              <a:t>The objectives of the work are as follows:</a:t>
+            </a:r>
+          </a:p>
+          <a:p>
+            <a:r>
+              <a:rPr lang="en-US" sz="2400" dirty="0" smtClean="0"/>
+              <a:t>• We propose the novel task of hate speech detection in multimodal publications, collect, </a:t>
+            </a:r>
+            <a:r>
+              <a:rPr lang="en-US" sz="2400" dirty="0" smtClean="0"/>
+              <a:t>annotate and </a:t>
+            </a:r>
+            <a:r>
+              <a:rPr lang="en-US" sz="2400" dirty="0" smtClean="0"/>
+              <a:t>publish a large scale dataset</a:t>
+            </a:r>
+            <a:r>
+              <a:rPr lang="en-US" sz="2400" dirty="0" smtClean="0"/>
+              <a:t>.</a:t>
+            </a:r>
+          </a:p>
+          <a:p>
+            <a:endParaRPr lang="en-US" sz="2400" dirty="0" smtClean="0"/>
+          </a:p>
+          <a:p>
+            <a:r>
+              <a:rPr lang="en-US" sz="2400" dirty="0" smtClean="0"/>
+              <a:t>• We evaluate state of the art multimodal models on this specific task and provide the hate score</a:t>
+            </a:r>
+            <a:r>
+              <a:rPr lang="en-US" sz="2400" dirty="0" smtClean="0"/>
+              <a:t>.</a:t>
+            </a:r>
+          </a:p>
+          <a:p>
+            <a:endParaRPr lang="en-US" sz="2400" dirty="0" smtClean="0"/>
+          </a:p>
+          <a:p>
+            <a:r>
+              <a:rPr lang="en-US" sz="2400" dirty="0" smtClean="0"/>
+              <a:t>• We aim to build a Graphical user interface for our model</a:t>
+            </a:r>
+            <a:r>
+              <a:rPr lang="en-US" sz="2400" dirty="0" smtClean="0"/>
+              <a:t>.</a:t>
+            </a:r>
+          </a:p>
+          <a:p>
+            <a:endParaRPr lang="en-US" sz="2400" dirty="0" smtClean="0"/>
+          </a:p>
+          <a:p>
+            <a:r>
+              <a:rPr lang="en-US" sz="2400" dirty="0" smtClean="0"/>
+              <a:t>• We study the challenges of the proposed task, and open the field for future research</a:t>
+            </a:r>
+            <a:r>
+              <a:rPr lang="en-US" sz="2400" dirty="0" smtClean="0"/>
+              <a:t>.</a:t>
+            </a:r>
+          </a:p>
+          <a:p>
+            <a:endParaRPr lang="en-US" sz="2400" dirty="0" smtClean="0"/>
+          </a:p>
+        </p:txBody>
+      </p:sp>
+    </p:spTree>
+  </p:cSld>
+  <p:clrMapOvr>
+    <a:masterClrMapping/>
+  </p:clrMapOvr>
+  <p:timing>
+    <p:tnLst>
+      <p:par>
+        <p:cTn id="1" dur="indefinite" restart="never" nodeType="tmRoot"/>
+      </p:par>
+    </p:tnLst>
+  </p:timing>
+</p:sld>
+</file>
+
+<file path=ppt/slides/slide5.xml><?xml version="1.0" encoding="utf-8"?>
+<p:sld xmlns:a="http://schemas.openxmlformats.org/drawingml/2006/main" xmlns:r="http://schemas.openxmlformats.org/officeDocument/2006/relationships" xmlns:p="http://schemas.openxmlformats.org/presentationml/2006/main">
+  <p:cSld>
+    <p:spTree>
+      <p:nvGrpSpPr>
+        <p:cNvPr id="1" name=""/>
+        <p:cNvGrpSpPr/>
+        <p:nvPr/>
+      </p:nvGrpSpPr>
+      <p:grpSpPr>
+        <a:xfrm>
+          <a:off x="0" y="0"/>
+          <a:ext cx="0" cy="0"/>
+          <a:chOff x="0" y="0"/>
+          <a:chExt cx="0" cy="0"/>
+        </a:xfrm>
+      </p:grpSpPr>
+      <p:sp>
+        <p:nvSpPr>
+          <p:cNvPr id="3" name="Subtitle 2"/>
+          <p:cNvSpPr>
+            <a:spLocks noGrp="1"/>
+          </p:cNvSpPr>
+          <p:nvPr>
+            <p:ph type="subTitle" idx="1"/>
+          </p:nvPr>
+        </p:nvSpPr>
+        <p:spPr>
+          <a:xfrm>
+            <a:off x="1524000" y="875290"/>
+            <a:ext cx="9144000" cy="1187971"/>
+          </a:xfrm>
+        </p:spPr>
+        <p:txBody>
+          <a:bodyPr/>
+          <a:lstStyle/>
+          <a:p>
+            <a:r>
+              <a:rPr lang="en-US" sz="2800" b="1" dirty="0"/>
+              <a:t>Exploring Hate Speech Detection in Multimodal Publications</a:t>
+            </a:r>
+            <a:r>
+              <a:rPr lang="en-US" sz="2800" dirty="0"/>
+              <a:t> </a:t>
+            </a:r>
+          </a:p>
+          <a:p>
+            <a:r>
+              <a:rPr lang="en-IN" sz="2000" i="1" dirty="0"/>
+              <a:t>       Raul Gomez , Jaume Gibert , Lluis Gomez , Dimosthenis Karatzas, WACV 2020</a:t>
+            </a:r>
+          </a:p>
+        </p:txBody>
+      </p:sp>
+      <p:sp>
+        <p:nvSpPr>
+          <p:cNvPr id="4" name="TextBox 3"/>
+          <p:cNvSpPr txBox="1"/>
+          <p:nvPr/>
+        </p:nvSpPr>
+        <p:spPr>
+          <a:xfrm>
+            <a:off x="1043148" y="2491977"/>
+            <a:ext cx="10828421" cy="2585323"/>
+          </a:xfrm>
+          <a:prstGeom prst="rect">
+            <a:avLst/>
+          </a:prstGeom>
+          <a:noFill/>
+        </p:spPr>
+        <p:txBody>
+          <a:bodyPr wrap="square" rtlCol="0">
+            <a:spAutoFit/>
+          </a:bodyPr>
+          <a:lstStyle/>
+          <a:p>
+            <a:pPr marL="285750" indent="-285750">
+              <a:buFont typeface="Arial" panose="020B0604020202020204" pitchFamily="34" charset="0"/>
+              <a:buChar char="•"/>
+            </a:pPr>
+            <a:r>
+              <a:rPr lang="en-IN" b="1" dirty="0"/>
+              <a:t>Target </a:t>
+            </a:r>
+            <a:r>
+              <a:rPr lang="en-IN" dirty="0"/>
+              <a:t>: Problem of Hate Speech detection in multimodal publications</a:t>
+            </a:r>
+          </a:p>
+          <a:p>
+            <a:endParaRPr lang="en-IN" dirty="0"/>
+          </a:p>
+          <a:p>
+            <a:pPr marL="285750" indent="-285750">
+              <a:buFont typeface="Arial" panose="020B0604020202020204" pitchFamily="34" charset="0"/>
+              <a:buChar char="•"/>
+            </a:pPr>
+            <a:r>
+              <a:rPr lang="en-US" dirty="0"/>
+              <a:t>Even though images are useful for the hate speech detection task, current multimodal models cannot outperform models analyzing only text</a:t>
+            </a:r>
+            <a:r>
+              <a:rPr lang="en-IN" dirty="0"/>
+              <a:t> and discuss </a:t>
+            </a:r>
+            <a:r>
+              <a:rPr lang="en-IN" b="1" dirty="0"/>
+              <a:t>Why.</a:t>
+            </a:r>
+          </a:p>
+          <a:p>
+            <a:endParaRPr lang="en-IN" dirty="0"/>
+          </a:p>
+          <a:p>
+            <a:pPr marL="285750" indent="-285750">
+              <a:buFont typeface="Arial" panose="020B0604020202020204" pitchFamily="34" charset="0"/>
+              <a:buChar char="•"/>
+            </a:pPr>
+            <a:r>
+              <a:rPr lang="en-IN" dirty="0"/>
+              <a:t>MMHS150K –</a:t>
+            </a:r>
+          </a:p>
+          <a:p>
+            <a:pPr marL="742950" lvl="1" indent="-285750">
+              <a:buFont typeface="Arial" panose="020B0604020202020204" pitchFamily="34" charset="0"/>
+              <a:buChar char="•"/>
+            </a:pPr>
+            <a:r>
+              <a:rPr lang="en-IN" dirty="0"/>
+              <a:t>Gathered   : Twitter API</a:t>
+            </a:r>
+          </a:p>
+          <a:p>
+            <a:pPr marL="742950" lvl="1" indent="-285750">
+              <a:buFont typeface="Arial" panose="020B0604020202020204" pitchFamily="34" charset="0"/>
+              <a:buChar char="•"/>
+            </a:pPr>
+            <a:r>
+              <a:rPr lang="en-IN" dirty="0"/>
+              <a:t>Annotated : Amazon Mechanical Turk.</a:t>
+            </a:r>
+          </a:p>
+          <a:p>
+            <a:pPr lvl="1"/>
+            <a:endParaRPr lang="en-IN" dirty="0"/>
+          </a:p>
+        </p:txBody>
+      </p:sp>
+      <p:sp>
+        <p:nvSpPr>
+          <p:cNvPr id="5" name="Slide Number Placeholder 4"/>
+          <p:cNvSpPr>
+            <a:spLocks noGrp="1"/>
+          </p:cNvSpPr>
+          <p:nvPr>
+            <p:ph type="sldNum" sz="quarter" idx="12"/>
+          </p:nvPr>
+        </p:nvSpPr>
+        <p:spPr/>
+        <p:txBody>
+          <a:bodyPr/>
+          <a:lstStyle/>
+          <a:p>
+            <a:fld id="{7870A25B-082D-42BE-9910-664729240837}" type="slidenum">
+              <a:rPr lang="en-IN" sz="1600" smtClean="0"/>
+              <a:pPr/>
+              <a:t>5</a:t>
+            </a:fld>
+            <a:endParaRPr lang="en-IN" sz="1600" dirty="0"/>
+          </a:p>
+        </p:txBody>
+      </p:sp>
+    </p:spTree>
+  </p:cSld>
+  <p:clrMapOvr>
+    <a:masterClrMapping/>
+  </p:clrMapOvr>
+  <p:timing>
+    <p:tnLst>
+      <p:par>
+        <p:cTn id="1" dur="indefinite" restart="never" nodeType="tmRoot"/>
+      </p:par>
+    </p:tnLst>
+  </p:timing>
+</p:sld>
+</file>
+
+<file path=ppt/slides/slide6.xml><?xml version="1.0" encoding="utf-8"?>
+<p:sld xmlns:a="http://schemas.openxmlformats.org/drawingml/2006/main" xmlns:r="http://schemas.openxmlformats.org/officeDocument/2006/relationships" xmlns:p="http://schemas.openxmlformats.org/presentationml/2006/main">
+  <p:cSld>
+    <p:spTree>
+      <p:nvGrpSpPr>
+        <p:cNvPr id="1" name=""/>
+        <p:cNvGrpSpPr/>
+        <p:nvPr/>
+      </p:nvGrpSpPr>
+      <p:grpSpPr>
+        <a:xfrm>
+          <a:off x="0" y="0"/>
+          <a:ext cx="0" cy="0"/>
+          <a:chOff x="0" y="0"/>
+          <a:chExt cx="0" cy="0"/>
+        </a:xfrm>
+      </p:grpSpPr>
+      <p:sp>
+        <p:nvSpPr>
           <p:cNvPr id="3" name="Content Placeholder 2"/>
           <p:cNvSpPr>
             <a:spLocks noGrp="1"/>
@@ -5917,7 +8517,6 @@
               <a:rPr lang="en-IN" dirty="0"/>
               <a:t>:</a:t>
             </a:r>
-            <a:endParaRPr lang="en-IN" dirty="0"/>
           </a:p>
           <a:p>
             <a:pPr marL="0" indent="0" algn="ctr">
@@ -5931,7 +8530,6 @@
               <a:rPr lang="en-US" sz="1800" dirty="0"/>
               <a:t>Not hate tweets -  112, 845                     </a:t>
             </a:r>
-            <a:endParaRPr lang="en-US" sz="1800" dirty="0"/>
           </a:p>
           <a:p>
             <a:pPr marL="457200" lvl="1" indent="0">
@@ -5945,7 +8543,6 @@
               <a:rPr lang="en-US" sz="1800" dirty="0"/>
               <a:t>Hate tweets - 36, 978 </a:t>
             </a:r>
-            <a:endParaRPr lang="en-US" sz="1800" dirty="0"/>
           </a:p>
           <a:p>
             <a:pPr lvl="1"/>
@@ -5965,7 +8562,6 @@
               <a:rPr lang="en-US" sz="1600" dirty="0"/>
               <a:t> Racist                         : 11, 925</a:t>
             </a:r>
-            <a:endParaRPr lang="en-US" sz="1600" dirty="0"/>
           </a:p>
           <a:p>
             <a:pPr lvl="2"/>
@@ -5973,7 +8569,6 @@
               <a:rPr lang="en-US" sz="1600" dirty="0"/>
               <a:t> Sexist                         : 3, 495</a:t>
             </a:r>
-            <a:endParaRPr lang="en-US" sz="1600" dirty="0"/>
           </a:p>
           <a:p>
             <a:pPr lvl="2"/>
@@ -5981,7 +8576,6 @@
               <a:rPr lang="en-US" sz="1600" dirty="0"/>
               <a:t>Homophobic             : 3, 870 </a:t>
             </a:r>
-            <a:endParaRPr lang="en-US" sz="1600" dirty="0"/>
           </a:p>
           <a:p>
             <a:pPr lvl="2"/>
@@ -5989,7 +8583,6 @@
               <a:rPr lang="en-US" sz="1600" dirty="0"/>
               <a:t>Religion-based hate : 163 </a:t>
             </a:r>
-            <a:endParaRPr lang="en-US" sz="1600" dirty="0"/>
           </a:p>
           <a:p>
             <a:pPr lvl="2"/>
@@ -6018,6 +8611,8 @@
           <a:p>
             <a:fld id="{7870A25B-082D-42BE-9910-664729240837}" type="slidenum">
               <a:rPr lang="en-IN" sz="1600" smtClean="0"/>
+              <a:pPr/>
+              <a:t>6</a:t>
             </a:fld>
             <a:endParaRPr lang="en-IN" sz="1600" dirty="0"/>
           </a:p>
@@ -6032,10 +8627,10 @@
           <p:nvPr/>
         </p:nvPicPr>
         <p:blipFill rotWithShape="1">
-          <a:blip r:embed="rId1">
+          <a:blip r:embed="rId2">
             <a:extLst>
               <a:ext uri="{28A0092B-C50C-407E-A947-70E740481C1C}">
-                <a14:useLocalDpi xmlns:a14="http://schemas.microsoft.com/office/drawing/2010/main" val="0"/>
+                <a14:useLocalDpi xmlns:a14="http://schemas.microsoft.com/office/drawing/2010/main" xmlns="" val="0"/>
               </a:ext>
             </a:extLst>
           </a:blip>
@@ -6062,7 +8657,7 @@
 </p:sld>
 </file>
 
-<file path=ppt/slides/slide3.xml><?xml version="1.0" encoding="utf-8"?>
+<file path=ppt/slides/slide7.xml><?xml version="1.0" encoding="utf-8"?>
 <p:sld xmlns:a="http://schemas.openxmlformats.org/drawingml/2006/main" xmlns:r="http://schemas.openxmlformats.org/officeDocument/2006/relationships" xmlns:p="http://schemas.openxmlformats.org/presentationml/2006/main">
   <p:cSld>
     <p:spTree>
@@ -6101,7 +8696,6 @@
               <a:rPr lang="en-IN" sz="2800" b="1" dirty="0"/>
               <a:t>Methodology</a:t>
             </a:r>
-            <a:endParaRPr lang="en-IN" sz="2800" b="1" dirty="0"/>
           </a:p>
         </p:txBody>
       </p:sp>
@@ -6133,7 +8727,6 @@
               <a:rPr lang="en-IN" dirty="0"/>
               <a:t>: </a:t>
             </a:r>
-            <a:endParaRPr lang="en-IN" dirty="0"/>
           </a:p>
           <a:p>
             <a:pPr marL="0" indent="0">
@@ -6147,7 +8740,6 @@
               <a:rPr lang="en-IN" sz="2000" dirty="0"/>
               <a:t>Image Feature Extractor  - Pretrained Google Inception v3 architecture (Modifying its layers weights)</a:t>
             </a:r>
-            <a:endParaRPr lang="en-IN" sz="2000" dirty="0"/>
           </a:p>
           <a:p>
             <a:pPr lvl="1"/>
@@ -6167,7 +8759,6 @@
               <a:rPr lang="en-IN" sz="2000" dirty="0"/>
               <a:t>Image text – OCR to extract the text and LSTM </a:t>
             </a:r>
-            <a:endParaRPr lang="en-IN" sz="2000" dirty="0"/>
           </a:p>
           <a:p>
             <a:pPr marL="0" indent="0">
@@ -6194,6 +8785,8 @@
           <a:p>
             <a:fld id="{7870A25B-082D-42BE-9910-664729240837}" type="slidenum">
               <a:rPr lang="en-IN" sz="1600" smtClean="0"/>
+              <a:pPr/>
+              <a:t>7</a:t>
             </a:fld>
             <a:endParaRPr lang="en-IN" sz="1600" dirty="0"/>
           </a:p>
@@ -6207,7 +8800,7 @@
 </p:sld>
 </file>
 
-<file path=ppt/slides/slide4.xml><?xml version="1.0" encoding="utf-8"?>
+<file path=ppt/slides/slide8.xml><?xml version="1.0" encoding="utf-8"?>
 <p:sld xmlns:a="http://schemas.openxmlformats.org/drawingml/2006/main" xmlns:r="http://schemas.openxmlformats.org/officeDocument/2006/relationships" xmlns:p="http://schemas.openxmlformats.org/presentationml/2006/main">
   <p:cSld>
     <p:spTree>
@@ -6254,7 +8847,6 @@
               <a:rPr lang="en-IN" sz="1600" dirty="0"/>
               <a:t>:</a:t>
             </a:r>
-            <a:endParaRPr lang="en-IN" sz="1600" dirty="0"/>
           </a:p>
           <a:p>
             <a:pPr lvl="1"/>
@@ -6270,7 +8862,6 @@
               <a:rPr lang="en-IN" sz="2000" dirty="0"/>
               <a:t>) : </a:t>
             </a:r>
-            <a:endParaRPr lang="en-IN" sz="2000" dirty="0"/>
           </a:p>
         </p:txBody>
       </p:sp>
@@ -6291,6 +8882,8 @@
           <a:p>
             <a:fld id="{7870A25B-082D-42BE-9910-664729240837}" type="slidenum">
               <a:rPr lang="en-IN" smtClean="0"/>
+              <a:pPr/>
+              <a:t>8</a:t>
             </a:fld>
             <a:endParaRPr lang="en-IN"/>
           </a:p>
@@ -6305,10 +8898,10 @@
           <p:nvPr/>
         </p:nvPicPr>
         <p:blipFill>
-          <a:blip r:embed="rId1">
+          <a:blip r:embed="rId3">
             <a:extLst>
               <a:ext uri="{28A0092B-C50C-407E-A947-70E740481C1C}">
-                <a14:useLocalDpi xmlns:a14="http://schemas.microsoft.com/office/drawing/2010/main" val="0"/>
+                <a14:useLocalDpi xmlns:a14="http://schemas.microsoft.com/office/drawing/2010/main" xmlns="" val="0"/>
               </a:ext>
             </a:extLst>
           </a:blip>
@@ -6356,7 +8949,6 @@
               <a:rPr lang="en-US" dirty="0"/>
               <a:t>The image is fed to the Inception v3 architecture and the 2048 dimensional feature vector after the last average pooling layer is used as the visual representation.</a:t>
             </a:r>
-            <a:endParaRPr lang="en-US" dirty="0"/>
           </a:p>
           <a:p>
             <a:endParaRPr lang="en-US" dirty="0"/>
@@ -6370,7 +8962,6 @@
               <a:rPr lang="en-US" dirty="0"/>
               <a:t>Concatenation of image text , tweet text feature vectors with image feature vector.</a:t>
             </a:r>
-            <a:endParaRPr lang="en-US" dirty="0"/>
           </a:p>
           <a:p>
             <a:endParaRPr lang="en-US" dirty="0"/>
@@ -6396,7 +8987,7 @@
 </p:sld>
 </file>
 
-<file path=ppt/slides/slide5.xml><?xml version="1.0" encoding="utf-8"?>
+<file path=ppt/slides/slide9.xml><?xml version="1.0" encoding="utf-8"?>
 <p:sld xmlns:a="http://schemas.openxmlformats.org/drawingml/2006/main" xmlns:r="http://schemas.openxmlformats.org/officeDocument/2006/relationships" xmlns:p="http://schemas.openxmlformats.org/presentationml/2006/main">
   <p:cSld>
     <p:spTree>
@@ -6443,7 +9034,6 @@
               <a:rPr lang="en-IN" sz="1600" dirty="0"/>
               <a:t>( Textual Kernels Model ): </a:t>
             </a:r>
-            <a:endParaRPr lang="en-IN" sz="1600" dirty="0"/>
           </a:p>
           <a:p>
             <a:endParaRPr lang="en-IN" sz="1600" dirty="0"/>
@@ -6467,6 +9057,8 @@
           <a:p>
             <a:fld id="{7870A25B-082D-42BE-9910-664729240837}" type="slidenum">
               <a:rPr lang="en-IN" smtClean="0"/>
+              <a:pPr/>
+              <a:t>9</a:t>
             </a:fld>
             <a:endParaRPr lang="en-IN"/>
           </a:p>
@@ -6481,10 +9073,10 @@
           <p:nvPr/>
         </p:nvPicPr>
         <p:blipFill>
-          <a:blip r:embed="rId1">
+          <a:blip r:embed="rId2">
             <a:extLst>
               <a:ext uri="{28A0092B-C50C-407E-A947-70E740481C1C}">
-                <a14:useLocalDpi xmlns:a14="http://schemas.microsoft.com/office/drawing/2010/main" val="0"/>
+                <a14:useLocalDpi xmlns:a14="http://schemas.microsoft.com/office/drawing/2010/main" xmlns="" val="0"/>
               </a:ext>
             </a:extLst>
           </a:blip>
@@ -6536,7 +9128,6 @@
               <a:rPr lang="en-US" sz="1600" dirty="0"/>
               <a:t>To capture interactions between the two modalities more expressively than concatenation models</a:t>
             </a:r>
-            <a:endParaRPr lang="en-US" sz="1600" dirty="0"/>
           </a:p>
           <a:p>
             <a:endParaRPr lang="en-US" sz="1600" dirty="0"/>
@@ -6550,7 +9141,6 @@
               <a:rPr lang="en-US" sz="1600" dirty="0"/>
               <a:t>Using tweet text encoded vector:</a:t>
             </a:r>
-            <a:endParaRPr lang="en-US" sz="1600" dirty="0"/>
           </a:p>
           <a:p>
             <a:pPr marL="742950" lvl="1" indent="-285750">
@@ -6569,7 +9159,6 @@
               <a:rPr lang="en-US" sz="1600" dirty="0"/>
               <a:t> text dependent kernels using independent fully connected layers </a:t>
             </a:r>
-            <a:endParaRPr lang="en-US" sz="1600" dirty="0"/>
           </a:p>
           <a:p>
             <a:pPr marL="285750" indent="-285750">
@@ -6608,7 +9197,6 @@
               <a:rPr lang="en-US" dirty="0"/>
               <a:t>.</a:t>
             </a:r>
-            <a:endParaRPr lang="en-US" dirty="0"/>
           </a:p>
           <a:p>
             <a:endParaRPr lang="en-US" sz="1800" dirty="0"/>
@@ -6626,38 +9214,29 @@
               <a:t>Then, the textual kernels are convolved with the visual feature map </a:t>
             </a:r>
             <a:r>
-              <a:rPr lang="en-US" sz="1600" dirty="0" err="1"/>
-              <a:t>suin</a:t>
+              <a:rPr lang="en-US" sz="1600" dirty="0" smtClean="0"/>
+              <a:t>using </a:t>
             </a:r>
             <a:r>
               <a:rPr lang="en-US" sz="1600" dirty="0"/>
-              <a:t> the channel dimension at each spatial location, </a:t>
-            </a:r>
-            <a:r>
-              <a:rPr lang="en-US" sz="1600" dirty="0" err="1"/>
-              <a:t>relting</a:t>
+              <a:t>the channel dimension at each spatial location, </a:t>
+            </a:r>
+            <a:r>
+              <a:rPr lang="en-US" sz="1600" dirty="0" smtClean="0"/>
+              <a:t>resulting </a:t>
             </a:r>
             <a:r>
               <a:rPr lang="en-US" sz="1600" dirty="0"/>
-              <a:t> in a 8×8×(K</a:t>
-            </a:r>
-            <a:r>
-              <a:rPr lang="en-US" sz="1200" dirty="0"/>
-              <a:t>i</a:t>
+              <a:t>in </a:t>
+            </a:r>
+            <a:r>
+              <a:rPr lang="en-US" sz="1600" dirty="0" smtClean="0"/>
+              <a:t>a multimodal </a:t>
             </a:r>
             <a:r>
               <a:rPr lang="en-US" sz="1600" dirty="0"/>
-              <a:t>+K</a:t>
-            </a:r>
-            <a:r>
-              <a:rPr lang="en-US" sz="1200" dirty="0"/>
-              <a:t>it</a:t>
-            </a:r>
-            <a:r>
-              <a:rPr lang="en-US" sz="1600" dirty="0"/>
-              <a:t>) multimodal feature map.</a:t>
-            </a:r>
-            <a:endParaRPr lang="en-US" sz="1600" dirty="0"/>
+              <a:t>feature map.</a:t>
+            </a:r>
           </a:p>
           <a:p>
             <a:pPr marL="285750" indent="-285750">
@@ -6672,861 +9251,15 @@
               <a:rPr lang="en-IN" sz="1600" dirty="0"/>
               <a:t>at each spatial dimension.</a:t>
             </a:r>
+          </a:p>
+          <a:p>
             <a:endParaRPr lang="en-IN" sz="1600" dirty="0"/>
           </a:p>
           <a:p>
             <a:endParaRPr lang="en-IN" sz="1600" dirty="0"/>
           </a:p>
-          <a:p>
-            <a:endParaRPr lang="en-IN" sz="1600" dirty="0"/>
-          </a:p>
-        </p:txBody>
-      </p:sp>
-    </p:spTree>
-  </p:cSld>
-  <p:clrMapOvr>
-    <a:masterClrMapping/>
-  </p:clrMapOvr>
-</p:sld>
-</file>
-
-<file path=ppt/slides/slide6.xml><?xml version="1.0" encoding="utf-8"?>
-<p:sld xmlns:a="http://schemas.openxmlformats.org/drawingml/2006/main" xmlns:r="http://schemas.openxmlformats.org/officeDocument/2006/relationships" xmlns:p="http://schemas.openxmlformats.org/presentationml/2006/main">
-  <p:cSld>
-    <p:spTree>
-      <p:nvGrpSpPr>
-        <p:cNvPr id="1" name=""/>
-        <p:cNvGrpSpPr/>
-        <p:nvPr/>
-      </p:nvGrpSpPr>
-      <p:grpSpPr>
-        <a:xfrm>
-          <a:off x="0" y="0"/>
-          <a:ext cx="0" cy="0"/>
-          <a:chOff x="0" y="0"/>
-          <a:chExt cx="0" cy="0"/>
-        </a:xfrm>
-      </p:grpSpPr>
-      <p:sp>
-        <p:nvSpPr>
-          <p:cNvPr id="3" name="Content Placeholder 2"/>
-          <p:cNvSpPr>
-            <a:spLocks noGrp="1"/>
-          </p:cNvSpPr>
-          <p:nvPr>
-            <p:ph idx="1"/>
-          </p:nvPr>
-        </p:nvSpPr>
-        <p:spPr>
-          <a:xfrm>
-            <a:off x="647700" y="751204"/>
-            <a:ext cx="10515600" cy="6106796"/>
-          </a:xfrm>
-        </p:spPr>
-        <p:txBody>
-          <a:bodyPr>
-            <a:normAutofit/>
-          </a:bodyPr>
-          <a:lstStyle/>
-          <a:p>
-            <a:r>
-              <a:rPr lang="en-IN" sz="2000" dirty="0"/>
-              <a:t>Results : </a:t>
-            </a:r>
-            <a:endParaRPr lang="en-IN" sz="2000" dirty="0"/>
-          </a:p>
-          <a:p>
-            <a:endParaRPr lang="en-IN" sz="2000" dirty="0"/>
-          </a:p>
-          <a:p>
-            <a:r>
-              <a:rPr lang="en-US" sz="1600" dirty="0"/>
-              <a:t>Despite the model trained only with images proves that they are useful for hate speech detection, the proposed multimodal models are not able to improve the detection compared to the textual models.</a:t>
-            </a:r>
-            <a:endParaRPr lang="en-US" sz="1600" dirty="0"/>
-          </a:p>
-          <a:p>
-            <a:endParaRPr lang="en-US" sz="1600" dirty="0"/>
-          </a:p>
-          <a:p>
-            <a:endParaRPr lang="en-US" sz="1400" dirty="0"/>
-          </a:p>
-          <a:p>
-            <a:endParaRPr lang="en-US" sz="1400" dirty="0"/>
-          </a:p>
-          <a:p>
-            <a:endParaRPr lang="en-US" sz="1400" dirty="0"/>
-          </a:p>
-          <a:p>
-            <a:endParaRPr lang="en-US" sz="1400" dirty="0"/>
-          </a:p>
-          <a:p>
-            <a:pPr marL="0" indent="0">
-              <a:buNone/>
-            </a:pPr>
-            <a:endParaRPr lang="en-US" sz="1400" dirty="0"/>
-          </a:p>
-          <a:p>
-            <a:endParaRPr lang="en-US" sz="1400" dirty="0"/>
-          </a:p>
-          <a:p>
-            <a:endParaRPr lang="en-US" sz="1400" dirty="0"/>
-          </a:p>
-          <a:p>
-            <a:endParaRPr lang="en-US" sz="1400" dirty="0"/>
-          </a:p>
-          <a:p>
-            <a:pPr marL="0" indent="0">
-              <a:buNone/>
-            </a:pPr>
-            <a:endParaRPr lang="en-US" sz="1400" dirty="0"/>
-          </a:p>
-          <a:p>
-            <a:r>
-              <a:rPr lang="en-US" sz="2000" dirty="0"/>
-              <a:t>Conclusion : </a:t>
-            </a:r>
-            <a:endParaRPr lang="en-US" sz="2000" dirty="0"/>
-          </a:p>
-          <a:p>
-            <a:pPr marL="0" indent="0">
-              <a:buNone/>
-            </a:pPr>
-            <a:endParaRPr lang="en-US" sz="400" dirty="0"/>
-          </a:p>
-          <a:p>
-            <a:pPr lvl="1"/>
-            <a:r>
-              <a:rPr lang="en-US" sz="1600" dirty="0"/>
-              <a:t>Training different textual, visual and multimodal models with that data, and found out that, despite the fact that images are useful for hate speech detection, the multimodal models do not outperform the textual models. </a:t>
-            </a:r>
-            <a:endParaRPr lang="en-IN" sz="1600" dirty="0"/>
-          </a:p>
-        </p:txBody>
-      </p:sp>
-      <p:sp>
-        <p:nvSpPr>
-          <p:cNvPr id="4" name="Slide Number Placeholder 3"/>
-          <p:cNvSpPr>
-            <a:spLocks noGrp="1"/>
-          </p:cNvSpPr>
-          <p:nvPr>
-            <p:ph type="sldNum" sz="quarter" idx="12"/>
-          </p:nvPr>
-        </p:nvSpPr>
-        <p:spPr/>
-        <p:txBody>
-          <a:bodyPr/>
-          <a:lstStyle/>
-          <a:p>
-            <a:fld id="{7870A25B-082D-42BE-9910-664729240837}" type="slidenum">
-              <a:rPr lang="en-IN" smtClean="0"/>
-            </a:fld>
-            <a:endParaRPr lang="en-IN"/>
-          </a:p>
-        </p:txBody>
-      </p:sp>
-      <p:pic>
-        <p:nvPicPr>
-          <p:cNvPr id="6" name="Picture 5"/>
-          <p:cNvPicPr>
-            <a:picLocks noChangeAspect="1"/>
-          </p:cNvPicPr>
-          <p:nvPr/>
-        </p:nvPicPr>
-        <p:blipFill rotWithShape="1">
-          <a:blip r:embed="rId1">
-            <a:extLst>
-              <a:ext uri="{28A0092B-C50C-407E-A947-70E740481C1C}">
-                <a14:useLocalDpi xmlns:a14="http://schemas.microsoft.com/office/drawing/2010/main" val="0"/>
-              </a:ext>
-            </a:extLst>
-          </a:blip>
-          <a:srcRect l="23686" t="23712" r="49175" b="36289"/>
-          <a:stretch>
-            <a:fillRect/>
-          </a:stretch>
-        </p:blipFill>
-        <p:spPr>
-          <a:xfrm>
-            <a:off x="2430780" y="2217420"/>
-            <a:ext cx="5478779" cy="2767036"/>
-          </a:xfrm>
-          <a:prstGeom prst="rect">
-            <a:avLst/>
-          </a:prstGeom>
-        </p:spPr>
-      </p:pic>
-    </p:spTree>
-  </p:cSld>
-  <p:clrMapOvr>
-    <a:masterClrMapping/>
-  </p:clrMapOvr>
-</p:sld>
-</file>
-
-<file path=ppt/slides/slide7.xml><?xml version="1.0" encoding="utf-8"?>
-<p:sld xmlns:a="http://schemas.openxmlformats.org/drawingml/2006/main" xmlns:r="http://schemas.openxmlformats.org/officeDocument/2006/relationships" xmlns:p="http://schemas.openxmlformats.org/presentationml/2006/main">
-  <p:cSld>
-    <p:spTree>
-      <p:nvGrpSpPr>
-        <p:cNvPr id="1" name=""/>
-        <p:cNvGrpSpPr/>
-        <p:nvPr/>
-      </p:nvGrpSpPr>
-      <p:grpSpPr/>
-      <p:sp>
-        <p:nvSpPr>
-          <p:cNvPr id="2" name="Title 1"/>
-          <p:cNvSpPr>
-            <a:spLocks noGrp="1"/>
-          </p:cNvSpPr>
-          <p:nvPr>
-            <p:ph type="title"/>
-          </p:nvPr>
-        </p:nvSpPr>
-        <p:spPr>
-          <a:xfrm>
-            <a:off x="1109345" y="2097405"/>
-            <a:ext cx="10515600" cy="1325563"/>
-          </a:xfrm>
-        </p:spPr>
-        <p:txBody>
-          <a:bodyPr>
-            <a:noAutofit/>
-          </a:bodyPr>
-          <a:p>
-            <a:r>
-              <a:rPr lang="en-IN" altLang="en-US" sz="2000" b="1">
-                <a:latin typeface="Agency FB" panose="020B0503020202020204" charset="0"/>
-                <a:cs typeface="Agency FB" panose="020B0503020202020204" charset="0"/>
-                <a:sym typeface="+mn-ea"/>
-              </a:rPr>
-              <a:t>Research paper Link :</a:t>
-            </a:r>
-            <a:r>
-              <a:rPr lang="en-IN" altLang="en-US" sz="2000">
-                <a:sym typeface="+mn-ea"/>
-              </a:rPr>
-              <a:t> </a:t>
-            </a:r>
-            <a:r>
-              <a:rPr lang="en-IN" altLang="en-US" sz="2000">
-                <a:solidFill>
-                  <a:schemeClr val="accent1"/>
-                </a:solidFill>
-                <a:sym typeface="+mn-ea"/>
-              </a:rPr>
-              <a:t>https://www.aclweb.org/anthology/2020.trac-1.6.pdf</a:t>
-            </a:r>
-            <a:br>
-              <a:rPr lang="en-IN" altLang="en-US" sz="2000">
-                <a:solidFill>
-                  <a:schemeClr val="accent1"/>
-                </a:solidFill>
-              </a:rPr>
-            </a:br>
-            <a:r>
-              <a:rPr lang="en-IN" altLang="en-US" sz="2000" b="1">
-                <a:latin typeface="Agency FB" panose="020B0503020202020204" charset="0"/>
-                <a:cs typeface="Agency FB" panose="020B0503020202020204" charset="0"/>
-                <a:sym typeface="+mn-ea"/>
-              </a:rPr>
-              <a:t>Dataset link:</a:t>
-            </a:r>
-            <a:r>
-              <a:rPr lang="en-IN" altLang="en-US" sz="2000">
-                <a:solidFill>
-                  <a:schemeClr val="accent1"/>
-                </a:solidFill>
-                <a:sym typeface="+mn-ea"/>
-              </a:rPr>
-              <a:t>  https://drive.google.com/drive/folders/1ckOGoRmMwCEFo-k3UX7J2lnzg495WIS5</a:t>
-            </a:r>
-            <a:br>
-              <a:rPr lang="en-IN" altLang="en-US" sz="2000">
-                <a:solidFill>
-                  <a:schemeClr val="accent1"/>
-                </a:solidFill>
-              </a:rPr>
-            </a:br>
-            <a:endParaRPr lang="en-IN" altLang="en-US" sz="2000">
-              <a:solidFill>
-                <a:schemeClr val="accent1"/>
-              </a:solidFill>
-            </a:endParaRPr>
-          </a:p>
-        </p:txBody>
-      </p:sp>
-      <p:sp>
-        <p:nvSpPr>
-          <p:cNvPr id="4" name="Slide Number Placeholder 3"/>
-          <p:cNvSpPr>
-            <a:spLocks noGrp="1"/>
-          </p:cNvSpPr>
-          <p:nvPr>
-            <p:ph type="sldNum" sz="quarter" idx="12"/>
-          </p:nvPr>
-        </p:nvSpPr>
-        <p:spPr/>
-        <p:txBody>
-          <a:bodyPr/>
-          <a:p>
-            <a:fld id="{7870A25B-082D-42BE-9910-664729240837}" type="slidenum">
-              <a:rPr lang="en-IN" smtClean="0"/>
-            </a:fld>
-            <a:endParaRPr lang="en-IN"/>
-          </a:p>
-        </p:txBody>
-      </p:sp>
-      <p:pic>
-        <p:nvPicPr>
-          <p:cNvPr id="5" name="Picture 2" descr="Screenshot (75)"/>
-          <p:cNvPicPr>
-            <a:picLocks noChangeAspect="1"/>
-          </p:cNvPicPr>
-          <p:nvPr>
-            <p:ph idx="1"/>
-          </p:nvPr>
-        </p:nvPicPr>
-        <p:blipFill>
-          <a:blip r:embed="rId1"/>
-          <a:srcRect r="11153" b="66491"/>
-          <a:stretch>
-            <a:fillRect/>
-          </a:stretch>
-        </p:blipFill>
-        <p:spPr>
-          <a:xfrm>
-            <a:off x="5950585" y="3653155"/>
-            <a:ext cx="5529580" cy="2028190"/>
-          </a:xfrm>
-          <a:prstGeom prst="rect">
-            <a:avLst/>
-          </a:prstGeom>
-        </p:spPr>
-      </p:pic>
-      <p:sp>
-        <p:nvSpPr>
-          <p:cNvPr id="6" name="Text Box 5"/>
-          <p:cNvSpPr txBox="1"/>
-          <p:nvPr/>
-        </p:nvSpPr>
-        <p:spPr>
-          <a:xfrm>
-            <a:off x="1012190" y="3653155"/>
-            <a:ext cx="1565275" cy="1476375"/>
-          </a:xfrm>
-          <a:prstGeom prst="rect">
-            <a:avLst/>
-          </a:prstGeom>
-          <a:noFill/>
-        </p:spPr>
-        <p:txBody>
-          <a:bodyPr wrap="none" rtlCol="0" anchor="t">
-            <a:spAutoFit/>
-          </a:bodyPr>
-          <a:p>
-            <a:r>
-              <a:rPr lang="en-US" altLang="zh-CN" b="1" kern="100">
-                <a:latin typeface="Agency FB" panose="020B0503020202020204" charset="0"/>
-                <a:ea typeface="SimSun" panose="02010600030101010101" pitchFamily="2" charset="-122"/>
-                <a:cs typeface="Agency FB" panose="020B0503020202020204" charset="0"/>
-                <a:sym typeface="Times New Roman" panose="02020603050405020304"/>
-              </a:rPr>
-              <a:t>Dataset consists :</a:t>
-            </a:r>
-            <a:br>
-              <a:rPr lang="en-US" altLang="zh-CN" kern="100">
-                <a:latin typeface="Calibri" panose="020F0502020204030204"/>
-                <a:ea typeface="SimSun" panose="02010600030101010101" pitchFamily="2" charset="-122"/>
-                <a:cs typeface="Times New Roman" panose="02020603050405020304"/>
-                <a:sym typeface="Times New Roman" panose="02020603050405020304"/>
-              </a:rPr>
-            </a:br>
-            <a:r>
-              <a:rPr lang="en-US" altLang="zh-CN" kern="100">
-                <a:latin typeface="Calibri" panose="020F0502020204030204"/>
-                <a:ea typeface="SimSun" panose="02010600030101010101" pitchFamily="2" charset="-122"/>
-                <a:cs typeface="Times New Roman" panose="02020603050405020304"/>
-                <a:sym typeface="Times New Roman" panose="02020603050405020304"/>
-              </a:rPr>
-              <a:t>Image </a:t>
-            </a:r>
-            <a:br>
-              <a:rPr lang="en-US" altLang="zh-CN" kern="100">
-                <a:latin typeface="Calibri" panose="020F0502020204030204"/>
-                <a:ea typeface="SimSun" panose="02010600030101010101" pitchFamily="2" charset="-122"/>
-                <a:cs typeface="Times New Roman" panose="02020603050405020304"/>
-                <a:sym typeface="Times New Roman" panose="02020603050405020304"/>
-              </a:rPr>
-            </a:br>
-            <a:r>
-              <a:rPr lang="en-US" altLang="zh-CN" kern="100">
-                <a:latin typeface="Calibri" panose="020F0502020204030204"/>
-                <a:ea typeface="SimSun" panose="02010600030101010101" pitchFamily="2" charset="-122"/>
-                <a:cs typeface="Times New Roman" panose="02020603050405020304"/>
-                <a:sym typeface="Times New Roman" panose="02020603050405020304"/>
-              </a:rPr>
-              <a:t>Text </a:t>
-            </a:r>
-            <a:br>
-              <a:rPr lang="en-US" altLang="zh-CN" kern="100">
-                <a:latin typeface="Calibri" panose="020F0502020204030204"/>
-                <a:ea typeface="SimSun" panose="02010600030101010101" pitchFamily="2" charset="-122"/>
-                <a:cs typeface="Times New Roman" panose="02020603050405020304"/>
-                <a:sym typeface="Times New Roman" panose="02020603050405020304"/>
-              </a:rPr>
-            </a:br>
-            <a:r>
-              <a:rPr lang="en-US" altLang="zh-CN" kern="100">
-                <a:latin typeface="Calibri" panose="020F0502020204030204"/>
-                <a:ea typeface="SimSun" panose="02010600030101010101" pitchFamily="2" charset="-122"/>
-                <a:cs typeface="Times New Roman" panose="02020603050405020304"/>
-                <a:sym typeface="Times New Roman" panose="02020603050405020304"/>
-              </a:rPr>
-              <a:t>Label</a:t>
-            </a:r>
-            <a:br>
-              <a:rPr lang="en-US" altLang="zh-CN" kern="100">
-                <a:latin typeface="Calibri" panose="020F0502020204030204"/>
-                <a:ea typeface="SimSun" panose="02010600030101010101" pitchFamily="2" charset="-122"/>
-                <a:cs typeface="Times New Roman" panose="02020603050405020304"/>
-                <a:sym typeface="Times New Roman" panose="02020603050405020304"/>
-              </a:rPr>
-            </a:br>
-            <a:endParaRPr lang="en-US"/>
-          </a:p>
-        </p:txBody>
-      </p:sp>
-      <p:sp>
-        <p:nvSpPr>
-          <p:cNvPr id="7" name="Text Box 6"/>
-          <p:cNvSpPr txBox="1"/>
-          <p:nvPr/>
-        </p:nvSpPr>
-        <p:spPr>
-          <a:xfrm>
-            <a:off x="1012190" y="894715"/>
-            <a:ext cx="10119360" cy="460375"/>
-          </a:xfrm>
-          <a:prstGeom prst="rect">
-            <a:avLst/>
-          </a:prstGeom>
-          <a:noFill/>
-        </p:spPr>
-        <p:txBody>
-          <a:bodyPr wrap="square" rtlCol="0">
-            <a:spAutoFit/>
-          </a:bodyPr>
-          <a:p>
-            <a:pPr marL="0" indent="0" algn="ctr">
-              <a:buNone/>
-            </a:pPr>
-            <a:r>
-              <a:rPr lang="en-US" sz="2400" b="1" dirty="0">
-                <a:latin typeface="Agency FB" panose="020B0503020202020204" charset="0"/>
-                <a:cs typeface="Agency FB" panose="020B0503020202020204" charset="0"/>
-                <a:sym typeface="+mn-ea"/>
-              </a:rPr>
-              <a:t>Multimodal Meme Dataset (MultiOFF) for Identifying Offensive Content in Image and Text</a:t>
-            </a:r>
-            <a:endParaRPr lang="en-US" sz="2400" b="1" dirty="0">
-              <a:latin typeface="Agency FB" panose="020B0503020202020204" charset="0"/>
-              <a:cs typeface="Agency FB" panose="020B0503020202020204" charset="0"/>
-              <a:sym typeface="+mn-ea"/>
-            </a:endParaRPr>
-          </a:p>
-        </p:txBody>
-      </p:sp>
-    </p:spTree>
-  </p:cSld>
-  <p:clrMapOvr>
-    <a:masterClrMapping/>
-  </p:clrMapOvr>
-</p:sld>
-</file>
-
-<file path=ppt/slides/slide8.xml><?xml version="1.0" encoding="utf-8"?>
-<p:sld xmlns:a="http://schemas.openxmlformats.org/drawingml/2006/main" xmlns:r="http://schemas.openxmlformats.org/officeDocument/2006/relationships" xmlns:p="http://schemas.openxmlformats.org/presentationml/2006/main">
-  <p:cSld>
-    <p:spTree>
-      <p:nvGrpSpPr>
-        <p:cNvPr id="1" name=""/>
-        <p:cNvGrpSpPr/>
-        <p:nvPr/>
-      </p:nvGrpSpPr>
-      <p:grpSpPr/>
-      <p:sp>
-        <p:nvSpPr>
-          <p:cNvPr id="2" name="Title 1"/>
-          <p:cNvSpPr>
-            <a:spLocks noGrp="1"/>
-          </p:cNvSpPr>
-          <p:nvPr>
-            <p:ph type="title"/>
-          </p:nvPr>
-        </p:nvSpPr>
-        <p:spPr/>
-        <p:txBody>
-          <a:bodyPr>
-            <a:normAutofit fontScale="90000"/>
-          </a:bodyPr>
-          <a:p>
-            <a:br>
-              <a:rPr lang="en-IN" altLang="en-US" b="1">
-                <a:latin typeface="Agency FB" panose="020B0503020202020204" charset="0"/>
-                <a:cs typeface="Agency FB" panose="020B0503020202020204" charset="0"/>
-                <a:sym typeface="+mn-ea"/>
-              </a:rPr>
-            </a:br>
-            <a:r>
-              <a:rPr lang="en-IN" altLang="en-US" b="1">
-                <a:latin typeface="Agency FB" panose="020B0503020202020204" charset="0"/>
-                <a:cs typeface="Agency FB" panose="020B0503020202020204" charset="0"/>
-                <a:sym typeface="+mn-ea"/>
-              </a:rPr>
-              <a:t>Baseline Models for Textual Data</a:t>
-            </a:r>
-            <a:br>
-              <a:rPr lang="en-IN" altLang="en-US" b="1">
-                <a:latin typeface="Agency FB" panose="020B0503020202020204" charset="0"/>
-                <a:cs typeface="Agency FB" panose="020B0503020202020204" charset="0"/>
-              </a:rPr>
-            </a:br>
-            <a:endParaRPr lang="en-US"/>
-          </a:p>
-        </p:txBody>
-      </p:sp>
-      <p:sp>
-        <p:nvSpPr>
-          <p:cNvPr id="3" name="Content Placeholder 2"/>
-          <p:cNvSpPr>
-            <a:spLocks noGrp="1"/>
-          </p:cNvSpPr>
-          <p:nvPr>
-            <p:ph sz="half" idx="1"/>
-          </p:nvPr>
-        </p:nvSpPr>
-        <p:spPr/>
-        <p:txBody>
-          <a:bodyPr>
-            <a:normAutofit fontScale="60000"/>
-          </a:bodyPr>
-          <a:p>
-            <a:r>
-              <a:rPr lang="en-IN" altLang="en-US" sz="3600" b="1">
-                <a:sym typeface="+mn-ea"/>
-              </a:rPr>
-              <a:t>Logistic Regression </a:t>
-            </a:r>
-            <a:r>
-              <a:rPr lang="en-IN" altLang="en-US" sz="3600">
-                <a:sym typeface="+mn-ea"/>
-              </a:rPr>
-              <a:t>:If targeted class is linearly seperable</a:t>
-            </a:r>
-            <a:endParaRPr lang="en-IN" altLang="en-US" sz="3600"/>
-          </a:p>
-          <a:p>
-            <a:r>
-              <a:rPr lang="en-IN" altLang="en-US" sz="3600">
-                <a:sym typeface="+mn-ea"/>
-              </a:rPr>
-              <a:t> Bag of Words approadch has been used.</a:t>
-            </a:r>
-            <a:endParaRPr lang="en-IN" altLang="en-US" sz="3600"/>
-          </a:p>
-          <a:p>
-            <a:pPr marL="0" indent="0">
-              <a:buNone/>
-            </a:pPr>
-            <a:r>
-              <a:rPr lang="en-IN" altLang="en-US" sz="3600">
-                <a:sym typeface="+mn-ea"/>
-              </a:rPr>
-              <a:t>		if p&gt; threshold :offensive</a:t>
-            </a:r>
-            <a:endParaRPr lang="en-IN" altLang="en-US" sz="3600"/>
-          </a:p>
-          <a:p>
-            <a:pPr marL="0" indent="0">
-              <a:buNone/>
-            </a:pPr>
-            <a:r>
-              <a:rPr lang="en-IN" altLang="en-US" sz="3600">
-                <a:sym typeface="+mn-ea"/>
-              </a:rPr>
-              <a:t>	          	 else not offensive</a:t>
-            </a:r>
-            <a:endParaRPr lang="en-US" sz="3600"/>
-          </a:p>
-          <a:p>
-            <a:endParaRPr lang="en-US" sz="3600"/>
-          </a:p>
-          <a:p>
-            <a:pPr marL="0" indent="0">
-              <a:buNone/>
-            </a:pPr>
-            <a:endParaRPr lang="en-IN" altLang="en-US" sz="3200" b="1"/>
-          </a:p>
-          <a:p>
-            <a:r>
-              <a:rPr lang="en-IN" altLang="en-US" sz="3200" b="1">
-                <a:sym typeface="+mn-ea"/>
-              </a:rPr>
-              <a:t>Naive Bayes (NB)</a:t>
-            </a:r>
-            <a:endParaRPr lang="en-IN" altLang="en-US" sz="3200" b="1"/>
-          </a:p>
-          <a:p>
-            <a:r>
-              <a:rPr lang="en-IN" altLang="en-US" sz="3200" b="1">
-                <a:sym typeface="+mn-ea"/>
-              </a:rPr>
-              <a:t>A Deep Neural Network (DNN) </a:t>
-            </a:r>
-            <a:endParaRPr lang="en-IN" altLang="en-US" sz="3200" b="1"/>
-          </a:p>
-          <a:p>
-            <a:pPr lvl="1"/>
-            <a:r>
-              <a:rPr lang="en-IN" altLang="en-US" sz="3200" b="1">
-                <a:sym typeface="+mn-ea"/>
-              </a:rPr>
-              <a:t>Stacked LSTM</a:t>
-            </a:r>
-            <a:endParaRPr lang="en-IN" altLang="en-US" sz="3200" b="1"/>
-          </a:p>
-          <a:p>
-            <a:pPr lvl="1"/>
-            <a:r>
-              <a:rPr lang="en-IN" altLang="en-US" sz="3200" b="1">
-                <a:sym typeface="+mn-ea"/>
-              </a:rPr>
-              <a:t>Bidirectional LSTM (BiLSTM) </a:t>
-            </a:r>
-            <a:endParaRPr lang="en-IN" altLang="en-US" sz="2800"/>
-          </a:p>
-          <a:p>
-            <a:endParaRPr lang="en-IN" altLang="en-US" sz="2800"/>
-          </a:p>
-        </p:txBody>
-      </p:sp>
-      <p:sp>
-        <p:nvSpPr>
-          <p:cNvPr id="4" name="Slide Number Placeholder 3"/>
-          <p:cNvSpPr>
-            <a:spLocks noGrp="1"/>
-          </p:cNvSpPr>
-          <p:nvPr>
-            <p:ph type="sldNum" sz="quarter" idx="12"/>
-          </p:nvPr>
-        </p:nvSpPr>
-        <p:spPr/>
-        <p:txBody>
-          <a:bodyPr/>
-          <a:p>
-            <a:fld id="{7870A25B-082D-42BE-9910-664729240837}" type="slidenum">
-              <a:rPr lang="en-IN" smtClean="0"/>
-            </a:fld>
-            <a:endParaRPr lang="en-IN"/>
-          </a:p>
-        </p:txBody>
-      </p:sp>
-      <p:pic>
-        <p:nvPicPr>
-          <p:cNvPr id="5" name="Content Placeholder 4"/>
-          <p:cNvPicPr>
-            <a:picLocks noChangeAspect="1"/>
-          </p:cNvPicPr>
-          <p:nvPr>
-            <p:ph sz="half" idx="2"/>
-          </p:nvPr>
-        </p:nvPicPr>
-        <p:blipFill>
-          <a:blip r:embed="rId1"/>
-          <a:stretch>
-            <a:fillRect/>
-          </a:stretch>
-        </p:blipFill>
-        <p:spPr>
-          <a:xfrm>
-            <a:off x="5911215" y="2103120"/>
-            <a:ext cx="2986405" cy="978535"/>
-          </a:xfrm>
-          <a:prstGeom prst="rect">
-            <a:avLst/>
-          </a:prstGeom>
-        </p:spPr>
-      </p:pic>
-    </p:spTree>
-  </p:cSld>
-  <p:clrMapOvr>
-    <a:masterClrMapping/>
-  </p:clrMapOvr>
-</p:sld>
-</file>
-
-<file path=ppt/slides/slide9.xml><?xml version="1.0" encoding="utf-8"?>
-<p:sld xmlns:a="http://schemas.openxmlformats.org/drawingml/2006/main" xmlns:r="http://schemas.openxmlformats.org/officeDocument/2006/relationships" xmlns:p="http://schemas.openxmlformats.org/presentationml/2006/main">
-  <p:cSld>
-    <p:spTree>
-      <p:nvGrpSpPr>
-        <p:cNvPr id="1" name=""/>
-        <p:cNvGrpSpPr/>
-        <p:nvPr/>
-      </p:nvGrpSpPr>
-      <p:grpSpPr/>
-      <p:sp>
-        <p:nvSpPr>
-          <p:cNvPr id="2" name="Title 1"/>
-          <p:cNvSpPr>
-            <a:spLocks noGrp="1"/>
-          </p:cNvSpPr>
-          <p:nvPr>
-            <p:ph type="title"/>
-          </p:nvPr>
-        </p:nvSpPr>
-        <p:spPr/>
-        <p:txBody>
-          <a:bodyPr>
-            <a:normAutofit fontScale="90000"/>
-          </a:bodyPr>
-          <a:p>
-            <a:r>
-              <a:rPr lang="en-US" b="1">
-                <a:latin typeface="Agency FB" panose="020B0503020202020204" charset="0"/>
-                <a:cs typeface="Agency FB" panose="020B0503020202020204" charset="0"/>
-                <a:sym typeface="+mn-ea"/>
-              </a:rPr>
-              <a:t>Baseline Model for Images</a:t>
-            </a:r>
-            <a:br>
-              <a:rPr lang="en-US" b="1">
-                <a:latin typeface="Agency FB" panose="020B0503020202020204" charset="0"/>
-                <a:cs typeface="Agency FB" panose="020B0503020202020204" charset="0"/>
-              </a:rPr>
-            </a:br>
-            <a:endParaRPr lang="en-US"/>
-          </a:p>
-        </p:txBody>
-      </p:sp>
-      <p:sp>
-        <p:nvSpPr>
-          <p:cNvPr id="4" name="Content Placeholder 3"/>
-          <p:cNvSpPr>
-            <a:spLocks noGrp="1"/>
-          </p:cNvSpPr>
-          <p:nvPr>
-            <p:ph sz="half" idx="2"/>
-          </p:nvPr>
-        </p:nvSpPr>
-        <p:spPr/>
-        <p:txBody>
-          <a:bodyPr>
-            <a:normAutofit fontScale="70000"/>
-          </a:bodyPr>
-          <a:p>
-            <a:r>
-              <a:rPr lang="en-IN" altLang="en-US">
-                <a:sym typeface="+mn-ea"/>
-              </a:rPr>
-              <a:t>C</a:t>
-            </a:r>
-            <a:r>
-              <a:rPr lang="en-US">
-                <a:sym typeface="+mn-ea"/>
-              </a:rPr>
-              <a:t>onvolution layers 3x3 filter with a stride 1 and always used same padding </a:t>
-            </a:r>
-            <a:endParaRPr lang="en-US"/>
-          </a:p>
-          <a:p>
-            <a:r>
-              <a:rPr lang="en-IN" altLang="en-US">
-                <a:sym typeface="+mn-ea"/>
-              </a:rPr>
-              <a:t>M</a:t>
-            </a:r>
-            <a:r>
-              <a:rPr lang="en-US">
-                <a:sym typeface="+mn-ea"/>
-              </a:rPr>
-              <a:t>axpool layer of 2x2 filter of stride 2. It follows this arrangement of convolution and max pool layers consistently throughout the whole architecture. </a:t>
-            </a:r>
-            <a:endParaRPr lang="en-US"/>
-          </a:p>
-          <a:p>
-            <a:r>
-              <a:rPr lang="en-US">
-                <a:sym typeface="+mn-ea"/>
-              </a:rPr>
-              <a:t>Instead of a fully connected layer, a Global Average Pooling layer has been used which later is connected to a Dense layer with the Sigmoid activation function to predict class probability.</a:t>
-            </a:r>
-            <a:endParaRPr lang="en-US"/>
-          </a:p>
-          <a:p>
-            <a:r>
-              <a:rPr lang="en-US">
-                <a:sym typeface="+mn-ea"/>
-              </a:rPr>
-              <a:t>The 16 in VGG16 refers to it has 16 layers that have weights. </a:t>
-            </a:r>
-            <a:endParaRPr lang="en-US"/>
-          </a:p>
-          <a:p>
-            <a:endParaRPr lang="en-US"/>
-          </a:p>
-        </p:txBody>
-      </p:sp>
-      <p:sp>
-        <p:nvSpPr>
-          <p:cNvPr id="5" name="Slide Number Placeholder 4"/>
-          <p:cNvSpPr>
-            <a:spLocks noGrp="1"/>
-          </p:cNvSpPr>
-          <p:nvPr>
-            <p:ph type="sldNum" sz="quarter" idx="12"/>
-          </p:nvPr>
-        </p:nvSpPr>
-        <p:spPr/>
-        <p:txBody>
-          <a:bodyPr/>
-          <a:p>
-            <a:fld id="{7870A25B-082D-42BE-9910-664729240837}" type="slidenum">
-              <a:rPr lang="en-IN" smtClean="0"/>
-            </a:fld>
-            <a:endParaRPr lang="en-IN"/>
-          </a:p>
-        </p:txBody>
-      </p:sp>
-      <p:pic>
-        <p:nvPicPr>
-          <p:cNvPr id="6" name="Content Placeholder 4"/>
-          <p:cNvPicPr>
-            <a:picLocks noChangeAspect="1"/>
-          </p:cNvPicPr>
-          <p:nvPr>
-            <p:ph sz="half" idx="1"/>
-          </p:nvPr>
-        </p:nvPicPr>
-        <p:blipFill>
-          <a:blip r:embed="rId1"/>
-          <a:stretch>
-            <a:fillRect/>
-          </a:stretch>
-        </p:blipFill>
-        <p:spPr>
-          <a:xfrm>
-            <a:off x="578485" y="1573530"/>
-            <a:ext cx="4342130" cy="5061585"/>
-          </a:xfrm>
-          <a:prstGeom prst="rect">
-            <a:avLst/>
-          </a:prstGeom>
-        </p:spPr>
-      </p:pic>
+        </p:txBody>
+      </p:sp>
     </p:spTree>
   </p:cSld>
   <p:clrMapOvr>
@@ -7786,9 +9519,11 @@
       </a:bgFillStyleLst>
     </a:fmtScheme>
   </a:themeElements>
+  <a:objectDefaults/>
+  <a:extraClrSchemeLst/>
   <a:extLst>
     <a:ext uri="{05A4C25C-085E-4340-85A3-A5531E510DB2}">
-      <thm15:themeFamily xmlns:thm15="http://schemas.microsoft.com/office/thememl/2012/main" name="Office Theme" id="{62F939B6-93AF-4DB8-9C6B-D6C7DFDC589F}" vid="{4A3C46E8-61CC-4603-A589-7422A47A8E4A}"/>
+      <thm15:themeFamily xmlns:thm15="http://schemas.microsoft.com/office/thememl/2012/main" xmlns="" name="Office Theme" id="{62F939B6-93AF-4DB8-9C6B-D6C7DFDC589F}" vid="{4A3C46E8-61CC-4603-A589-7422A47A8E4A}"/>
     </a:ext>
   </a:extLst>
 </a:theme>
@@ -8045,9 +9780,11 @@
       </a:bgFillStyleLst>
     </a:fmtScheme>
   </a:themeElements>
+  <a:objectDefaults/>
+  <a:extraClrSchemeLst/>
   <a:extLst>
     <a:ext uri="{05A4C25C-085E-4340-85A3-A5531E510DB2}">
-      <thm15:themeFamily xmlns:thm15="http://schemas.microsoft.com/office/thememl/2012/main" name="Office Theme" id="{62F939B6-93AF-4DB8-9C6B-D6C7DFDC589F}" vid="{4A3C46E8-61CC-4603-A589-7422A47A8E4A}"/>
+      <thm15:themeFamily xmlns:thm15="http://schemas.microsoft.com/office/thememl/2012/main" xmlns="" name="Office Theme" id="{62F939B6-93AF-4DB8-9C6B-D6C7DFDC589F}" vid="{4A3C46E8-61CC-4603-A589-7422A47A8E4A}"/>
     </a:ext>
   </a:extLst>
 </a:theme>
@@ -8304,9 +10041,11 @@
       </a:bgFillStyleLst>
     </a:fmtScheme>
   </a:themeElements>
+  <a:objectDefaults/>
+  <a:extraClrSchemeLst/>
   <a:extLst>
     <a:ext uri="{05A4C25C-085E-4340-85A3-A5531E510DB2}">
-      <thm15:themeFamily xmlns:thm15="http://schemas.microsoft.com/office/thememl/2012/main" name="Office Theme" id="{62F939B6-93AF-4DB8-9C6B-D6C7DFDC589F}" vid="{4A3C46E8-61CC-4603-A589-7422A47A8E4A}"/>
+      <thm15:themeFamily xmlns:thm15="http://schemas.microsoft.com/office/thememl/2012/main" xmlns="" name="Office Theme" id="{62F939B6-93AF-4DB8-9C6B-D6C7DFDC589F}" vid="{4A3C46E8-61CC-4603-A589-7422A47A8E4A}"/>
     </a:ext>
   </a:extLst>
 </a:theme>

--- a/Review - 1.pptx
+++ b/Review - 1.pptx
@@ -3859,21 +3859,13 @@
           <a:p>
             <a:r>
               <a:rPr lang="en-IN" sz="3600" b="1" dirty="0" smtClean="0"/>
-              <a:t>                15ECSW301</a:t>
-            </a:r>
+              <a:t>                15ECSW301: MINI PROJECT</a:t>
+            </a:r>
+          </a:p>
+          <a:p>
             <a:r>
               <a:rPr lang="en-IN" sz="3600" b="1" dirty="0" smtClean="0"/>
-              <a:t>: MINI PROJECT</a:t>
-            </a:r>
-          </a:p>
-          <a:p>
-            <a:r>
-              <a:rPr lang="en-IN" sz="3600" b="1" dirty="0" smtClean="0"/>
-              <a:t>      PROJECT </a:t>
-            </a:r>
-            <a:r>
-              <a:rPr lang="en-IN" sz="3600" b="1" dirty="0" smtClean="0"/>
-              <a:t>TITLE: HATEFUL MEMES CHALLENGE</a:t>
+              <a:t>      PROJECT TITLE: HATEFUL MEMES CHALLENGE</a:t>
             </a:r>
           </a:p>
           <a:p>
@@ -3937,11 +3929,7 @@
           <a:p>
             <a:r>
               <a:rPr lang="en-US" sz="2400" dirty="0" smtClean="0"/>
-              <a:t> </a:t>
-            </a:r>
-            <a:r>
-              <a:rPr lang="en-US" sz="2400" dirty="0" smtClean="0"/>
-              <a:t>                                Sakshi </a:t>
+              <a:t>                                 Sakshi </a:t>
             </a:r>
             <a:r>
               <a:rPr lang="en-US" sz="2400" dirty="0" err="1" smtClean="0"/>
@@ -3955,11 +3943,7 @@
           <a:p>
             <a:r>
               <a:rPr lang="en-US" sz="2400" dirty="0" smtClean="0"/>
-              <a:t> </a:t>
-            </a:r>
-            <a:r>
-              <a:rPr lang="en-US" sz="2400" dirty="0" smtClean="0"/>
-              <a:t>                                </a:t>
+              <a:t>                                 </a:t>
             </a:r>
             <a:r>
               <a:rPr lang="en-US" sz="2400" dirty="0" err="1" smtClean="0"/>
@@ -4137,7 +4121,7 @@
           <a:blip r:embed="rId2">
             <a:extLst>
               <a:ext uri="{28A0092B-C50C-407E-A947-70E740481C1C}">
-                <a14:useLocalDpi xmlns:a14="http://schemas.microsoft.com/office/drawing/2010/main" xmlns="" val="0"/>
+                <a14:useLocalDpi xmlns="" xmlns:a14="http://schemas.microsoft.com/office/drawing/2010/main" val="0"/>
               </a:ext>
             </a:extLst>
           </a:blip>
@@ -6831,13 +6815,8 @@
             </a:r>
             <a:r>
               <a:rPr lang="en-US" sz="3600" b="1" dirty="0" smtClean="0"/>
-              <a:t>Problem </a:t>
-            </a:r>
-            <a:r>
-              <a:rPr lang="en-US" sz="3600" b="1" dirty="0" smtClean="0"/>
-              <a:t>Statement </a:t>
-            </a:r>
-            <a:endParaRPr lang="en-US" sz="3600" b="1" dirty="0" smtClean="0"/>
+              <a:t>Problem Statement </a:t>
+            </a:r>
           </a:p>
           <a:p>
             <a:endParaRPr lang="en-US" sz="2800" dirty="0" smtClean="0"/>
@@ -6851,7 +6830,6 @@
               <a:rPr lang="en-US" sz="2800" dirty="0" smtClean="0"/>
               <a:t> Given an internet meme, our model should predict whether a meme is hateful or non-hateful. </a:t>
             </a:r>
-            <a:endParaRPr lang="en-US" sz="2800" dirty="0" smtClean="0"/>
           </a:p>
           <a:p>
             <a:endParaRPr lang="en-US" sz="2800" dirty="0" smtClean="0"/>
@@ -7659,11 +7637,7 @@
             </a:pPr>
             <a:r>
               <a:rPr lang="en-US" dirty="0" smtClean="0"/>
-              <a:t>  It should be at least 70% </a:t>
-            </a:r>
-            <a:r>
-              <a:rPr lang="en-US" dirty="0" smtClean="0"/>
-              <a:t>accurate</a:t>
+              <a:t>  It should be at least 70% accurate</a:t>
             </a:r>
             <a:endParaRPr lang="en-IN" dirty="0" smtClean="0"/>
           </a:p>
@@ -7758,10 +7732,42 @@
           </a:p>
         </p:txBody>
       </p:sp>
+      <p:sp>
+        <p:nvSpPr>
+          <p:cNvPr id="4" name="TextBox 3"/>
+          <p:cNvSpPr txBox="1"/>
+          <p:nvPr/>
+        </p:nvSpPr>
+        <p:spPr>
+          <a:xfrm>
+            <a:off x="1744394" y="844062"/>
+            <a:ext cx="2063322" cy="369332"/>
+          </a:xfrm>
+          <a:prstGeom prst="rect">
+            <a:avLst/>
+          </a:prstGeom>
+          <a:noFill/>
+        </p:spPr>
+        <p:txBody>
+          <a:bodyPr wrap="none" rtlCol="0">
+            <a:spAutoFit/>
+          </a:bodyPr>
+          <a:lstStyle/>
+          <a:p>
+            <a:r>
+              <a:rPr lang="en-US" dirty="0" smtClean="0"/>
+              <a:t>USE CASE DIAGRAM</a:t>
+            </a:r>
+            <a:endParaRPr lang="en-IN" dirty="0"/>
+          </a:p>
+        </p:txBody>
+      </p:sp>
       <p:pic>
         <p:nvPicPr>
-          <p:cNvPr id="3" name="Picture 2" descr="WhatsApp Image 2020-10-28 at 1.12.45 PM"/>
-          <p:cNvPicPr/>
+          <p:cNvPr id="5" name="Picture 4" descr="Screenshot (52).png"/>
+          <p:cNvPicPr>
+            <a:picLocks noChangeAspect="1"/>
+          </p:cNvPicPr>
           <p:nvPr/>
         </p:nvPicPr>
         <p:blipFill>
@@ -7772,44 +7778,14 @@
         </p:blipFill>
         <p:spPr>
           <a:xfrm>
-            <a:off x="1828800" y="1069145"/>
-            <a:ext cx="7751297" cy="5798063"/>
+            <a:off x="1107435" y="1237958"/>
+            <a:ext cx="8444528" cy="5338818"/>
           </a:xfrm>
           <a:prstGeom prst="rect">
             <a:avLst/>
           </a:prstGeom>
         </p:spPr>
       </p:pic>
-      <p:sp>
-        <p:nvSpPr>
-          <p:cNvPr id="4" name="TextBox 3"/>
-          <p:cNvSpPr txBox="1"/>
-          <p:nvPr/>
-        </p:nvSpPr>
-        <p:spPr>
-          <a:xfrm>
-            <a:off x="1744394" y="844062"/>
-            <a:ext cx="2063322" cy="369332"/>
-          </a:xfrm>
-          <a:prstGeom prst="rect">
-            <a:avLst/>
-          </a:prstGeom>
-          <a:noFill/>
-        </p:spPr>
-        <p:txBody>
-          <a:bodyPr wrap="none" rtlCol="0">
-            <a:spAutoFit/>
-          </a:bodyPr>
-          <a:lstStyle/>
-          <a:p>
-            <a:r>
-              <a:rPr lang="en-US" dirty="0" smtClean="0"/>
-              <a:t>USE CASE DIAGRAM</a:t>
-            </a:r>
-            <a:endParaRPr lang="en-IN" dirty="0"/>
-          </a:p>
-        </p:txBody>
-      </p:sp>
     </p:spTree>
   </p:cSld>
   <p:clrMapOvr>
@@ -7900,29 +7876,8 @@
             </a:pPr>
             <a:r>
               <a:rPr lang="en-US" dirty="0" smtClean="0"/>
-              <a:t>In </a:t>
-            </a:r>
-            <a:r>
-              <a:rPr lang="en-US" dirty="0" smtClean="0"/>
-              <a:t>this work we target the problem of hate speech </a:t>
-            </a:r>
-            <a:r>
-              <a:rPr lang="en-US" dirty="0" smtClean="0"/>
-              <a:t>detection </a:t>
-            </a:r>
-            <a:r>
-              <a:rPr lang="en-US" dirty="0" smtClean="0"/>
-              <a:t>formed by </a:t>
-            </a:r>
-            <a:r>
-              <a:rPr lang="en-US" dirty="0" smtClean="0"/>
-              <a:t>a text </a:t>
-            </a:r>
-            <a:r>
-              <a:rPr lang="en-US" dirty="0" smtClean="0"/>
-              <a:t>and an image. </a:t>
-            </a:r>
-            <a:endParaRPr lang="en-US" dirty="0" smtClean="0"/>
+              <a:t>In this work we target the problem of hate speech detection formed by a text and an image. </a:t>
+            </a:r>
           </a:p>
           <a:p>
             <a:pPr>
@@ -7931,15 +7886,7 @@
             </a:pPr>
             <a:r>
               <a:rPr lang="en-US" dirty="0" smtClean="0"/>
-              <a:t>We analyze a </a:t>
-            </a:r>
-            <a:r>
-              <a:rPr lang="en-US" dirty="0" smtClean="0"/>
-              <a:t>large scale </a:t>
-            </a:r>
-            <a:r>
-              <a:rPr lang="en-US" dirty="0" smtClean="0"/>
-              <a:t>dataset from </a:t>
+              <a:t>We analyze a large scale dataset from </a:t>
             </a:r>
             <a:r>
               <a:rPr lang="en-US" dirty="0" err="1" smtClean="0"/>
@@ -7947,29 +7894,8 @@
             </a:r>
             <a:r>
               <a:rPr lang="en-US" dirty="0" smtClean="0"/>
-              <a:t> </a:t>
-            </a:r>
-            <a:r>
-              <a:rPr lang="en-US" dirty="0" smtClean="0"/>
-              <a:t>and propose </a:t>
-            </a:r>
-            <a:r>
-              <a:rPr lang="en-US" dirty="0" smtClean="0"/>
-              <a:t>different models </a:t>
-            </a:r>
-            <a:r>
-              <a:rPr lang="en-US" dirty="0" smtClean="0"/>
-              <a:t>that </a:t>
-            </a:r>
-            <a:r>
-              <a:rPr lang="en-US" dirty="0" smtClean="0"/>
-              <a:t>jointly analyze </a:t>
-            </a:r>
-            <a:r>
-              <a:rPr lang="en-US" dirty="0" smtClean="0"/>
-              <a:t>textual and visual information for hate speech detection. </a:t>
-            </a:r>
-            <a:endParaRPr lang="en-US" dirty="0" smtClean="0"/>
+              <a:t> and propose different models that jointly analyze textual and visual information for hate speech detection. </a:t>
+            </a:r>
           </a:p>
           <a:p>
             <a:endParaRPr lang="en-US" dirty="0" smtClean="0"/>
@@ -7983,7 +7909,6 @@
               <a:rPr lang="en-US" dirty="0" smtClean="0"/>
               <a:t> </a:t>
             </a:r>
-            <a:endParaRPr lang="en-US" dirty="0" smtClean="0"/>
           </a:p>
           <a:p>
             <a:pPr>
@@ -7992,11 +7917,7 @@
             </a:pPr>
             <a:r>
               <a:rPr lang="en-US" dirty="0" smtClean="0"/>
-              <a:t>Social </a:t>
-            </a:r>
-            <a:r>
-              <a:rPr lang="en-US" dirty="0" smtClean="0"/>
-              <a:t>Media platforms such as Facebook, Twitter or </a:t>
+              <a:t>Social Media platforms such as Facebook, Twitter or </a:t>
             </a:r>
             <a:r>
               <a:rPr lang="en-US" dirty="0" err="1" smtClean="0"/>
@@ -8016,11 +7937,7 @@
           <a:p>
             <a:r>
               <a:rPr lang="en-US" dirty="0" smtClean="0"/>
-              <a:t>other types of online </a:t>
-            </a:r>
-            <a:r>
-              <a:rPr lang="en-US" dirty="0" smtClean="0"/>
-              <a:t>harassment.</a:t>
+              <a:t>other types of online harassment.</a:t>
             </a:r>
           </a:p>
           <a:p>
@@ -8033,11 +7950,7 @@
             </a:pPr>
             <a:r>
               <a:rPr lang="en-US" dirty="0" smtClean="0"/>
-              <a:t>Hate </a:t>
-            </a:r>
-            <a:r>
-              <a:rPr lang="en-US" dirty="0" smtClean="0"/>
-              <a:t>speech can be defined as “A direct or indirect attack on people based on characteristics, including</a:t>
+              <a:t>Hate speech can be defined as “A direct or indirect attack on people based on characteristics, including</a:t>
             </a:r>
           </a:p>
           <a:p>
@@ -8061,11 +7974,7 @@
           <a:p>
             <a:r>
               <a:rPr lang="en-US" dirty="0" smtClean="0"/>
-              <a:t>hate crime is also considered hate speech</a:t>
-            </a:r>
-            <a:r>
-              <a:rPr lang="en-US" dirty="0" smtClean="0"/>
-              <a:t>.</a:t>
+              <a:t>hate crime is also considered hate speech.</a:t>
             </a:r>
           </a:p>
           <a:p>
@@ -8096,11 +8005,7 @@
           <a:p>
             <a:r>
               <a:rPr lang="en-US" dirty="0" smtClean="0"/>
-              <a:t>work, we aim to create an algorithm for multimodal hate speech in internet memes</a:t>
-            </a:r>
-            <a:r>
-              <a:rPr lang="en-US" dirty="0" smtClean="0"/>
-              <a:t>.</a:t>
+              <a:t>work, we aim to create an algorithm for multimodal hate speech in internet memes.</a:t>
             </a:r>
           </a:p>
           <a:p>
@@ -8188,11 +8093,7 @@
           <a:p>
             <a:r>
               <a:rPr lang="en-US" sz="2400" b="1" dirty="0" smtClean="0"/>
-              <a:t>Objectives of the project</a:t>
-            </a:r>
-            <a:r>
-              <a:rPr lang="en-US" sz="2400" b="1" dirty="0" smtClean="0"/>
-              <a:t>:</a:t>
+              <a:t>Objectives of the project:</a:t>
             </a:r>
           </a:p>
           <a:p>
@@ -8207,58 +8108,34 @@
           <a:p>
             <a:r>
               <a:rPr lang="en-US" sz="2400" dirty="0" smtClean="0"/>
-              <a:t>• We propose the novel task of hate speech detection in multimodal publications, collect, </a:t>
-            </a:r>
+              <a:t>• We propose the novel task of hate speech detection in multimodal publications, collect, annotate and publish a large scale dataset.</a:t>
+            </a:r>
+          </a:p>
+          <a:p>
+            <a:endParaRPr lang="en-US" sz="2400" dirty="0" smtClean="0"/>
+          </a:p>
+          <a:p>
             <a:r>
               <a:rPr lang="en-US" sz="2400" dirty="0" smtClean="0"/>
-              <a:t>annotate and </a:t>
-            </a:r>
+              <a:t>• We evaluate state of the art multimodal models on this specific task and provide the hate score.</a:t>
+            </a:r>
+          </a:p>
+          <a:p>
+            <a:endParaRPr lang="en-US" sz="2400" dirty="0" smtClean="0"/>
+          </a:p>
+          <a:p>
             <a:r>
               <a:rPr lang="en-US" sz="2400" dirty="0" smtClean="0"/>
-              <a:t>publish a large scale dataset</a:t>
-            </a:r>
+              <a:t>• We aim to build a Graphical user interface for our model.</a:t>
+            </a:r>
+          </a:p>
+          <a:p>
+            <a:endParaRPr lang="en-US" sz="2400" dirty="0" smtClean="0"/>
+          </a:p>
+          <a:p>
             <a:r>
               <a:rPr lang="en-US" sz="2400" dirty="0" smtClean="0"/>
-              <a:t>.</a:t>
-            </a:r>
-          </a:p>
-          <a:p>
-            <a:endParaRPr lang="en-US" sz="2400" dirty="0" smtClean="0"/>
-          </a:p>
-          <a:p>
-            <a:r>
-              <a:rPr lang="en-US" sz="2400" dirty="0" smtClean="0"/>
-              <a:t>• We evaluate state of the art multimodal models on this specific task and provide the hate score</a:t>
-            </a:r>
-            <a:r>
-              <a:rPr lang="en-US" sz="2400" dirty="0" smtClean="0"/>
-              <a:t>.</a:t>
-            </a:r>
-          </a:p>
-          <a:p>
-            <a:endParaRPr lang="en-US" sz="2400" dirty="0" smtClean="0"/>
-          </a:p>
-          <a:p>
-            <a:r>
-              <a:rPr lang="en-US" sz="2400" dirty="0" smtClean="0"/>
-              <a:t>• We aim to build a Graphical user interface for our model</a:t>
-            </a:r>
-            <a:r>
-              <a:rPr lang="en-US" sz="2400" dirty="0" smtClean="0"/>
-              <a:t>.</a:t>
-            </a:r>
-          </a:p>
-          <a:p>
-            <a:endParaRPr lang="en-US" sz="2400" dirty="0" smtClean="0"/>
-          </a:p>
-          <a:p>
-            <a:r>
-              <a:rPr lang="en-US" sz="2400" dirty="0" smtClean="0"/>
-              <a:t>• We study the challenges of the proposed task, and open the field for future research</a:t>
-            </a:r>
-            <a:r>
-              <a:rPr lang="en-US" sz="2400" dirty="0" smtClean="0"/>
-              <a:t>.</a:t>
+              <a:t>• We study the challenges of the proposed task, and open the field for future research.</a:t>
             </a:r>
           </a:p>
           <a:p>
@@ -8630,7 +8507,7 @@
           <a:blip r:embed="rId2">
             <a:extLst>
               <a:ext uri="{28A0092B-C50C-407E-A947-70E740481C1C}">
-                <a14:useLocalDpi xmlns:a14="http://schemas.microsoft.com/office/drawing/2010/main" xmlns="" val="0"/>
+                <a14:useLocalDpi xmlns="" xmlns:a14="http://schemas.microsoft.com/office/drawing/2010/main" val="0"/>
               </a:ext>
             </a:extLst>
           </a:blip>
@@ -8901,7 +8778,7 @@
           <a:blip r:embed="rId3">
             <a:extLst>
               <a:ext uri="{28A0092B-C50C-407E-A947-70E740481C1C}">
-                <a14:useLocalDpi xmlns:a14="http://schemas.microsoft.com/office/drawing/2010/main" xmlns="" val="0"/>
+                <a14:useLocalDpi xmlns="" xmlns:a14="http://schemas.microsoft.com/office/drawing/2010/main" val="0"/>
               </a:ext>
             </a:extLst>
           </a:blip>
@@ -9076,7 +8953,7 @@
           <a:blip r:embed="rId2">
             <a:extLst>
               <a:ext uri="{28A0092B-C50C-407E-A947-70E740481C1C}">
-                <a14:useLocalDpi xmlns:a14="http://schemas.microsoft.com/office/drawing/2010/main" xmlns="" val="0"/>
+                <a14:useLocalDpi xmlns="" xmlns:a14="http://schemas.microsoft.com/office/drawing/2010/main" val="0"/>
               </a:ext>
             </a:extLst>
           </a:blip>
@@ -9523,7 +9400,7 @@
   <a:extraClrSchemeLst/>
   <a:extLst>
     <a:ext uri="{05A4C25C-085E-4340-85A3-A5531E510DB2}">
-      <thm15:themeFamily xmlns:thm15="http://schemas.microsoft.com/office/thememl/2012/main" xmlns="" name="Office Theme" id="{62F939B6-93AF-4DB8-9C6B-D6C7DFDC589F}" vid="{4A3C46E8-61CC-4603-A589-7422A47A8E4A}"/>
+      <thm15:themeFamily xmlns="" xmlns:thm15="http://schemas.microsoft.com/office/thememl/2012/main" name="Office Theme" id="{62F939B6-93AF-4DB8-9C6B-D6C7DFDC589F}" vid="{4A3C46E8-61CC-4603-A589-7422A47A8E4A}"/>
     </a:ext>
   </a:extLst>
 </a:theme>
@@ -9784,7 +9661,7 @@
   <a:extraClrSchemeLst/>
   <a:extLst>
     <a:ext uri="{05A4C25C-085E-4340-85A3-A5531E510DB2}">
-      <thm15:themeFamily xmlns:thm15="http://schemas.microsoft.com/office/thememl/2012/main" xmlns="" name="Office Theme" id="{62F939B6-93AF-4DB8-9C6B-D6C7DFDC589F}" vid="{4A3C46E8-61CC-4603-A589-7422A47A8E4A}"/>
+      <thm15:themeFamily xmlns="" xmlns:thm15="http://schemas.microsoft.com/office/thememl/2012/main" name="Office Theme" id="{62F939B6-93AF-4DB8-9C6B-D6C7DFDC589F}" vid="{4A3C46E8-61CC-4603-A589-7422A47A8E4A}"/>
     </a:ext>
   </a:extLst>
 </a:theme>
@@ -10045,7 +9922,7 @@
   <a:extraClrSchemeLst/>
   <a:extLst>
     <a:ext uri="{05A4C25C-085E-4340-85A3-A5531E510DB2}">
-      <thm15:themeFamily xmlns:thm15="http://schemas.microsoft.com/office/thememl/2012/main" xmlns="" name="Office Theme" id="{62F939B6-93AF-4DB8-9C6B-D6C7DFDC589F}" vid="{4A3C46E8-61CC-4603-A589-7422A47A8E4A}"/>
+      <thm15:themeFamily xmlns="" xmlns:thm15="http://schemas.microsoft.com/office/thememl/2012/main" name="Office Theme" id="{62F939B6-93AF-4DB8-9C6B-D6C7DFDC589F}" vid="{4A3C46E8-61CC-4603-A589-7422A47A8E4A}"/>
     </a:ext>
   </a:extLst>
 </a:theme>

--- a/Review - 1.pptx
+++ b/Review - 1.pptx
@@ -1,22 +1,26 @@
 
 <file path=ppt/presentation.xml><?xml version="1.0" encoding="utf-8"?>
-<p:presentation xmlns:a="http://schemas.openxmlformats.org/drawingml/2006/main" xmlns:r="http://schemas.openxmlformats.org/officeDocument/2006/relationships" xmlns:p="http://schemas.openxmlformats.org/presentationml/2006/main" saveSubsetFonts="1">
+<p:presentation xmlns:a="http://schemas.openxmlformats.org/drawingml/2006/main" xmlns:r="http://schemas.openxmlformats.org/officeDocument/2006/relationships" xmlns:p="http://schemas.openxmlformats.org/presentationml/2006/main">
   <p:sldMasterIdLst>
     <p:sldMasterId id="2147483648" r:id="rId1"/>
   </p:sldMasterIdLst>
   <p:notesMasterIdLst>
-    <p:notesMasterId r:id="rId8"/>
+    <p:notesMasterId r:id="rId7"/>
   </p:notesMasterIdLst>
   <p:handoutMasterIdLst>
-    <p:handoutMasterId r:id="rId9"/>
+    <p:handoutMasterId r:id="rId14"/>
   </p:handoutMasterIdLst>
   <p:sldIdLst>
-    <p:sldId id="256" r:id="rId2"/>
-    <p:sldId id="257" r:id="rId3"/>
-    <p:sldId id="258" r:id="rId4"/>
-    <p:sldId id="259" r:id="rId5"/>
-    <p:sldId id="260" r:id="rId6"/>
-    <p:sldId id="261" r:id="rId7"/>
+    <p:sldId id="256" r:id="rId3"/>
+    <p:sldId id="257" r:id="rId4"/>
+    <p:sldId id="258" r:id="rId5"/>
+    <p:sldId id="259" r:id="rId6"/>
+    <p:sldId id="260" r:id="rId8"/>
+    <p:sldId id="261" r:id="rId9"/>
+    <p:sldId id="265" r:id="rId10"/>
+    <p:sldId id="266" r:id="rId11"/>
+    <p:sldId id="267" r:id="rId12"/>
+    <p:sldId id="268" r:id="rId13"/>
   </p:sldIdLst>
   <p:sldSz cx="12192000" cy="6858000"/>
   <p:notesSz cx="6858000" cy="9144000"/>
@@ -115,11 +119,6 @@
       </a:defRPr>
     </a:lvl9pPr>
   </p:defaultTextStyle>
-  <p:extLst>
-    <p:ext uri="{EFAFB233-063F-42B5-8137-9DF3F51BA10A}">
-      <p15:sldGuideLst xmlns:p15="http://schemas.microsoft.com/office/powerpoint/2012/main"/>
-    </p:ext>
-  </p:extLst>
 </p:presentation>
 </file>
 
@@ -147,13 +146,7 @@
       </p:grpSpPr>
       <p:sp>
         <p:nvSpPr>
-          <p:cNvPr id="2" name="Header Placeholder 1">
-            <a:extLst>
-              <a:ext uri="{FF2B5EF4-FFF2-40B4-BE49-F238E27FC236}">
-                <a16:creationId xmlns:a16="http://schemas.microsoft.com/office/drawing/2014/main" id="{2CA44A58-4A32-4C2A-B08A-1361DA89B643}"/>
-              </a:ext>
-            </a:extLst>
-          </p:cNvPr>
+          <p:cNvPr id="2" name="Header Placeholder 1"/>
           <p:cNvSpPr>
             <a:spLocks noGrp="1"/>
           </p:cNvSpPr>
@@ -184,13 +177,7 @@
       </p:sp>
       <p:sp>
         <p:nvSpPr>
-          <p:cNvPr id="3" name="Date Placeholder 2">
-            <a:extLst>
-              <a:ext uri="{FF2B5EF4-FFF2-40B4-BE49-F238E27FC236}">
-                <a16:creationId xmlns:a16="http://schemas.microsoft.com/office/drawing/2014/main" id="{9F2CC7FC-B784-4F09-85B9-8F00D991C776}"/>
-              </a:ext>
-            </a:extLst>
-          </p:cNvPr>
+          <p:cNvPr id="3" name="Date Placeholder 2"/>
           <p:cNvSpPr>
             <a:spLocks noGrp="1"/>
           </p:cNvSpPr>
@@ -217,7 +204,6 @@
           <a:p>
             <a:fld id="{AD523D91-7B86-4AE2-ACED-11F6209AA336}" type="datetimeFigureOut">
               <a:rPr lang="en-IN" smtClean="0"/>
-              <a:t>01-11-2020</a:t>
             </a:fld>
             <a:endParaRPr lang="en-IN"/>
           </a:p>
@@ -225,13 +211,7 @@
       </p:sp>
       <p:sp>
         <p:nvSpPr>
-          <p:cNvPr id="4" name="Footer Placeholder 3">
-            <a:extLst>
-              <a:ext uri="{FF2B5EF4-FFF2-40B4-BE49-F238E27FC236}">
-                <a16:creationId xmlns:a16="http://schemas.microsoft.com/office/drawing/2014/main" id="{00690286-595B-4957-84A0-58A3EF7EBF57}"/>
-              </a:ext>
-            </a:extLst>
-          </p:cNvPr>
+          <p:cNvPr id="4" name="Footer Placeholder 3"/>
           <p:cNvSpPr>
             <a:spLocks noGrp="1"/>
           </p:cNvSpPr>
@@ -262,13 +242,7 @@
       </p:sp>
       <p:sp>
         <p:nvSpPr>
-          <p:cNvPr id="5" name="Slide Number Placeholder 4">
-            <a:extLst>
-              <a:ext uri="{FF2B5EF4-FFF2-40B4-BE49-F238E27FC236}">
-                <a16:creationId xmlns:a16="http://schemas.microsoft.com/office/drawing/2014/main" id="{4F15A449-D409-406C-814B-FD737209D6D6}"/>
-              </a:ext>
-            </a:extLst>
-          </p:cNvPr>
+          <p:cNvPr id="5" name="Slide Number Placeholder 4"/>
           <p:cNvSpPr>
             <a:spLocks noGrp="1"/>
           </p:cNvSpPr>
@@ -295,18 +269,12 @@
           <a:p>
             <a:fld id="{BF54FC27-FC2A-4A8D-9943-002653B84E76}" type="slidenum">
               <a:rPr lang="en-IN" smtClean="0"/>
-              <a:t>‹#›</a:t>
             </a:fld>
             <a:endParaRPr lang="en-IN"/>
           </a:p>
         </p:txBody>
       </p:sp>
     </p:spTree>
-    <p:extLst>
-      <p:ext uri="{BB962C8B-B14F-4D97-AF65-F5344CB8AC3E}">
-        <p14:creationId xmlns:p14="http://schemas.microsoft.com/office/powerpoint/2010/main" val="3232954592"/>
-      </p:ext>
-    </p:extLst>
   </p:cSld>
   <p:clrMap bg1="lt1" tx1="dk1" bg2="lt2" tx2="dk2" accent1="accent1" accent2="accent2" accent3="accent3" accent4="accent4" accent5="accent5" accent6="accent6" hlink="hlink" folHlink="folHlink"/>
   <p:hf hdr="0" ftr="0" dt="0"/>
@@ -395,7 +363,6 @@
           <a:p>
             <a:fld id="{C4621B3E-31D6-42D2-A593-5F3207623B25}" type="datetimeFigureOut">
               <a:rPr lang="en-IN" smtClean="0"/>
-              <a:t>01-11-2020</a:t>
             </a:fld>
             <a:endParaRPr lang="en-IN"/>
           </a:p>
@@ -462,6 +429,7 @@
               <a:rPr lang="en-US"/>
               <a:t>Click to edit Master text styles</a:t>
             </a:r>
+            <a:endParaRPr lang="en-US"/>
           </a:p>
           <a:p>
             <a:pPr lvl="1"/>
@@ -469,6 +437,7 @@
               <a:rPr lang="en-US"/>
               <a:t>Second level</a:t>
             </a:r>
+            <a:endParaRPr lang="en-US"/>
           </a:p>
           <a:p>
             <a:pPr lvl="2"/>
@@ -476,6 +445,7 @@
               <a:rPr lang="en-US"/>
               <a:t>Third level</a:t>
             </a:r>
+            <a:endParaRPr lang="en-US"/>
           </a:p>
           <a:p>
             <a:pPr lvl="3"/>
@@ -483,6 +453,7 @@
               <a:rPr lang="en-US"/>
               <a:t>Fourth level</a:t>
             </a:r>
+            <a:endParaRPr lang="en-US"/>
           </a:p>
           <a:p>
             <a:pPr lvl="4"/>
@@ -554,18 +525,12 @@
           <a:p>
             <a:fld id="{39124777-B8F0-4CC9-8106-D472180B798D}" type="slidenum">
               <a:rPr lang="en-IN" smtClean="0"/>
-              <a:t>‹#›</a:t>
             </a:fld>
             <a:endParaRPr lang="en-IN"/>
           </a:p>
         </p:txBody>
       </p:sp>
     </p:spTree>
-    <p:extLst>
-      <p:ext uri="{BB962C8B-B14F-4D97-AF65-F5344CB8AC3E}">
-        <p14:creationId xmlns:p14="http://schemas.microsoft.com/office/powerpoint/2010/main" val="1626749894"/>
-      </p:ext>
-    </p:extLst>
   </p:cSld>
   <p:clrMap bg1="lt1" tx1="dk1" bg2="lt2" tx2="dk2" accent1="accent1" accent2="accent2" accent3="accent3" accent4="accent4" accent5="accent5" accent6="accent6" hlink="hlink" folHlink="folHlink"/>
   <p:hf hdr="0" ftr="0" dt="0"/>
@@ -729,18 +694,77 @@
           <a:p>
             <a:fld id="{39124777-B8F0-4CC9-8106-D472180B798D}" type="slidenum">
               <a:rPr lang="en-IN" smtClean="0"/>
-              <a:t>4</a:t>
             </a:fld>
             <a:endParaRPr lang="en-IN"/>
           </a:p>
         </p:txBody>
       </p:sp>
     </p:spTree>
-    <p:extLst>
-      <p:ext uri="{BB962C8B-B14F-4D97-AF65-F5344CB8AC3E}">
-        <p14:creationId xmlns:p14="http://schemas.microsoft.com/office/powerpoint/2010/main" val="3947739681"/>
-      </p:ext>
-    </p:extLst>
+  </p:cSld>
+  <p:clrMapOvr>
+    <a:masterClrMapping/>
+  </p:clrMapOvr>
+</p:notes>
+</file>
+
+<file path=ppt/notesSlides/notesSlide2.xml><?xml version="1.0" encoding="utf-8"?>
+<p:notes xmlns:a="http://schemas.openxmlformats.org/drawingml/2006/main" xmlns:r="http://schemas.openxmlformats.org/officeDocument/2006/relationships" xmlns:p="http://schemas.openxmlformats.org/presentationml/2006/main">
+  <p:cSld>
+    <p:spTree>
+      <p:nvGrpSpPr>
+        <p:cNvPr id="1" name=""/>
+        <p:cNvGrpSpPr/>
+        <p:nvPr/>
+      </p:nvGrpSpPr>
+      <p:grpSpPr/>
+      <p:sp>
+        <p:nvSpPr>
+          <p:cNvPr id="2" name="Slide Image Placeholder 1"/>
+          <p:cNvSpPr/>
+          <p:nvPr>
+            <p:ph type="sldImg" idx="2"/>
+          </p:nvPr>
+        </p:nvSpPr>
+        <p:spPr/>
+      </p:sp>
+      <p:sp>
+        <p:nvSpPr>
+          <p:cNvPr id="3" name="Text Placeholder 2"/>
+          <p:cNvSpPr/>
+          <p:nvPr>
+            <p:ph type="body" idx="3"/>
+          </p:nvPr>
+        </p:nvSpPr>
+        <p:spPr/>
+        <p:txBody>
+          <a:bodyPr/>
+          <a:p>
+            <a:endParaRPr lang="en-US"/>
+          </a:p>
+        </p:txBody>
+      </p:sp>
+      <p:sp>
+        <p:nvSpPr>
+          <p:cNvPr id="4" name="Slide Number Placeholder 3"/>
+          <p:cNvSpPr>
+            <a:spLocks noGrp="1"/>
+          </p:cNvSpPr>
+          <p:nvPr>
+            <p:ph type="sldNum" sz="quarter" idx="5"/>
+          </p:nvPr>
+        </p:nvSpPr>
+        <p:spPr/>
+        <p:txBody>
+          <a:bodyPr/>
+          <a:p>
+            <a:fld id="{39124777-B8F0-4CC9-8106-D472180B798D}" type="slidenum">
+              <a:rPr lang="en-IN" smtClean="0"/>
+            </a:fld>
+            <a:endParaRPr lang="en-IN"/>
+          </a:p>
+        </p:txBody>
+      </p:sp>
+    </p:spTree>
   </p:cSld>
   <p:clrMapOvr>
     <a:masterClrMapping/>
@@ -767,13 +791,7 @@
       </p:grpSpPr>
       <p:sp>
         <p:nvSpPr>
-          <p:cNvPr id="2" name="Title 1">
-            <a:extLst>
-              <a:ext uri="{FF2B5EF4-FFF2-40B4-BE49-F238E27FC236}">
-                <a16:creationId xmlns:a16="http://schemas.microsoft.com/office/drawing/2014/main" id="{740E7F35-5D71-468C-B69C-5E24CD636F39}"/>
-              </a:ext>
-            </a:extLst>
-          </p:cNvPr>
+          <p:cNvPr id="2" name="Title 1"/>
           <p:cNvSpPr>
             <a:spLocks noGrp="1"/>
           </p:cNvSpPr>
@@ -805,13 +823,7 @@
       </p:sp>
       <p:sp>
         <p:nvSpPr>
-          <p:cNvPr id="3" name="Subtitle 2">
-            <a:extLst>
-              <a:ext uri="{FF2B5EF4-FFF2-40B4-BE49-F238E27FC236}">
-                <a16:creationId xmlns:a16="http://schemas.microsoft.com/office/drawing/2014/main" id="{D621EF6D-83C7-49FF-9C5D-7E27073BCD86}"/>
-              </a:ext>
-            </a:extLst>
-          </p:cNvPr>
+          <p:cNvPr id="3" name="Subtitle 2"/>
           <p:cNvSpPr>
             <a:spLocks noGrp="1"/>
           </p:cNvSpPr>
@@ -876,13 +888,7 @@
       </p:sp>
       <p:sp>
         <p:nvSpPr>
-          <p:cNvPr id="4" name="Date Placeholder 3">
-            <a:extLst>
-              <a:ext uri="{FF2B5EF4-FFF2-40B4-BE49-F238E27FC236}">
-                <a16:creationId xmlns:a16="http://schemas.microsoft.com/office/drawing/2014/main" id="{B0674BEE-5296-4FC8-BEEA-CC81463C71F0}"/>
-              </a:ext>
-            </a:extLst>
-          </p:cNvPr>
+          <p:cNvPr id="4" name="Date Placeholder 3"/>
           <p:cNvSpPr>
             <a:spLocks noGrp="1"/>
           </p:cNvSpPr>
@@ -897,7 +903,6 @@
           <a:p>
             <a:fld id="{0A897EF2-AEAD-4CD5-9CC2-50E14DC81F92}" type="datetime1">
               <a:rPr lang="en-IN" smtClean="0"/>
-              <a:t>01-11-2020</a:t>
             </a:fld>
             <a:endParaRPr lang="en-IN"/>
           </a:p>
@@ -905,13 +910,7 @@
       </p:sp>
       <p:sp>
         <p:nvSpPr>
-          <p:cNvPr id="5" name="Footer Placeholder 4">
-            <a:extLst>
-              <a:ext uri="{FF2B5EF4-FFF2-40B4-BE49-F238E27FC236}">
-                <a16:creationId xmlns:a16="http://schemas.microsoft.com/office/drawing/2014/main" id="{6E05DC72-B2A1-4CC7-96AC-6AD03B685352}"/>
-              </a:ext>
-            </a:extLst>
-          </p:cNvPr>
+          <p:cNvPr id="5" name="Footer Placeholder 4"/>
           <p:cNvSpPr>
             <a:spLocks noGrp="1"/>
           </p:cNvSpPr>
@@ -930,13 +929,7 @@
       </p:sp>
       <p:sp>
         <p:nvSpPr>
-          <p:cNvPr id="6" name="Slide Number Placeholder 5">
-            <a:extLst>
-              <a:ext uri="{FF2B5EF4-FFF2-40B4-BE49-F238E27FC236}">
-                <a16:creationId xmlns:a16="http://schemas.microsoft.com/office/drawing/2014/main" id="{8B1C7E96-B405-42D0-86B4-3285898A0593}"/>
-              </a:ext>
-            </a:extLst>
-          </p:cNvPr>
+          <p:cNvPr id="6" name="Slide Number Placeholder 5"/>
           <p:cNvSpPr>
             <a:spLocks noGrp="1"/>
           </p:cNvSpPr>
@@ -951,18 +944,12 @@
           <a:p>
             <a:fld id="{7870A25B-082D-42BE-9910-664729240837}" type="slidenum">
               <a:rPr lang="en-IN" smtClean="0"/>
-              <a:t>‹#›</a:t>
             </a:fld>
             <a:endParaRPr lang="en-IN"/>
           </a:p>
         </p:txBody>
       </p:sp>
     </p:spTree>
-    <p:extLst>
-      <p:ext uri="{BB962C8B-B14F-4D97-AF65-F5344CB8AC3E}">
-        <p14:creationId xmlns:p14="http://schemas.microsoft.com/office/powerpoint/2010/main" val="3731244695"/>
-      </p:ext>
-    </p:extLst>
   </p:cSld>
   <p:clrMapOvr>
     <a:masterClrMapping/>
@@ -989,13 +976,7 @@
       </p:grpSpPr>
       <p:sp>
         <p:nvSpPr>
-          <p:cNvPr id="2" name="Title 1">
-            <a:extLst>
-              <a:ext uri="{FF2B5EF4-FFF2-40B4-BE49-F238E27FC236}">
-                <a16:creationId xmlns:a16="http://schemas.microsoft.com/office/drawing/2014/main" id="{853BF5DB-F61C-4F4F-A6CB-4048D73887A0}"/>
-              </a:ext>
-            </a:extLst>
-          </p:cNvPr>
+          <p:cNvPr id="2" name="Title 1"/>
           <p:cNvSpPr>
             <a:spLocks noGrp="1"/>
           </p:cNvSpPr>
@@ -1018,13 +999,7 @@
       </p:sp>
       <p:sp>
         <p:nvSpPr>
-          <p:cNvPr id="3" name="Vertical Text Placeholder 2">
-            <a:extLst>
-              <a:ext uri="{FF2B5EF4-FFF2-40B4-BE49-F238E27FC236}">
-                <a16:creationId xmlns:a16="http://schemas.microsoft.com/office/drawing/2014/main" id="{D0A4490E-0DA9-40AB-95B6-3ADCD6DA6F7E}"/>
-              </a:ext>
-            </a:extLst>
-          </p:cNvPr>
+          <p:cNvPr id="3" name="Vertical Text Placeholder 2"/>
           <p:cNvSpPr>
             <a:spLocks noGrp="1"/>
           </p:cNvSpPr>
@@ -1042,6 +1017,7 @@
               <a:rPr lang="en-US"/>
               <a:t>Click to edit Master text styles</a:t>
             </a:r>
+            <a:endParaRPr lang="en-US"/>
           </a:p>
           <a:p>
             <a:pPr lvl="1"/>
@@ -1049,6 +1025,7 @@
               <a:rPr lang="en-US"/>
               <a:t>Second level</a:t>
             </a:r>
+            <a:endParaRPr lang="en-US"/>
           </a:p>
           <a:p>
             <a:pPr lvl="2"/>
@@ -1056,6 +1033,7 @@
               <a:rPr lang="en-US"/>
               <a:t>Third level</a:t>
             </a:r>
+            <a:endParaRPr lang="en-US"/>
           </a:p>
           <a:p>
             <a:pPr lvl="3"/>
@@ -1063,6 +1041,7 @@
               <a:rPr lang="en-US"/>
               <a:t>Fourth level</a:t>
             </a:r>
+            <a:endParaRPr lang="en-US"/>
           </a:p>
           <a:p>
             <a:pPr lvl="4"/>
@@ -1076,13 +1055,7 @@
       </p:sp>
       <p:sp>
         <p:nvSpPr>
-          <p:cNvPr id="4" name="Date Placeholder 3">
-            <a:extLst>
-              <a:ext uri="{FF2B5EF4-FFF2-40B4-BE49-F238E27FC236}">
-                <a16:creationId xmlns:a16="http://schemas.microsoft.com/office/drawing/2014/main" id="{5389491E-4B4D-4026-BA87-278A396116B6}"/>
-              </a:ext>
-            </a:extLst>
-          </p:cNvPr>
+          <p:cNvPr id="4" name="Date Placeholder 3"/>
           <p:cNvSpPr>
             <a:spLocks noGrp="1"/>
           </p:cNvSpPr>
@@ -1097,7 +1070,6 @@
           <a:p>
             <a:fld id="{E67C5BD0-D0F2-4037-9F5A-26C3CC7ABC2C}" type="datetime1">
               <a:rPr lang="en-IN" smtClean="0"/>
-              <a:t>01-11-2020</a:t>
             </a:fld>
             <a:endParaRPr lang="en-IN"/>
           </a:p>
@@ -1105,13 +1077,7 @@
       </p:sp>
       <p:sp>
         <p:nvSpPr>
-          <p:cNvPr id="5" name="Footer Placeholder 4">
-            <a:extLst>
-              <a:ext uri="{FF2B5EF4-FFF2-40B4-BE49-F238E27FC236}">
-                <a16:creationId xmlns:a16="http://schemas.microsoft.com/office/drawing/2014/main" id="{C4775057-1D1A-40F5-A4BF-D67E17D1991A}"/>
-              </a:ext>
-            </a:extLst>
-          </p:cNvPr>
+          <p:cNvPr id="5" name="Footer Placeholder 4"/>
           <p:cNvSpPr>
             <a:spLocks noGrp="1"/>
           </p:cNvSpPr>
@@ -1130,13 +1096,7 @@
       </p:sp>
       <p:sp>
         <p:nvSpPr>
-          <p:cNvPr id="6" name="Slide Number Placeholder 5">
-            <a:extLst>
-              <a:ext uri="{FF2B5EF4-FFF2-40B4-BE49-F238E27FC236}">
-                <a16:creationId xmlns:a16="http://schemas.microsoft.com/office/drawing/2014/main" id="{8811DFD5-1A0A-4938-9C3C-339A30857615}"/>
-              </a:ext>
-            </a:extLst>
-          </p:cNvPr>
+          <p:cNvPr id="6" name="Slide Number Placeholder 5"/>
           <p:cNvSpPr>
             <a:spLocks noGrp="1"/>
           </p:cNvSpPr>
@@ -1151,18 +1111,12 @@
           <a:p>
             <a:fld id="{7870A25B-082D-42BE-9910-664729240837}" type="slidenum">
               <a:rPr lang="en-IN" smtClean="0"/>
-              <a:t>‹#›</a:t>
             </a:fld>
             <a:endParaRPr lang="en-IN"/>
           </a:p>
         </p:txBody>
       </p:sp>
     </p:spTree>
-    <p:extLst>
-      <p:ext uri="{BB962C8B-B14F-4D97-AF65-F5344CB8AC3E}">
-        <p14:creationId xmlns:p14="http://schemas.microsoft.com/office/powerpoint/2010/main" val="1456553601"/>
-      </p:ext>
-    </p:extLst>
   </p:cSld>
   <p:clrMapOvr>
     <a:masterClrMapping/>
@@ -1189,13 +1143,7 @@
       </p:grpSpPr>
       <p:sp>
         <p:nvSpPr>
-          <p:cNvPr id="2" name="Vertical Title 1">
-            <a:extLst>
-              <a:ext uri="{FF2B5EF4-FFF2-40B4-BE49-F238E27FC236}">
-                <a16:creationId xmlns:a16="http://schemas.microsoft.com/office/drawing/2014/main" id="{0051B86D-8383-42DD-B5DB-1161703F5AEE}"/>
-              </a:ext>
-            </a:extLst>
-          </p:cNvPr>
+          <p:cNvPr id="2" name="Vertical Title 1"/>
           <p:cNvSpPr>
             <a:spLocks noGrp="1"/>
           </p:cNvSpPr>
@@ -1223,13 +1171,7 @@
       </p:sp>
       <p:sp>
         <p:nvSpPr>
-          <p:cNvPr id="3" name="Vertical Text Placeholder 2">
-            <a:extLst>
-              <a:ext uri="{FF2B5EF4-FFF2-40B4-BE49-F238E27FC236}">
-                <a16:creationId xmlns:a16="http://schemas.microsoft.com/office/drawing/2014/main" id="{A0609971-7467-493E-97B6-E5EC0E71CC65}"/>
-              </a:ext>
-            </a:extLst>
-          </p:cNvPr>
+          <p:cNvPr id="3" name="Vertical Text Placeholder 2"/>
           <p:cNvSpPr>
             <a:spLocks noGrp="1"/>
           </p:cNvSpPr>
@@ -1252,6 +1194,7 @@
               <a:rPr lang="en-US"/>
               <a:t>Click to edit Master text styles</a:t>
             </a:r>
+            <a:endParaRPr lang="en-US"/>
           </a:p>
           <a:p>
             <a:pPr lvl="1"/>
@@ -1259,6 +1202,7 @@
               <a:rPr lang="en-US"/>
               <a:t>Second level</a:t>
             </a:r>
+            <a:endParaRPr lang="en-US"/>
           </a:p>
           <a:p>
             <a:pPr lvl="2"/>
@@ -1266,6 +1210,7 @@
               <a:rPr lang="en-US"/>
               <a:t>Third level</a:t>
             </a:r>
+            <a:endParaRPr lang="en-US"/>
           </a:p>
           <a:p>
             <a:pPr lvl="3"/>
@@ -1273,6 +1218,7 @@
               <a:rPr lang="en-US"/>
               <a:t>Fourth level</a:t>
             </a:r>
+            <a:endParaRPr lang="en-US"/>
           </a:p>
           <a:p>
             <a:pPr lvl="4"/>
@@ -1286,13 +1232,7 @@
       </p:sp>
       <p:sp>
         <p:nvSpPr>
-          <p:cNvPr id="4" name="Date Placeholder 3">
-            <a:extLst>
-              <a:ext uri="{FF2B5EF4-FFF2-40B4-BE49-F238E27FC236}">
-                <a16:creationId xmlns:a16="http://schemas.microsoft.com/office/drawing/2014/main" id="{EF269F41-C2EA-4577-A745-2BA550E34D5C}"/>
-              </a:ext>
-            </a:extLst>
-          </p:cNvPr>
+          <p:cNvPr id="4" name="Date Placeholder 3"/>
           <p:cNvSpPr>
             <a:spLocks noGrp="1"/>
           </p:cNvSpPr>
@@ -1307,7 +1247,6 @@
           <a:p>
             <a:fld id="{C784F30F-6C6F-4C3B-93D0-C07060B928DD}" type="datetime1">
               <a:rPr lang="en-IN" smtClean="0"/>
-              <a:t>01-11-2020</a:t>
             </a:fld>
             <a:endParaRPr lang="en-IN"/>
           </a:p>
@@ -1315,13 +1254,7 @@
       </p:sp>
       <p:sp>
         <p:nvSpPr>
-          <p:cNvPr id="5" name="Footer Placeholder 4">
-            <a:extLst>
-              <a:ext uri="{FF2B5EF4-FFF2-40B4-BE49-F238E27FC236}">
-                <a16:creationId xmlns:a16="http://schemas.microsoft.com/office/drawing/2014/main" id="{ABF6C4C2-54FE-44BB-9922-C57613AAF51A}"/>
-              </a:ext>
-            </a:extLst>
-          </p:cNvPr>
+          <p:cNvPr id="5" name="Footer Placeholder 4"/>
           <p:cNvSpPr>
             <a:spLocks noGrp="1"/>
           </p:cNvSpPr>
@@ -1340,13 +1273,7 @@
       </p:sp>
       <p:sp>
         <p:nvSpPr>
-          <p:cNvPr id="6" name="Slide Number Placeholder 5">
-            <a:extLst>
-              <a:ext uri="{FF2B5EF4-FFF2-40B4-BE49-F238E27FC236}">
-                <a16:creationId xmlns:a16="http://schemas.microsoft.com/office/drawing/2014/main" id="{CDA5CF01-748C-4DDB-B194-38A4F47402DE}"/>
-              </a:ext>
-            </a:extLst>
-          </p:cNvPr>
+          <p:cNvPr id="6" name="Slide Number Placeholder 5"/>
           <p:cNvSpPr>
             <a:spLocks noGrp="1"/>
           </p:cNvSpPr>
@@ -1361,18 +1288,12 @@
           <a:p>
             <a:fld id="{7870A25B-082D-42BE-9910-664729240837}" type="slidenum">
               <a:rPr lang="en-IN" smtClean="0"/>
-              <a:t>‹#›</a:t>
             </a:fld>
             <a:endParaRPr lang="en-IN"/>
           </a:p>
         </p:txBody>
       </p:sp>
     </p:spTree>
-    <p:extLst>
-      <p:ext uri="{BB962C8B-B14F-4D97-AF65-F5344CB8AC3E}">
-        <p14:creationId xmlns:p14="http://schemas.microsoft.com/office/powerpoint/2010/main" val="102233867"/>
-      </p:ext>
-    </p:extLst>
   </p:cSld>
   <p:clrMapOvr>
     <a:masterClrMapping/>
@@ -1399,13 +1320,7 @@
       </p:grpSpPr>
       <p:sp>
         <p:nvSpPr>
-          <p:cNvPr id="2" name="Title 1">
-            <a:extLst>
-              <a:ext uri="{FF2B5EF4-FFF2-40B4-BE49-F238E27FC236}">
-                <a16:creationId xmlns:a16="http://schemas.microsoft.com/office/drawing/2014/main" id="{EBF0AE6F-1DF2-4817-BB94-3843C1D24410}"/>
-              </a:ext>
-            </a:extLst>
-          </p:cNvPr>
+          <p:cNvPr id="2" name="Title 1"/>
           <p:cNvSpPr>
             <a:spLocks noGrp="1"/>
           </p:cNvSpPr>
@@ -1428,13 +1343,7 @@
       </p:sp>
       <p:sp>
         <p:nvSpPr>
-          <p:cNvPr id="3" name="Content Placeholder 2">
-            <a:extLst>
-              <a:ext uri="{FF2B5EF4-FFF2-40B4-BE49-F238E27FC236}">
-                <a16:creationId xmlns:a16="http://schemas.microsoft.com/office/drawing/2014/main" id="{F2AB69C1-D3B3-43E1-AD73-8D53941769CB}"/>
-              </a:ext>
-            </a:extLst>
-          </p:cNvPr>
+          <p:cNvPr id="3" name="Content Placeholder 2"/>
           <p:cNvSpPr>
             <a:spLocks noGrp="1"/>
           </p:cNvSpPr>
@@ -1452,6 +1361,7 @@
               <a:rPr lang="en-US"/>
               <a:t>Click to edit Master text styles</a:t>
             </a:r>
+            <a:endParaRPr lang="en-US"/>
           </a:p>
           <a:p>
             <a:pPr lvl="1"/>
@@ -1459,6 +1369,7 @@
               <a:rPr lang="en-US"/>
               <a:t>Second level</a:t>
             </a:r>
+            <a:endParaRPr lang="en-US"/>
           </a:p>
           <a:p>
             <a:pPr lvl="2"/>
@@ -1466,6 +1377,7 @@
               <a:rPr lang="en-US"/>
               <a:t>Third level</a:t>
             </a:r>
+            <a:endParaRPr lang="en-US"/>
           </a:p>
           <a:p>
             <a:pPr lvl="3"/>
@@ -1473,6 +1385,7 @@
               <a:rPr lang="en-US"/>
               <a:t>Fourth level</a:t>
             </a:r>
+            <a:endParaRPr lang="en-US"/>
           </a:p>
           <a:p>
             <a:pPr lvl="4"/>
@@ -1486,13 +1399,7 @@
       </p:sp>
       <p:sp>
         <p:nvSpPr>
-          <p:cNvPr id="4" name="Date Placeholder 3">
-            <a:extLst>
-              <a:ext uri="{FF2B5EF4-FFF2-40B4-BE49-F238E27FC236}">
-                <a16:creationId xmlns:a16="http://schemas.microsoft.com/office/drawing/2014/main" id="{2302D141-21B7-4725-9C30-B740C7F88458}"/>
-              </a:ext>
-            </a:extLst>
-          </p:cNvPr>
+          <p:cNvPr id="4" name="Date Placeholder 3"/>
           <p:cNvSpPr>
             <a:spLocks noGrp="1"/>
           </p:cNvSpPr>
@@ -1507,7 +1414,6 @@
           <a:p>
             <a:fld id="{CD75FE80-55C0-450B-B2D3-D4978AAC8216}" type="datetime1">
               <a:rPr lang="en-IN" smtClean="0"/>
-              <a:t>01-11-2020</a:t>
             </a:fld>
             <a:endParaRPr lang="en-IN"/>
           </a:p>
@@ -1515,13 +1421,7 @@
       </p:sp>
       <p:sp>
         <p:nvSpPr>
-          <p:cNvPr id="5" name="Footer Placeholder 4">
-            <a:extLst>
-              <a:ext uri="{FF2B5EF4-FFF2-40B4-BE49-F238E27FC236}">
-                <a16:creationId xmlns:a16="http://schemas.microsoft.com/office/drawing/2014/main" id="{E36662D2-79AF-4997-AA68-E2C2816020AD}"/>
-              </a:ext>
-            </a:extLst>
-          </p:cNvPr>
+          <p:cNvPr id="5" name="Footer Placeholder 4"/>
           <p:cNvSpPr>
             <a:spLocks noGrp="1"/>
           </p:cNvSpPr>
@@ -1540,13 +1440,7 @@
       </p:sp>
       <p:sp>
         <p:nvSpPr>
-          <p:cNvPr id="6" name="Slide Number Placeholder 5">
-            <a:extLst>
-              <a:ext uri="{FF2B5EF4-FFF2-40B4-BE49-F238E27FC236}">
-                <a16:creationId xmlns:a16="http://schemas.microsoft.com/office/drawing/2014/main" id="{E05DF134-7F91-4D9C-9641-7F5C5AA4AA2C}"/>
-              </a:ext>
-            </a:extLst>
-          </p:cNvPr>
+          <p:cNvPr id="6" name="Slide Number Placeholder 5"/>
           <p:cNvSpPr>
             <a:spLocks noGrp="1"/>
           </p:cNvSpPr>
@@ -1561,18 +1455,12 @@
           <a:p>
             <a:fld id="{7870A25B-082D-42BE-9910-664729240837}" type="slidenum">
               <a:rPr lang="en-IN" smtClean="0"/>
-              <a:t>‹#›</a:t>
             </a:fld>
             <a:endParaRPr lang="en-IN"/>
           </a:p>
         </p:txBody>
       </p:sp>
     </p:spTree>
-    <p:extLst>
-      <p:ext uri="{BB962C8B-B14F-4D97-AF65-F5344CB8AC3E}">
-        <p14:creationId xmlns:p14="http://schemas.microsoft.com/office/powerpoint/2010/main" val="3598178477"/>
-      </p:ext>
-    </p:extLst>
   </p:cSld>
   <p:clrMapOvr>
     <a:masterClrMapping/>
@@ -1599,13 +1487,7 @@
       </p:grpSpPr>
       <p:sp>
         <p:nvSpPr>
-          <p:cNvPr id="2" name="Title 1">
-            <a:extLst>
-              <a:ext uri="{FF2B5EF4-FFF2-40B4-BE49-F238E27FC236}">
-                <a16:creationId xmlns:a16="http://schemas.microsoft.com/office/drawing/2014/main" id="{68CD18CB-8003-448E-A246-3625B7D1EDA8}"/>
-              </a:ext>
-            </a:extLst>
-          </p:cNvPr>
+          <p:cNvPr id="2" name="Title 1"/>
           <p:cNvSpPr>
             <a:spLocks noGrp="1"/>
           </p:cNvSpPr>
@@ -1637,13 +1519,7 @@
       </p:sp>
       <p:sp>
         <p:nvSpPr>
-          <p:cNvPr id="3" name="Text Placeholder 2">
-            <a:extLst>
-              <a:ext uri="{FF2B5EF4-FFF2-40B4-BE49-F238E27FC236}">
-                <a16:creationId xmlns:a16="http://schemas.microsoft.com/office/drawing/2014/main" id="{96FCA274-F8D5-430C-B364-25C7B743333B}"/>
-              </a:ext>
-            </a:extLst>
-          </p:cNvPr>
+          <p:cNvPr id="3" name="Text Placeholder 2"/>
           <p:cNvSpPr>
             <a:spLocks noGrp="1"/>
           </p:cNvSpPr>
@@ -1757,18 +1633,13 @@
               <a:rPr lang="en-US"/>
               <a:t>Click to edit Master text styles</a:t>
             </a:r>
-          </a:p>
-        </p:txBody>
-      </p:sp>
-      <p:sp>
-        <p:nvSpPr>
-          <p:cNvPr id="4" name="Date Placeholder 3">
-            <a:extLst>
-              <a:ext uri="{FF2B5EF4-FFF2-40B4-BE49-F238E27FC236}">
-                <a16:creationId xmlns:a16="http://schemas.microsoft.com/office/drawing/2014/main" id="{8439E742-7020-492A-A832-803088D3FF60}"/>
-              </a:ext>
-            </a:extLst>
-          </p:cNvPr>
+            <a:endParaRPr lang="en-US"/>
+          </a:p>
+        </p:txBody>
+      </p:sp>
+      <p:sp>
+        <p:nvSpPr>
+          <p:cNvPr id="4" name="Date Placeholder 3"/>
           <p:cNvSpPr>
             <a:spLocks noGrp="1"/>
           </p:cNvSpPr>
@@ -1783,7 +1654,6 @@
           <a:p>
             <a:fld id="{CBDF0052-A594-4C91-9EE2-32993C80D7B0}" type="datetime1">
               <a:rPr lang="en-IN" smtClean="0"/>
-              <a:t>01-11-2020</a:t>
             </a:fld>
             <a:endParaRPr lang="en-IN"/>
           </a:p>
@@ -1791,13 +1661,7 @@
       </p:sp>
       <p:sp>
         <p:nvSpPr>
-          <p:cNvPr id="5" name="Footer Placeholder 4">
-            <a:extLst>
-              <a:ext uri="{FF2B5EF4-FFF2-40B4-BE49-F238E27FC236}">
-                <a16:creationId xmlns:a16="http://schemas.microsoft.com/office/drawing/2014/main" id="{B22F5484-01E1-40EE-B13C-0CFF8EE587D4}"/>
-              </a:ext>
-            </a:extLst>
-          </p:cNvPr>
+          <p:cNvPr id="5" name="Footer Placeholder 4"/>
           <p:cNvSpPr>
             <a:spLocks noGrp="1"/>
           </p:cNvSpPr>
@@ -1816,13 +1680,7 @@
       </p:sp>
       <p:sp>
         <p:nvSpPr>
-          <p:cNvPr id="6" name="Slide Number Placeholder 5">
-            <a:extLst>
-              <a:ext uri="{FF2B5EF4-FFF2-40B4-BE49-F238E27FC236}">
-                <a16:creationId xmlns:a16="http://schemas.microsoft.com/office/drawing/2014/main" id="{64B49932-F9F9-45A2-BE80-384BD9426754}"/>
-              </a:ext>
-            </a:extLst>
-          </p:cNvPr>
+          <p:cNvPr id="6" name="Slide Number Placeholder 5"/>
           <p:cNvSpPr>
             <a:spLocks noGrp="1"/>
           </p:cNvSpPr>
@@ -1837,18 +1695,12 @@
           <a:p>
             <a:fld id="{7870A25B-082D-42BE-9910-664729240837}" type="slidenum">
               <a:rPr lang="en-IN" smtClean="0"/>
-              <a:t>‹#›</a:t>
             </a:fld>
             <a:endParaRPr lang="en-IN"/>
           </a:p>
         </p:txBody>
       </p:sp>
     </p:spTree>
-    <p:extLst>
-      <p:ext uri="{BB962C8B-B14F-4D97-AF65-F5344CB8AC3E}">
-        <p14:creationId xmlns:p14="http://schemas.microsoft.com/office/powerpoint/2010/main" val="3582134200"/>
-      </p:ext>
-    </p:extLst>
   </p:cSld>
   <p:clrMapOvr>
     <a:masterClrMapping/>
@@ -1875,13 +1727,7 @@
       </p:grpSpPr>
       <p:sp>
         <p:nvSpPr>
-          <p:cNvPr id="2" name="Title 1">
-            <a:extLst>
-              <a:ext uri="{FF2B5EF4-FFF2-40B4-BE49-F238E27FC236}">
-                <a16:creationId xmlns:a16="http://schemas.microsoft.com/office/drawing/2014/main" id="{8254A460-BFD4-477E-A050-009F08E91206}"/>
-              </a:ext>
-            </a:extLst>
-          </p:cNvPr>
+          <p:cNvPr id="2" name="Title 1"/>
           <p:cNvSpPr>
             <a:spLocks noGrp="1"/>
           </p:cNvSpPr>
@@ -1904,13 +1750,7 @@
       </p:sp>
       <p:sp>
         <p:nvSpPr>
-          <p:cNvPr id="3" name="Content Placeholder 2">
-            <a:extLst>
-              <a:ext uri="{FF2B5EF4-FFF2-40B4-BE49-F238E27FC236}">
-                <a16:creationId xmlns:a16="http://schemas.microsoft.com/office/drawing/2014/main" id="{7DE4BE3D-043E-4FA6-9C09-ED7D89BB1CE2}"/>
-              </a:ext>
-            </a:extLst>
-          </p:cNvPr>
+          <p:cNvPr id="3" name="Content Placeholder 2"/>
           <p:cNvSpPr>
             <a:spLocks noGrp="1"/>
           </p:cNvSpPr>
@@ -1933,6 +1773,7 @@
               <a:rPr lang="en-US"/>
               <a:t>Click to edit Master text styles</a:t>
             </a:r>
+            <a:endParaRPr lang="en-US"/>
           </a:p>
           <a:p>
             <a:pPr lvl="1"/>
@@ -1940,6 +1781,7 @@
               <a:rPr lang="en-US"/>
               <a:t>Second level</a:t>
             </a:r>
+            <a:endParaRPr lang="en-US"/>
           </a:p>
           <a:p>
             <a:pPr lvl="2"/>
@@ -1947,6 +1789,7 @@
               <a:rPr lang="en-US"/>
               <a:t>Third level</a:t>
             </a:r>
+            <a:endParaRPr lang="en-US"/>
           </a:p>
           <a:p>
             <a:pPr lvl="3"/>
@@ -1954,6 +1797,7 @@
               <a:rPr lang="en-US"/>
               <a:t>Fourth level</a:t>
             </a:r>
+            <a:endParaRPr lang="en-US"/>
           </a:p>
           <a:p>
             <a:pPr lvl="4"/>
@@ -1967,13 +1811,7 @@
       </p:sp>
       <p:sp>
         <p:nvSpPr>
-          <p:cNvPr id="4" name="Content Placeholder 3">
-            <a:extLst>
-              <a:ext uri="{FF2B5EF4-FFF2-40B4-BE49-F238E27FC236}">
-                <a16:creationId xmlns:a16="http://schemas.microsoft.com/office/drawing/2014/main" id="{52750004-35D1-4525-AC52-2A65DC08110C}"/>
-              </a:ext>
-            </a:extLst>
-          </p:cNvPr>
+          <p:cNvPr id="4" name="Content Placeholder 3"/>
           <p:cNvSpPr>
             <a:spLocks noGrp="1"/>
           </p:cNvSpPr>
@@ -1996,6 +1834,7 @@
               <a:rPr lang="en-US"/>
               <a:t>Click to edit Master text styles</a:t>
             </a:r>
+            <a:endParaRPr lang="en-US"/>
           </a:p>
           <a:p>
             <a:pPr lvl="1"/>
@@ -2003,6 +1842,7 @@
               <a:rPr lang="en-US"/>
               <a:t>Second level</a:t>
             </a:r>
+            <a:endParaRPr lang="en-US"/>
           </a:p>
           <a:p>
             <a:pPr lvl="2"/>
@@ -2010,6 +1850,7 @@
               <a:rPr lang="en-US"/>
               <a:t>Third level</a:t>
             </a:r>
+            <a:endParaRPr lang="en-US"/>
           </a:p>
           <a:p>
             <a:pPr lvl="3"/>
@@ -2017,6 +1858,7 @@
               <a:rPr lang="en-US"/>
               <a:t>Fourth level</a:t>
             </a:r>
+            <a:endParaRPr lang="en-US"/>
           </a:p>
           <a:p>
             <a:pPr lvl="4"/>
@@ -2030,13 +1872,7 @@
       </p:sp>
       <p:sp>
         <p:nvSpPr>
-          <p:cNvPr id="5" name="Date Placeholder 4">
-            <a:extLst>
-              <a:ext uri="{FF2B5EF4-FFF2-40B4-BE49-F238E27FC236}">
-                <a16:creationId xmlns:a16="http://schemas.microsoft.com/office/drawing/2014/main" id="{EB6674F9-B25B-45FD-899F-59F85A9E9740}"/>
-              </a:ext>
-            </a:extLst>
-          </p:cNvPr>
+          <p:cNvPr id="5" name="Date Placeholder 4"/>
           <p:cNvSpPr>
             <a:spLocks noGrp="1"/>
           </p:cNvSpPr>
@@ -2051,7 +1887,6 @@
           <a:p>
             <a:fld id="{CDE742E8-3F84-420C-8BDC-51327945DFF8}" type="datetime1">
               <a:rPr lang="en-IN" smtClean="0"/>
-              <a:t>01-11-2020</a:t>
             </a:fld>
             <a:endParaRPr lang="en-IN"/>
           </a:p>
@@ -2059,13 +1894,7 @@
       </p:sp>
       <p:sp>
         <p:nvSpPr>
-          <p:cNvPr id="6" name="Footer Placeholder 5">
-            <a:extLst>
-              <a:ext uri="{FF2B5EF4-FFF2-40B4-BE49-F238E27FC236}">
-                <a16:creationId xmlns:a16="http://schemas.microsoft.com/office/drawing/2014/main" id="{DCF6B456-E10C-4096-8D8D-34A69BE4DBF1}"/>
-              </a:ext>
-            </a:extLst>
-          </p:cNvPr>
+          <p:cNvPr id="6" name="Footer Placeholder 5"/>
           <p:cNvSpPr>
             <a:spLocks noGrp="1"/>
           </p:cNvSpPr>
@@ -2084,13 +1913,7 @@
       </p:sp>
       <p:sp>
         <p:nvSpPr>
-          <p:cNvPr id="7" name="Slide Number Placeholder 6">
-            <a:extLst>
-              <a:ext uri="{FF2B5EF4-FFF2-40B4-BE49-F238E27FC236}">
-                <a16:creationId xmlns:a16="http://schemas.microsoft.com/office/drawing/2014/main" id="{56E23664-1C34-4053-B4AB-C1C3EF090DA7}"/>
-              </a:ext>
-            </a:extLst>
-          </p:cNvPr>
+          <p:cNvPr id="7" name="Slide Number Placeholder 6"/>
           <p:cNvSpPr>
             <a:spLocks noGrp="1"/>
           </p:cNvSpPr>
@@ -2105,18 +1928,12 @@
           <a:p>
             <a:fld id="{7870A25B-082D-42BE-9910-664729240837}" type="slidenum">
               <a:rPr lang="en-IN" smtClean="0"/>
-              <a:t>‹#›</a:t>
             </a:fld>
             <a:endParaRPr lang="en-IN"/>
           </a:p>
         </p:txBody>
       </p:sp>
     </p:spTree>
-    <p:extLst>
-      <p:ext uri="{BB962C8B-B14F-4D97-AF65-F5344CB8AC3E}">
-        <p14:creationId xmlns:p14="http://schemas.microsoft.com/office/powerpoint/2010/main" val="3513439764"/>
-      </p:ext>
-    </p:extLst>
   </p:cSld>
   <p:clrMapOvr>
     <a:masterClrMapping/>
@@ -2143,13 +1960,7 @@
       </p:grpSpPr>
       <p:sp>
         <p:nvSpPr>
-          <p:cNvPr id="2" name="Title 1">
-            <a:extLst>
-              <a:ext uri="{FF2B5EF4-FFF2-40B4-BE49-F238E27FC236}">
-                <a16:creationId xmlns:a16="http://schemas.microsoft.com/office/drawing/2014/main" id="{C2B0EB94-1673-4D1D-BBEE-A85E5B39EFDE}"/>
-              </a:ext>
-            </a:extLst>
-          </p:cNvPr>
+          <p:cNvPr id="2" name="Title 1"/>
           <p:cNvSpPr>
             <a:spLocks noGrp="1"/>
           </p:cNvSpPr>
@@ -2177,13 +1988,7 @@
       </p:sp>
       <p:sp>
         <p:nvSpPr>
-          <p:cNvPr id="3" name="Text Placeholder 2">
-            <a:extLst>
-              <a:ext uri="{FF2B5EF4-FFF2-40B4-BE49-F238E27FC236}">
-                <a16:creationId xmlns:a16="http://schemas.microsoft.com/office/drawing/2014/main" id="{58F88FA1-683D-4BBC-814A-03961B932984}"/>
-              </a:ext>
-            </a:extLst>
-          </p:cNvPr>
+          <p:cNvPr id="3" name="Text Placeholder 2"/>
           <p:cNvSpPr>
             <a:spLocks noGrp="1"/>
           </p:cNvSpPr>
@@ -2243,18 +2048,13 @@
               <a:rPr lang="en-US"/>
               <a:t>Click to edit Master text styles</a:t>
             </a:r>
-          </a:p>
-        </p:txBody>
-      </p:sp>
-      <p:sp>
-        <p:nvSpPr>
-          <p:cNvPr id="4" name="Content Placeholder 3">
-            <a:extLst>
-              <a:ext uri="{FF2B5EF4-FFF2-40B4-BE49-F238E27FC236}">
-                <a16:creationId xmlns:a16="http://schemas.microsoft.com/office/drawing/2014/main" id="{F8CC075F-E57A-407F-9078-24ACB0F37908}"/>
-              </a:ext>
-            </a:extLst>
-          </p:cNvPr>
+            <a:endParaRPr lang="en-US"/>
+          </a:p>
+        </p:txBody>
+      </p:sp>
+      <p:sp>
+        <p:nvSpPr>
+          <p:cNvPr id="4" name="Content Placeholder 3"/>
           <p:cNvSpPr>
             <a:spLocks noGrp="1"/>
           </p:cNvSpPr>
@@ -2277,6 +2077,7 @@
               <a:rPr lang="en-US"/>
               <a:t>Click to edit Master text styles</a:t>
             </a:r>
+            <a:endParaRPr lang="en-US"/>
           </a:p>
           <a:p>
             <a:pPr lvl="1"/>
@@ -2284,6 +2085,7 @@
               <a:rPr lang="en-US"/>
               <a:t>Second level</a:t>
             </a:r>
+            <a:endParaRPr lang="en-US"/>
           </a:p>
           <a:p>
             <a:pPr lvl="2"/>
@@ -2291,6 +2093,7 @@
               <a:rPr lang="en-US"/>
               <a:t>Third level</a:t>
             </a:r>
+            <a:endParaRPr lang="en-US"/>
           </a:p>
           <a:p>
             <a:pPr lvl="3"/>
@@ -2298,6 +2101,7 @@
               <a:rPr lang="en-US"/>
               <a:t>Fourth level</a:t>
             </a:r>
+            <a:endParaRPr lang="en-US"/>
           </a:p>
           <a:p>
             <a:pPr lvl="4"/>
@@ -2311,13 +2115,7 @@
       </p:sp>
       <p:sp>
         <p:nvSpPr>
-          <p:cNvPr id="5" name="Text Placeholder 4">
-            <a:extLst>
-              <a:ext uri="{FF2B5EF4-FFF2-40B4-BE49-F238E27FC236}">
-                <a16:creationId xmlns:a16="http://schemas.microsoft.com/office/drawing/2014/main" id="{D29ADFCA-52C7-4527-8CE3-556CEE5D7554}"/>
-              </a:ext>
-            </a:extLst>
-          </p:cNvPr>
+          <p:cNvPr id="5" name="Text Placeholder 4"/>
           <p:cNvSpPr>
             <a:spLocks noGrp="1"/>
           </p:cNvSpPr>
@@ -2377,18 +2175,13 @@
               <a:rPr lang="en-US"/>
               <a:t>Click to edit Master text styles</a:t>
             </a:r>
-          </a:p>
-        </p:txBody>
-      </p:sp>
-      <p:sp>
-        <p:nvSpPr>
-          <p:cNvPr id="6" name="Content Placeholder 5">
-            <a:extLst>
-              <a:ext uri="{FF2B5EF4-FFF2-40B4-BE49-F238E27FC236}">
-                <a16:creationId xmlns:a16="http://schemas.microsoft.com/office/drawing/2014/main" id="{E5D86BE0-0FE8-49DB-8687-6317FB253A36}"/>
-              </a:ext>
-            </a:extLst>
-          </p:cNvPr>
+            <a:endParaRPr lang="en-US"/>
+          </a:p>
+        </p:txBody>
+      </p:sp>
+      <p:sp>
+        <p:nvSpPr>
+          <p:cNvPr id="6" name="Content Placeholder 5"/>
           <p:cNvSpPr>
             <a:spLocks noGrp="1"/>
           </p:cNvSpPr>
@@ -2411,6 +2204,7 @@
               <a:rPr lang="en-US"/>
               <a:t>Click to edit Master text styles</a:t>
             </a:r>
+            <a:endParaRPr lang="en-US"/>
           </a:p>
           <a:p>
             <a:pPr lvl="1"/>
@@ -2418,6 +2212,7 @@
               <a:rPr lang="en-US"/>
               <a:t>Second level</a:t>
             </a:r>
+            <a:endParaRPr lang="en-US"/>
           </a:p>
           <a:p>
             <a:pPr lvl="2"/>
@@ -2425,6 +2220,7 @@
               <a:rPr lang="en-US"/>
               <a:t>Third level</a:t>
             </a:r>
+            <a:endParaRPr lang="en-US"/>
           </a:p>
           <a:p>
             <a:pPr lvl="3"/>
@@ -2432,6 +2228,7 @@
               <a:rPr lang="en-US"/>
               <a:t>Fourth level</a:t>
             </a:r>
+            <a:endParaRPr lang="en-US"/>
           </a:p>
           <a:p>
             <a:pPr lvl="4"/>
@@ -2445,13 +2242,7 @@
       </p:sp>
       <p:sp>
         <p:nvSpPr>
-          <p:cNvPr id="7" name="Date Placeholder 6">
-            <a:extLst>
-              <a:ext uri="{FF2B5EF4-FFF2-40B4-BE49-F238E27FC236}">
-                <a16:creationId xmlns:a16="http://schemas.microsoft.com/office/drawing/2014/main" id="{92F1FCEA-C287-4158-88DC-EA91AE1329B0}"/>
-              </a:ext>
-            </a:extLst>
-          </p:cNvPr>
+          <p:cNvPr id="7" name="Date Placeholder 6"/>
           <p:cNvSpPr>
             <a:spLocks noGrp="1"/>
           </p:cNvSpPr>
@@ -2466,7 +2257,6 @@
           <a:p>
             <a:fld id="{941FEC9F-6C6E-499A-8A1D-DD5204AE659D}" type="datetime1">
               <a:rPr lang="en-IN" smtClean="0"/>
-              <a:t>01-11-2020</a:t>
             </a:fld>
             <a:endParaRPr lang="en-IN"/>
           </a:p>
@@ -2474,13 +2264,7 @@
       </p:sp>
       <p:sp>
         <p:nvSpPr>
-          <p:cNvPr id="8" name="Footer Placeholder 7">
-            <a:extLst>
-              <a:ext uri="{FF2B5EF4-FFF2-40B4-BE49-F238E27FC236}">
-                <a16:creationId xmlns:a16="http://schemas.microsoft.com/office/drawing/2014/main" id="{10204833-DFF9-4B12-9806-58E3999DD6DE}"/>
-              </a:ext>
-            </a:extLst>
-          </p:cNvPr>
+          <p:cNvPr id="8" name="Footer Placeholder 7"/>
           <p:cNvSpPr>
             <a:spLocks noGrp="1"/>
           </p:cNvSpPr>
@@ -2499,13 +2283,7 @@
       </p:sp>
       <p:sp>
         <p:nvSpPr>
-          <p:cNvPr id="9" name="Slide Number Placeholder 8">
-            <a:extLst>
-              <a:ext uri="{FF2B5EF4-FFF2-40B4-BE49-F238E27FC236}">
-                <a16:creationId xmlns:a16="http://schemas.microsoft.com/office/drawing/2014/main" id="{FDAE46E2-B9B6-46CA-9E20-B52961FF4674}"/>
-              </a:ext>
-            </a:extLst>
-          </p:cNvPr>
+          <p:cNvPr id="9" name="Slide Number Placeholder 8"/>
           <p:cNvSpPr>
             <a:spLocks noGrp="1"/>
           </p:cNvSpPr>
@@ -2520,18 +2298,12 @@
           <a:p>
             <a:fld id="{7870A25B-082D-42BE-9910-664729240837}" type="slidenum">
               <a:rPr lang="en-IN" smtClean="0"/>
-              <a:t>‹#›</a:t>
             </a:fld>
             <a:endParaRPr lang="en-IN"/>
           </a:p>
         </p:txBody>
       </p:sp>
     </p:spTree>
-    <p:extLst>
-      <p:ext uri="{BB962C8B-B14F-4D97-AF65-F5344CB8AC3E}">
-        <p14:creationId xmlns:p14="http://schemas.microsoft.com/office/powerpoint/2010/main" val="1931267996"/>
-      </p:ext>
-    </p:extLst>
   </p:cSld>
   <p:clrMapOvr>
     <a:masterClrMapping/>
@@ -2558,13 +2330,7 @@
       </p:grpSpPr>
       <p:sp>
         <p:nvSpPr>
-          <p:cNvPr id="2" name="Title 1">
-            <a:extLst>
-              <a:ext uri="{FF2B5EF4-FFF2-40B4-BE49-F238E27FC236}">
-                <a16:creationId xmlns:a16="http://schemas.microsoft.com/office/drawing/2014/main" id="{E2F92428-6666-4317-AEE1-B4628F4F958D}"/>
-              </a:ext>
-            </a:extLst>
-          </p:cNvPr>
+          <p:cNvPr id="2" name="Title 1"/>
           <p:cNvSpPr>
             <a:spLocks noGrp="1"/>
           </p:cNvSpPr>
@@ -2587,13 +2353,7 @@
       </p:sp>
       <p:sp>
         <p:nvSpPr>
-          <p:cNvPr id="3" name="Date Placeholder 2">
-            <a:extLst>
-              <a:ext uri="{FF2B5EF4-FFF2-40B4-BE49-F238E27FC236}">
-                <a16:creationId xmlns:a16="http://schemas.microsoft.com/office/drawing/2014/main" id="{963E5219-E2B1-492F-8883-882689D7107E}"/>
-              </a:ext>
-            </a:extLst>
-          </p:cNvPr>
+          <p:cNvPr id="3" name="Date Placeholder 2"/>
           <p:cNvSpPr>
             <a:spLocks noGrp="1"/>
           </p:cNvSpPr>
@@ -2608,7 +2368,6 @@
           <a:p>
             <a:fld id="{D6B85FE0-7F70-4227-9383-D79D9CC9B8A6}" type="datetime1">
               <a:rPr lang="en-IN" smtClean="0"/>
-              <a:t>01-11-2020</a:t>
             </a:fld>
             <a:endParaRPr lang="en-IN"/>
           </a:p>
@@ -2616,13 +2375,7 @@
       </p:sp>
       <p:sp>
         <p:nvSpPr>
-          <p:cNvPr id="4" name="Footer Placeholder 3">
-            <a:extLst>
-              <a:ext uri="{FF2B5EF4-FFF2-40B4-BE49-F238E27FC236}">
-                <a16:creationId xmlns:a16="http://schemas.microsoft.com/office/drawing/2014/main" id="{73FB9093-37FA-44CD-ACD1-987D727F0296}"/>
-              </a:ext>
-            </a:extLst>
-          </p:cNvPr>
+          <p:cNvPr id="4" name="Footer Placeholder 3"/>
           <p:cNvSpPr>
             <a:spLocks noGrp="1"/>
           </p:cNvSpPr>
@@ -2641,13 +2394,7 @@
       </p:sp>
       <p:sp>
         <p:nvSpPr>
-          <p:cNvPr id="5" name="Slide Number Placeholder 4">
-            <a:extLst>
-              <a:ext uri="{FF2B5EF4-FFF2-40B4-BE49-F238E27FC236}">
-                <a16:creationId xmlns:a16="http://schemas.microsoft.com/office/drawing/2014/main" id="{A71228CE-2352-47DE-9039-068D34544C64}"/>
-              </a:ext>
-            </a:extLst>
-          </p:cNvPr>
+          <p:cNvPr id="5" name="Slide Number Placeholder 4"/>
           <p:cNvSpPr>
             <a:spLocks noGrp="1"/>
           </p:cNvSpPr>
@@ -2662,18 +2409,12 @@
           <a:p>
             <a:fld id="{7870A25B-082D-42BE-9910-664729240837}" type="slidenum">
               <a:rPr lang="en-IN" smtClean="0"/>
-              <a:t>‹#›</a:t>
             </a:fld>
             <a:endParaRPr lang="en-IN"/>
           </a:p>
         </p:txBody>
       </p:sp>
     </p:spTree>
-    <p:extLst>
-      <p:ext uri="{BB962C8B-B14F-4D97-AF65-F5344CB8AC3E}">
-        <p14:creationId xmlns:p14="http://schemas.microsoft.com/office/powerpoint/2010/main" val="1264367504"/>
-      </p:ext>
-    </p:extLst>
   </p:cSld>
   <p:clrMapOvr>
     <a:masterClrMapping/>
@@ -2700,13 +2441,7 @@
       </p:grpSpPr>
       <p:sp>
         <p:nvSpPr>
-          <p:cNvPr id="2" name="Date Placeholder 1">
-            <a:extLst>
-              <a:ext uri="{FF2B5EF4-FFF2-40B4-BE49-F238E27FC236}">
-                <a16:creationId xmlns:a16="http://schemas.microsoft.com/office/drawing/2014/main" id="{200015CB-E617-4FB5-BCCC-C6C0668E04B8}"/>
-              </a:ext>
-            </a:extLst>
-          </p:cNvPr>
+          <p:cNvPr id="2" name="Date Placeholder 1"/>
           <p:cNvSpPr>
             <a:spLocks noGrp="1"/>
           </p:cNvSpPr>
@@ -2721,7 +2456,6 @@
           <a:p>
             <a:fld id="{97E2ADDD-7AB3-4D2E-8A5D-D09F28B3BBAC}" type="datetime1">
               <a:rPr lang="en-IN" smtClean="0"/>
-              <a:t>01-11-2020</a:t>
             </a:fld>
             <a:endParaRPr lang="en-IN"/>
           </a:p>
@@ -2729,13 +2463,7 @@
       </p:sp>
       <p:sp>
         <p:nvSpPr>
-          <p:cNvPr id="3" name="Footer Placeholder 2">
-            <a:extLst>
-              <a:ext uri="{FF2B5EF4-FFF2-40B4-BE49-F238E27FC236}">
-                <a16:creationId xmlns:a16="http://schemas.microsoft.com/office/drawing/2014/main" id="{FA3C7D15-F946-4B98-B61F-D5435D3E1C0E}"/>
-              </a:ext>
-            </a:extLst>
-          </p:cNvPr>
+          <p:cNvPr id="3" name="Footer Placeholder 2"/>
           <p:cNvSpPr>
             <a:spLocks noGrp="1"/>
           </p:cNvSpPr>
@@ -2754,13 +2482,7 @@
       </p:sp>
       <p:sp>
         <p:nvSpPr>
-          <p:cNvPr id="4" name="Slide Number Placeholder 3">
-            <a:extLst>
-              <a:ext uri="{FF2B5EF4-FFF2-40B4-BE49-F238E27FC236}">
-                <a16:creationId xmlns:a16="http://schemas.microsoft.com/office/drawing/2014/main" id="{FFD907B5-CFAD-4220-AC70-90445B678B7D}"/>
-              </a:ext>
-            </a:extLst>
-          </p:cNvPr>
+          <p:cNvPr id="4" name="Slide Number Placeholder 3"/>
           <p:cNvSpPr>
             <a:spLocks noGrp="1"/>
           </p:cNvSpPr>
@@ -2775,18 +2497,12 @@
           <a:p>
             <a:fld id="{7870A25B-082D-42BE-9910-664729240837}" type="slidenum">
               <a:rPr lang="en-IN" smtClean="0"/>
-              <a:t>‹#›</a:t>
             </a:fld>
             <a:endParaRPr lang="en-IN"/>
           </a:p>
         </p:txBody>
       </p:sp>
     </p:spTree>
-    <p:extLst>
-      <p:ext uri="{BB962C8B-B14F-4D97-AF65-F5344CB8AC3E}">
-        <p14:creationId xmlns:p14="http://schemas.microsoft.com/office/powerpoint/2010/main" val="3853838533"/>
-      </p:ext>
-    </p:extLst>
   </p:cSld>
   <p:clrMapOvr>
     <a:masterClrMapping/>
@@ -2813,13 +2529,7 @@
       </p:grpSpPr>
       <p:sp>
         <p:nvSpPr>
-          <p:cNvPr id="2" name="Title 1">
-            <a:extLst>
-              <a:ext uri="{FF2B5EF4-FFF2-40B4-BE49-F238E27FC236}">
-                <a16:creationId xmlns:a16="http://schemas.microsoft.com/office/drawing/2014/main" id="{C7C767AD-0682-425F-8FCD-7AB7780D1B87}"/>
-              </a:ext>
-            </a:extLst>
-          </p:cNvPr>
+          <p:cNvPr id="2" name="Title 1"/>
           <p:cNvSpPr>
             <a:spLocks noGrp="1"/>
           </p:cNvSpPr>
@@ -2851,13 +2561,7 @@
       </p:sp>
       <p:sp>
         <p:nvSpPr>
-          <p:cNvPr id="3" name="Content Placeholder 2">
-            <a:extLst>
-              <a:ext uri="{FF2B5EF4-FFF2-40B4-BE49-F238E27FC236}">
-                <a16:creationId xmlns:a16="http://schemas.microsoft.com/office/drawing/2014/main" id="{EC5F0EB6-6A7C-4D45-8FDA-9E314DDF0B07}"/>
-              </a:ext>
-            </a:extLst>
-          </p:cNvPr>
+          <p:cNvPr id="3" name="Content Placeholder 2"/>
           <p:cNvSpPr>
             <a:spLocks noGrp="1"/>
           </p:cNvSpPr>
@@ -2908,6 +2612,7 @@
               <a:rPr lang="en-US"/>
               <a:t>Click to edit Master text styles</a:t>
             </a:r>
+            <a:endParaRPr lang="en-US"/>
           </a:p>
           <a:p>
             <a:pPr lvl="1"/>
@@ -2915,6 +2620,7 @@
               <a:rPr lang="en-US"/>
               <a:t>Second level</a:t>
             </a:r>
+            <a:endParaRPr lang="en-US"/>
           </a:p>
           <a:p>
             <a:pPr lvl="2"/>
@@ -2922,6 +2628,7 @@
               <a:rPr lang="en-US"/>
               <a:t>Third level</a:t>
             </a:r>
+            <a:endParaRPr lang="en-US"/>
           </a:p>
           <a:p>
             <a:pPr lvl="3"/>
@@ -2929,6 +2636,7 @@
               <a:rPr lang="en-US"/>
               <a:t>Fourth level</a:t>
             </a:r>
+            <a:endParaRPr lang="en-US"/>
           </a:p>
           <a:p>
             <a:pPr lvl="4"/>
@@ -2942,13 +2650,7 @@
       </p:sp>
       <p:sp>
         <p:nvSpPr>
-          <p:cNvPr id="4" name="Text Placeholder 3">
-            <a:extLst>
-              <a:ext uri="{FF2B5EF4-FFF2-40B4-BE49-F238E27FC236}">
-                <a16:creationId xmlns:a16="http://schemas.microsoft.com/office/drawing/2014/main" id="{205039AC-639D-4A44-BF18-F3E5D16B061F}"/>
-              </a:ext>
-            </a:extLst>
-          </p:cNvPr>
+          <p:cNvPr id="4" name="Text Placeholder 3"/>
           <p:cNvSpPr>
             <a:spLocks noGrp="1"/>
           </p:cNvSpPr>
@@ -3008,18 +2710,13 @@
               <a:rPr lang="en-US"/>
               <a:t>Click to edit Master text styles</a:t>
             </a:r>
-          </a:p>
-        </p:txBody>
-      </p:sp>
-      <p:sp>
-        <p:nvSpPr>
-          <p:cNvPr id="5" name="Date Placeholder 4">
-            <a:extLst>
-              <a:ext uri="{FF2B5EF4-FFF2-40B4-BE49-F238E27FC236}">
-                <a16:creationId xmlns:a16="http://schemas.microsoft.com/office/drawing/2014/main" id="{B42D36A5-D29E-48C2-ACF2-20AAEF4CD0FE}"/>
-              </a:ext>
-            </a:extLst>
-          </p:cNvPr>
+            <a:endParaRPr lang="en-US"/>
+          </a:p>
+        </p:txBody>
+      </p:sp>
+      <p:sp>
+        <p:nvSpPr>
+          <p:cNvPr id="5" name="Date Placeholder 4"/>
           <p:cNvSpPr>
             <a:spLocks noGrp="1"/>
           </p:cNvSpPr>
@@ -3034,7 +2731,6 @@
           <a:p>
             <a:fld id="{2BB946DA-1D84-4D90-ABF4-873BC1641129}" type="datetime1">
               <a:rPr lang="en-IN" smtClean="0"/>
-              <a:t>01-11-2020</a:t>
             </a:fld>
             <a:endParaRPr lang="en-IN"/>
           </a:p>
@@ -3042,13 +2738,7 @@
       </p:sp>
       <p:sp>
         <p:nvSpPr>
-          <p:cNvPr id="6" name="Footer Placeholder 5">
-            <a:extLst>
-              <a:ext uri="{FF2B5EF4-FFF2-40B4-BE49-F238E27FC236}">
-                <a16:creationId xmlns:a16="http://schemas.microsoft.com/office/drawing/2014/main" id="{B7B879A2-175D-4DC6-82B1-FFECCD86FCB0}"/>
-              </a:ext>
-            </a:extLst>
-          </p:cNvPr>
+          <p:cNvPr id="6" name="Footer Placeholder 5"/>
           <p:cNvSpPr>
             <a:spLocks noGrp="1"/>
           </p:cNvSpPr>
@@ -3067,13 +2757,7 @@
       </p:sp>
       <p:sp>
         <p:nvSpPr>
-          <p:cNvPr id="7" name="Slide Number Placeholder 6">
-            <a:extLst>
-              <a:ext uri="{FF2B5EF4-FFF2-40B4-BE49-F238E27FC236}">
-                <a16:creationId xmlns:a16="http://schemas.microsoft.com/office/drawing/2014/main" id="{C713C035-FDB0-4865-B953-F5D8EA1E3CF6}"/>
-              </a:ext>
-            </a:extLst>
-          </p:cNvPr>
+          <p:cNvPr id="7" name="Slide Number Placeholder 6"/>
           <p:cNvSpPr>
             <a:spLocks noGrp="1"/>
           </p:cNvSpPr>
@@ -3088,18 +2772,12 @@
           <a:p>
             <a:fld id="{7870A25B-082D-42BE-9910-664729240837}" type="slidenum">
               <a:rPr lang="en-IN" smtClean="0"/>
-              <a:t>‹#›</a:t>
             </a:fld>
             <a:endParaRPr lang="en-IN"/>
           </a:p>
         </p:txBody>
       </p:sp>
     </p:spTree>
-    <p:extLst>
-      <p:ext uri="{BB962C8B-B14F-4D97-AF65-F5344CB8AC3E}">
-        <p14:creationId xmlns:p14="http://schemas.microsoft.com/office/powerpoint/2010/main" val="347269988"/>
-      </p:ext>
-    </p:extLst>
   </p:cSld>
   <p:clrMapOvr>
     <a:masterClrMapping/>
@@ -3126,13 +2804,7 @@
       </p:grpSpPr>
       <p:sp>
         <p:nvSpPr>
-          <p:cNvPr id="2" name="Title 1">
-            <a:extLst>
-              <a:ext uri="{FF2B5EF4-FFF2-40B4-BE49-F238E27FC236}">
-                <a16:creationId xmlns:a16="http://schemas.microsoft.com/office/drawing/2014/main" id="{2D2F4492-C3B4-4790-9E00-3863604F4338}"/>
-              </a:ext>
-            </a:extLst>
-          </p:cNvPr>
+          <p:cNvPr id="2" name="Title 1"/>
           <p:cNvSpPr>
             <a:spLocks noGrp="1"/>
           </p:cNvSpPr>
@@ -3164,13 +2836,7 @@
       </p:sp>
       <p:sp>
         <p:nvSpPr>
-          <p:cNvPr id="3" name="Picture Placeholder 2">
-            <a:extLst>
-              <a:ext uri="{FF2B5EF4-FFF2-40B4-BE49-F238E27FC236}">
-                <a16:creationId xmlns:a16="http://schemas.microsoft.com/office/drawing/2014/main" id="{CD51DB28-0298-4D7B-9BA8-A00716561747}"/>
-              </a:ext>
-            </a:extLst>
-          </p:cNvPr>
+          <p:cNvPr id="3" name="Picture Placeholder 2"/>
           <p:cNvSpPr>
             <a:spLocks noGrp="1"/>
           </p:cNvSpPr>
@@ -3231,13 +2897,7 @@
       </p:sp>
       <p:sp>
         <p:nvSpPr>
-          <p:cNvPr id="4" name="Text Placeholder 3">
-            <a:extLst>
-              <a:ext uri="{FF2B5EF4-FFF2-40B4-BE49-F238E27FC236}">
-                <a16:creationId xmlns:a16="http://schemas.microsoft.com/office/drawing/2014/main" id="{D776B612-57E4-4BE2-9A37-F2D0FB1C345E}"/>
-              </a:ext>
-            </a:extLst>
-          </p:cNvPr>
+          <p:cNvPr id="4" name="Text Placeholder 3"/>
           <p:cNvSpPr>
             <a:spLocks noGrp="1"/>
           </p:cNvSpPr>
@@ -3297,18 +2957,13 @@
               <a:rPr lang="en-US"/>
               <a:t>Click to edit Master text styles</a:t>
             </a:r>
-          </a:p>
-        </p:txBody>
-      </p:sp>
-      <p:sp>
-        <p:nvSpPr>
-          <p:cNvPr id="5" name="Date Placeholder 4">
-            <a:extLst>
-              <a:ext uri="{FF2B5EF4-FFF2-40B4-BE49-F238E27FC236}">
-                <a16:creationId xmlns:a16="http://schemas.microsoft.com/office/drawing/2014/main" id="{1C596891-4521-49EA-AF68-7B1595309160}"/>
-              </a:ext>
-            </a:extLst>
-          </p:cNvPr>
+            <a:endParaRPr lang="en-US"/>
+          </a:p>
+        </p:txBody>
+      </p:sp>
+      <p:sp>
+        <p:nvSpPr>
+          <p:cNvPr id="5" name="Date Placeholder 4"/>
           <p:cNvSpPr>
             <a:spLocks noGrp="1"/>
           </p:cNvSpPr>
@@ -3323,7 +2978,6 @@
           <a:p>
             <a:fld id="{423DD3FA-DE5D-41C6-BF74-15AF0A41901A}" type="datetime1">
               <a:rPr lang="en-IN" smtClean="0"/>
-              <a:t>01-11-2020</a:t>
             </a:fld>
             <a:endParaRPr lang="en-IN"/>
           </a:p>
@@ -3331,13 +2985,7 @@
       </p:sp>
       <p:sp>
         <p:nvSpPr>
-          <p:cNvPr id="6" name="Footer Placeholder 5">
-            <a:extLst>
-              <a:ext uri="{FF2B5EF4-FFF2-40B4-BE49-F238E27FC236}">
-                <a16:creationId xmlns:a16="http://schemas.microsoft.com/office/drawing/2014/main" id="{7A09AEF1-BC95-40A9-87CE-244697F0FE40}"/>
-              </a:ext>
-            </a:extLst>
-          </p:cNvPr>
+          <p:cNvPr id="6" name="Footer Placeholder 5"/>
           <p:cNvSpPr>
             <a:spLocks noGrp="1"/>
           </p:cNvSpPr>
@@ -3356,13 +3004,7 @@
       </p:sp>
       <p:sp>
         <p:nvSpPr>
-          <p:cNvPr id="7" name="Slide Number Placeholder 6">
-            <a:extLst>
-              <a:ext uri="{FF2B5EF4-FFF2-40B4-BE49-F238E27FC236}">
-                <a16:creationId xmlns:a16="http://schemas.microsoft.com/office/drawing/2014/main" id="{0DF6DDBC-B171-45D5-B9EC-BBDD51AEBA2D}"/>
-              </a:ext>
-            </a:extLst>
-          </p:cNvPr>
+          <p:cNvPr id="7" name="Slide Number Placeholder 6"/>
           <p:cNvSpPr>
             <a:spLocks noGrp="1"/>
           </p:cNvSpPr>
@@ -3377,18 +3019,12 @@
           <a:p>
             <a:fld id="{7870A25B-082D-42BE-9910-664729240837}" type="slidenum">
               <a:rPr lang="en-IN" smtClean="0"/>
-              <a:t>‹#›</a:t>
             </a:fld>
             <a:endParaRPr lang="en-IN"/>
           </a:p>
         </p:txBody>
       </p:sp>
     </p:spTree>
-    <p:extLst>
-      <p:ext uri="{BB962C8B-B14F-4D97-AF65-F5344CB8AC3E}">
-        <p14:creationId xmlns:p14="http://schemas.microsoft.com/office/powerpoint/2010/main" val="884759616"/>
-      </p:ext>
-    </p:extLst>
   </p:cSld>
   <p:clrMapOvr>
     <a:masterClrMapping/>
@@ -3420,13 +3056,7 @@
       </p:grpSpPr>
       <p:sp>
         <p:nvSpPr>
-          <p:cNvPr id="2" name="Title Placeholder 1">
-            <a:extLst>
-              <a:ext uri="{FF2B5EF4-FFF2-40B4-BE49-F238E27FC236}">
-                <a16:creationId xmlns:a16="http://schemas.microsoft.com/office/drawing/2014/main" id="{29DB3935-4F50-4916-BD43-3E2B2E861C70}"/>
-              </a:ext>
-            </a:extLst>
-          </p:cNvPr>
+          <p:cNvPr id="2" name="Title Placeholder 1"/>
           <p:cNvSpPr>
             <a:spLocks noGrp="1"/>
           </p:cNvSpPr>
@@ -3459,13 +3089,7 @@
       </p:sp>
       <p:sp>
         <p:nvSpPr>
-          <p:cNvPr id="3" name="Text Placeholder 2">
-            <a:extLst>
-              <a:ext uri="{FF2B5EF4-FFF2-40B4-BE49-F238E27FC236}">
-                <a16:creationId xmlns:a16="http://schemas.microsoft.com/office/drawing/2014/main" id="{7A38CF44-AB7D-4AE8-977C-11E8F4511E4B}"/>
-              </a:ext>
-            </a:extLst>
-          </p:cNvPr>
+          <p:cNvPr id="3" name="Text Placeholder 2"/>
           <p:cNvSpPr>
             <a:spLocks noGrp="1"/>
           </p:cNvSpPr>
@@ -3493,6 +3117,7 @@
               <a:rPr lang="en-US"/>
               <a:t>Click to edit Master text styles</a:t>
             </a:r>
+            <a:endParaRPr lang="en-US"/>
           </a:p>
           <a:p>
             <a:pPr lvl="1"/>
@@ -3500,6 +3125,7 @@
               <a:rPr lang="en-US"/>
               <a:t>Second level</a:t>
             </a:r>
+            <a:endParaRPr lang="en-US"/>
           </a:p>
           <a:p>
             <a:pPr lvl="2"/>
@@ -3507,6 +3133,7 @@
               <a:rPr lang="en-US"/>
               <a:t>Third level</a:t>
             </a:r>
+            <a:endParaRPr lang="en-US"/>
           </a:p>
           <a:p>
             <a:pPr lvl="3"/>
@@ -3514,6 +3141,7 @@
               <a:rPr lang="en-US"/>
               <a:t>Fourth level</a:t>
             </a:r>
+            <a:endParaRPr lang="en-US"/>
           </a:p>
           <a:p>
             <a:pPr lvl="4"/>
@@ -3527,13 +3155,7 @@
       </p:sp>
       <p:sp>
         <p:nvSpPr>
-          <p:cNvPr id="4" name="Date Placeholder 3">
-            <a:extLst>
-              <a:ext uri="{FF2B5EF4-FFF2-40B4-BE49-F238E27FC236}">
-                <a16:creationId xmlns:a16="http://schemas.microsoft.com/office/drawing/2014/main" id="{326F6C29-98A5-495E-B47E-989BB9512BD6}"/>
-              </a:ext>
-            </a:extLst>
-          </p:cNvPr>
+          <p:cNvPr id="4" name="Date Placeholder 3"/>
           <p:cNvSpPr>
             <a:spLocks noGrp="1"/>
           </p:cNvSpPr>
@@ -3566,7 +3188,6 @@
           <a:p>
             <a:fld id="{709BFFCA-D871-48FC-B125-9B7E672F2620}" type="datetime1">
               <a:rPr lang="en-IN" smtClean="0"/>
-              <a:t>01-11-2020</a:t>
             </a:fld>
             <a:endParaRPr lang="en-IN"/>
           </a:p>
@@ -3574,13 +3195,7 @@
       </p:sp>
       <p:sp>
         <p:nvSpPr>
-          <p:cNvPr id="5" name="Footer Placeholder 4">
-            <a:extLst>
-              <a:ext uri="{FF2B5EF4-FFF2-40B4-BE49-F238E27FC236}">
-                <a16:creationId xmlns:a16="http://schemas.microsoft.com/office/drawing/2014/main" id="{4126EB3F-9A61-47E2-94F2-DAD651F1AFBC}"/>
-              </a:ext>
-            </a:extLst>
-          </p:cNvPr>
+          <p:cNvPr id="5" name="Footer Placeholder 4"/>
           <p:cNvSpPr>
             <a:spLocks noGrp="1"/>
           </p:cNvSpPr>
@@ -3617,13 +3232,7 @@
       </p:sp>
       <p:sp>
         <p:nvSpPr>
-          <p:cNvPr id="6" name="Slide Number Placeholder 5">
-            <a:extLst>
-              <a:ext uri="{FF2B5EF4-FFF2-40B4-BE49-F238E27FC236}">
-                <a16:creationId xmlns:a16="http://schemas.microsoft.com/office/drawing/2014/main" id="{5C4AE318-21A4-46C8-89C6-B7605C9D8139}"/>
-              </a:ext>
-            </a:extLst>
-          </p:cNvPr>
+          <p:cNvPr id="6" name="Slide Number Placeholder 5"/>
           <p:cNvSpPr>
             <a:spLocks noGrp="1"/>
           </p:cNvSpPr>
@@ -3656,18 +3265,12 @@
           <a:p>
             <a:fld id="{7870A25B-082D-42BE-9910-664729240837}" type="slidenum">
               <a:rPr lang="en-IN" smtClean="0"/>
-              <a:t>‹#›</a:t>
             </a:fld>
             <a:endParaRPr lang="en-IN"/>
           </a:p>
         </p:txBody>
       </p:sp>
     </p:spTree>
-    <p:extLst>
-      <p:ext uri="{BB962C8B-B14F-4D97-AF65-F5344CB8AC3E}">
-        <p14:creationId xmlns:p14="http://schemas.microsoft.com/office/powerpoint/2010/main" val="3330325046"/>
-      </p:ext>
-    </p:extLst>
   </p:cSld>
   <p:clrMap bg1="lt1" tx1="dk1" bg2="lt2" tx2="dk2" accent1="accent1" accent2="accent2" accent3="accent3" accent4="accent4" accent5="accent5" accent6="accent6" hlink="hlink" folHlink="folHlink"/>
   <p:sldLayoutIdLst>
@@ -3986,13 +3589,7 @@
       </p:grpSpPr>
       <p:sp>
         <p:nvSpPr>
-          <p:cNvPr id="3" name="Subtitle 2">
-            <a:extLst>
-              <a:ext uri="{FF2B5EF4-FFF2-40B4-BE49-F238E27FC236}">
-                <a16:creationId xmlns:a16="http://schemas.microsoft.com/office/drawing/2014/main" id="{5019E3F9-8116-41F3-BE94-C452F24E6AA3}"/>
-              </a:ext>
-            </a:extLst>
-          </p:cNvPr>
+          <p:cNvPr id="3" name="Subtitle 2"/>
           <p:cNvSpPr>
             <a:spLocks noGrp="1"/>
           </p:cNvSpPr>
@@ -4018,24 +3615,20 @@
               <a:rPr lang="en-US" sz="2800" dirty="0"/>
               <a:t> </a:t>
             </a:r>
+            <a:endParaRPr lang="en-US" sz="2800" dirty="0"/>
           </a:p>
           <a:p>
             <a:r>
               <a:rPr lang="en-IN" sz="2000" i="1" dirty="0"/>
               <a:t>       Raul Gomez , Jaume Gibert , Lluis Gomez , Dimosthenis Karatzas, WACV 2020</a:t>
             </a:r>
-          </a:p>
-        </p:txBody>
-      </p:sp>
-      <p:sp>
-        <p:nvSpPr>
-          <p:cNvPr id="4" name="TextBox 3">
-            <a:extLst>
-              <a:ext uri="{FF2B5EF4-FFF2-40B4-BE49-F238E27FC236}">
-                <a16:creationId xmlns:a16="http://schemas.microsoft.com/office/drawing/2014/main" id="{B9BDCC31-4700-4779-8DFE-A98F563408E7}"/>
-              </a:ext>
-            </a:extLst>
-          </p:cNvPr>
+            <a:endParaRPr lang="en-IN" sz="2000" i="1" dirty="0"/>
+          </a:p>
+        </p:txBody>
+      </p:sp>
+      <p:sp>
+        <p:nvSpPr>
+          <p:cNvPr id="4" name="TextBox 3"/>
           <p:cNvSpPr txBox="1"/>
           <p:nvPr/>
         </p:nvSpPr>
@@ -4067,6 +3660,7 @@
               <a:rPr lang="en-IN" dirty="0"/>
               <a:t>: Problem of Hate Speech detection in multimodal publications</a:t>
             </a:r>
+            <a:endParaRPr lang="en-IN" dirty="0"/>
           </a:p>
           <a:p>
             <a:endParaRPr lang="en-IN" dirty="0"/>
@@ -4088,6 +3682,7 @@
               <a:rPr lang="en-IN" b="1" dirty="0"/>
               <a:t>Why.</a:t>
             </a:r>
+            <a:endParaRPr lang="en-IN" b="1" dirty="0"/>
           </a:p>
           <a:p>
             <a:endParaRPr lang="en-IN" dirty="0"/>
@@ -4101,6 +3696,7 @@
               <a:rPr lang="en-IN" dirty="0"/>
               <a:t>MMHS150K –</a:t>
             </a:r>
+            <a:endParaRPr lang="en-IN" dirty="0"/>
           </a:p>
           <a:p>
             <a:pPr marL="742950" lvl="1" indent="-285750">
@@ -4111,6 +3707,7 @@
               <a:rPr lang="en-IN" dirty="0"/>
               <a:t>Gathered   : Twitter API</a:t>
             </a:r>
+            <a:endParaRPr lang="en-IN" dirty="0"/>
           </a:p>
           <a:p>
             <a:pPr marL="742950" lvl="1" indent="-285750">
@@ -4121,6 +3718,7 @@
               <a:rPr lang="en-IN" dirty="0"/>
               <a:t>Annotated : Amazon Mechanical Turk.</a:t>
             </a:r>
+            <a:endParaRPr lang="en-IN" dirty="0"/>
           </a:p>
           <a:p>
             <a:pPr lvl="1"/>
@@ -4130,13 +3728,7 @@
       </p:sp>
       <p:sp>
         <p:nvSpPr>
-          <p:cNvPr id="5" name="Slide Number Placeholder 4">
-            <a:extLst>
-              <a:ext uri="{FF2B5EF4-FFF2-40B4-BE49-F238E27FC236}">
-                <a16:creationId xmlns:a16="http://schemas.microsoft.com/office/drawing/2014/main" id="{5211EE00-D422-41A6-BE07-4CC1F0023C99}"/>
-              </a:ext>
-            </a:extLst>
-          </p:cNvPr>
+          <p:cNvPr id="5" name="Slide Number Placeholder 4"/>
           <p:cNvSpPr>
             <a:spLocks noGrp="1"/>
           </p:cNvSpPr>
@@ -4151,18 +3743,155 @@
           <a:p>
             <a:fld id="{7870A25B-082D-42BE-9910-664729240837}" type="slidenum">
               <a:rPr lang="en-IN" sz="1600" smtClean="0"/>
-              <a:t>1</a:t>
             </a:fld>
             <a:endParaRPr lang="en-IN" sz="1600" dirty="0"/>
           </a:p>
         </p:txBody>
       </p:sp>
     </p:spTree>
-    <p:extLst>
-      <p:ext uri="{BB962C8B-B14F-4D97-AF65-F5344CB8AC3E}">
-        <p14:creationId xmlns:p14="http://schemas.microsoft.com/office/powerpoint/2010/main" val="2751932647"/>
-      </p:ext>
-    </p:extLst>
+  </p:cSld>
+  <p:clrMapOvr>
+    <a:masterClrMapping/>
+  </p:clrMapOvr>
+</p:sld>
+</file>
+
+<file path=ppt/slides/slide10.xml><?xml version="1.0" encoding="utf-8"?>
+<p:sld xmlns:a="http://schemas.openxmlformats.org/drawingml/2006/main" xmlns:r="http://schemas.openxmlformats.org/officeDocument/2006/relationships" xmlns:p="http://schemas.openxmlformats.org/presentationml/2006/main">
+  <p:cSld>
+    <p:spTree>
+      <p:nvGrpSpPr>
+        <p:cNvPr id="1" name=""/>
+        <p:cNvGrpSpPr/>
+        <p:nvPr/>
+      </p:nvGrpSpPr>
+      <p:grpSpPr/>
+      <p:sp>
+        <p:nvSpPr>
+          <p:cNvPr id="2" name="Title 1"/>
+          <p:cNvSpPr>
+            <a:spLocks noGrp="1"/>
+          </p:cNvSpPr>
+          <p:nvPr>
+            <p:ph type="title"/>
+          </p:nvPr>
+        </p:nvSpPr>
+        <p:spPr/>
+        <p:txBody>
+          <a:bodyPr>
+            <a:normAutofit fontScale="90000"/>
+          </a:bodyPr>
+          <a:p>
+            <a:br>
+              <a:rPr lang="en-US" b="1">
+                <a:latin typeface="Agency FB" panose="020B0503020202020204" charset="0"/>
+                <a:cs typeface="Agency FB" panose="020B0503020202020204" charset="0"/>
+                <a:sym typeface="+mn-ea"/>
+              </a:rPr>
+            </a:br>
+            <a:r>
+              <a:rPr lang="en-US" b="1">
+                <a:latin typeface="Agency FB" panose="020B0503020202020204" charset="0"/>
+                <a:cs typeface="Agency FB" panose="020B0503020202020204" charset="0"/>
+                <a:sym typeface="+mn-ea"/>
+              </a:rPr>
+              <a:t>Multimodal Approach</a:t>
+            </a:r>
+            <a:br>
+              <a:rPr lang="en-US" b="1">
+                <a:latin typeface="Agency FB" panose="020B0503020202020204" charset="0"/>
+                <a:cs typeface="Agency FB" panose="020B0503020202020204" charset="0"/>
+              </a:rPr>
+            </a:br>
+            <a:endParaRPr lang="en-US"/>
+          </a:p>
+        </p:txBody>
+      </p:sp>
+      <p:sp>
+        <p:nvSpPr>
+          <p:cNvPr id="3" name="Content Placeholder 2"/>
+          <p:cNvSpPr>
+            <a:spLocks noGrp="1"/>
+          </p:cNvSpPr>
+          <p:nvPr>
+            <p:ph sz="half" idx="1"/>
+          </p:nvPr>
+        </p:nvSpPr>
+        <p:spPr/>
+        <p:txBody>
+          <a:bodyPr/>
+          <a:p>
+            <a:r>
+              <a:rPr lang="en-IN" altLang="en-US" sz="2800">
+                <a:sym typeface="+mn-ea"/>
+              </a:rPr>
+              <a:t>Early fusion :</a:t>
+            </a:r>
+            <a:endParaRPr lang="en-IN" altLang="en-US" sz="2800"/>
+          </a:p>
+          <a:p>
+            <a:pPr lvl="1"/>
+            <a:r>
+              <a:rPr lang="en-IN" altLang="en-US" sz="2000">
+                <a:sym typeface="+mn-ea"/>
+              </a:rPr>
+              <a:t>outputs of unimodal features extracted fro different data streams are integrated into single large vector </a:t>
+            </a:r>
+            <a:endParaRPr lang="en-IN" altLang="en-US" sz="2000"/>
+          </a:p>
+          <a:p>
+            <a:endParaRPr lang="en-IN" altLang="en-US" sz="2000"/>
+          </a:p>
+        </p:txBody>
+      </p:sp>
+      <p:sp>
+        <p:nvSpPr>
+          <p:cNvPr id="5" name="Slide Number Placeholder 4"/>
+          <p:cNvSpPr>
+            <a:spLocks noGrp="1"/>
+          </p:cNvSpPr>
+          <p:nvPr>
+            <p:ph type="sldNum" sz="quarter" idx="12"/>
+          </p:nvPr>
+        </p:nvSpPr>
+        <p:spPr/>
+        <p:txBody>
+          <a:bodyPr/>
+          <a:p>
+            <a:fld id="{7870A25B-082D-42BE-9910-664729240837}" type="slidenum">
+              <a:rPr lang="en-IN" smtClean="0"/>
+            </a:fld>
+            <a:endParaRPr lang="en-IN"/>
+          </a:p>
+        </p:txBody>
+      </p:sp>
+      <p:pic>
+        <p:nvPicPr>
+          <p:cNvPr id="6" name="Content Placeholder 4" descr="Screenshot (54)"/>
+          <p:cNvPicPr>
+            <a:picLocks noChangeAspect="1"/>
+          </p:cNvPicPr>
+          <p:nvPr>
+            <p:ph sz="half" idx="2"/>
+          </p:nvPr>
+        </p:nvPicPr>
+        <p:blipFill>
+          <a:blip r:embed="rId1"/>
+          <a:stretch>
+            <a:fillRect/>
+          </a:stretch>
+        </p:blipFill>
+        <p:spPr>
+          <a:xfrm>
+            <a:off x="6172200" y="2509520"/>
+            <a:ext cx="5181600" cy="2982595"/>
+          </a:xfrm>
+          <a:prstGeom prst="rect">
+            <a:avLst/>
+          </a:prstGeom>
+        </p:spPr>
+      </p:pic>
+    </p:spTree>
   </p:cSld>
   <p:clrMapOvr>
     <a:masterClrMapping/>
@@ -4189,13 +3918,7 @@
       </p:grpSpPr>
       <p:sp>
         <p:nvSpPr>
-          <p:cNvPr id="3" name="Content Placeholder 2">
-            <a:extLst>
-              <a:ext uri="{FF2B5EF4-FFF2-40B4-BE49-F238E27FC236}">
-                <a16:creationId xmlns:a16="http://schemas.microsoft.com/office/drawing/2014/main" id="{91894EBA-A714-41D5-A2C4-96425AC40FCC}"/>
-              </a:ext>
-            </a:extLst>
-          </p:cNvPr>
+          <p:cNvPr id="3" name="Content Placeholder 2"/>
           <p:cNvSpPr>
             <a:spLocks noGrp="1"/>
           </p:cNvSpPr>
@@ -4224,6 +3947,7 @@
               <a:rPr lang="en-IN" dirty="0"/>
               <a:t>:</a:t>
             </a:r>
+            <a:endParaRPr lang="en-IN" dirty="0"/>
           </a:p>
           <a:p>
             <a:pPr marL="0" indent="0" algn="ctr">
@@ -4237,6 +3961,7 @@
               <a:rPr lang="en-US" sz="1800" dirty="0"/>
               <a:t>Not hate tweets -  112, 845                     </a:t>
             </a:r>
+            <a:endParaRPr lang="en-US" sz="1800" dirty="0"/>
           </a:p>
           <a:p>
             <a:pPr marL="457200" lvl="1" indent="0">
@@ -4250,6 +3975,7 @@
               <a:rPr lang="en-US" sz="1800" dirty="0"/>
               <a:t>Hate tweets - 36, 978 </a:t>
             </a:r>
+            <a:endParaRPr lang="en-US" sz="1800" dirty="0"/>
           </a:p>
           <a:p>
             <a:pPr lvl="1"/>
@@ -4269,6 +3995,7 @@
               <a:rPr lang="en-US" sz="1600" dirty="0"/>
               <a:t> Racist                         : 11, 925</a:t>
             </a:r>
+            <a:endParaRPr lang="en-US" sz="1600" dirty="0"/>
           </a:p>
           <a:p>
             <a:pPr lvl="2"/>
@@ -4276,6 +4003,7 @@
               <a:rPr lang="en-US" sz="1600" dirty="0"/>
               <a:t> Sexist                         : 3, 495</a:t>
             </a:r>
+            <a:endParaRPr lang="en-US" sz="1600" dirty="0"/>
           </a:p>
           <a:p>
             <a:pPr lvl="2"/>
@@ -4283,6 +4011,7 @@
               <a:rPr lang="en-US" sz="1600" dirty="0"/>
               <a:t>Homophobic             : 3, 870 </a:t>
             </a:r>
+            <a:endParaRPr lang="en-US" sz="1600" dirty="0"/>
           </a:p>
           <a:p>
             <a:pPr lvl="2"/>
@@ -4290,6 +4019,7 @@
               <a:rPr lang="en-US" sz="1600" dirty="0"/>
               <a:t>Religion-based hate : 163 </a:t>
             </a:r>
+            <a:endParaRPr lang="en-US" sz="1600" dirty="0"/>
           </a:p>
           <a:p>
             <a:pPr lvl="2"/>
@@ -4303,13 +4033,7 @@
       </p:sp>
       <p:sp>
         <p:nvSpPr>
-          <p:cNvPr id="4" name="Slide Number Placeholder 3">
-            <a:extLst>
-              <a:ext uri="{FF2B5EF4-FFF2-40B4-BE49-F238E27FC236}">
-                <a16:creationId xmlns:a16="http://schemas.microsoft.com/office/drawing/2014/main" id="{C8B44919-E0D6-4229-8418-DEA6E2DF3764}"/>
-              </a:ext>
-            </a:extLst>
-          </p:cNvPr>
+          <p:cNvPr id="4" name="Slide Number Placeholder 3"/>
           <p:cNvSpPr>
             <a:spLocks noGrp="1"/>
           </p:cNvSpPr>
@@ -4324,7 +4048,6 @@
           <a:p>
             <a:fld id="{7870A25B-082D-42BE-9910-664729240837}" type="slidenum">
               <a:rPr lang="en-IN" sz="1600" smtClean="0"/>
-              <a:t>2</a:t>
             </a:fld>
             <a:endParaRPr lang="en-IN" sz="1600" dirty="0"/>
           </a:p>
@@ -4332,20 +4055,14 @@
       </p:sp>
       <p:pic>
         <p:nvPicPr>
-          <p:cNvPr id="5" name="Picture 4">
-            <a:extLst>
-              <a:ext uri="{FF2B5EF4-FFF2-40B4-BE49-F238E27FC236}">
-                <a16:creationId xmlns:a16="http://schemas.microsoft.com/office/drawing/2014/main" id="{A692CCF8-0CCC-4154-8A4E-9CFF5EE0D9C3}"/>
-              </a:ext>
-            </a:extLst>
-          </p:cNvPr>
+          <p:cNvPr id="5" name="Picture 4"/>
           <p:cNvPicPr>
             <a:picLocks noChangeAspect="1"/>
           </p:cNvPicPr>
           <p:nvPr/>
         </p:nvPicPr>
         <p:blipFill rotWithShape="1">
-          <a:blip r:embed="rId2">
+          <a:blip r:embed="rId1">
             <a:extLst>
               <a:ext uri="{28A0092B-C50C-407E-A947-70E740481C1C}">
                 <a14:useLocalDpi xmlns:a14="http://schemas.microsoft.com/office/drawing/2010/main" val="0"/>
@@ -4353,7 +4070,9 @@
             </a:extLst>
           </a:blip>
           <a:srcRect l="29936" t="24046" r="29375" b="22393"/>
-          <a:stretch/>
+          <a:stretch>
+            <a:fillRect/>
+          </a:stretch>
         </p:blipFill>
         <p:spPr>
           <a:xfrm>
@@ -4366,11 +4085,6 @@
         </p:spPr>
       </p:pic>
     </p:spTree>
-    <p:extLst>
-      <p:ext uri="{BB962C8B-B14F-4D97-AF65-F5344CB8AC3E}">
-        <p14:creationId xmlns:p14="http://schemas.microsoft.com/office/powerpoint/2010/main" val="2559964039"/>
-      </p:ext>
-    </p:extLst>
   </p:cSld>
   <p:clrMapOvr>
     <a:masterClrMapping/>
@@ -4397,13 +4111,7 @@
       </p:grpSpPr>
       <p:sp>
         <p:nvSpPr>
-          <p:cNvPr id="2" name="Title 1">
-            <a:extLst>
-              <a:ext uri="{FF2B5EF4-FFF2-40B4-BE49-F238E27FC236}">
-                <a16:creationId xmlns:a16="http://schemas.microsoft.com/office/drawing/2014/main" id="{E9670904-1082-43BE-BDFE-501984C93B24}"/>
-              </a:ext>
-            </a:extLst>
-          </p:cNvPr>
+          <p:cNvPr id="2" name="Title 1"/>
           <p:cNvSpPr>
             <a:spLocks noGrp="1"/>
           </p:cNvSpPr>
@@ -4423,18 +4131,13 @@
               <a:rPr lang="en-IN" sz="2800" b="1" dirty="0"/>
               <a:t>Methodology</a:t>
             </a:r>
-          </a:p>
-        </p:txBody>
-      </p:sp>
-      <p:sp>
-        <p:nvSpPr>
-          <p:cNvPr id="3" name="Content Placeholder 2">
-            <a:extLst>
-              <a:ext uri="{FF2B5EF4-FFF2-40B4-BE49-F238E27FC236}">
-                <a16:creationId xmlns:a16="http://schemas.microsoft.com/office/drawing/2014/main" id="{8EFCD99C-94F3-4B89-9945-E1F801878F13}"/>
-              </a:ext>
-            </a:extLst>
-          </p:cNvPr>
+            <a:endParaRPr lang="en-IN" sz="2800" b="1" dirty="0"/>
+          </a:p>
+        </p:txBody>
+      </p:sp>
+      <p:sp>
+        <p:nvSpPr>
+          <p:cNvPr id="3" name="Content Placeholder 2"/>
           <p:cNvSpPr>
             <a:spLocks noGrp="1"/>
           </p:cNvSpPr>
@@ -4460,6 +4163,7 @@
               <a:rPr lang="en-IN" dirty="0"/>
               <a:t>: </a:t>
             </a:r>
+            <a:endParaRPr lang="en-IN" dirty="0"/>
           </a:p>
           <a:p>
             <a:pPr marL="0" indent="0">
@@ -4473,6 +4177,7 @@
               <a:rPr lang="en-IN" sz="2000" dirty="0"/>
               <a:t>Image Feature Extractor  - Pretrained Google Inception v3 architecture (Modifying its layers weights)</a:t>
             </a:r>
+            <a:endParaRPr lang="en-IN" sz="2000" dirty="0"/>
           </a:p>
           <a:p>
             <a:pPr lvl="1"/>
@@ -4492,6 +4197,7 @@
               <a:rPr lang="en-IN" sz="2000" dirty="0"/>
               <a:t>Image text – OCR to extract the text and LSTM </a:t>
             </a:r>
+            <a:endParaRPr lang="en-IN" sz="2000" dirty="0"/>
           </a:p>
           <a:p>
             <a:pPr marL="0" indent="0">
@@ -4503,13 +4209,7 @@
       </p:sp>
       <p:sp>
         <p:nvSpPr>
-          <p:cNvPr id="4" name="Slide Number Placeholder 3">
-            <a:extLst>
-              <a:ext uri="{FF2B5EF4-FFF2-40B4-BE49-F238E27FC236}">
-                <a16:creationId xmlns:a16="http://schemas.microsoft.com/office/drawing/2014/main" id="{77E42FB4-091D-4ECD-848B-ED02667A5295}"/>
-              </a:ext>
-            </a:extLst>
-          </p:cNvPr>
+          <p:cNvPr id="4" name="Slide Number Placeholder 3"/>
           <p:cNvSpPr>
             <a:spLocks noGrp="1"/>
           </p:cNvSpPr>
@@ -4524,18 +4224,12 @@
           <a:p>
             <a:fld id="{7870A25B-082D-42BE-9910-664729240837}" type="slidenum">
               <a:rPr lang="en-IN" sz="1600" smtClean="0"/>
-              <a:t>3</a:t>
             </a:fld>
             <a:endParaRPr lang="en-IN" sz="1600" dirty="0"/>
           </a:p>
         </p:txBody>
       </p:sp>
     </p:spTree>
-    <p:extLst>
-      <p:ext uri="{BB962C8B-B14F-4D97-AF65-F5344CB8AC3E}">
-        <p14:creationId xmlns:p14="http://schemas.microsoft.com/office/powerpoint/2010/main" val="1155289154"/>
-      </p:ext>
-    </p:extLst>
   </p:cSld>
   <p:clrMapOvr>
     <a:masterClrMapping/>
@@ -4562,13 +4256,7 @@
       </p:grpSpPr>
       <p:sp>
         <p:nvSpPr>
-          <p:cNvPr id="3" name="Content Placeholder 2">
-            <a:extLst>
-              <a:ext uri="{FF2B5EF4-FFF2-40B4-BE49-F238E27FC236}">
-                <a16:creationId xmlns:a16="http://schemas.microsoft.com/office/drawing/2014/main" id="{113C0C13-6BE0-49E2-A6CB-FCCE2DE42147}"/>
-              </a:ext>
-            </a:extLst>
-          </p:cNvPr>
+          <p:cNvPr id="3" name="Content Placeholder 2"/>
           <p:cNvSpPr>
             <a:spLocks noGrp="1"/>
           </p:cNvSpPr>
@@ -4596,6 +4284,7 @@
               <a:rPr lang="en-IN" sz="1600" dirty="0"/>
               <a:t>:</a:t>
             </a:r>
+            <a:endParaRPr lang="en-IN" sz="1600" dirty="0"/>
           </a:p>
           <a:p>
             <a:pPr lvl="1"/>
@@ -4611,18 +4300,13 @@
               <a:rPr lang="en-IN" sz="2000" dirty="0"/>
               <a:t>) : </a:t>
             </a:r>
-          </a:p>
-        </p:txBody>
-      </p:sp>
-      <p:sp>
-        <p:nvSpPr>
-          <p:cNvPr id="4" name="Slide Number Placeholder 3">
-            <a:extLst>
-              <a:ext uri="{FF2B5EF4-FFF2-40B4-BE49-F238E27FC236}">
-                <a16:creationId xmlns:a16="http://schemas.microsoft.com/office/drawing/2014/main" id="{017035C6-02F9-4FEB-A9C9-CDE4F9F0116B}"/>
-              </a:ext>
-            </a:extLst>
-          </p:cNvPr>
+            <a:endParaRPr lang="en-IN" sz="2000" dirty="0"/>
+          </a:p>
+        </p:txBody>
+      </p:sp>
+      <p:sp>
+        <p:nvSpPr>
+          <p:cNvPr id="4" name="Slide Number Placeholder 3"/>
           <p:cNvSpPr>
             <a:spLocks noGrp="1"/>
           </p:cNvSpPr>
@@ -4637,7 +4321,6 @@
           <a:p>
             <a:fld id="{7870A25B-082D-42BE-9910-664729240837}" type="slidenum">
               <a:rPr lang="en-IN" smtClean="0"/>
-              <a:t>4</a:t>
             </a:fld>
             <a:endParaRPr lang="en-IN"/>
           </a:p>
@@ -4645,20 +4328,14 @@
       </p:sp>
       <p:pic>
         <p:nvPicPr>
-          <p:cNvPr id="6" name="Picture 5">
-            <a:extLst>
-              <a:ext uri="{FF2B5EF4-FFF2-40B4-BE49-F238E27FC236}">
-                <a16:creationId xmlns:a16="http://schemas.microsoft.com/office/drawing/2014/main" id="{8136AE69-BA1F-49C3-AADB-F6B4D003066A}"/>
-              </a:ext>
-            </a:extLst>
-          </p:cNvPr>
+          <p:cNvPr id="6" name="Picture 5"/>
           <p:cNvPicPr>
             <a:picLocks noChangeAspect="1"/>
           </p:cNvPicPr>
           <p:nvPr/>
         </p:nvPicPr>
         <p:blipFill>
-          <a:blip r:embed="rId3">
+          <a:blip r:embed="rId1">
             <a:extLst>
               <a:ext uri="{28A0092B-C50C-407E-A947-70E740481C1C}">
                 <a14:useLocalDpi xmlns:a14="http://schemas.microsoft.com/office/drawing/2010/main" val="0"/>
@@ -4681,13 +4358,7 @@
       </p:pic>
       <p:sp>
         <p:nvSpPr>
-          <p:cNvPr id="8" name="TextBox 7">
-            <a:extLst>
-              <a:ext uri="{FF2B5EF4-FFF2-40B4-BE49-F238E27FC236}">
-                <a16:creationId xmlns:a16="http://schemas.microsoft.com/office/drawing/2014/main" id="{7369E19D-D245-4D5C-996A-CB267B8DCC53}"/>
-              </a:ext>
-            </a:extLst>
-          </p:cNvPr>
+          <p:cNvPr id="8" name="TextBox 7"/>
           <p:cNvSpPr txBox="1"/>
           <p:nvPr/>
         </p:nvSpPr>
@@ -4715,6 +4386,7 @@
               <a:rPr lang="en-US" dirty="0"/>
               <a:t>The image is fed to the Inception v3 architecture and the 2048 dimensional feature vector after the last average pooling layer is used as the visual representation.</a:t>
             </a:r>
+            <a:endParaRPr lang="en-US" dirty="0"/>
           </a:p>
           <a:p>
             <a:endParaRPr lang="en-US" dirty="0"/>
@@ -4728,6 +4400,7 @@
               <a:rPr lang="en-US" dirty="0"/>
               <a:t>Concatenation of image text , tweet text feature vectors with image feature vector.</a:t>
             </a:r>
+            <a:endParaRPr lang="en-US" dirty="0"/>
           </a:p>
           <a:p>
             <a:endParaRPr lang="en-US" dirty="0"/>
@@ -4746,11 +4419,6 @@
         </p:txBody>
       </p:sp>
     </p:spTree>
-    <p:extLst>
-      <p:ext uri="{BB962C8B-B14F-4D97-AF65-F5344CB8AC3E}">
-        <p14:creationId xmlns:p14="http://schemas.microsoft.com/office/powerpoint/2010/main" val="1983709319"/>
-      </p:ext>
-    </p:extLst>
   </p:cSld>
   <p:clrMapOvr>
     <a:masterClrMapping/>
@@ -4777,13 +4445,7 @@
       </p:grpSpPr>
       <p:sp>
         <p:nvSpPr>
-          <p:cNvPr id="3" name="Content Placeholder 2">
-            <a:extLst>
-              <a:ext uri="{FF2B5EF4-FFF2-40B4-BE49-F238E27FC236}">
-                <a16:creationId xmlns:a16="http://schemas.microsoft.com/office/drawing/2014/main" id="{686C24D2-EADB-4067-915C-F2FC845788B7}"/>
-              </a:ext>
-            </a:extLst>
-          </p:cNvPr>
+          <p:cNvPr id="3" name="Content Placeholder 2"/>
           <p:cNvSpPr>
             <a:spLocks noGrp="1"/>
           </p:cNvSpPr>
@@ -4811,21 +4473,16 @@
               <a:rPr lang="en-IN" sz="1600" dirty="0"/>
               <a:t>( Textual Kernels Model ): </a:t>
             </a:r>
-          </a:p>
-          <a:p>
             <a:endParaRPr lang="en-IN" sz="1600" dirty="0"/>
           </a:p>
-        </p:txBody>
-      </p:sp>
-      <p:sp>
-        <p:nvSpPr>
-          <p:cNvPr id="4" name="Slide Number Placeholder 3">
-            <a:extLst>
-              <a:ext uri="{FF2B5EF4-FFF2-40B4-BE49-F238E27FC236}">
-                <a16:creationId xmlns:a16="http://schemas.microsoft.com/office/drawing/2014/main" id="{B0CEB6EC-DBAD-466D-9E68-CD1D600D35F3}"/>
-              </a:ext>
-            </a:extLst>
-          </p:cNvPr>
+          <a:p>
+            <a:endParaRPr lang="en-IN" sz="1600" dirty="0"/>
+          </a:p>
+        </p:txBody>
+      </p:sp>
+      <p:sp>
+        <p:nvSpPr>
+          <p:cNvPr id="4" name="Slide Number Placeholder 3"/>
           <p:cNvSpPr>
             <a:spLocks noGrp="1"/>
           </p:cNvSpPr>
@@ -4840,7 +4497,6 @@
           <a:p>
             <a:fld id="{7870A25B-082D-42BE-9910-664729240837}" type="slidenum">
               <a:rPr lang="en-IN" smtClean="0"/>
-              <a:t>5</a:t>
             </a:fld>
             <a:endParaRPr lang="en-IN"/>
           </a:p>
@@ -4848,20 +4504,14 @@
       </p:sp>
       <p:pic>
         <p:nvPicPr>
-          <p:cNvPr id="6" name="Picture 5">
-            <a:extLst>
-              <a:ext uri="{FF2B5EF4-FFF2-40B4-BE49-F238E27FC236}">
-                <a16:creationId xmlns:a16="http://schemas.microsoft.com/office/drawing/2014/main" id="{3B704845-4C44-48CD-A781-797F6BEAE2FD}"/>
-              </a:ext>
-            </a:extLst>
-          </p:cNvPr>
+          <p:cNvPr id="6" name="Picture 5"/>
           <p:cNvPicPr>
             <a:picLocks noChangeAspect="1"/>
           </p:cNvPicPr>
           <p:nvPr/>
         </p:nvPicPr>
         <p:blipFill>
-          <a:blip r:embed="rId2">
+          <a:blip r:embed="rId1">
             <a:extLst>
               <a:ext uri="{28A0092B-C50C-407E-A947-70E740481C1C}">
                 <a14:useLocalDpi xmlns:a14="http://schemas.microsoft.com/office/drawing/2010/main" val="0"/>
@@ -4884,13 +4534,7 @@
       </p:pic>
       <p:sp>
         <p:nvSpPr>
-          <p:cNvPr id="7" name="TextBox 6">
-            <a:extLst>
-              <a:ext uri="{FF2B5EF4-FFF2-40B4-BE49-F238E27FC236}">
-                <a16:creationId xmlns:a16="http://schemas.microsoft.com/office/drawing/2014/main" id="{6C132250-B640-4654-81E2-9883E54435AE}"/>
-              </a:ext>
-            </a:extLst>
-          </p:cNvPr>
+          <p:cNvPr id="7" name="TextBox 6"/>
           <p:cNvSpPr txBox="1"/>
           <p:nvPr/>
         </p:nvSpPr>
@@ -4922,6 +4566,7 @@
               <a:rPr lang="en-US" sz="1600" dirty="0"/>
               <a:t>To capture interactions between the two modalities more expressively than concatenation models</a:t>
             </a:r>
+            <a:endParaRPr lang="en-US" sz="1600" dirty="0"/>
           </a:p>
           <a:p>
             <a:endParaRPr lang="en-US" sz="1600" dirty="0"/>
@@ -4935,6 +4580,7 @@
               <a:rPr lang="en-US" sz="1600" dirty="0"/>
               <a:t>Using tweet text encoded vector:</a:t>
             </a:r>
+            <a:endParaRPr lang="en-US" sz="1600" dirty="0"/>
           </a:p>
           <a:p>
             <a:pPr marL="742950" lvl="1" indent="-285750">
@@ -4953,6 +4599,7 @@
               <a:rPr lang="en-US" sz="1600" dirty="0"/>
               <a:t> text dependent kernels using independent fully connected layers </a:t>
             </a:r>
+            <a:endParaRPr lang="en-US" sz="1600" dirty="0"/>
           </a:p>
           <a:p>
             <a:pPr marL="285750" indent="-285750">
@@ -4991,6 +4638,7 @@
               <a:rPr lang="en-US" dirty="0"/>
               <a:t>.</a:t>
             </a:r>
+            <a:endParaRPr lang="en-US" dirty="0"/>
           </a:p>
           <a:p>
             <a:endParaRPr lang="en-US" sz="1800" dirty="0"/>
@@ -5039,6 +4687,7 @@
               <a:rPr lang="en-US" sz="1600" dirty="0"/>
               <a:t>) multimodal feature map.</a:t>
             </a:r>
+            <a:endParaRPr lang="en-US" sz="1600" dirty="0"/>
           </a:p>
           <a:p>
             <a:pPr marL="285750" indent="-285750">
@@ -5053,21 +4702,17 @@
               <a:rPr lang="en-IN" sz="1600" dirty="0"/>
               <a:t>at each spatial dimension.</a:t>
             </a:r>
-          </a:p>
-          <a:p>
             <a:endParaRPr lang="en-IN" sz="1600" dirty="0"/>
           </a:p>
           <a:p>
             <a:endParaRPr lang="en-IN" sz="1600" dirty="0"/>
           </a:p>
+          <a:p>
+            <a:endParaRPr lang="en-IN" sz="1600" dirty="0"/>
+          </a:p>
         </p:txBody>
       </p:sp>
     </p:spTree>
-    <p:extLst>
-      <p:ext uri="{BB962C8B-B14F-4D97-AF65-F5344CB8AC3E}">
-        <p14:creationId xmlns:p14="http://schemas.microsoft.com/office/powerpoint/2010/main" val="2577325244"/>
-      </p:ext>
-    </p:extLst>
   </p:cSld>
   <p:clrMapOvr>
     <a:masterClrMapping/>
@@ -5094,13 +4739,7 @@
       </p:grpSpPr>
       <p:sp>
         <p:nvSpPr>
-          <p:cNvPr id="3" name="Content Placeholder 2">
-            <a:extLst>
-              <a:ext uri="{FF2B5EF4-FFF2-40B4-BE49-F238E27FC236}">
-                <a16:creationId xmlns:a16="http://schemas.microsoft.com/office/drawing/2014/main" id="{6F689EA9-0775-4B39-BBF6-53ACC5DBBD5C}"/>
-              </a:ext>
-            </a:extLst>
-          </p:cNvPr>
+          <p:cNvPr id="3" name="Content Placeholder 2"/>
           <p:cNvSpPr>
             <a:spLocks noGrp="1"/>
           </p:cNvSpPr>
@@ -5124,6 +4763,7 @@
               <a:rPr lang="en-IN" sz="2000" dirty="0"/>
               <a:t>Results : </a:t>
             </a:r>
+            <a:endParaRPr lang="en-IN" sz="2000" dirty="0"/>
           </a:p>
           <a:p>
             <a:endParaRPr lang="en-IN" sz="2000" dirty="0"/>
@@ -5133,6 +4773,7 @@
               <a:rPr lang="en-US" sz="1600" dirty="0"/>
               <a:t>Despite the model trained only with images proves that they are useful for hate speech detection, the proposed multimodal models are not able to improve the detection compared to the textual models.</a:t>
             </a:r>
+            <a:endParaRPr lang="en-US" sz="1600" dirty="0"/>
           </a:p>
           <a:p>
             <a:endParaRPr lang="en-US" sz="1600" dirty="0"/>
@@ -5175,6 +4816,7 @@
               <a:rPr lang="en-US" sz="2000" dirty="0"/>
               <a:t>Conclusion : </a:t>
             </a:r>
+            <a:endParaRPr lang="en-US" sz="2000" dirty="0"/>
           </a:p>
           <a:p>
             <a:pPr marL="0" indent="0">
@@ -5194,13 +4836,7 @@
       </p:sp>
       <p:sp>
         <p:nvSpPr>
-          <p:cNvPr id="4" name="Slide Number Placeholder 3">
-            <a:extLst>
-              <a:ext uri="{FF2B5EF4-FFF2-40B4-BE49-F238E27FC236}">
-                <a16:creationId xmlns:a16="http://schemas.microsoft.com/office/drawing/2014/main" id="{C51016F7-5871-479F-B18F-4289B4A36D0D}"/>
-              </a:ext>
-            </a:extLst>
-          </p:cNvPr>
+          <p:cNvPr id="4" name="Slide Number Placeholder 3"/>
           <p:cNvSpPr>
             <a:spLocks noGrp="1"/>
           </p:cNvSpPr>
@@ -5215,7 +4851,6 @@
           <a:p>
             <a:fld id="{7870A25B-082D-42BE-9910-664729240837}" type="slidenum">
               <a:rPr lang="en-IN" smtClean="0"/>
-              <a:t>6</a:t>
             </a:fld>
             <a:endParaRPr lang="en-IN"/>
           </a:p>
@@ -5223,20 +4858,14 @@
       </p:sp>
       <p:pic>
         <p:nvPicPr>
-          <p:cNvPr id="6" name="Picture 5">
-            <a:extLst>
-              <a:ext uri="{FF2B5EF4-FFF2-40B4-BE49-F238E27FC236}">
-                <a16:creationId xmlns:a16="http://schemas.microsoft.com/office/drawing/2014/main" id="{DE683FB3-8456-4866-A10B-BCB709B438FA}"/>
-              </a:ext>
-            </a:extLst>
-          </p:cNvPr>
+          <p:cNvPr id="6" name="Picture 5"/>
           <p:cNvPicPr>
             <a:picLocks noChangeAspect="1"/>
           </p:cNvPicPr>
           <p:nvPr/>
         </p:nvPicPr>
         <p:blipFill rotWithShape="1">
-          <a:blip r:embed="rId2">
+          <a:blip r:embed="rId1">
             <a:extLst>
               <a:ext uri="{28A0092B-C50C-407E-A947-70E740481C1C}">
                 <a14:useLocalDpi xmlns:a14="http://schemas.microsoft.com/office/drawing/2010/main" val="0"/>
@@ -5244,7 +4873,9 @@
             </a:extLst>
           </a:blip>
           <a:srcRect l="23686" t="23712" r="49175" b="36289"/>
-          <a:stretch/>
+          <a:stretch>
+            <a:fillRect/>
+          </a:stretch>
         </p:blipFill>
         <p:spPr>
           <a:xfrm>
@@ -5257,11 +4888,676 @@
         </p:spPr>
       </p:pic>
     </p:spTree>
-    <p:extLst>
-      <p:ext uri="{BB962C8B-B14F-4D97-AF65-F5344CB8AC3E}">
-        <p14:creationId xmlns:p14="http://schemas.microsoft.com/office/powerpoint/2010/main" val="1999145297"/>
-      </p:ext>
-    </p:extLst>
+  </p:cSld>
+  <p:clrMapOvr>
+    <a:masterClrMapping/>
+  </p:clrMapOvr>
+</p:sld>
+</file>
+
+<file path=ppt/slides/slide7.xml><?xml version="1.0" encoding="utf-8"?>
+<p:sld xmlns:a="http://schemas.openxmlformats.org/drawingml/2006/main" xmlns:r="http://schemas.openxmlformats.org/officeDocument/2006/relationships" xmlns:p="http://schemas.openxmlformats.org/presentationml/2006/main">
+  <p:cSld>
+    <p:spTree>
+      <p:nvGrpSpPr>
+        <p:cNvPr id="1" name=""/>
+        <p:cNvGrpSpPr/>
+        <p:nvPr/>
+      </p:nvGrpSpPr>
+      <p:grpSpPr/>
+      <p:sp>
+        <p:nvSpPr>
+          <p:cNvPr id="2" name="Title 1"/>
+          <p:cNvSpPr>
+            <a:spLocks noGrp="1"/>
+          </p:cNvSpPr>
+          <p:nvPr>
+            <p:ph type="title"/>
+          </p:nvPr>
+        </p:nvSpPr>
+        <p:spPr>
+          <a:xfrm>
+            <a:off x="1109345" y="2097405"/>
+            <a:ext cx="10515600" cy="1325563"/>
+          </a:xfrm>
+        </p:spPr>
+        <p:txBody>
+          <a:bodyPr>
+            <a:noAutofit/>
+          </a:bodyPr>
+          <a:p>
+            <a:r>
+              <a:rPr lang="en-IN" altLang="en-US" sz="2000" b="1">
+                <a:latin typeface="Agency FB" panose="020B0503020202020204" charset="0"/>
+                <a:cs typeface="Agency FB" panose="020B0503020202020204" charset="0"/>
+                <a:sym typeface="+mn-ea"/>
+              </a:rPr>
+              <a:t>Research paper Link :</a:t>
+            </a:r>
+            <a:r>
+              <a:rPr lang="en-IN" altLang="en-US" sz="2000">
+                <a:sym typeface="+mn-ea"/>
+              </a:rPr>
+              <a:t> </a:t>
+            </a:r>
+            <a:r>
+              <a:rPr lang="en-IN" altLang="en-US" sz="2000">
+                <a:solidFill>
+                  <a:schemeClr val="accent1"/>
+                </a:solidFill>
+                <a:sym typeface="+mn-ea"/>
+              </a:rPr>
+              <a:t>https://www.aclweb.org/anthology/2020.trac-1.6.pdf</a:t>
+            </a:r>
+            <a:br>
+              <a:rPr lang="en-IN" altLang="en-US" sz="2000">
+                <a:solidFill>
+                  <a:schemeClr val="accent1"/>
+                </a:solidFill>
+              </a:rPr>
+            </a:br>
+            <a:r>
+              <a:rPr lang="en-IN" altLang="en-US" sz="2000" b="1">
+                <a:latin typeface="Agency FB" panose="020B0503020202020204" charset="0"/>
+                <a:cs typeface="Agency FB" panose="020B0503020202020204" charset="0"/>
+                <a:sym typeface="+mn-ea"/>
+              </a:rPr>
+              <a:t>Dataset link:</a:t>
+            </a:r>
+            <a:r>
+              <a:rPr lang="en-IN" altLang="en-US" sz="2000">
+                <a:solidFill>
+                  <a:schemeClr val="accent1"/>
+                </a:solidFill>
+                <a:sym typeface="+mn-ea"/>
+              </a:rPr>
+              <a:t>  https://drive.google.com/drive/folders/1ckOGoRmMwCEFo-k3UX7J2lnzg495WIS5</a:t>
+            </a:r>
+            <a:br>
+              <a:rPr lang="en-IN" altLang="en-US" sz="2000">
+                <a:solidFill>
+                  <a:schemeClr val="accent1"/>
+                </a:solidFill>
+              </a:rPr>
+            </a:br>
+            <a:endParaRPr lang="en-IN" altLang="en-US" sz="2000">
+              <a:solidFill>
+                <a:schemeClr val="accent1"/>
+              </a:solidFill>
+            </a:endParaRPr>
+          </a:p>
+        </p:txBody>
+      </p:sp>
+      <p:sp>
+        <p:nvSpPr>
+          <p:cNvPr id="4" name="Slide Number Placeholder 3"/>
+          <p:cNvSpPr>
+            <a:spLocks noGrp="1"/>
+          </p:cNvSpPr>
+          <p:nvPr>
+            <p:ph type="sldNum" sz="quarter" idx="12"/>
+          </p:nvPr>
+        </p:nvSpPr>
+        <p:spPr/>
+        <p:txBody>
+          <a:bodyPr/>
+          <a:p>
+            <a:fld id="{7870A25B-082D-42BE-9910-664729240837}" type="slidenum">
+              <a:rPr lang="en-IN" smtClean="0"/>
+            </a:fld>
+            <a:endParaRPr lang="en-IN"/>
+          </a:p>
+        </p:txBody>
+      </p:sp>
+      <p:pic>
+        <p:nvPicPr>
+          <p:cNvPr id="5" name="Picture 2" descr="Screenshot (75)"/>
+          <p:cNvPicPr>
+            <a:picLocks noChangeAspect="1"/>
+          </p:cNvPicPr>
+          <p:nvPr>
+            <p:ph idx="1"/>
+          </p:nvPr>
+        </p:nvPicPr>
+        <p:blipFill>
+          <a:blip r:embed="rId1"/>
+          <a:srcRect r="11153" b="66491"/>
+          <a:stretch>
+            <a:fillRect/>
+          </a:stretch>
+        </p:blipFill>
+        <p:spPr>
+          <a:xfrm>
+            <a:off x="5950585" y="3653155"/>
+            <a:ext cx="5529580" cy="2028190"/>
+          </a:xfrm>
+          <a:prstGeom prst="rect">
+            <a:avLst/>
+          </a:prstGeom>
+        </p:spPr>
+      </p:pic>
+      <p:sp>
+        <p:nvSpPr>
+          <p:cNvPr id="6" name="Text Box 5"/>
+          <p:cNvSpPr txBox="1"/>
+          <p:nvPr/>
+        </p:nvSpPr>
+        <p:spPr>
+          <a:xfrm>
+            <a:off x="1012190" y="3653155"/>
+            <a:ext cx="1565275" cy="1476375"/>
+          </a:xfrm>
+          <a:prstGeom prst="rect">
+            <a:avLst/>
+          </a:prstGeom>
+          <a:noFill/>
+        </p:spPr>
+        <p:txBody>
+          <a:bodyPr wrap="none" rtlCol="0" anchor="t">
+            <a:spAutoFit/>
+          </a:bodyPr>
+          <a:p>
+            <a:r>
+              <a:rPr lang="en-US" altLang="zh-CN" b="1" kern="100">
+                <a:latin typeface="Agency FB" panose="020B0503020202020204" charset="0"/>
+                <a:ea typeface="SimSun" panose="02010600030101010101" pitchFamily="2" charset="-122"/>
+                <a:cs typeface="Agency FB" panose="020B0503020202020204" charset="0"/>
+                <a:sym typeface="Times New Roman" panose="02020603050405020304"/>
+              </a:rPr>
+              <a:t>Dataset consists :</a:t>
+            </a:r>
+            <a:br>
+              <a:rPr lang="en-US" altLang="zh-CN" kern="100">
+                <a:latin typeface="Calibri" panose="020F0502020204030204"/>
+                <a:ea typeface="SimSun" panose="02010600030101010101" pitchFamily="2" charset="-122"/>
+                <a:cs typeface="Times New Roman" panose="02020603050405020304"/>
+                <a:sym typeface="Times New Roman" panose="02020603050405020304"/>
+              </a:rPr>
+            </a:br>
+            <a:r>
+              <a:rPr lang="en-US" altLang="zh-CN" kern="100">
+                <a:latin typeface="Calibri" panose="020F0502020204030204"/>
+                <a:ea typeface="SimSun" panose="02010600030101010101" pitchFamily="2" charset="-122"/>
+                <a:cs typeface="Times New Roman" panose="02020603050405020304"/>
+                <a:sym typeface="Times New Roman" panose="02020603050405020304"/>
+              </a:rPr>
+              <a:t>Image </a:t>
+            </a:r>
+            <a:br>
+              <a:rPr lang="en-US" altLang="zh-CN" kern="100">
+                <a:latin typeface="Calibri" panose="020F0502020204030204"/>
+                <a:ea typeface="SimSun" panose="02010600030101010101" pitchFamily="2" charset="-122"/>
+                <a:cs typeface="Times New Roman" panose="02020603050405020304"/>
+                <a:sym typeface="Times New Roman" panose="02020603050405020304"/>
+              </a:rPr>
+            </a:br>
+            <a:r>
+              <a:rPr lang="en-US" altLang="zh-CN" kern="100">
+                <a:latin typeface="Calibri" panose="020F0502020204030204"/>
+                <a:ea typeface="SimSun" panose="02010600030101010101" pitchFamily="2" charset="-122"/>
+                <a:cs typeface="Times New Roman" panose="02020603050405020304"/>
+                <a:sym typeface="Times New Roman" panose="02020603050405020304"/>
+              </a:rPr>
+              <a:t>Text </a:t>
+            </a:r>
+            <a:br>
+              <a:rPr lang="en-US" altLang="zh-CN" kern="100">
+                <a:latin typeface="Calibri" panose="020F0502020204030204"/>
+                <a:ea typeface="SimSun" panose="02010600030101010101" pitchFamily="2" charset="-122"/>
+                <a:cs typeface="Times New Roman" panose="02020603050405020304"/>
+                <a:sym typeface="Times New Roman" panose="02020603050405020304"/>
+              </a:rPr>
+            </a:br>
+            <a:r>
+              <a:rPr lang="en-US" altLang="zh-CN" kern="100">
+                <a:latin typeface="Calibri" panose="020F0502020204030204"/>
+                <a:ea typeface="SimSun" panose="02010600030101010101" pitchFamily="2" charset="-122"/>
+                <a:cs typeface="Times New Roman" panose="02020603050405020304"/>
+                <a:sym typeface="Times New Roman" panose="02020603050405020304"/>
+              </a:rPr>
+              <a:t>Label</a:t>
+            </a:r>
+            <a:br>
+              <a:rPr lang="en-US" altLang="zh-CN" kern="100">
+                <a:latin typeface="Calibri" panose="020F0502020204030204"/>
+                <a:ea typeface="SimSun" panose="02010600030101010101" pitchFamily="2" charset="-122"/>
+                <a:cs typeface="Times New Roman" panose="02020603050405020304"/>
+                <a:sym typeface="Times New Roman" panose="02020603050405020304"/>
+              </a:rPr>
+            </a:br>
+            <a:endParaRPr lang="en-US"/>
+          </a:p>
+        </p:txBody>
+      </p:sp>
+      <p:sp>
+        <p:nvSpPr>
+          <p:cNvPr id="7" name="Text Box 6"/>
+          <p:cNvSpPr txBox="1"/>
+          <p:nvPr/>
+        </p:nvSpPr>
+        <p:spPr>
+          <a:xfrm>
+            <a:off x="1012190" y="894715"/>
+            <a:ext cx="10119360" cy="460375"/>
+          </a:xfrm>
+          <a:prstGeom prst="rect">
+            <a:avLst/>
+          </a:prstGeom>
+          <a:noFill/>
+        </p:spPr>
+        <p:txBody>
+          <a:bodyPr wrap="square" rtlCol="0">
+            <a:spAutoFit/>
+          </a:bodyPr>
+          <a:p>
+            <a:pPr marL="0" indent="0" algn="ctr">
+              <a:buNone/>
+            </a:pPr>
+            <a:r>
+              <a:rPr lang="en-US" sz="2400" b="1" dirty="0">
+                <a:latin typeface="Agency FB" panose="020B0503020202020204" charset="0"/>
+                <a:cs typeface="Agency FB" panose="020B0503020202020204" charset="0"/>
+                <a:sym typeface="+mn-ea"/>
+              </a:rPr>
+              <a:t>Multimodal Meme Dataset (MultiOFF) for Identifying Offensive Content in Image and Text</a:t>
+            </a:r>
+            <a:endParaRPr lang="en-US" sz="2400" b="1" dirty="0">
+              <a:latin typeface="Agency FB" panose="020B0503020202020204" charset="0"/>
+              <a:cs typeface="Agency FB" panose="020B0503020202020204" charset="0"/>
+              <a:sym typeface="+mn-ea"/>
+            </a:endParaRPr>
+          </a:p>
+        </p:txBody>
+      </p:sp>
+    </p:spTree>
+  </p:cSld>
+  <p:clrMapOvr>
+    <a:masterClrMapping/>
+  </p:clrMapOvr>
+</p:sld>
+</file>
+
+<file path=ppt/slides/slide8.xml><?xml version="1.0" encoding="utf-8"?>
+<p:sld xmlns:a="http://schemas.openxmlformats.org/drawingml/2006/main" xmlns:r="http://schemas.openxmlformats.org/officeDocument/2006/relationships" xmlns:p="http://schemas.openxmlformats.org/presentationml/2006/main">
+  <p:cSld>
+    <p:spTree>
+      <p:nvGrpSpPr>
+        <p:cNvPr id="1" name=""/>
+        <p:cNvGrpSpPr/>
+        <p:nvPr/>
+      </p:nvGrpSpPr>
+      <p:grpSpPr/>
+      <p:sp>
+        <p:nvSpPr>
+          <p:cNvPr id="2" name="Title 1"/>
+          <p:cNvSpPr>
+            <a:spLocks noGrp="1"/>
+          </p:cNvSpPr>
+          <p:nvPr>
+            <p:ph type="title"/>
+          </p:nvPr>
+        </p:nvSpPr>
+        <p:spPr/>
+        <p:txBody>
+          <a:bodyPr>
+            <a:normAutofit fontScale="90000"/>
+          </a:bodyPr>
+          <a:p>
+            <a:br>
+              <a:rPr lang="en-IN" altLang="en-US" b="1">
+                <a:latin typeface="Agency FB" panose="020B0503020202020204" charset="0"/>
+                <a:cs typeface="Agency FB" panose="020B0503020202020204" charset="0"/>
+                <a:sym typeface="+mn-ea"/>
+              </a:rPr>
+            </a:br>
+            <a:r>
+              <a:rPr lang="en-IN" altLang="en-US" b="1">
+                <a:latin typeface="Agency FB" panose="020B0503020202020204" charset="0"/>
+                <a:cs typeface="Agency FB" panose="020B0503020202020204" charset="0"/>
+                <a:sym typeface="+mn-ea"/>
+              </a:rPr>
+              <a:t>Baseline Models for Textual Data</a:t>
+            </a:r>
+            <a:br>
+              <a:rPr lang="en-IN" altLang="en-US" b="1">
+                <a:latin typeface="Agency FB" panose="020B0503020202020204" charset="0"/>
+                <a:cs typeface="Agency FB" panose="020B0503020202020204" charset="0"/>
+              </a:rPr>
+            </a:br>
+            <a:endParaRPr lang="en-US"/>
+          </a:p>
+        </p:txBody>
+      </p:sp>
+      <p:sp>
+        <p:nvSpPr>
+          <p:cNvPr id="3" name="Content Placeholder 2"/>
+          <p:cNvSpPr>
+            <a:spLocks noGrp="1"/>
+          </p:cNvSpPr>
+          <p:nvPr>
+            <p:ph sz="half" idx="1"/>
+          </p:nvPr>
+        </p:nvSpPr>
+        <p:spPr/>
+        <p:txBody>
+          <a:bodyPr>
+            <a:normAutofit fontScale="60000"/>
+          </a:bodyPr>
+          <a:p>
+            <a:r>
+              <a:rPr lang="en-IN" altLang="en-US" sz="3600" b="1">
+                <a:sym typeface="+mn-ea"/>
+              </a:rPr>
+              <a:t>Logistic Regression </a:t>
+            </a:r>
+            <a:r>
+              <a:rPr lang="en-IN" altLang="en-US" sz="3600">
+                <a:sym typeface="+mn-ea"/>
+              </a:rPr>
+              <a:t>:If targeted class is linearly seperable</a:t>
+            </a:r>
+            <a:endParaRPr lang="en-IN" altLang="en-US" sz="3600"/>
+          </a:p>
+          <a:p>
+            <a:r>
+              <a:rPr lang="en-IN" altLang="en-US" sz="3600">
+                <a:sym typeface="+mn-ea"/>
+              </a:rPr>
+              <a:t> Bag of Words approadch has been used.</a:t>
+            </a:r>
+            <a:endParaRPr lang="en-IN" altLang="en-US" sz="3600"/>
+          </a:p>
+          <a:p>
+            <a:pPr marL="0" indent="0">
+              <a:buNone/>
+            </a:pPr>
+            <a:r>
+              <a:rPr lang="en-IN" altLang="en-US" sz="3600">
+                <a:sym typeface="+mn-ea"/>
+              </a:rPr>
+              <a:t>		if p&gt; threshold :offensive</a:t>
+            </a:r>
+            <a:endParaRPr lang="en-IN" altLang="en-US" sz="3600"/>
+          </a:p>
+          <a:p>
+            <a:pPr marL="0" indent="0">
+              <a:buNone/>
+            </a:pPr>
+            <a:r>
+              <a:rPr lang="en-IN" altLang="en-US" sz="3600">
+                <a:sym typeface="+mn-ea"/>
+              </a:rPr>
+              <a:t>	          	 else not offensive</a:t>
+            </a:r>
+            <a:endParaRPr lang="en-US" sz="3600"/>
+          </a:p>
+          <a:p>
+            <a:endParaRPr lang="en-US" sz="3600"/>
+          </a:p>
+          <a:p>
+            <a:pPr marL="0" indent="0">
+              <a:buNone/>
+            </a:pPr>
+            <a:endParaRPr lang="en-IN" altLang="en-US" sz="3200" b="1"/>
+          </a:p>
+          <a:p>
+            <a:r>
+              <a:rPr lang="en-IN" altLang="en-US" sz="3200" b="1">
+                <a:sym typeface="+mn-ea"/>
+              </a:rPr>
+              <a:t>Naive Bayes (NB)</a:t>
+            </a:r>
+            <a:endParaRPr lang="en-IN" altLang="en-US" sz="3200" b="1"/>
+          </a:p>
+          <a:p>
+            <a:r>
+              <a:rPr lang="en-IN" altLang="en-US" sz="3200" b="1">
+                <a:sym typeface="+mn-ea"/>
+              </a:rPr>
+              <a:t>A Deep Neural Network (DNN) </a:t>
+            </a:r>
+            <a:endParaRPr lang="en-IN" altLang="en-US" sz="3200" b="1"/>
+          </a:p>
+          <a:p>
+            <a:pPr lvl="1"/>
+            <a:r>
+              <a:rPr lang="en-IN" altLang="en-US" sz="3200" b="1">
+                <a:sym typeface="+mn-ea"/>
+              </a:rPr>
+              <a:t>Stacked LSTM</a:t>
+            </a:r>
+            <a:endParaRPr lang="en-IN" altLang="en-US" sz="3200" b="1"/>
+          </a:p>
+          <a:p>
+            <a:pPr lvl="1"/>
+            <a:r>
+              <a:rPr lang="en-IN" altLang="en-US" sz="3200" b="1">
+                <a:sym typeface="+mn-ea"/>
+              </a:rPr>
+              <a:t>Bidirectional LSTM (BiLSTM) </a:t>
+            </a:r>
+            <a:endParaRPr lang="en-IN" altLang="en-US" sz="2800"/>
+          </a:p>
+          <a:p>
+            <a:endParaRPr lang="en-IN" altLang="en-US" sz="2800"/>
+          </a:p>
+        </p:txBody>
+      </p:sp>
+      <p:sp>
+        <p:nvSpPr>
+          <p:cNvPr id="4" name="Slide Number Placeholder 3"/>
+          <p:cNvSpPr>
+            <a:spLocks noGrp="1"/>
+          </p:cNvSpPr>
+          <p:nvPr>
+            <p:ph type="sldNum" sz="quarter" idx="12"/>
+          </p:nvPr>
+        </p:nvSpPr>
+        <p:spPr/>
+        <p:txBody>
+          <a:bodyPr/>
+          <a:p>
+            <a:fld id="{7870A25B-082D-42BE-9910-664729240837}" type="slidenum">
+              <a:rPr lang="en-IN" smtClean="0"/>
+            </a:fld>
+            <a:endParaRPr lang="en-IN"/>
+          </a:p>
+        </p:txBody>
+      </p:sp>
+      <p:pic>
+        <p:nvPicPr>
+          <p:cNvPr id="5" name="Content Placeholder 4"/>
+          <p:cNvPicPr>
+            <a:picLocks noChangeAspect="1"/>
+          </p:cNvPicPr>
+          <p:nvPr>
+            <p:ph sz="half" idx="2"/>
+          </p:nvPr>
+        </p:nvPicPr>
+        <p:blipFill>
+          <a:blip r:embed="rId1"/>
+          <a:stretch>
+            <a:fillRect/>
+          </a:stretch>
+        </p:blipFill>
+        <p:spPr>
+          <a:xfrm>
+            <a:off x="5911215" y="2103120"/>
+            <a:ext cx="2986405" cy="978535"/>
+          </a:xfrm>
+          <a:prstGeom prst="rect">
+            <a:avLst/>
+          </a:prstGeom>
+        </p:spPr>
+      </p:pic>
+    </p:spTree>
+  </p:cSld>
+  <p:clrMapOvr>
+    <a:masterClrMapping/>
+  </p:clrMapOvr>
+</p:sld>
+</file>
+
+<file path=ppt/slides/slide9.xml><?xml version="1.0" encoding="utf-8"?>
+<p:sld xmlns:a="http://schemas.openxmlformats.org/drawingml/2006/main" xmlns:r="http://schemas.openxmlformats.org/officeDocument/2006/relationships" xmlns:p="http://schemas.openxmlformats.org/presentationml/2006/main">
+  <p:cSld>
+    <p:spTree>
+      <p:nvGrpSpPr>
+        <p:cNvPr id="1" name=""/>
+        <p:cNvGrpSpPr/>
+        <p:nvPr/>
+      </p:nvGrpSpPr>
+      <p:grpSpPr/>
+      <p:sp>
+        <p:nvSpPr>
+          <p:cNvPr id="2" name="Title 1"/>
+          <p:cNvSpPr>
+            <a:spLocks noGrp="1"/>
+          </p:cNvSpPr>
+          <p:nvPr>
+            <p:ph type="title"/>
+          </p:nvPr>
+        </p:nvSpPr>
+        <p:spPr/>
+        <p:txBody>
+          <a:bodyPr>
+            <a:normAutofit fontScale="90000"/>
+          </a:bodyPr>
+          <a:p>
+            <a:r>
+              <a:rPr lang="en-US" b="1">
+                <a:latin typeface="Agency FB" panose="020B0503020202020204" charset="0"/>
+                <a:cs typeface="Agency FB" panose="020B0503020202020204" charset="0"/>
+                <a:sym typeface="+mn-ea"/>
+              </a:rPr>
+              <a:t>Baseline Model for Images</a:t>
+            </a:r>
+            <a:br>
+              <a:rPr lang="en-US" b="1">
+                <a:latin typeface="Agency FB" panose="020B0503020202020204" charset="0"/>
+                <a:cs typeface="Agency FB" panose="020B0503020202020204" charset="0"/>
+              </a:rPr>
+            </a:br>
+            <a:endParaRPr lang="en-US"/>
+          </a:p>
+        </p:txBody>
+      </p:sp>
+      <p:sp>
+        <p:nvSpPr>
+          <p:cNvPr id="4" name="Content Placeholder 3"/>
+          <p:cNvSpPr>
+            <a:spLocks noGrp="1"/>
+          </p:cNvSpPr>
+          <p:nvPr>
+            <p:ph sz="half" idx="2"/>
+          </p:nvPr>
+        </p:nvSpPr>
+        <p:spPr/>
+        <p:txBody>
+          <a:bodyPr>
+            <a:normAutofit fontScale="70000"/>
+          </a:bodyPr>
+          <a:p>
+            <a:r>
+              <a:rPr lang="en-IN" altLang="en-US">
+                <a:sym typeface="+mn-ea"/>
+              </a:rPr>
+              <a:t>C</a:t>
+            </a:r>
+            <a:r>
+              <a:rPr lang="en-US">
+                <a:sym typeface="+mn-ea"/>
+              </a:rPr>
+              <a:t>onvolution layers 3x3 filter with a stride 1 and always used same padding </a:t>
+            </a:r>
+            <a:endParaRPr lang="en-US"/>
+          </a:p>
+          <a:p>
+            <a:r>
+              <a:rPr lang="en-IN" altLang="en-US">
+                <a:sym typeface="+mn-ea"/>
+              </a:rPr>
+              <a:t>M</a:t>
+            </a:r>
+            <a:r>
+              <a:rPr lang="en-US">
+                <a:sym typeface="+mn-ea"/>
+              </a:rPr>
+              <a:t>axpool layer of 2x2 filter of stride 2. It follows this arrangement of convolution and max pool layers consistently throughout the whole architecture. </a:t>
+            </a:r>
+            <a:endParaRPr lang="en-US"/>
+          </a:p>
+          <a:p>
+            <a:r>
+              <a:rPr lang="en-US">
+                <a:sym typeface="+mn-ea"/>
+              </a:rPr>
+              <a:t>Instead of a fully connected layer, a Global Average Pooling layer has been used which later is connected to a Dense layer with the Sigmoid activation function to predict class probability.</a:t>
+            </a:r>
+            <a:endParaRPr lang="en-US"/>
+          </a:p>
+          <a:p>
+            <a:r>
+              <a:rPr lang="en-US">
+                <a:sym typeface="+mn-ea"/>
+              </a:rPr>
+              <a:t>The 16 in VGG16 refers to it has 16 layers that have weights. </a:t>
+            </a:r>
+            <a:endParaRPr lang="en-US"/>
+          </a:p>
+          <a:p>
+            <a:endParaRPr lang="en-US"/>
+          </a:p>
+        </p:txBody>
+      </p:sp>
+      <p:sp>
+        <p:nvSpPr>
+          <p:cNvPr id="5" name="Slide Number Placeholder 4"/>
+          <p:cNvSpPr>
+            <a:spLocks noGrp="1"/>
+          </p:cNvSpPr>
+          <p:nvPr>
+            <p:ph type="sldNum" sz="quarter" idx="12"/>
+          </p:nvPr>
+        </p:nvSpPr>
+        <p:spPr/>
+        <p:txBody>
+          <a:bodyPr/>
+          <a:p>
+            <a:fld id="{7870A25B-082D-42BE-9910-664729240837}" type="slidenum">
+              <a:rPr lang="en-IN" smtClean="0"/>
+            </a:fld>
+            <a:endParaRPr lang="en-IN"/>
+          </a:p>
+        </p:txBody>
+      </p:sp>
+      <p:pic>
+        <p:nvPicPr>
+          <p:cNvPr id="6" name="Content Placeholder 4"/>
+          <p:cNvPicPr>
+            <a:picLocks noChangeAspect="1"/>
+          </p:cNvPicPr>
+          <p:nvPr>
+            <p:ph sz="half" idx="1"/>
+          </p:nvPr>
+        </p:nvPicPr>
+        <p:blipFill>
+          <a:blip r:embed="rId1"/>
+          <a:stretch>
+            <a:fillRect/>
+          </a:stretch>
+        </p:blipFill>
+        <p:spPr>
+          <a:xfrm>
+            <a:off x="578485" y="1573530"/>
+            <a:ext cx="4342130" cy="5061585"/>
+          </a:xfrm>
+          <a:prstGeom prst="rect">
+            <a:avLst/>
+          </a:prstGeom>
+        </p:spPr>
+      </p:pic>
+    </p:spTree>
   </p:cSld>
   <p:clrMapOvr>
     <a:masterClrMapping/>
@@ -5312,7 +5608,7 @@
     </a:clrScheme>
     <a:fontScheme name="Office">
       <a:majorFont>
-        <a:latin typeface="Calibri Light" panose="020F0302020204030204"/>
+        <a:latin typeface="Calibri Light"/>
         <a:ea typeface=""/>
         <a:cs typeface=""/>
         <a:font script="Jpan" typeface="游ゴシック Light"/>
@@ -5345,26 +5641,9 @@
         <a:font script="Viet" typeface="Times New Roman"/>
         <a:font script="Uigh" typeface="Microsoft Uighur"/>
         <a:font script="Geor" typeface="Sylfaen"/>
-        <a:font script="Armn" typeface="Arial"/>
-        <a:font script="Bugi" typeface="Leelawadee UI"/>
-        <a:font script="Bopo" typeface="Microsoft JhengHei"/>
-        <a:font script="Java" typeface="Javanese Text"/>
-        <a:font script="Lisu" typeface="Segoe UI"/>
-        <a:font script="Mymr" typeface="Myanmar Text"/>
-        <a:font script="Nkoo" typeface="Ebrima"/>
-        <a:font script="Olck" typeface="Nirmala UI"/>
-        <a:font script="Osma" typeface="Ebrima"/>
-        <a:font script="Phag" typeface="Phagspa"/>
-        <a:font script="Syrn" typeface="Estrangelo Edessa"/>
-        <a:font script="Syrj" typeface="Estrangelo Edessa"/>
-        <a:font script="Syre" typeface="Estrangelo Edessa"/>
-        <a:font script="Sora" typeface="Nirmala UI"/>
-        <a:font script="Tale" typeface="Microsoft Tai Le"/>
-        <a:font script="Talu" typeface="Microsoft New Tai Lue"/>
-        <a:font script="Tfng" typeface="Ebrima"/>
       </a:majorFont>
       <a:minorFont>
-        <a:latin typeface="Calibri" panose="020F0502020204030204"/>
+        <a:latin typeface="Calibri"/>
         <a:ea typeface=""/>
         <a:cs typeface=""/>
         <a:font script="Jpan" typeface="游ゴシック"/>
@@ -5397,23 +5676,6 @@
         <a:font script="Viet" typeface="Arial"/>
         <a:font script="Uigh" typeface="Microsoft Uighur"/>
         <a:font script="Geor" typeface="Sylfaen"/>
-        <a:font script="Armn" typeface="Arial"/>
-        <a:font script="Bugi" typeface="Leelawadee UI"/>
-        <a:font script="Bopo" typeface="Microsoft JhengHei"/>
-        <a:font script="Java" typeface="Javanese Text"/>
-        <a:font script="Lisu" typeface="Segoe UI"/>
-        <a:font script="Mymr" typeface="Myanmar Text"/>
-        <a:font script="Nkoo" typeface="Ebrima"/>
-        <a:font script="Olck" typeface="Nirmala UI"/>
-        <a:font script="Osma" typeface="Ebrima"/>
-        <a:font script="Phag" typeface="Phagspa"/>
-        <a:font script="Syrn" typeface="Estrangelo Edessa"/>
-        <a:font script="Syrj" typeface="Estrangelo Edessa"/>
-        <a:font script="Syre" typeface="Estrangelo Edessa"/>
-        <a:font script="Sora" typeface="Nirmala UI"/>
-        <a:font script="Tale" typeface="Microsoft Tai Le"/>
-        <a:font script="Talu" typeface="Microsoft New Tai Lue"/>
-        <a:font script="Tfng" typeface="Ebrima"/>
       </a:minorFont>
     </a:fontScheme>
     <a:fmtScheme name="Office">
@@ -5554,8 +5816,6 @@
       </a:bgFillStyleLst>
     </a:fmtScheme>
   </a:themeElements>
-  <a:objectDefaults/>
-  <a:extraClrSchemeLst/>
   <a:extLst>
     <a:ext uri="{05A4C25C-085E-4340-85A3-A5531E510DB2}">
       <thm15:themeFamily xmlns:thm15="http://schemas.microsoft.com/office/thememl/2012/main" name="Office Theme" id="{62F939B6-93AF-4DB8-9C6B-D6C7DFDC589F}" vid="{4A3C46E8-61CC-4603-A589-7422A47A8E4A}"/>
@@ -5607,7 +5867,7 @@
     </a:clrScheme>
     <a:fontScheme name="Office">
       <a:majorFont>
-        <a:latin typeface="Calibri Light" panose="020F0302020204030204"/>
+        <a:latin typeface="Calibri Light"/>
         <a:ea typeface=""/>
         <a:cs typeface=""/>
         <a:font script="Jpan" typeface="游ゴシック Light"/>
@@ -5640,26 +5900,9 @@
         <a:font script="Viet" typeface="Times New Roman"/>
         <a:font script="Uigh" typeface="Microsoft Uighur"/>
         <a:font script="Geor" typeface="Sylfaen"/>
-        <a:font script="Armn" typeface="Arial"/>
-        <a:font script="Bugi" typeface="Leelawadee UI"/>
-        <a:font script="Bopo" typeface="Microsoft JhengHei"/>
-        <a:font script="Java" typeface="Javanese Text"/>
-        <a:font script="Lisu" typeface="Segoe UI"/>
-        <a:font script="Mymr" typeface="Myanmar Text"/>
-        <a:font script="Nkoo" typeface="Ebrima"/>
-        <a:font script="Olck" typeface="Nirmala UI"/>
-        <a:font script="Osma" typeface="Ebrima"/>
-        <a:font script="Phag" typeface="Phagspa"/>
-        <a:font script="Syrn" typeface="Estrangelo Edessa"/>
-        <a:font script="Syrj" typeface="Estrangelo Edessa"/>
-        <a:font script="Syre" typeface="Estrangelo Edessa"/>
-        <a:font script="Sora" typeface="Nirmala UI"/>
-        <a:font script="Tale" typeface="Microsoft Tai Le"/>
-        <a:font script="Talu" typeface="Microsoft New Tai Lue"/>
-        <a:font script="Tfng" typeface="Ebrima"/>
       </a:majorFont>
       <a:minorFont>
-        <a:latin typeface="Calibri" panose="020F0502020204030204"/>
+        <a:latin typeface="Calibri"/>
         <a:ea typeface=""/>
         <a:cs typeface=""/>
         <a:font script="Jpan" typeface="游ゴシック"/>
@@ -5692,23 +5935,6 @@
         <a:font script="Viet" typeface="Arial"/>
         <a:font script="Uigh" typeface="Microsoft Uighur"/>
         <a:font script="Geor" typeface="Sylfaen"/>
-        <a:font script="Armn" typeface="Arial"/>
-        <a:font script="Bugi" typeface="Leelawadee UI"/>
-        <a:font script="Bopo" typeface="Microsoft JhengHei"/>
-        <a:font script="Java" typeface="Javanese Text"/>
-        <a:font script="Lisu" typeface="Segoe UI"/>
-        <a:font script="Mymr" typeface="Myanmar Text"/>
-        <a:font script="Nkoo" typeface="Ebrima"/>
-        <a:font script="Olck" typeface="Nirmala UI"/>
-        <a:font script="Osma" typeface="Ebrima"/>
-        <a:font script="Phag" typeface="Phagspa"/>
-        <a:font script="Syrn" typeface="Estrangelo Edessa"/>
-        <a:font script="Syrj" typeface="Estrangelo Edessa"/>
-        <a:font script="Syre" typeface="Estrangelo Edessa"/>
-        <a:font script="Sora" typeface="Nirmala UI"/>
-        <a:font script="Tale" typeface="Microsoft Tai Le"/>
-        <a:font script="Talu" typeface="Microsoft New Tai Lue"/>
-        <a:font script="Tfng" typeface="Ebrima"/>
       </a:minorFont>
     </a:fontScheme>
     <a:fmtScheme name="Office">
@@ -5849,8 +6075,6 @@
       </a:bgFillStyleLst>
     </a:fmtScheme>
   </a:themeElements>
-  <a:objectDefaults/>
-  <a:extraClrSchemeLst/>
   <a:extLst>
     <a:ext uri="{05A4C25C-085E-4340-85A3-A5531E510DB2}">
       <thm15:themeFamily xmlns:thm15="http://schemas.microsoft.com/office/thememl/2012/main" name="Office Theme" id="{62F939B6-93AF-4DB8-9C6B-D6C7DFDC589F}" vid="{4A3C46E8-61CC-4603-A589-7422A47A8E4A}"/>
@@ -5902,7 +6126,7 @@
     </a:clrScheme>
     <a:fontScheme name="Office">
       <a:majorFont>
-        <a:latin typeface="Calibri Light" panose="020F0302020204030204"/>
+        <a:latin typeface="Calibri Light"/>
         <a:ea typeface=""/>
         <a:cs typeface=""/>
         <a:font script="Jpan" typeface="游ゴシック Light"/>
@@ -5935,26 +6159,9 @@
         <a:font script="Viet" typeface="Times New Roman"/>
         <a:font script="Uigh" typeface="Microsoft Uighur"/>
         <a:font script="Geor" typeface="Sylfaen"/>
-        <a:font script="Armn" typeface="Arial"/>
-        <a:font script="Bugi" typeface="Leelawadee UI"/>
-        <a:font script="Bopo" typeface="Microsoft JhengHei"/>
-        <a:font script="Java" typeface="Javanese Text"/>
-        <a:font script="Lisu" typeface="Segoe UI"/>
-        <a:font script="Mymr" typeface="Myanmar Text"/>
-        <a:font script="Nkoo" typeface="Ebrima"/>
-        <a:font script="Olck" typeface="Nirmala UI"/>
-        <a:font script="Osma" typeface="Ebrima"/>
-        <a:font script="Phag" typeface="Phagspa"/>
-        <a:font script="Syrn" typeface="Estrangelo Edessa"/>
-        <a:font script="Syrj" typeface="Estrangelo Edessa"/>
-        <a:font script="Syre" typeface="Estrangelo Edessa"/>
-        <a:font script="Sora" typeface="Nirmala UI"/>
-        <a:font script="Tale" typeface="Microsoft Tai Le"/>
-        <a:font script="Talu" typeface="Microsoft New Tai Lue"/>
-        <a:font script="Tfng" typeface="Ebrima"/>
       </a:majorFont>
       <a:minorFont>
-        <a:latin typeface="Calibri" panose="020F0502020204030204"/>
+        <a:latin typeface="Calibri"/>
         <a:ea typeface=""/>
         <a:cs typeface=""/>
         <a:font script="Jpan" typeface="游ゴシック"/>
@@ -5987,23 +6194,6 @@
         <a:font script="Viet" typeface="Arial"/>
         <a:font script="Uigh" typeface="Microsoft Uighur"/>
         <a:font script="Geor" typeface="Sylfaen"/>
-        <a:font script="Armn" typeface="Arial"/>
-        <a:font script="Bugi" typeface="Leelawadee UI"/>
-        <a:font script="Bopo" typeface="Microsoft JhengHei"/>
-        <a:font script="Java" typeface="Javanese Text"/>
-        <a:font script="Lisu" typeface="Segoe UI"/>
-        <a:font script="Mymr" typeface="Myanmar Text"/>
-        <a:font script="Nkoo" typeface="Ebrima"/>
-        <a:font script="Olck" typeface="Nirmala UI"/>
-        <a:font script="Osma" typeface="Ebrima"/>
-        <a:font script="Phag" typeface="Phagspa"/>
-        <a:font script="Syrn" typeface="Estrangelo Edessa"/>
-        <a:font script="Syrj" typeface="Estrangelo Edessa"/>
-        <a:font script="Syre" typeface="Estrangelo Edessa"/>
-        <a:font script="Sora" typeface="Nirmala UI"/>
-        <a:font script="Tale" typeface="Microsoft Tai Le"/>
-        <a:font script="Talu" typeface="Microsoft New Tai Lue"/>
-        <a:font script="Tfng" typeface="Ebrima"/>
       </a:minorFont>
     </a:fontScheme>
     <a:fmtScheme name="Office">
@@ -6144,8 +6334,6 @@
       </a:bgFillStyleLst>
     </a:fmtScheme>
   </a:themeElements>
-  <a:objectDefaults/>
-  <a:extraClrSchemeLst/>
   <a:extLst>
     <a:ext uri="{05A4C25C-085E-4340-85A3-A5531E510DB2}">
       <thm15:themeFamily xmlns:thm15="http://schemas.microsoft.com/office/thememl/2012/main" name="Office Theme" id="{62F939B6-93AF-4DB8-9C6B-D6C7DFDC589F}" vid="{4A3C46E8-61CC-4603-A589-7422A47A8E4A}"/>

--- a/Review - 1.pptx
+++ b/Review - 1.pptx
@@ -8,7 +8,7 @@
     <p:notesMasterId r:id="rId7"/>
   </p:notesMasterIdLst>
   <p:handoutMasterIdLst>
-    <p:handoutMasterId r:id="rId14"/>
+    <p:handoutMasterId r:id="rId19"/>
   </p:handoutMasterIdLst>
   <p:sldIdLst>
     <p:sldId id="256" r:id="rId3"/>
@@ -21,6 +21,11 @@
     <p:sldId id="266" r:id="rId11"/>
     <p:sldId id="267" r:id="rId12"/>
     <p:sldId id="268" r:id="rId13"/>
+    <p:sldId id="271" r:id="rId14"/>
+    <p:sldId id="272" r:id="rId15"/>
+    <p:sldId id="273" r:id="rId16"/>
+    <p:sldId id="274" r:id="rId17"/>
+    <p:sldId id="275" r:id="rId18"/>
   </p:sldIdLst>
   <p:sldSz cx="12192000" cy="6858000"/>
   <p:notesSz cx="6858000" cy="9144000"/>
@@ -761,6 +766,174 @@
               <a:rPr lang="en-IN" smtClean="0"/>
             </a:fld>
             <a:endParaRPr lang="en-IN"/>
+          </a:p>
+        </p:txBody>
+      </p:sp>
+    </p:spTree>
+  </p:cSld>
+  <p:clrMapOvr>
+    <a:masterClrMapping/>
+  </p:clrMapOvr>
+</p:notes>
+</file>
+
+<file path=ppt/notesSlides/notesSlide3.xml><?xml version="1.0" encoding="utf-8"?>
+<p:notes xmlns:a="http://schemas.openxmlformats.org/drawingml/2006/main" xmlns:r="http://schemas.openxmlformats.org/officeDocument/2006/relationships" xmlns:p="http://schemas.openxmlformats.org/presentationml/2006/main">
+  <p:cSld>
+    <p:spTree>
+      <p:nvGrpSpPr>
+        <p:cNvPr id="1" name=""/>
+        <p:cNvGrpSpPr/>
+        <p:nvPr/>
+      </p:nvGrpSpPr>
+      <p:grpSpPr/>
+      <p:sp>
+        <p:nvSpPr>
+          <p:cNvPr id="11265" name="Slide Image Placeholder 1"/>
+          <p:cNvSpPr>
+            <a:spLocks noGrp="1" noRot="1"/>
+          </p:cNvSpPr>
+          <p:nvPr>
+            <p:ph type="sldImg"/>
+          </p:nvPr>
+        </p:nvSpPr>
+        <p:spPr/>
+      </p:sp>
+      <p:sp>
+        <p:nvSpPr>
+          <p:cNvPr id="11266" name="Text Placeholder 2"/>
+          <p:cNvSpPr>
+            <a:spLocks noGrp="1"/>
+          </p:cNvSpPr>
+          <p:nvPr>
+            <p:ph type="body"/>
+          </p:nvPr>
+        </p:nvSpPr>
+        <p:spPr/>
+        <p:txBody>
+          <a:bodyPr lIns="91440" tIns="45720" rIns="91440" bIns="45720" anchor="t"/>
+          <a:p>
+            <a:pPr lvl="0"/>
+            <a:endParaRPr lang="en-US" altLang="zh-CN"/>
+          </a:p>
+        </p:txBody>
+      </p:sp>
+      <p:sp>
+        <p:nvSpPr>
+          <p:cNvPr id="11267" name="Footer Placeholder 3"/>
+          <p:cNvSpPr>
+            <a:spLocks noGrp="1"/>
+          </p:cNvSpPr>
+          <p:nvPr>
+            <p:ph type="ftr" sz="quarter"/>
+          </p:nvPr>
+        </p:nvSpPr>
+        <p:spPr>
+          <a:xfrm>
+            <a:off x="0" y="8685213"/>
+            <a:ext cx="2971800" cy="458787"/>
+          </a:xfrm>
+          <a:prstGeom prst="rect">
+            <a:avLst/>
+          </a:prstGeom>
+          <a:noFill/>
+          <a:ln w="9525">
+            <a:noFill/>
+          </a:ln>
+        </p:spPr>
+        <p:txBody>
+          <a:bodyPr vert="horz" lIns="91440" tIns="45720" rIns="91440" bIns="45720" anchor="b"/>
+          <a:p>
+            <a:pPr lvl="0"/>
+            <a:r>
+              <a:rPr lang="en-US" altLang="zh-CN" sz="1200"/>
+              <a:t>Varun Bohara</a:t>
+            </a:r>
+            <a:endParaRPr lang="en-US" altLang="zh-CN" sz="1200"/>
+          </a:p>
+        </p:txBody>
+      </p:sp>
+    </p:spTree>
+  </p:cSld>
+  <p:clrMapOvr>
+    <a:masterClrMapping/>
+  </p:clrMapOvr>
+</p:notes>
+</file>
+
+<file path=ppt/notesSlides/notesSlide4.xml><?xml version="1.0" encoding="utf-8"?>
+<p:notes xmlns:a="http://schemas.openxmlformats.org/drawingml/2006/main" xmlns:r="http://schemas.openxmlformats.org/officeDocument/2006/relationships" xmlns:p="http://schemas.openxmlformats.org/presentationml/2006/main">
+  <p:cSld>
+    <p:spTree>
+      <p:nvGrpSpPr>
+        <p:cNvPr id="1" name=""/>
+        <p:cNvGrpSpPr/>
+        <p:nvPr/>
+      </p:nvGrpSpPr>
+      <p:grpSpPr/>
+      <p:sp>
+        <p:nvSpPr>
+          <p:cNvPr id="13313" name="Slide Image Placeholder 1"/>
+          <p:cNvSpPr>
+            <a:spLocks noGrp="1" noRot="1"/>
+          </p:cNvSpPr>
+          <p:nvPr>
+            <p:ph type="sldImg"/>
+          </p:nvPr>
+        </p:nvSpPr>
+        <p:spPr/>
+      </p:sp>
+      <p:sp>
+        <p:nvSpPr>
+          <p:cNvPr id="13314" name="Text Placeholder 2"/>
+          <p:cNvSpPr>
+            <a:spLocks noGrp="1"/>
+          </p:cNvSpPr>
+          <p:nvPr>
+            <p:ph type="body"/>
+          </p:nvPr>
+        </p:nvSpPr>
+        <p:spPr/>
+        <p:txBody>
+          <a:bodyPr lIns="91440" tIns="45720" rIns="91440" bIns="45720" anchor="t"/>
+          <a:p>
+            <a:pPr lvl="0"/>
+            <a:endParaRPr lang="en-US" altLang="zh-CN"/>
+          </a:p>
+        </p:txBody>
+      </p:sp>
+      <p:sp>
+        <p:nvSpPr>
+          <p:cNvPr id="13315" name="Footer Placeholder 3"/>
+          <p:cNvSpPr>
+            <a:spLocks noGrp="1"/>
+          </p:cNvSpPr>
+          <p:nvPr>
+            <p:ph type="ftr" sz="quarter"/>
+          </p:nvPr>
+        </p:nvSpPr>
+        <p:spPr>
+          <a:xfrm>
+            <a:off x="0" y="8685213"/>
+            <a:ext cx="2971800" cy="458787"/>
+          </a:xfrm>
+          <a:prstGeom prst="rect">
+            <a:avLst/>
+          </a:prstGeom>
+          <a:noFill/>
+          <a:ln w="9525">
+            <a:noFill/>
+          </a:ln>
+        </p:spPr>
+        <p:txBody>
+          <a:bodyPr vert="horz" lIns="91440" tIns="45720" rIns="91440" bIns="45720" anchor="b"/>
+          <a:p>
+            <a:pPr lvl="0"/>
+            <a:r>
+              <a:rPr lang="en-US" altLang="zh-CN" sz="1200"/>
+              <a:t>Varun Bohara</a:t>
+            </a:r>
+            <a:endParaRPr lang="en-US" altLang="zh-CN" sz="1200"/>
           </a:p>
         </p:txBody>
       </p:sp>
@@ -3891,6 +4064,1770 @@
           </a:prstGeom>
         </p:spPr>
       </p:pic>
+    </p:spTree>
+  </p:cSld>
+  <p:clrMapOvr>
+    <a:masterClrMapping/>
+  </p:clrMapOvr>
+</p:sld>
+</file>
+
+<file path=ppt/slides/slide11.xml><?xml version="1.0" encoding="utf-8"?>
+<p:sld xmlns:a="http://schemas.openxmlformats.org/drawingml/2006/main" xmlns:r="http://schemas.openxmlformats.org/officeDocument/2006/relationships" xmlns:p="http://schemas.openxmlformats.org/presentationml/2006/main">
+  <p:cSld>
+    <p:spTree>
+      <p:nvGrpSpPr>
+        <p:cNvPr id="1" name=""/>
+        <p:cNvGrpSpPr/>
+        <p:nvPr/>
+      </p:nvGrpSpPr>
+      <p:grpSpPr/>
+      <p:sp>
+        <p:nvSpPr>
+          <p:cNvPr id="10241" name="Title 1"/>
+          <p:cNvSpPr>
+            <a:spLocks noGrp="1"/>
+          </p:cNvSpPr>
+          <p:nvPr>
+            <p:ph type="title"/>
+          </p:nvPr>
+        </p:nvSpPr>
+        <p:spPr/>
+        <p:txBody>
+          <a:bodyPr anchor="ctr">
+            <a:normAutofit fontScale="90000"/>
+          </a:bodyPr>
+          <a:p>
+            <a:pPr algn="ctr"/>
+            <a:r>
+              <a:rPr lang="en-US" altLang="zh-CN" sz="3600">
+                <a:latin typeface="Cambria" panose="02040503050406030204" charset="0"/>
+              </a:rPr>
+              <a:t>Analysis of Implemented Approach</a:t>
+            </a:r>
+            <a:br>
+              <a:rPr lang="en-US" altLang="zh-CN" sz="3600">
+                <a:latin typeface="Cambria" panose="02040503050406030204" charset="0"/>
+              </a:rPr>
+            </a:br>
+            <a:r>
+              <a:rPr lang="en-US" altLang="zh-CN" sz="2000">
+                <a:latin typeface="Cambria" panose="02040503050406030204" charset="0"/>
+              </a:rPr>
+              <a:t>Hateful Memes Challenge</a:t>
+            </a:r>
+            <a:br>
+              <a:rPr lang="en-US" altLang="zh-CN" sz="2000">
+                <a:latin typeface="Cambria" panose="02040503050406030204" charset="0"/>
+              </a:rPr>
+            </a:br>
+            <a:r>
+              <a:rPr lang="en-US" altLang="zh-CN" sz="2000">
+                <a:latin typeface="Cambria" panose="02040503050406030204" charset="0"/>
+              </a:rPr>
+              <a:t>2020, SEP 22    </a:t>
+            </a:r>
+            <a:br>
+              <a:rPr lang="en-US" altLang="zh-CN" sz="2000">
+                <a:latin typeface="Cambria" panose="02040503050406030204" charset="0"/>
+              </a:rPr>
+            </a:br>
+            <a:r>
+              <a:rPr lang="en-US" altLang="zh-CN" sz="2000">
+                <a:latin typeface="Cambria" panose="02040503050406030204" charset="0"/>
+              </a:rPr>
+              <a:t>Yuval Nirkin   Assaf Rabinowitz   Yoni Solel</a:t>
+            </a:r>
+            <a:endParaRPr lang="en-US" altLang="zh-CN" sz="2000">
+              <a:latin typeface="Cambria" panose="02040503050406030204" charset="0"/>
+            </a:endParaRPr>
+          </a:p>
+        </p:txBody>
+      </p:sp>
+      <p:sp>
+        <p:nvSpPr>
+          <p:cNvPr id="3" name="Content Placeholder 2"/>
+          <p:cNvSpPr>
+            <a:spLocks noGrp="1"/>
+          </p:cNvSpPr>
+          <p:nvPr>
+            <p:ph idx="1"/>
+          </p:nvPr>
+        </p:nvSpPr>
+        <p:spPr/>
+        <p:txBody>
+          <a:bodyPr/>
+          <a:p>
+            <a:pPr marL="0" marR="0" indent="0" algn="l" defTabSz="914400" rtl="0" eaLnBrk="1" fontAlgn="base" latinLnBrk="0" hangingPunct="1">
+              <a:lnSpc>
+                <a:spcPct val="100000"/>
+              </a:lnSpc>
+              <a:spcBef>
+                <a:spcPct val="20000"/>
+              </a:spcBef>
+              <a:spcAft>
+                <a:spcPct val="0"/>
+              </a:spcAft>
+              <a:buClrTx/>
+              <a:buSzTx/>
+              <a:buFontTx/>
+              <a:buNone/>
+            </a:pPr>
+            <a:endParaRPr kumimoji="0" lang="en-US" sz="2000" b="0" i="0" u="none" strike="noStrike" kern="1200" cap="none" spc="0" normalizeH="0" baseline="0" noProof="1">
+              <a:solidFill>
+                <a:schemeClr val="tx1"/>
+              </a:solidFill>
+              <a:latin typeface="Cambria" panose="02040503050406030204" charset="0"/>
+              <a:ea typeface="+mn-ea"/>
+              <a:cs typeface="Cambria" panose="02040503050406030204" charset="0"/>
+            </a:endParaRPr>
+          </a:p>
+          <a:p>
+            <a:pPr marL="0" marR="0" indent="0" algn="l" defTabSz="914400" rtl="0" eaLnBrk="1" fontAlgn="base" latinLnBrk="0" hangingPunct="1">
+              <a:lnSpc>
+                <a:spcPct val="100000"/>
+              </a:lnSpc>
+              <a:spcBef>
+                <a:spcPct val="20000"/>
+              </a:spcBef>
+              <a:spcAft>
+                <a:spcPct val="0"/>
+              </a:spcAft>
+              <a:buClrTx/>
+              <a:buSzTx/>
+              <a:buFontTx/>
+              <a:buNone/>
+            </a:pPr>
+            <a:endParaRPr kumimoji="0" lang="en-US" sz="2000" b="0" i="0" u="none" strike="noStrike" kern="1200" cap="none" spc="0" normalizeH="0" baseline="0" noProof="1">
+              <a:solidFill>
+                <a:schemeClr val="tx1"/>
+              </a:solidFill>
+              <a:latin typeface="Cambria" panose="02040503050406030204" charset="0"/>
+              <a:ea typeface="+mn-ea"/>
+              <a:cs typeface="Cambria" panose="02040503050406030204" charset="0"/>
+            </a:endParaRPr>
+          </a:p>
+          <a:p>
+            <a:pPr marL="0" marR="0" indent="0" algn="l" defTabSz="914400" rtl="0" eaLnBrk="1" fontAlgn="base" latinLnBrk="0" hangingPunct="1">
+              <a:lnSpc>
+                <a:spcPct val="100000"/>
+              </a:lnSpc>
+              <a:spcBef>
+                <a:spcPct val="20000"/>
+              </a:spcBef>
+              <a:spcAft>
+                <a:spcPct val="0"/>
+              </a:spcAft>
+              <a:buClrTx/>
+              <a:buSzTx/>
+              <a:buFontTx/>
+              <a:buNone/>
+            </a:pPr>
+            <a:r>
+              <a:rPr kumimoji="0" lang="en-US" sz="2000" b="0" i="0" u="none" strike="noStrike" kern="1200" cap="none" spc="0" normalizeH="0" baseline="0" noProof="1">
+                <a:solidFill>
+                  <a:schemeClr val="tx1"/>
+                </a:solidFill>
+                <a:latin typeface="Cambria" panose="02040503050406030204" charset="0"/>
+                <a:ea typeface="+mn-ea"/>
+                <a:cs typeface="Cambria" panose="02040503050406030204" charset="0"/>
+              </a:rPr>
+              <a:t>Data Processing </a:t>
+            </a:r>
+            <a:endParaRPr kumimoji="0" lang="en-US" sz="2000" b="0" i="0" u="none" strike="noStrike" kern="1200" cap="none" spc="0" normalizeH="0" baseline="0" noProof="1">
+              <a:solidFill>
+                <a:schemeClr val="tx1"/>
+              </a:solidFill>
+              <a:latin typeface="Cambria" panose="02040503050406030204" charset="0"/>
+              <a:ea typeface="+mn-ea"/>
+              <a:cs typeface="Cambria" panose="02040503050406030204" charset="0"/>
+            </a:endParaRPr>
+          </a:p>
+          <a:p>
+            <a:pPr marL="342900" marR="0" indent="-342900" algn="l" defTabSz="914400" rtl="0" eaLnBrk="1" fontAlgn="base" latinLnBrk="0" hangingPunct="1">
+              <a:lnSpc>
+                <a:spcPct val="100000"/>
+              </a:lnSpc>
+              <a:spcBef>
+                <a:spcPct val="20000"/>
+              </a:spcBef>
+              <a:spcAft>
+                <a:spcPct val="0"/>
+              </a:spcAft>
+              <a:buClrTx/>
+              <a:buSzTx/>
+              <a:buFontTx/>
+              <a:buChar char="•"/>
+            </a:pPr>
+            <a:r>
+              <a:rPr kumimoji="0" lang="en-US" sz="2000" b="0" i="0" u="none" strike="noStrike" kern="1200" cap="none" spc="0" normalizeH="0" baseline="0" noProof="1">
+                <a:solidFill>
+                  <a:schemeClr val="tx1"/>
+                </a:solidFill>
+                <a:latin typeface="Cambria" panose="02040503050406030204" charset="0"/>
+                <a:ea typeface="+mn-ea"/>
+                <a:cs typeface="Cambria" panose="02040503050406030204" charset="0"/>
+              </a:rPr>
+              <a:t>Text embedding :SBERT	         </a:t>
+            </a:r>
+            <a:endParaRPr kumimoji="0" lang="en-US" sz="1400" b="0" i="0" u="none" strike="noStrike" kern="1200" cap="none" spc="0" normalizeH="0" baseline="0" noProof="1">
+              <a:solidFill>
+                <a:schemeClr val="tx1"/>
+              </a:solidFill>
+              <a:latin typeface="Cambria" panose="02040503050406030204" charset="0"/>
+              <a:ea typeface="+mn-ea"/>
+              <a:cs typeface="Cambria" panose="02040503050406030204" charset="0"/>
+            </a:endParaRPr>
+          </a:p>
+          <a:p>
+            <a:pPr marL="342900" marR="0" indent="-342900" algn="l" defTabSz="914400" rtl="0" eaLnBrk="1" fontAlgn="base" latinLnBrk="0" hangingPunct="1">
+              <a:lnSpc>
+                <a:spcPct val="100000"/>
+              </a:lnSpc>
+              <a:spcBef>
+                <a:spcPct val="20000"/>
+              </a:spcBef>
+              <a:spcAft>
+                <a:spcPct val="0"/>
+              </a:spcAft>
+              <a:buClrTx/>
+              <a:buSzTx/>
+              <a:buFontTx/>
+              <a:buChar char="•"/>
+            </a:pPr>
+            <a:r>
+              <a:rPr kumimoji="0" lang="en-US" sz="2000" b="0" i="0" u="none" strike="noStrike" kern="1200" cap="none" spc="0" normalizeH="0" baseline="0" noProof="1">
+                <a:solidFill>
+                  <a:schemeClr val="tx1"/>
+                </a:solidFill>
+                <a:latin typeface="Cambria" panose="02040503050406030204" charset="0"/>
+                <a:ea typeface="+mn-ea"/>
+                <a:cs typeface="Cambria" panose="02040503050406030204" charset="0"/>
+              </a:rPr>
+              <a:t>Image Embedding: MobileNetV3 </a:t>
+            </a:r>
+            <a:endParaRPr kumimoji="0" lang="en-US" sz="2000" b="0" i="0" u="none" strike="noStrike" kern="1200" cap="none" spc="0" normalizeH="0" baseline="0" noProof="1">
+              <a:solidFill>
+                <a:schemeClr val="tx1"/>
+              </a:solidFill>
+              <a:latin typeface="Cambria" panose="02040503050406030204" charset="0"/>
+              <a:ea typeface="+mn-ea"/>
+              <a:cs typeface="Cambria" panose="02040503050406030204" charset="0"/>
+            </a:endParaRPr>
+          </a:p>
+          <a:p>
+            <a:pPr marL="342900" marR="0" indent="-342900" algn="l" defTabSz="914400" rtl="0" eaLnBrk="1" fontAlgn="base" latinLnBrk="0" hangingPunct="1">
+              <a:lnSpc>
+                <a:spcPct val="100000"/>
+              </a:lnSpc>
+              <a:spcBef>
+                <a:spcPct val="20000"/>
+              </a:spcBef>
+              <a:spcAft>
+                <a:spcPct val="0"/>
+              </a:spcAft>
+              <a:buClrTx/>
+              <a:buSzTx/>
+              <a:buFontTx/>
+              <a:buChar char="•"/>
+            </a:pPr>
+            <a:r>
+              <a:rPr kumimoji="0" lang="en-US" sz="2000" b="1" i="0" u="none" strike="noStrike" kern="1200" cap="none" spc="0" normalizeH="0" baseline="0" noProof="1">
+                <a:solidFill>
+                  <a:schemeClr val="tx1"/>
+                </a:solidFill>
+                <a:latin typeface="Cambria" panose="02040503050406030204" charset="0"/>
+                <a:ea typeface="+mn-ea"/>
+                <a:cs typeface="Cambria" panose="02040503050406030204" charset="0"/>
+              </a:rPr>
+              <a:t>Hypernetworks</a:t>
+            </a:r>
+            <a:endParaRPr kumimoji="0" lang="en-US" sz="2000" b="1" i="0" u="none" strike="noStrike" kern="1200" cap="none" spc="0" normalizeH="0" baseline="0" noProof="1">
+              <a:solidFill>
+                <a:schemeClr val="tx1"/>
+              </a:solidFill>
+              <a:latin typeface="Cambria" panose="02040503050406030204" charset="0"/>
+              <a:ea typeface="+mn-ea"/>
+              <a:cs typeface="Cambria" panose="02040503050406030204" charset="0"/>
+            </a:endParaRPr>
+          </a:p>
+          <a:p>
+            <a:pPr marL="342900" marR="0" indent="-342900" algn="l" defTabSz="914400" rtl="0" eaLnBrk="1" fontAlgn="base" latinLnBrk="0" hangingPunct="1">
+              <a:lnSpc>
+                <a:spcPct val="100000"/>
+              </a:lnSpc>
+              <a:spcBef>
+                <a:spcPct val="20000"/>
+              </a:spcBef>
+              <a:spcAft>
+                <a:spcPct val="0"/>
+              </a:spcAft>
+              <a:buClrTx/>
+              <a:buSzTx/>
+              <a:buFontTx/>
+              <a:buChar char="•"/>
+            </a:pPr>
+            <a:r>
+              <a:rPr kumimoji="0" lang="en-US" sz="2000" i="0" u="none" strike="noStrike" kern="1200" cap="none" spc="0" normalizeH="0" baseline="0" noProof="1">
+                <a:solidFill>
+                  <a:schemeClr val="tx1"/>
+                </a:solidFill>
+                <a:latin typeface="Cambria" panose="02040503050406030204" charset="0"/>
+                <a:ea typeface="+mn-ea"/>
+                <a:cs typeface="Cambria" panose="02040503050406030204" charset="0"/>
+              </a:rPr>
+              <a:t>Decoder</a:t>
+            </a:r>
+            <a:endParaRPr kumimoji="0" lang="en-US" sz="2000" b="0" i="0" u="none" strike="noStrike" kern="1200" cap="none" spc="0" normalizeH="0" baseline="0" noProof="1">
+              <a:solidFill>
+                <a:schemeClr val="tx1"/>
+              </a:solidFill>
+              <a:latin typeface="Cambria" panose="02040503050406030204" charset="0"/>
+              <a:ea typeface="+mn-ea"/>
+              <a:cs typeface="Cambria" panose="02040503050406030204" charset="0"/>
+            </a:endParaRPr>
+          </a:p>
+          <a:p>
+            <a:pPr marL="0" marR="0" indent="0" algn="l" defTabSz="914400" rtl="0" eaLnBrk="1" fontAlgn="base" latinLnBrk="0" hangingPunct="1">
+              <a:lnSpc>
+                <a:spcPct val="100000"/>
+              </a:lnSpc>
+              <a:spcBef>
+                <a:spcPct val="20000"/>
+              </a:spcBef>
+              <a:spcAft>
+                <a:spcPct val="0"/>
+              </a:spcAft>
+              <a:buClrTx/>
+              <a:buSzTx/>
+              <a:buFontTx/>
+              <a:buNone/>
+            </a:pPr>
+            <a:endParaRPr kumimoji="0" lang="en-US" sz="2000" b="0" i="0" u="none" strike="noStrike" kern="1200" cap="none" spc="0" normalizeH="0" baseline="0" noProof="1">
+              <a:solidFill>
+                <a:schemeClr val="tx1"/>
+              </a:solidFill>
+              <a:latin typeface="Cambria" panose="02040503050406030204" charset="0"/>
+              <a:ea typeface="+mn-ea"/>
+              <a:cs typeface="Cambria" panose="02040503050406030204" charset="0"/>
+            </a:endParaRPr>
+          </a:p>
+          <a:p>
+            <a:pPr marL="0" marR="0" indent="0" algn="l" defTabSz="914400" rtl="0" eaLnBrk="1" fontAlgn="base" latinLnBrk="0" hangingPunct="1">
+              <a:lnSpc>
+                <a:spcPct val="100000"/>
+              </a:lnSpc>
+              <a:spcBef>
+                <a:spcPct val="20000"/>
+              </a:spcBef>
+              <a:spcAft>
+                <a:spcPct val="0"/>
+              </a:spcAft>
+              <a:buClrTx/>
+              <a:buSzTx/>
+              <a:buFontTx/>
+              <a:buNone/>
+            </a:pPr>
+            <a:endParaRPr kumimoji="0" lang="en-US" sz="1250" b="0" i="0" u="none" strike="noStrike" kern="1200" cap="none" spc="0" normalizeH="0" baseline="0" noProof="1">
+              <a:solidFill>
+                <a:schemeClr val="tx1"/>
+              </a:solidFill>
+              <a:latin typeface="Cambria" panose="02040503050406030204" charset="0"/>
+              <a:ea typeface="+mn-ea"/>
+              <a:cs typeface="Cambria" panose="02040503050406030204" charset="0"/>
+            </a:endParaRPr>
+          </a:p>
+        </p:txBody>
+      </p:sp>
+    </p:spTree>
+  </p:cSld>
+  <p:clrMapOvr>
+    <a:masterClrMapping/>
+  </p:clrMapOvr>
+</p:sld>
+</file>
+
+<file path=ppt/slides/slide12.xml><?xml version="1.0" encoding="utf-8"?>
+<p:sld xmlns:a="http://schemas.openxmlformats.org/drawingml/2006/main" xmlns:r="http://schemas.openxmlformats.org/officeDocument/2006/relationships" xmlns:p="http://schemas.openxmlformats.org/presentationml/2006/main">
+  <p:cSld>
+    <p:spTree>
+      <p:nvGrpSpPr>
+        <p:cNvPr id="1" name=""/>
+        <p:cNvGrpSpPr/>
+        <p:nvPr/>
+      </p:nvGrpSpPr>
+      <p:grpSpPr/>
+      <p:sp>
+        <p:nvSpPr>
+          <p:cNvPr id="12289" name="Title 1"/>
+          <p:cNvSpPr>
+            <a:spLocks noGrp="1"/>
+          </p:cNvSpPr>
+          <p:nvPr>
+            <p:ph type="title"/>
+          </p:nvPr>
+        </p:nvSpPr>
+        <p:spPr/>
+        <p:txBody>
+          <a:bodyPr anchor="ctr"/>
+          <a:p>
+            <a:r>
+              <a:rPr lang="en-US" altLang="zh-CN">
+                <a:latin typeface="Cambria" panose="02040503050406030204" charset="0"/>
+              </a:rPr>
+              <a:t>Model Description</a:t>
+            </a:r>
+            <a:endParaRPr lang="en-US" altLang="zh-CN">
+              <a:latin typeface="Cambria" panose="02040503050406030204" charset="0"/>
+            </a:endParaRPr>
+          </a:p>
+        </p:txBody>
+      </p:sp>
+      <p:sp>
+        <p:nvSpPr>
+          <p:cNvPr id="3" name="Content Placeholder 2"/>
+          <p:cNvSpPr>
+            <a:spLocks noGrp="1"/>
+          </p:cNvSpPr>
+          <p:nvPr>
+            <p:ph idx="1"/>
+          </p:nvPr>
+        </p:nvSpPr>
+        <p:spPr>
+          <a:xfrm>
+            <a:off x="457200" y="3937000"/>
+            <a:ext cx="8229600" cy="2768600"/>
+          </a:xfrm>
+        </p:spPr>
+        <p:txBody>
+          <a:bodyPr/>
+          <a:p>
+            <a:pPr marL="342900" marR="0" indent="-342900" algn="l" defTabSz="914400" rtl="0" eaLnBrk="1" fontAlgn="base" latinLnBrk="0" hangingPunct="1">
+              <a:lnSpc>
+                <a:spcPct val="100000"/>
+              </a:lnSpc>
+              <a:spcBef>
+                <a:spcPct val="20000"/>
+              </a:spcBef>
+              <a:spcAft>
+                <a:spcPct val="0"/>
+              </a:spcAft>
+              <a:buClrTx/>
+              <a:buSzTx/>
+              <a:buFontTx/>
+              <a:buChar char="•"/>
+            </a:pPr>
+            <a:r>
+              <a:rPr kumimoji="0" lang="en-US" sz="1400" b="0" i="0" u="none" strike="noStrike" kern="1200" cap="none" spc="0" normalizeH="0" baseline="0" noProof="1">
+                <a:solidFill>
+                  <a:schemeClr val="tx1"/>
+                </a:solidFill>
+                <a:latin typeface="Cambria" panose="02040503050406030204" charset="0"/>
+                <a:ea typeface="+mn-ea"/>
+                <a:cs typeface="Cambria" panose="02040503050406030204" charset="0"/>
+              </a:rPr>
+              <a:t>The model based onto the hypernetwork. </a:t>
+            </a:r>
+            <a:endParaRPr kumimoji="0" lang="en-US" sz="1400" b="0" i="0" u="none" strike="noStrike" kern="1200" cap="none" spc="0" normalizeH="0" baseline="0" noProof="1">
+              <a:solidFill>
+                <a:schemeClr val="tx1"/>
+              </a:solidFill>
+              <a:latin typeface="Cambria" panose="02040503050406030204" charset="0"/>
+              <a:ea typeface="+mn-ea"/>
+              <a:cs typeface="Cambria" panose="02040503050406030204" charset="0"/>
+            </a:endParaRPr>
+          </a:p>
+          <a:p>
+            <a:pPr marL="0" marR="0" indent="0" algn="l" defTabSz="914400" rtl="0" eaLnBrk="1" fontAlgn="base" latinLnBrk="0" hangingPunct="1">
+              <a:lnSpc>
+                <a:spcPct val="100000"/>
+              </a:lnSpc>
+              <a:spcBef>
+                <a:spcPct val="20000"/>
+              </a:spcBef>
+              <a:spcAft>
+                <a:spcPct val="0"/>
+              </a:spcAft>
+              <a:buClrTx/>
+              <a:buSzTx/>
+              <a:buFontTx/>
+              <a:buNone/>
+            </a:pPr>
+            <a:r>
+              <a:rPr kumimoji="0" lang="en-US" sz="2000" b="0" i="0" u="none" strike="noStrike" kern="1200" cap="none" spc="0" normalizeH="0" baseline="0" noProof="1">
+                <a:solidFill>
+                  <a:schemeClr val="tx1"/>
+                </a:solidFill>
+                <a:latin typeface="Cambria" panose="02040503050406030204" charset="0"/>
+                <a:ea typeface="+mn-ea"/>
+                <a:cs typeface="Cambria" panose="02040503050406030204" charset="0"/>
+              </a:rPr>
+              <a:t>		</a:t>
+            </a:r>
+            <a:r>
+              <a:rPr kumimoji="0" lang="en-US" sz="1200" b="0" i="0" u="none" strike="noStrike" kern="1200" cap="none" spc="0" normalizeH="0" baseline="0" noProof="1">
+                <a:solidFill>
+                  <a:schemeClr val="tx1"/>
+                </a:solidFill>
+                <a:latin typeface="Cambria" panose="02040503050406030204" charset="0"/>
+                <a:ea typeface="+mn-ea"/>
+                <a:cs typeface="Cambria" panose="02040503050406030204" charset="0"/>
+              </a:rPr>
+              <a:t>The hypernetwork is a network that predicts the weights of another larger  network.</a:t>
+            </a:r>
+            <a:endParaRPr kumimoji="0" lang="en-US" sz="1400" b="0" i="0" u="none" strike="noStrike" kern="1200" cap="none" spc="0" normalizeH="0" baseline="0" noProof="1">
+              <a:solidFill>
+                <a:schemeClr val="tx1"/>
+              </a:solidFill>
+              <a:latin typeface="Cambria" panose="02040503050406030204" charset="0"/>
+              <a:ea typeface="+mn-ea"/>
+              <a:cs typeface="Cambria" panose="02040503050406030204" charset="0"/>
+            </a:endParaRPr>
+          </a:p>
+          <a:p>
+            <a:pPr marL="342900" marR="0" indent="-342900" algn="l" defTabSz="914400" rtl="0" eaLnBrk="1" fontAlgn="base" latinLnBrk="0" hangingPunct="1">
+              <a:lnSpc>
+                <a:spcPct val="100000"/>
+              </a:lnSpc>
+              <a:spcBef>
+                <a:spcPct val="20000"/>
+              </a:spcBef>
+              <a:spcAft>
+                <a:spcPct val="0"/>
+              </a:spcAft>
+              <a:buClrTx/>
+              <a:buSzTx/>
+              <a:buFontTx/>
+              <a:buChar char="•"/>
+            </a:pPr>
+            <a:r>
+              <a:rPr kumimoji="0" lang="en-US" sz="1400" b="0" i="0" u="none" strike="noStrike" kern="1200" cap="none" spc="0" normalizeH="0" baseline="0" noProof="1">
+                <a:solidFill>
+                  <a:schemeClr val="tx1"/>
+                </a:solidFill>
+                <a:latin typeface="Cambria" panose="02040503050406030204" charset="0"/>
+                <a:ea typeface="+mn-ea"/>
+                <a:cs typeface="Cambria" panose="02040503050406030204" charset="0"/>
+              </a:rPr>
+              <a:t>The language model is based on SBert, it accepts the image's text and produces the text embedding </a:t>
+            </a:r>
+            <a:r>
+              <a:rPr kumimoji="0" lang="en-US" sz="1600" b="1" i="0" u="none" strike="noStrike" kern="1200" cap="none" spc="0" normalizeH="0" baseline="0" noProof="1">
+                <a:solidFill>
+                  <a:schemeClr val="tx1"/>
+                </a:solidFill>
+                <a:latin typeface="Cambria" panose="02040503050406030204" charset="0"/>
+                <a:ea typeface="+mn-ea"/>
+                <a:cs typeface="Cambria" panose="02040503050406030204" charset="0"/>
+              </a:rPr>
+              <a:t>Et</a:t>
+            </a:r>
+            <a:r>
+              <a:rPr kumimoji="0" lang="en-US" sz="1400" b="0" i="0" u="none" strike="noStrike" kern="1200" cap="none" spc="0" normalizeH="0" baseline="0" noProof="1">
+                <a:solidFill>
+                  <a:schemeClr val="tx1"/>
+                </a:solidFill>
+                <a:latin typeface="Cambria" panose="02040503050406030204" charset="0"/>
+                <a:ea typeface="+mn-ea"/>
+                <a:cs typeface="Cambria" panose="02040503050406030204" charset="0"/>
+              </a:rPr>
+              <a:t>. </a:t>
+            </a:r>
+            <a:endParaRPr kumimoji="0" lang="en-US" sz="1400" b="0" i="0" u="none" strike="noStrike" kern="1200" cap="none" spc="0" normalizeH="0" baseline="0" noProof="1">
+              <a:solidFill>
+                <a:schemeClr val="tx1"/>
+              </a:solidFill>
+              <a:latin typeface="Cambria" panose="02040503050406030204" charset="0"/>
+              <a:ea typeface="+mn-ea"/>
+              <a:cs typeface="Cambria" panose="02040503050406030204" charset="0"/>
+            </a:endParaRPr>
+          </a:p>
+          <a:p>
+            <a:pPr marL="342900" marR="0" indent="-342900" algn="l" defTabSz="914400" rtl="0" eaLnBrk="1" fontAlgn="base" latinLnBrk="0" hangingPunct="1">
+              <a:lnSpc>
+                <a:spcPct val="100000"/>
+              </a:lnSpc>
+              <a:spcBef>
+                <a:spcPct val="20000"/>
+              </a:spcBef>
+              <a:spcAft>
+                <a:spcPct val="0"/>
+              </a:spcAft>
+              <a:buClrTx/>
+              <a:buSzTx/>
+              <a:buFontTx/>
+              <a:buChar char="•"/>
+            </a:pPr>
+            <a:r>
+              <a:rPr kumimoji="0" lang="en-US" sz="1400" b="0" i="0" u="none" strike="noStrike" kern="1200" cap="none" spc="0" normalizeH="0" baseline="0" noProof="1">
+                <a:solidFill>
+                  <a:schemeClr val="tx1"/>
+                </a:solidFill>
+                <a:latin typeface="Cambria" panose="02040503050406030204" charset="0"/>
+                <a:ea typeface="+mn-ea"/>
+                <a:cs typeface="Cambria" panose="02040503050406030204" charset="0"/>
+              </a:rPr>
+              <a:t>The vision model accepts the image as input and produces the visual embedding </a:t>
+            </a:r>
+            <a:r>
+              <a:rPr kumimoji="0" lang="en-US" sz="1600" b="1" i="0" u="none" strike="noStrike" kern="1200" cap="none" spc="0" normalizeH="0" baseline="0" noProof="1">
+                <a:solidFill>
+                  <a:schemeClr val="tx1"/>
+                </a:solidFill>
+                <a:latin typeface="Cambria" panose="02040503050406030204" charset="0"/>
+                <a:ea typeface="+mn-ea"/>
+                <a:cs typeface="Cambria" panose="02040503050406030204" charset="0"/>
+              </a:rPr>
+              <a:t>Ev(768)</a:t>
+            </a:r>
+            <a:endParaRPr kumimoji="0" lang="en-US" sz="1600" b="1" i="0" u="none" strike="noStrike" kern="1200" cap="none" spc="0" normalizeH="0" baseline="0" noProof="1">
+              <a:solidFill>
+                <a:schemeClr val="tx1"/>
+              </a:solidFill>
+              <a:latin typeface="Cambria" panose="02040503050406030204" charset="0"/>
+              <a:ea typeface="+mn-ea"/>
+              <a:cs typeface="Cambria" panose="02040503050406030204" charset="0"/>
+            </a:endParaRPr>
+          </a:p>
+          <a:p>
+            <a:pPr marL="342900" marR="0" indent="-342900" algn="l" defTabSz="914400" rtl="0" eaLnBrk="1" fontAlgn="base" latinLnBrk="0" hangingPunct="1">
+              <a:lnSpc>
+                <a:spcPct val="100000"/>
+              </a:lnSpc>
+              <a:spcBef>
+                <a:spcPct val="20000"/>
+              </a:spcBef>
+              <a:spcAft>
+                <a:spcPct val="0"/>
+              </a:spcAft>
+              <a:buClrTx/>
+              <a:buSzTx/>
+              <a:buFontTx/>
+              <a:buChar char="•"/>
+            </a:pPr>
+            <a:r>
+              <a:rPr kumimoji="0" lang="en-US" sz="1600" b="1" i="0" u="none" strike="noStrike" kern="1200" cap="none" spc="0" normalizeH="0" baseline="0" noProof="1">
+                <a:solidFill>
+                  <a:schemeClr val="tx1"/>
+                </a:solidFill>
+                <a:latin typeface="Cambria" panose="02040503050406030204" charset="0"/>
+                <a:ea typeface="+mn-ea"/>
+                <a:cs typeface="Cambria" panose="02040503050406030204" charset="0"/>
+              </a:rPr>
+              <a:t>Ev</a:t>
+            </a:r>
+            <a:r>
+              <a:rPr kumimoji="0" lang="en-US" sz="1400" b="0" i="0" u="none" strike="noStrike" kern="1200" cap="none" spc="0" normalizeH="0" baseline="0" noProof="1">
+                <a:solidFill>
+                  <a:schemeClr val="tx1"/>
+                </a:solidFill>
+                <a:latin typeface="Cambria" panose="02040503050406030204" charset="0"/>
+                <a:ea typeface="+mn-ea"/>
+                <a:cs typeface="Cambria" panose="02040503050406030204" charset="0"/>
+              </a:rPr>
+              <a:t> is then fed to the weight mapping module, producing a set of weights </a:t>
+            </a:r>
+            <a:r>
+              <a:rPr kumimoji="0" lang="en-US" sz="1600" b="1" i="0" u="none" strike="noStrike" kern="1200" cap="none" spc="0" normalizeH="0" baseline="0" noProof="1">
+                <a:solidFill>
+                  <a:schemeClr val="tx1"/>
+                </a:solidFill>
+                <a:latin typeface="Cambria" panose="02040503050406030204" charset="0"/>
+                <a:ea typeface="+mn-ea"/>
+                <a:cs typeface="Cambria" panose="02040503050406030204" charset="0"/>
+              </a:rPr>
+              <a:t>θ</a:t>
+            </a:r>
+            <a:r>
+              <a:rPr kumimoji="0" lang="en-US" sz="1400" b="0" i="0" u="none" strike="noStrike" kern="1200" cap="none" spc="0" normalizeH="0" baseline="0" noProof="1">
+                <a:solidFill>
+                  <a:schemeClr val="tx1"/>
+                </a:solidFill>
+                <a:latin typeface="Cambria" panose="02040503050406030204" charset="0"/>
+                <a:ea typeface="+mn-ea"/>
+                <a:cs typeface="Cambria" panose="02040503050406030204" charset="0"/>
+              </a:rPr>
+              <a:t>.</a:t>
+            </a:r>
+            <a:endParaRPr kumimoji="0" lang="en-US" sz="1400" b="0" i="0" u="none" strike="noStrike" kern="1200" cap="none" spc="0" normalizeH="0" baseline="0" noProof="1">
+              <a:solidFill>
+                <a:schemeClr val="tx1"/>
+              </a:solidFill>
+              <a:latin typeface="Cambria" panose="02040503050406030204" charset="0"/>
+              <a:ea typeface="+mn-ea"/>
+              <a:cs typeface="Cambria" panose="02040503050406030204" charset="0"/>
+            </a:endParaRPr>
+          </a:p>
+          <a:p>
+            <a:pPr marL="342900" marR="0" indent="-342900" algn="l" defTabSz="914400" rtl="0" eaLnBrk="1" fontAlgn="base" latinLnBrk="0" hangingPunct="1">
+              <a:lnSpc>
+                <a:spcPct val="100000"/>
+              </a:lnSpc>
+              <a:spcBef>
+                <a:spcPct val="20000"/>
+              </a:spcBef>
+              <a:spcAft>
+                <a:spcPct val="0"/>
+              </a:spcAft>
+              <a:buClrTx/>
+              <a:buSzTx/>
+              <a:buFontTx/>
+              <a:buChar char="•"/>
+            </a:pPr>
+            <a:r>
+              <a:rPr kumimoji="0" lang="en-US" sz="1400" b="0" i="0" u="none" strike="noStrike" kern="1200" cap="none" spc="0" normalizeH="0" baseline="0" noProof="1">
+                <a:solidFill>
+                  <a:schemeClr val="tx1"/>
+                </a:solidFill>
+                <a:latin typeface="Cambria" panose="02040503050406030204" charset="0"/>
+                <a:ea typeface="+mn-ea"/>
+                <a:cs typeface="Cambria" panose="02040503050406030204" charset="0"/>
+              </a:rPr>
+              <a:t> The decoder is defined as a function </a:t>
+            </a:r>
+            <a:r>
+              <a:rPr kumimoji="0" lang="en-US" sz="1600" b="1" i="0" u="none" strike="noStrike" kern="1200" cap="none" spc="0" normalizeH="0" baseline="0" noProof="1">
+                <a:solidFill>
+                  <a:schemeClr val="tx1"/>
+                </a:solidFill>
+                <a:latin typeface="Cambria" panose="02040503050406030204" charset="0"/>
+                <a:ea typeface="+mn-ea"/>
+                <a:cs typeface="Cambria" panose="02040503050406030204" charset="0"/>
+              </a:rPr>
+              <a:t>f(Et,θ)</a:t>
+            </a:r>
+            <a:r>
+              <a:rPr kumimoji="0" lang="en-US" sz="1400" b="0" i="0" u="none" strike="noStrike" kern="1200" cap="none" spc="0" normalizeH="0" baseline="0" noProof="1">
+                <a:solidFill>
+                  <a:schemeClr val="tx1"/>
+                </a:solidFill>
+                <a:latin typeface="Cambria" panose="02040503050406030204" charset="0"/>
+                <a:ea typeface="+mn-ea"/>
+                <a:cs typeface="Cambria" panose="02040503050406030204" charset="0"/>
+              </a:rPr>
+              <a:t>,that outputs the final binary prediction, is the image </a:t>
+            </a:r>
+            <a:br>
+              <a:rPr lang="en-US" sz="1400">
+                <a:latin typeface="Cambria" panose="02040503050406030204" charset="0"/>
+                <a:cs typeface="Cambria" panose="02040503050406030204" charset="0"/>
+              </a:rPr>
+            </a:br>
+            <a:r>
+              <a:rPr kumimoji="0" lang="en-US" sz="1400" b="0" i="0" u="none" strike="noStrike" kern="1200" cap="none" spc="0" normalizeH="0" baseline="0" noProof="1">
+                <a:solidFill>
+                  <a:schemeClr val="tx1"/>
+                </a:solidFill>
+                <a:latin typeface="Cambria" panose="02040503050406030204" charset="0"/>
+                <a:ea typeface="+mn-ea"/>
+                <a:cs typeface="Cambria" panose="02040503050406030204" charset="0"/>
+              </a:rPr>
+              <a:t>hateful or not hateful?</a:t>
+            </a:r>
+            <a:endParaRPr kumimoji="0" lang="en-US" sz="1400" b="0" i="0" u="none" strike="noStrike" kern="1200" cap="none" spc="0" normalizeH="0" baseline="0" noProof="1">
+              <a:solidFill>
+                <a:schemeClr val="tx1"/>
+              </a:solidFill>
+              <a:latin typeface="Cambria" panose="02040503050406030204" charset="0"/>
+              <a:ea typeface="+mn-ea"/>
+              <a:cs typeface="Cambria" panose="02040503050406030204" charset="0"/>
+            </a:endParaRPr>
+          </a:p>
+          <a:p>
+            <a:pPr marL="0" marR="0" indent="0" algn="l" defTabSz="914400" rtl="0" eaLnBrk="1" fontAlgn="base" latinLnBrk="0" hangingPunct="1">
+              <a:lnSpc>
+                <a:spcPct val="100000"/>
+              </a:lnSpc>
+              <a:spcBef>
+                <a:spcPct val="20000"/>
+              </a:spcBef>
+              <a:spcAft>
+                <a:spcPct val="0"/>
+              </a:spcAft>
+              <a:buClrTx/>
+              <a:buSzTx/>
+              <a:buFontTx/>
+              <a:buNone/>
+            </a:pPr>
+            <a:endParaRPr kumimoji="0" lang="en-US" sz="1400" b="0" i="0" u="none" strike="noStrike" kern="1200" cap="none" spc="0" normalizeH="0" baseline="0" noProof="1">
+              <a:solidFill>
+                <a:schemeClr val="tx1"/>
+              </a:solidFill>
+              <a:latin typeface="Cambria" panose="02040503050406030204" charset="0"/>
+              <a:ea typeface="+mn-ea"/>
+              <a:cs typeface="Cambria" panose="02040503050406030204" charset="0"/>
+            </a:endParaRPr>
+          </a:p>
+        </p:txBody>
+      </p:sp>
+      <p:pic>
+        <p:nvPicPr>
+          <p:cNvPr id="12291" name="Picture 3"/>
+          <p:cNvPicPr>
+            <a:picLocks noChangeAspect="1"/>
+          </p:cNvPicPr>
+          <p:nvPr/>
+        </p:nvPicPr>
+        <p:blipFill>
+          <a:blip r:embed="rId1"/>
+          <a:stretch>
+            <a:fillRect/>
+          </a:stretch>
+        </p:blipFill>
+        <p:spPr>
+          <a:xfrm>
+            <a:off x="2914650" y="1504950"/>
+            <a:ext cx="4243388" cy="2227263"/>
+          </a:xfrm>
+          <a:prstGeom prst="rect">
+            <a:avLst/>
+          </a:prstGeom>
+          <a:noFill/>
+          <a:ln w="9525">
+            <a:noFill/>
+          </a:ln>
+        </p:spPr>
+      </p:pic>
+    </p:spTree>
+  </p:cSld>
+  <p:clrMapOvr>
+    <a:masterClrMapping/>
+  </p:clrMapOvr>
+</p:sld>
+</file>
+
+<file path=ppt/slides/slide13.xml><?xml version="1.0" encoding="utf-8"?>
+<p:sld xmlns:a="http://schemas.openxmlformats.org/drawingml/2006/main" xmlns:r="http://schemas.openxmlformats.org/officeDocument/2006/relationships" xmlns:p="http://schemas.openxmlformats.org/presentationml/2006/main">
+  <p:cSld>
+    <p:spTree>
+      <p:nvGrpSpPr>
+        <p:cNvPr id="1" name=""/>
+        <p:cNvGrpSpPr/>
+        <p:nvPr/>
+      </p:nvGrpSpPr>
+      <p:grpSpPr/>
+      <p:sp>
+        <p:nvSpPr>
+          <p:cNvPr id="2" name="Title 1"/>
+          <p:cNvSpPr>
+            <a:spLocks noGrp="1"/>
+          </p:cNvSpPr>
+          <p:nvPr>
+            <p:ph type="title"/>
+          </p:nvPr>
+        </p:nvSpPr>
+        <p:spPr/>
+        <p:txBody>
+          <a:bodyPr/>
+          <a:p>
+            <a:pPr algn="ctr"/>
+            <a:r>
+              <a:rPr lang="en-US" sz="1800">
+                <a:latin typeface="Cambria" panose="02040503050406030204" charset="0"/>
+                <a:cs typeface="Cambria" panose="02040503050406030204" charset="0"/>
+              </a:rPr>
+              <a:t>Hypernetwork functional image representation</a:t>
+            </a:r>
+            <a:br>
+              <a:rPr lang="en-US" sz="1800">
+                <a:latin typeface="Cambria" panose="02040503050406030204" charset="0"/>
+                <a:cs typeface="Cambria" panose="02040503050406030204" charset="0"/>
+              </a:rPr>
+            </a:br>
+            <a:r>
+              <a:rPr lang="en-US" sz="1800">
+                <a:latin typeface="Cambria" panose="02040503050406030204" charset="0"/>
+                <a:cs typeface="Cambria" panose="02040503050406030204" charset="0"/>
+              </a:rPr>
+              <a:t>Sylwester Klocek, Łukasz Maziarka, Maciej Wołczyk, Jacek Tabor, Jakub</a:t>
+            </a:r>
+            <a:br>
+              <a:rPr lang="en-US" sz="1800">
+                <a:latin typeface="Cambria" panose="02040503050406030204" charset="0"/>
+                <a:cs typeface="Cambria" panose="02040503050406030204" charset="0"/>
+              </a:rPr>
+            </a:br>
+            <a:r>
+              <a:rPr lang="en-US" sz="1800">
+                <a:latin typeface="Cambria" panose="02040503050406030204" charset="0"/>
+                <a:cs typeface="Cambria" panose="02040503050406030204" charset="0"/>
+              </a:rPr>
+              <a:t>Nowak, and Marek Śmieja</a:t>
+            </a:r>
+            <a:endParaRPr lang="en-US" sz="1800">
+              <a:latin typeface="Cambria" panose="02040503050406030204" charset="0"/>
+              <a:cs typeface="Cambria" panose="02040503050406030204" charset="0"/>
+            </a:endParaRPr>
+          </a:p>
+        </p:txBody>
+      </p:sp>
+      <p:sp>
+        <p:nvSpPr>
+          <p:cNvPr id="3" name="Content Placeholder 2"/>
+          <p:cNvSpPr>
+            <a:spLocks noGrp="1"/>
+          </p:cNvSpPr>
+          <p:nvPr>
+            <p:ph sz="half" idx="1"/>
+          </p:nvPr>
+        </p:nvSpPr>
+        <p:spPr>
+          <a:xfrm>
+            <a:off x="1485900" y="1844675"/>
+            <a:ext cx="4032504" cy="4525963"/>
+          </a:xfrm>
+        </p:spPr>
+        <p:txBody>
+          <a:bodyPr/>
+          <a:p>
+            <a:r>
+              <a:rPr lang="en-US" sz="1600">
+                <a:latin typeface="Times New Roman" panose="02020603050405020304" charset="0"/>
+                <a:cs typeface="Times New Roman" panose="02020603050405020304" charset="0"/>
+              </a:rPr>
+              <a:t>The aim of this paper is a proof of concept that one can effectively construct and train functional representations of images.</a:t>
+            </a:r>
+            <a:endParaRPr lang="en-US" sz="1600">
+              <a:latin typeface="Times New Roman" panose="02020603050405020304" charset="0"/>
+              <a:cs typeface="Times New Roman" panose="02020603050405020304" charset="0"/>
+            </a:endParaRPr>
+          </a:p>
+          <a:p>
+            <a:endParaRPr lang="en-US" sz="1600">
+              <a:latin typeface="Times New Roman" panose="02020603050405020304" charset="0"/>
+              <a:cs typeface="Times New Roman" panose="02020603050405020304" charset="0"/>
+            </a:endParaRPr>
+          </a:p>
+          <a:p>
+            <a:endParaRPr lang="en-US" sz="1600">
+              <a:latin typeface="Times New Roman" panose="02020603050405020304" charset="0"/>
+              <a:cs typeface="Times New Roman" panose="02020603050405020304" charset="0"/>
+            </a:endParaRPr>
+          </a:p>
+          <a:p>
+            <a:r>
+              <a:rPr lang="en-US" sz="1600">
+                <a:latin typeface="Times New Roman" panose="02020603050405020304" charset="0"/>
+                <a:cs typeface="Times New Roman" panose="02020603050405020304" charset="0"/>
+              </a:rPr>
+              <a:t>By a functional (or deep) representation of an image we understand a function (neural network) I : R</a:t>
+            </a:r>
+            <a:r>
+              <a:rPr lang="en-US" sz="1600" baseline="30000">
+                <a:latin typeface="Times New Roman" panose="02020603050405020304" charset="0"/>
+                <a:cs typeface="Times New Roman" panose="02020603050405020304" charset="0"/>
+              </a:rPr>
+              <a:t>2</a:t>
+            </a:r>
+            <a:r>
+              <a:rPr lang="en-US" sz="1600">
+                <a:latin typeface="Times New Roman" panose="02020603050405020304" charset="0"/>
+                <a:cs typeface="Times New Roman" panose="02020603050405020304" charset="0"/>
+              </a:rPr>
+              <a:t> → R</a:t>
+            </a:r>
+            <a:r>
+              <a:rPr lang="en-US" sz="1600" baseline="30000">
+                <a:latin typeface="Times New Roman" panose="02020603050405020304" charset="0"/>
+                <a:cs typeface="Times New Roman" panose="02020603050405020304" charset="0"/>
+              </a:rPr>
+              <a:t>3  </a:t>
+            </a:r>
+            <a:endParaRPr lang="en-US" sz="1600" baseline="30000">
+              <a:latin typeface="Times New Roman" panose="02020603050405020304" charset="0"/>
+              <a:cs typeface="Times New Roman" panose="02020603050405020304" charset="0"/>
+            </a:endParaRPr>
+          </a:p>
+          <a:p>
+            <a:endParaRPr lang="en-US" sz="1600" baseline="30000">
+              <a:latin typeface="Times New Roman" panose="02020603050405020304" charset="0"/>
+              <a:cs typeface="Times New Roman" panose="02020603050405020304" charset="0"/>
+            </a:endParaRPr>
+          </a:p>
+          <a:p>
+            <a:r>
+              <a:rPr lang="en-US" sz="1600">
+                <a:latin typeface="Times New Roman" panose="02020603050405020304" charset="0"/>
+                <a:cs typeface="Times New Roman" panose="02020603050405020304" charset="0"/>
+              </a:rPr>
+              <a:t>Which given a point (with arbitrary coordinates) (x, y) in the plane </a:t>
+            </a:r>
+            <a:br>
+              <a:rPr lang="en-US" sz="1600">
+                <a:latin typeface="Times New Roman" panose="02020603050405020304" charset="0"/>
+                <a:cs typeface="Times New Roman" panose="02020603050405020304" charset="0"/>
+              </a:rPr>
+            </a:br>
+            <a:r>
+              <a:rPr lang="en-US" sz="1600">
+                <a:latin typeface="Times New Roman" panose="02020603050405020304" charset="0"/>
+                <a:cs typeface="Times New Roman" panose="02020603050405020304" charset="0"/>
+              </a:rPr>
+              <a:t>returns the point in [0, 1]</a:t>
+            </a:r>
+            <a:r>
+              <a:rPr lang="en-US" sz="1600" baseline="30000">
+                <a:latin typeface="Times New Roman" panose="02020603050405020304" charset="0"/>
+                <a:cs typeface="Times New Roman" panose="02020603050405020304" charset="0"/>
+              </a:rPr>
+              <a:t>3 </a:t>
+            </a:r>
+            <a:r>
+              <a:rPr lang="en-US" sz="1600">
+                <a:latin typeface="Times New Roman" panose="02020603050405020304" charset="0"/>
+                <a:cs typeface="Times New Roman" panose="02020603050405020304" charset="0"/>
+              </a:rPr>
+              <a:t>representing the RGB values of the color of the </a:t>
+            </a:r>
+            <a:br>
+              <a:rPr lang="en-US" sz="1600">
+                <a:latin typeface="Times New Roman" panose="02020603050405020304" charset="0"/>
+                <a:cs typeface="Times New Roman" panose="02020603050405020304" charset="0"/>
+              </a:rPr>
+            </a:br>
+            <a:r>
+              <a:rPr lang="en-US" sz="1600">
+                <a:latin typeface="Times New Roman" panose="02020603050405020304" charset="0"/>
+                <a:cs typeface="Times New Roman" panose="02020603050405020304" charset="0"/>
+              </a:rPr>
+              <a:t>image at (x, y).</a:t>
+            </a:r>
+            <a:endParaRPr lang="en-US" sz="1600">
+              <a:latin typeface="Times New Roman" panose="02020603050405020304" charset="0"/>
+              <a:cs typeface="Times New Roman" panose="02020603050405020304" charset="0"/>
+            </a:endParaRPr>
+          </a:p>
+          <a:p>
+            <a:endParaRPr lang="en-US" sz="1600">
+              <a:latin typeface="Times New Roman" panose="02020603050405020304" charset="0"/>
+              <a:cs typeface="Times New Roman" panose="02020603050405020304" charset="0"/>
+            </a:endParaRPr>
+          </a:p>
+          <a:p>
+            <a:endParaRPr lang="en-US" sz="1600">
+              <a:latin typeface="Times New Roman" panose="02020603050405020304" charset="0"/>
+              <a:cs typeface="Times New Roman" panose="02020603050405020304" charset="0"/>
+            </a:endParaRPr>
+          </a:p>
+        </p:txBody>
+      </p:sp>
+      <p:pic>
+        <p:nvPicPr>
+          <p:cNvPr id="4" name="Content Placeholder 3"/>
+          <p:cNvPicPr>
+            <a:picLocks noChangeAspect="1"/>
+          </p:cNvPicPr>
+          <p:nvPr>
+            <p:ph sz="half" idx="2"/>
+          </p:nvPr>
+        </p:nvPicPr>
+        <p:blipFill>
+          <a:blip r:embed="rId1">
+            <a:clrChange>
+              <a:clrFrom>
+                <a:srgbClr val="FFFFFF">
+                  <a:alpha val="100000"/>
+                </a:srgbClr>
+              </a:clrFrom>
+              <a:clrTo>
+                <a:srgbClr val="FFFFFF">
+                  <a:alpha val="100000"/>
+                  <a:alpha val="0"/>
+                </a:srgbClr>
+              </a:clrTo>
+            </a:clrChange>
+          </a:blip>
+          <a:stretch>
+            <a:fillRect/>
+          </a:stretch>
+        </p:blipFill>
+        <p:spPr>
+          <a:xfrm>
+            <a:off x="5877560" y="1844675"/>
+            <a:ext cx="5408295" cy="3816985"/>
+          </a:xfrm>
+          <a:prstGeom prst="rect">
+            <a:avLst/>
+          </a:prstGeom>
+          <a:noFill/>
+          <a:ln w="9525">
+            <a:noFill/>
+          </a:ln>
+        </p:spPr>
+      </p:pic>
+    </p:spTree>
+  </p:cSld>
+  <p:clrMapOvr>
+    <a:masterClrMapping/>
+  </p:clrMapOvr>
+</p:sld>
+</file>
+
+<file path=ppt/slides/slide14.xml><?xml version="1.0" encoding="utf-8"?>
+<p:sld xmlns:a="http://schemas.openxmlformats.org/drawingml/2006/main" xmlns:r="http://schemas.openxmlformats.org/officeDocument/2006/relationships" xmlns:p="http://schemas.openxmlformats.org/presentationml/2006/main">
+  <p:cSld>
+    <p:spTree>
+      <p:nvGrpSpPr>
+        <p:cNvPr id="1" name=""/>
+        <p:cNvGrpSpPr/>
+        <p:nvPr/>
+      </p:nvGrpSpPr>
+      <p:grpSpPr/>
+      <p:sp>
+        <p:nvSpPr>
+          <p:cNvPr id="6" name="Content Placeholder 5"/>
+          <p:cNvSpPr/>
+          <p:nvPr>
+            <p:ph idx="1"/>
+          </p:nvPr>
+        </p:nvSpPr>
+        <p:spPr>
+          <a:xfrm>
+            <a:off x="457200" y="1276350"/>
+            <a:ext cx="8229600" cy="5442585"/>
+          </a:xfrm>
+        </p:spPr>
+        <p:txBody>
+          <a:bodyPr/>
+          <a:p>
+            <a:r>
+              <a:rPr lang="en-US">
+                <a:latin typeface="Times New Roman" panose="02020603050405020304" charset="0"/>
+                <a:cs typeface="Times New Roman" panose="02020603050405020304" charset="0"/>
+              </a:rPr>
+              <a:t> </a:t>
+            </a:r>
+            <a:r>
+              <a:rPr lang="en-US" sz="2000">
+                <a:latin typeface="Times New Roman" panose="02020603050405020304" charset="0"/>
+                <a:cs typeface="Times New Roman" panose="02020603050405020304" charset="0"/>
+              </a:rPr>
+              <a:t>Hypernetwork model</a:t>
+            </a:r>
+            <a:endParaRPr lang="en-US">
+              <a:latin typeface="Times New Roman" panose="02020603050405020304" charset="0"/>
+              <a:cs typeface="Times New Roman" panose="02020603050405020304" charset="0"/>
+            </a:endParaRPr>
+          </a:p>
+          <a:p>
+            <a:pPr lvl="2"/>
+            <a:endParaRPr lang="en-US" sz="1800">
+              <a:latin typeface="Times New Roman" panose="02020603050405020304" charset="0"/>
+              <a:cs typeface="Times New Roman" panose="02020603050405020304" charset="0"/>
+            </a:endParaRPr>
+          </a:p>
+          <a:p>
+            <a:pPr lvl="2"/>
+            <a:r>
+              <a:rPr lang="en-US" sz="1800">
+                <a:latin typeface="Times New Roman" panose="02020603050405020304" charset="0"/>
+                <a:cs typeface="Times New Roman" panose="02020603050405020304" charset="0"/>
+              </a:rPr>
+              <a:t>Let f : [0, 1]</a:t>
+            </a:r>
+            <a:r>
+              <a:rPr lang="en-US" sz="1800" baseline="30000">
+                <a:latin typeface="Times New Roman" panose="02020603050405020304" charset="0"/>
+                <a:cs typeface="Times New Roman" panose="02020603050405020304" charset="0"/>
+              </a:rPr>
+              <a:t>2</a:t>
+            </a:r>
+            <a:r>
+              <a:rPr lang="en-US" sz="1800">
+                <a:latin typeface="Times New Roman" panose="02020603050405020304" charset="0"/>
+                <a:cs typeface="Times New Roman" panose="02020603050405020304" charset="0"/>
+              </a:rPr>
+              <a:t> → [0, 255]</a:t>
+            </a:r>
+            <a:r>
+              <a:rPr lang="en-US" sz="1800" baseline="30000">
+                <a:latin typeface="Times New Roman" panose="02020603050405020304" charset="0"/>
+                <a:cs typeface="Times New Roman" panose="02020603050405020304" charset="0"/>
+              </a:rPr>
+              <a:t>3</a:t>
+            </a:r>
+            <a:r>
+              <a:rPr lang="en-US" sz="1800">
+                <a:latin typeface="Times New Roman" panose="02020603050405020304" charset="0"/>
+                <a:cs typeface="Times New Roman" panose="02020603050405020304" charset="0"/>
+              </a:rPr>
+              <a:t> be a function describing the image.  To improve this discrete representation,the aim is at creating a function:</a:t>
+            </a:r>
+            <a:endParaRPr lang="en-US" sz="1800">
+              <a:latin typeface="Times New Roman" panose="02020603050405020304" charset="0"/>
+              <a:cs typeface="Times New Roman" panose="02020603050405020304" charset="0"/>
+            </a:endParaRPr>
+          </a:p>
+          <a:p>
+            <a:pPr lvl="4"/>
+            <a:r>
+              <a:rPr lang="en-US" sz="1600">
+                <a:latin typeface="Times New Roman" panose="02020603050405020304" charset="0"/>
+                <a:cs typeface="Times New Roman" panose="02020603050405020304" charset="0"/>
+                <a:sym typeface="+mn-ea"/>
+              </a:rPr>
+              <a:t>Tθ(i, j) = T((i, j), θ) : [0, 1]</a:t>
+            </a:r>
+            <a:r>
+              <a:rPr lang="en-US" sz="1600" baseline="30000">
+                <a:latin typeface="Times New Roman" panose="02020603050405020304" charset="0"/>
+                <a:cs typeface="Times New Roman" panose="02020603050405020304" charset="0"/>
+                <a:sym typeface="+mn-ea"/>
+              </a:rPr>
+              <a:t>2 </a:t>
+            </a:r>
+            <a:r>
+              <a:rPr lang="en-US" sz="1600">
+                <a:latin typeface="Times New Roman" panose="02020603050405020304" charset="0"/>
+                <a:cs typeface="Times New Roman" panose="02020603050405020304" charset="0"/>
+                <a:sym typeface="+mn-ea"/>
+              </a:rPr>
+              <a:t>× Θ → [0, 255]</a:t>
+            </a:r>
+            <a:r>
+              <a:rPr lang="en-US" sz="1600" baseline="30000">
+                <a:latin typeface="Times New Roman" panose="02020603050405020304" charset="0"/>
+                <a:cs typeface="Times New Roman" panose="02020603050405020304" charset="0"/>
+                <a:sym typeface="+mn-ea"/>
+              </a:rPr>
+              <a:t>3   </a:t>
+            </a:r>
+            <a:endParaRPr lang="en-US" sz="1600">
+              <a:latin typeface="Times New Roman" panose="02020603050405020304" charset="0"/>
+              <a:cs typeface="Times New Roman" panose="02020603050405020304" charset="0"/>
+            </a:endParaRPr>
+          </a:p>
+          <a:p>
+            <a:pPr lvl="2"/>
+            <a:r>
+              <a:rPr lang="en-US" sz="1800">
+                <a:latin typeface="Times New Roman" panose="02020603050405020304" charset="0"/>
+                <a:cs typeface="Times New Roman" panose="02020603050405020304" charset="0"/>
+              </a:rPr>
+              <a:t>The approach to this task is by introducing a hypernetwork</a:t>
+            </a:r>
+            <a:endParaRPr lang="en-US" sz="1800">
+              <a:latin typeface="Times New Roman" panose="02020603050405020304" charset="0"/>
+              <a:cs typeface="Times New Roman" panose="02020603050405020304" charset="0"/>
+            </a:endParaRPr>
+          </a:p>
+          <a:p>
+            <a:pPr lvl="4"/>
+            <a:r>
+              <a:rPr lang="en-US" sz="1600">
+                <a:latin typeface="Times New Roman" panose="02020603050405020304" charset="0"/>
+                <a:cs typeface="Times New Roman" panose="02020603050405020304" charset="0"/>
+              </a:rPr>
+              <a:t>Hϕ :  (x</a:t>
+            </a:r>
+            <a:r>
+              <a:rPr lang="en-US" sz="1600">
+                <a:latin typeface="Times New Roman" panose="02020603050405020304" charset="0"/>
+                <a:cs typeface="Times New Roman" panose="02020603050405020304" charset="0"/>
+                <a:sym typeface="+mn-ea"/>
+              </a:rPr>
+              <a:t>∈ X)</a:t>
+            </a:r>
+            <a:r>
+              <a:rPr lang="en-US" sz="1600">
+                <a:latin typeface="Times New Roman" panose="02020603050405020304" charset="0"/>
+                <a:cs typeface="Times New Roman" panose="02020603050405020304" charset="0"/>
+              </a:rPr>
+              <a:t> → (θ ∈ Θ)</a:t>
+            </a:r>
+            <a:br>
+              <a:rPr lang="en-US" sz="1600">
+                <a:latin typeface="Times New Roman" panose="02020603050405020304" charset="0"/>
+                <a:cs typeface="Times New Roman" panose="02020603050405020304" charset="0"/>
+              </a:rPr>
+            </a:br>
+            <a:r>
+              <a:rPr lang="en-US" sz="1000">
+                <a:latin typeface="Times New Roman" panose="02020603050405020304" charset="0"/>
+                <a:cs typeface="Times New Roman" panose="02020603050405020304" charset="0"/>
+              </a:rPr>
+              <a:t>for an image x ∈ X returns weights θ to the corresponding target network Tθ.</a:t>
+            </a:r>
+            <a:endParaRPr lang="en-US" sz="1000">
+              <a:latin typeface="Times New Roman" panose="02020603050405020304" charset="0"/>
+              <a:cs typeface="Times New Roman" panose="02020603050405020304" charset="0"/>
+            </a:endParaRPr>
+          </a:p>
+          <a:p>
+            <a:pPr lvl="2"/>
+            <a:r>
+              <a:rPr lang="en-US" sz="1800">
+                <a:latin typeface="Times New Roman" panose="02020603050405020304" charset="0"/>
+                <a:cs typeface="Times New Roman" panose="02020603050405020304" charset="0"/>
+                <a:sym typeface="+mn-ea"/>
+              </a:rPr>
+              <a:t>To use the above model, we need to train the weights ϕ of the hypernetwork.</a:t>
+            </a:r>
+            <a:endParaRPr lang="en-US" sz="1800">
+              <a:latin typeface="Times New Roman" panose="02020603050405020304" charset="0"/>
+              <a:cs typeface="Times New Roman" panose="02020603050405020304" charset="0"/>
+            </a:endParaRPr>
+          </a:p>
+          <a:p>
+            <a:pPr lvl="2"/>
+            <a:r>
+              <a:rPr lang="en-US" sz="1800">
+                <a:latin typeface="Times New Roman" panose="02020603050405020304" charset="0"/>
+                <a:cs typeface="Times New Roman" panose="02020603050405020304" charset="0"/>
+                <a:sym typeface="+mn-ea"/>
+              </a:rPr>
+              <a:t>For this purpose, we minimize classical mean squared error (MSE) over training images.</a:t>
+            </a:r>
+            <a:endParaRPr lang="en-US" sz="1800">
+              <a:latin typeface="Times New Roman" panose="02020603050405020304" charset="0"/>
+              <a:cs typeface="Times New Roman" panose="02020603050405020304" charset="0"/>
+            </a:endParaRPr>
+          </a:p>
+          <a:p>
+            <a:pPr lvl="2"/>
+            <a:r>
+              <a:rPr lang="en-US" sz="1800">
+                <a:latin typeface="Times New Roman" panose="02020603050405020304" charset="0"/>
+                <a:cs typeface="Times New Roman" panose="02020603050405020304" charset="0"/>
+                <a:sym typeface="+mn-ea"/>
+              </a:rPr>
+              <a:t>More precisely, we take an input image x ∈ X and pass it to Hϕ. </a:t>
+            </a:r>
+            <a:endParaRPr lang="en-US" sz="1800">
+              <a:latin typeface="Times New Roman" panose="02020603050405020304" charset="0"/>
+              <a:cs typeface="Times New Roman" panose="02020603050405020304" charset="0"/>
+            </a:endParaRPr>
+          </a:p>
+          <a:p>
+            <a:pPr lvl="2"/>
+            <a:r>
+              <a:rPr lang="en-US" sz="1800">
+                <a:latin typeface="Times New Roman" panose="02020603050405020304" charset="0"/>
+                <a:cs typeface="Times New Roman" panose="02020603050405020304" charset="0"/>
+                <a:sym typeface="+mn-ea"/>
+              </a:rPr>
+              <a:t>The hypernetwork returns weights θ to target network Tθ.</a:t>
+            </a:r>
+            <a:endParaRPr lang="en-US">
+              <a:latin typeface="Times New Roman" panose="02020603050405020304" charset="0"/>
+              <a:cs typeface="Times New Roman" panose="02020603050405020304" charset="0"/>
+            </a:endParaRPr>
+          </a:p>
+          <a:p>
+            <a:pPr lvl="3"/>
+            <a:endParaRPr lang="en-US">
+              <a:latin typeface="Times New Roman" panose="02020603050405020304" charset="0"/>
+              <a:cs typeface="Times New Roman" panose="02020603050405020304" charset="0"/>
+            </a:endParaRPr>
+          </a:p>
+          <a:p>
+            <a:pPr marL="1828800" lvl="4" indent="0">
+              <a:buNone/>
+            </a:pPr>
+            <a:endParaRPr lang="en-US" baseline="30000">
+              <a:latin typeface="Times New Roman" panose="02020603050405020304" charset="0"/>
+              <a:cs typeface="Times New Roman" panose="02020603050405020304" charset="0"/>
+            </a:endParaRPr>
+          </a:p>
+        </p:txBody>
+      </p:sp>
+      <p:sp>
+        <p:nvSpPr>
+          <p:cNvPr id="7" name="Title 6"/>
+          <p:cNvSpPr>
+            <a:spLocks noGrp="1"/>
+          </p:cNvSpPr>
+          <p:nvPr>
+            <p:ph type="title"/>
+          </p:nvPr>
+        </p:nvSpPr>
+        <p:spPr>
+          <a:xfrm>
+            <a:off x="838200" y="365125"/>
+            <a:ext cx="10515600" cy="737235"/>
+          </a:xfrm>
+        </p:spPr>
+        <p:txBody>
+          <a:bodyPr/>
+          <a:p>
+            <a:r>
+              <a:rPr lang="en-US" sz="2800">
+                <a:latin typeface="Cambria" panose="02040503050406030204" charset="0"/>
+                <a:cs typeface="Cambria" panose="02040503050406030204" charset="0"/>
+              </a:rPr>
+              <a:t>Functional Representation of an Image</a:t>
+            </a:r>
+            <a:endParaRPr lang="en-US" sz="2800">
+              <a:latin typeface="Cambria" panose="02040503050406030204" charset="0"/>
+              <a:cs typeface="Cambria" panose="02040503050406030204" charset="0"/>
+            </a:endParaRPr>
+          </a:p>
+        </p:txBody>
+      </p:sp>
+    </p:spTree>
+  </p:cSld>
+  <p:clrMapOvr>
+    <a:masterClrMapping/>
+  </p:clrMapOvr>
+</p:sld>
+</file>
+
+<file path=ppt/slides/slide15.xml><?xml version="1.0" encoding="utf-8"?>
+<p:sld xmlns:a="http://schemas.openxmlformats.org/drawingml/2006/main" xmlns:r="http://schemas.openxmlformats.org/officeDocument/2006/relationships" xmlns:p="http://schemas.openxmlformats.org/presentationml/2006/main">
+  <p:cSld>
+    <p:spTree>
+      <p:nvGrpSpPr>
+        <p:cNvPr id="1" name=""/>
+        <p:cNvGrpSpPr/>
+        <p:nvPr/>
+      </p:nvGrpSpPr>
+      <p:grpSpPr/>
+      <p:pic>
+        <p:nvPicPr>
+          <p:cNvPr id="4" name="Content Placeholder 3"/>
+          <p:cNvPicPr>
+            <a:picLocks noChangeAspect="1"/>
+          </p:cNvPicPr>
+          <p:nvPr>
+            <p:ph idx="1"/>
+          </p:nvPr>
+        </p:nvPicPr>
+        <p:blipFill>
+          <a:blip r:embed="rId1"/>
+          <a:srcRect l="10845" r="5992"/>
+          <a:stretch>
+            <a:fillRect/>
+          </a:stretch>
+        </p:blipFill>
+        <p:spPr>
+          <a:xfrm>
+            <a:off x="811530" y="539115"/>
+            <a:ext cx="4720590" cy="5515610"/>
+          </a:xfrm>
+          <a:prstGeom prst="rect">
+            <a:avLst/>
+          </a:prstGeom>
+          <a:noFill/>
+          <a:ln w="9525">
+            <a:noFill/>
+          </a:ln>
+        </p:spPr>
+      </p:pic>
+      <p:sp>
+        <p:nvSpPr>
+          <p:cNvPr id="5" name="Text Box 4"/>
+          <p:cNvSpPr txBox="1"/>
+          <p:nvPr/>
+        </p:nvSpPr>
+        <p:spPr>
+          <a:xfrm>
+            <a:off x="5909945" y="1374140"/>
+            <a:ext cx="4998720" cy="4584700"/>
+          </a:xfrm>
+          <a:prstGeom prst="rect">
+            <a:avLst/>
+          </a:prstGeom>
+          <a:noFill/>
+        </p:spPr>
+        <p:txBody>
+          <a:bodyPr wrap="square" rtlCol="0">
+            <a:spAutoFit/>
+          </a:bodyPr>
+          <a:p>
+            <a:pPr marL="285750" indent="-285750" algn="l">
+              <a:buFont typeface="Arial" panose="020B0604020202020204" pitchFamily="34" charset="0"/>
+              <a:buChar char="•"/>
+            </a:pPr>
+            <a:r>
+              <a:rPr lang="en-US" sz="1400">
+                <a:latin typeface="Times New Roman" panose="02020603050405020304" charset="0"/>
+                <a:cs typeface="Times New Roman" panose="02020603050405020304" charset="0"/>
+              </a:rPr>
+              <a:t>The first one is common and takes part in</a:t>
+            </a:r>
+            <a:endParaRPr lang="en-US" sz="1400">
+              <a:latin typeface="Times New Roman" panose="02020603050405020304" charset="0"/>
+              <a:cs typeface="Times New Roman" panose="02020603050405020304" charset="0"/>
+            </a:endParaRPr>
+          </a:p>
+          <a:p>
+            <a:pPr algn="l"/>
+            <a:r>
+              <a:rPr lang="en-US" sz="1400">
+                <a:latin typeface="Times New Roman" panose="02020603050405020304" charset="0"/>
+                <a:cs typeface="Times New Roman" panose="02020603050405020304" charset="0"/>
+              </a:rPr>
+              <a:t>     generating weights for all of the target network’s </a:t>
+            </a:r>
+            <a:br>
+              <a:rPr lang="en-US" sz="1400">
+                <a:latin typeface="Times New Roman" panose="02020603050405020304" charset="0"/>
+                <a:cs typeface="Times New Roman" panose="02020603050405020304" charset="0"/>
+              </a:rPr>
+            </a:br>
+            <a:r>
+              <a:rPr lang="en-US" sz="1400">
+                <a:latin typeface="Times New Roman" panose="02020603050405020304" charset="0"/>
+                <a:cs typeface="Times New Roman" panose="02020603050405020304" charset="0"/>
+              </a:rPr>
+              <a:t>     layers. </a:t>
+            </a:r>
+            <a:endParaRPr lang="en-US" sz="1400">
+              <a:latin typeface="Times New Roman" panose="02020603050405020304" charset="0"/>
+              <a:cs typeface="Times New Roman" panose="02020603050405020304" charset="0"/>
+            </a:endParaRPr>
+          </a:p>
+          <a:p>
+            <a:pPr marL="285750" indent="-285750" algn="l">
+              <a:buFont typeface="Arial" panose="020B0604020202020204" pitchFamily="34" charset="0"/>
+              <a:buChar char="•"/>
+            </a:pPr>
+            <a:r>
+              <a:rPr lang="en-US" sz="1400">
+                <a:latin typeface="Times New Roman" panose="02020603050405020304" charset="0"/>
+                <a:cs typeface="Times New Roman" panose="02020603050405020304" charset="0"/>
+              </a:rPr>
+              <a:t>Second part, on the other hand, contains several </a:t>
+            </a:r>
+            <a:br>
+              <a:rPr lang="en-US" sz="1400">
+                <a:latin typeface="Times New Roman" panose="02020603050405020304" charset="0"/>
+                <a:cs typeface="Times New Roman" panose="02020603050405020304" charset="0"/>
+              </a:rPr>
+            </a:br>
+            <a:r>
+              <a:rPr lang="en-US" sz="1400">
+                <a:latin typeface="Times New Roman" panose="02020603050405020304" charset="0"/>
+                <a:cs typeface="Times New Roman" panose="02020603050405020304" charset="0"/>
+              </a:rPr>
+              <a:t>branches. Each branch calculates weights for a</a:t>
+            </a:r>
+            <a:br>
+              <a:rPr lang="en-US" sz="1400">
+                <a:latin typeface="Times New Roman" panose="02020603050405020304" charset="0"/>
+                <a:cs typeface="Times New Roman" panose="02020603050405020304" charset="0"/>
+              </a:rPr>
+            </a:br>
+            <a:r>
+              <a:rPr lang="en-US" sz="1400">
+                <a:latin typeface="Times New Roman" panose="02020603050405020304" charset="0"/>
+                <a:cs typeface="Times New Roman" panose="02020603050405020304" charset="0"/>
+              </a:rPr>
+              <a:t>different layer of target network.</a:t>
+            </a:r>
+            <a:endParaRPr lang="en-US" sz="1400">
+              <a:latin typeface="Times New Roman" panose="02020603050405020304" charset="0"/>
+              <a:cs typeface="Times New Roman" panose="02020603050405020304" charset="0"/>
+            </a:endParaRPr>
+          </a:p>
+          <a:p>
+            <a:pPr marL="285750" indent="-285750" algn="l">
+              <a:buFont typeface="Arial" panose="020B0604020202020204" pitchFamily="34" charset="0"/>
+              <a:buChar char="•"/>
+            </a:pPr>
+            <a:r>
+              <a:rPr lang="en-US" sz="1400">
+                <a:latin typeface="Times New Roman" panose="02020603050405020304" charset="0"/>
+                <a:cs typeface="Times New Roman" panose="02020603050405020304" charset="0"/>
+              </a:rPr>
+              <a:t>Common Layers:</a:t>
+            </a:r>
+            <a:endParaRPr lang="en-US" sz="1400">
+              <a:latin typeface="Times New Roman" panose="02020603050405020304" charset="0"/>
+              <a:cs typeface="Times New Roman" panose="02020603050405020304" charset="0"/>
+            </a:endParaRPr>
+          </a:p>
+          <a:p>
+            <a:pPr marL="742950" lvl="1" indent="-285750" algn="l">
+              <a:buFont typeface="Arial" panose="020B0604020202020204" pitchFamily="34" charset="0"/>
+              <a:buChar char="•"/>
+            </a:pPr>
+            <a:r>
+              <a:rPr lang="en-US" sz="1200">
+                <a:latin typeface="Times New Roman" panose="02020603050405020304" charset="0"/>
+                <a:cs typeface="Times New Roman" panose="02020603050405020304" charset="0"/>
+              </a:rPr>
+              <a:t>The task of common layers is to extract meaningful features.</a:t>
+            </a:r>
+            <a:endParaRPr lang="en-US" sz="1200">
+              <a:latin typeface="Times New Roman" panose="02020603050405020304" charset="0"/>
+              <a:cs typeface="Times New Roman" panose="02020603050405020304" charset="0"/>
+            </a:endParaRPr>
+          </a:p>
+          <a:p>
+            <a:pPr marL="742950" lvl="1" indent="-285750" algn="l">
+              <a:buFont typeface="Arial" panose="020B0604020202020204" pitchFamily="34" charset="0"/>
+              <a:buChar char="•"/>
+            </a:pPr>
+            <a:r>
+              <a:rPr lang="en-US" sz="1200">
+                <a:latin typeface="Times New Roman" panose="02020603050405020304" charset="0"/>
+                <a:cs typeface="Times New Roman" panose="02020603050405020304" charset="0"/>
+              </a:rPr>
+              <a:t>This extraction is performed using Naive Inception Module followed by four convolution layers.</a:t>
+            </a:r>
+            <a:endParaRPr lang="en-US" sz="1200">
+              <a:latin typeface="Times New Roman" panose="02020603050405020304" charset="0"/>
+              <a:cs typeface="Times New Roman" panose="02020603050405020304" charset="0"/>
+            </a:endParaRPr>
+          </a:p>
+          <a:p>
+            <a:pPr marL="742950" lvl="1" indent="-285750" algn="l">
+              <a:buFont typeface="Arial" panose="020B0604020202020204" pitchFamily="34" charset="0"/>
+              <a:buChar char="•"/>
+            </a:pPr>
+            <a:r>
+              <a:rPr lang="en-US" sz="1200">
+                <a:latin typeface="Times New Roman" panose="02020603050405020304" charset="0"/>
+                <a:cs typeface="Times New Roman" panose="02020603050405020304" charset="0"/>
+              </a:rPr>
+              <a:t>Inception module leverages three different convolutions and average pooling.</a:t>
+            </a:r>
+            <a:endParaRPr lang="en-US" sz="1200">
+              <a:latin typeface="Times New Roman" panose="02020603050405020304" charset="0"/>
+              <a:cs typeface="Times New Roman" panose="02020603050405020304" charset="0"/>
+            </a:endParaRPr>
+          </a:p>
+          <a:p>
+            <a:pPr marL="742950" lvl="1" indent="-285750" algn="l">
+              <a:buFont typeface="Arial" panose="020B0604020202020204" pitchFamily="34" charset="0"/>
+              <a:buChar char="•"/>
+            </a:pPr>
+            <a:r>
+              <a:rPr lang="en-US" sz="1200">
+                <a:latin typeface="Times New Roman" panose="02020603050405020304" charset="0"/>
+                <a:cs typeface="Times New Roman" panose="02020603050405020304" charset="0"/>
+              </a:rPr>
+              <a:t>It improves network accuracy and does not negatively influence training time.</a:t>
+            </a:r>
+            <a:endParaRPr lang="en-US" sz="1200">
+              <a:latin typeface="Times New Roman" panose="02020603050405020304" charset="0"/>
+              <a:cs typeface="Times New Roman" panose="02020603050405020304" charset="0"/>
+            </a:endParaRPr>
+          </a:p>
+          <a:p>
+            <a:pPr marL="285750" lvl="0" indent="-285750" algn="l">
+              <a:buFont typeface="Arial" panose="020B0604020202020204" pitchFamily="34" charset="0"/>
+              <a:buChar char="•"/>
+            </a:pPr>
+            <a:r>
+              <a:rPr lang="en-US" sz="1400">
+                <a:latin typeface="Times New Roman" panose="02020603050405020304" charset="0"/>
+                <a:cs typeface="Times New Roman" panose="02020603050405020304" charset="0"/>
+              </a:rPr>
+              <a:t>Seprate Layers:</a:t>
+            </a:r>
+            <a:endParaRPr lang="en-US" sz="1400">
+              <a:latin typeface="Times New Roman" panose="02020603050405020304" charset="0"/>
+              <a:cs typeface="Times New Roman" panose="02020603050405020304" charset="0"/>
+            </a:endParaRPr>
+          </a:p>
+          <a:p>
+            <a:pPr marL="742950" lvl="1" indent="-285750" algn="l">
+              <a:buFont typeface="Arial" panose="020B0604020202020204" pitchFamily="34" charset="0"/>
+              <a:buChar char="•"/>
+            </a:pPr>
+            <a:r>
+              <a:rPr lang="en-US" sz="1200">
+                <a:latin typeface="Times New Roman" panose="02020603050405020304" charset="0"/>
+                <a:cs typeface="Times New Roman" panose="02020603050405020304" charset="0"/>
+              </a:rPr>
+              <a:t>There are multiple branches responsible for converting extracted features into actual weights of target network.</a:t>
+            </a:r>
+            <a:endParaRPr lang="en-US" sz="1200">
+              <a:latin typeface="Times New Roman" panose="02020603050405020304" charset="0"/>
+              <a:cs typeface="Times New Roman" panose="02020603050405020304" charset="0"/>
+            </a:endParaRPr>
+          </a:p>
+          <a:p>
+            <a:pPr marL="742950" lvl="1" indent="-285750" algn="l">
+              <a:buFont typeface="Arial" panose="020B0604020202020204" pitchFamily="34" charset="0"/>
+              <a:buChar char="•"/>
+            </a:pPr>
+            <a:r>
+              <a:rPr lang="en-US" sz="1200">
+                <a:latin typeface="Times New Roman" panose="02020603050405020304" charset="0"/>
+                <a:cs typeface="Times New Roman" panose="02020603050405020304" charset="0"/>
+              </a:rPr>
+              <a:t>Batch normalization is used after each layer of hypernetwork and ReLU is chosen as the activation function.</a:t>
+            </a:r>
+            <a:endParaRPr lang="en-US" sz="1200">
+              <a:latin typeface="Times New Roman" panose="02020603050405020304" charset="0"/>
+              <a:cs typeface="Times New Roman" panose="02020603050405020304" charset="0"/>
+            </a:endParaRPr>
+          </a:p>
+          <a:p>
+            <a:pPr marL="742950" lvl="1" indent="-285750" algn="l">
+              <a:buFont typeface="Arial" panose="020B0604020202020204" pitchFamily="34" charset="0"/>
+              <a:buChar char="•"/>
+            </a:pPr>
+            <a:endParaRPr lang="en-US" sz="1200">
+              <a:latin typeface="Times New Roman" panose="02020603050405020304" charset="0"/>
+              <a:cs typeface="Times New Roman" panose="02020603050405020304" charset="0"/>
+            </a:endParaRPr>
+          </a:p>
+          <a:p>
+            <a:pPr marL="0" indent="0">
+              <a:buNone/>
+            </a:pPr>
+            <a:endParaRPr lang="en-US" sz="1200">
+              <a:solidFill>
+                <a:schemeClr val="accent1"/>
+              </a:solidFill>
+              <a:effectLst>
+                <a:outerShdw blurRad="38100" dist="25400" dir="5400000" algn="ctr" rotWithShape="0">
+                  <a:srgbClr val="6E747A">
+                    <a:alpha val="43000"/>
+                  </a:srgbClr>
+                </a:outerShdw>
+              </a:effectLst>
+            </a:endParaRPr>
+          </a:p>
+          <a:p>
+            <a:pPr marL="0" indent="0">
+              <a:buNone/>
+            </a:pPr>
+            <a:r>
+              <a:rPr lang="en-US" sz="1200">
+                <a:solidFill>
+                  <a:schemeClr val="accent1"/>
+                </a:solidFill>
+                <a:effectLst>
+                  <a:outerShdw blurRad="38100" dist="25400" dir="5400000" algn="ctr" rotWithShape="0">
+                    <a:srgbClr val="6E747A">
+                      <a:alpha val="43000"/>
+                    </a:srgbClr>
+                  </a:outerShdw>
+                </a:effectLst>
+                <a:sym typeface="+mn-ea"/>
+              </a:rPr>
+              <a:t>https://arxiv.org/pdf/1902.10404.pdf</a:t>
+            </a:r>
+            <a:endParaRPr lang="en-US" sz="1200">
+              <a:solidFill>
+                <a:schemeClr val="accent1"/>
+              </a:solidFill>
+              <a:effectLst>
+                <a:outerShdw blurRad="38100" dist="25400" dir="5400000" algn="ctr" rotWithShape="0">
+                  <a:srgbClr val="6E747A">
+                    <a:alpha val="43000"/>
+                  </a:srgbClr>
+                </a:outerShdw>
+              </a:effectLst>
+            </a:endParaRPr>
+          </a:p>
+          <a:p>
+            <a:pPr marL="742950" lvl="1" indent="-285750" algn="l">
+              <a:buFont typeface="Arial" panose="020B0604020202020204" pitchFamily="34" charset="0"/>
+              <a:buChar char="•"/>
+            </a:pPr>
+            <a:endParaRPr lang="en-US" sz="1200">
+              <a:latin typeface="Times New Roman" panose="02020603050405020304" charset="0"/>
+              <a:cs typeface="Times New Roman" panose="02020603050405020304" charset="0"/>
+            </a:endParaRPr>
+          </a:p>
+        </p:txBody>
+      </p:sp>
     </p:spTree>
   </p:cSld>
   <p:clrMapOvr>

--- a/Review - 1.pptx
+++ b/Review - 1.pptx
@@ -5522,7 +5522,7 @@
         <p:spPr>
           <a:xfrm>
             <a:off x="5909945" y="1374140"/>
-            <a:ext cx="4998720" cy="4584700"/>
+            <a:ext cx="4998720" cy="4769485"/>
           </a:xfrm>
           <a:prstGeom prst="rect">
             <a:avLst/>
@@ -5802,6 +5802,39 @@
                 <a:sym typeface="+mn-ea"/>
               </a:rPr>
               <a:t>https://arxiv.org/pdf/1902.10404.pdf</a:t>
+            </a:r>
+            <a:endParaRPr lang="en-US" sz="1200">
+              <a:solidFill>
+                <a:schemeClr val="accent1"/>
+              </a:solidFill>
+              <a:effectLst>
+                <a:outerShdw blurRad="38100" dist="25400" dir="5400000" algn="ctr" rotWithShape="0">
+                  <a:srgbClr val="6E747A">
+                    <a:alpha val="43000"/>
+                  </a:srgbClr>
+                </a:outerShdw>
+              </a:effectLst>
+              <a:sym typeface="+mn-ea"/>
+            </a:endParaRPr>
+          </a:p>
+          <a:p>
+            <a:pPr marL="0" indent="0">
+              <a:buNone/>
+            </a:pPr>
+            <a:r>
+              <a:rPr lang="en-US" sz="1200">
+                <a:solidFill>
+                  <a:schemeClr val="accent1"/>
+                </a:solidFill>
+                <a:effectLst>
+                  <a:outerShdw blurRad="38100" dist="25400" dir="5400000" algn="ctr" rotWithShape="0">
+                    <a:srgbClr val="6E747A">
+                      <a:alpha val="43000"/>
+                    </a:srgbClr>
+                  </a:outerShdw>
+                </a:effectLst>
+              </a:rPr>
+              <a:t>https://ieeexplore.ieee.org/document/8014884</a:t>
             </a:r>
             <a:endParaRPr lang="en-US" sz="1200">
               <a:solidFill>
